--- a/image/medium.pptx
+++ b/image/medium.pptx
@@ -4,14 +4,26 @@
   <p:sldMasterIdLst>
     <p:sldMasterId id="2147483648" r:id="rId1"/>
   </p:sldMasterIdLst>
+  <p:notesMasterIdLst>
+    <p:notesMasterId r:id="rId18"/>
+  </p:notesMasterIdLst>
   <p:sldIdLst>
     <p:sldId id="256" r:id="rId2"/>
     <p:sldId id="257" r:id="rId3"/>
-    <p:sldId id="258" r:id="rId4"/>
-    <p:sldId id="259" r:id="rId5"/>
-    <p:sldId id="261" r:id="rId6"/>
-    <p:sldId id="260" r:id="rId7"/>
-    <p:sldId id="262" r:id="rId8"/>
+    <p:sldId id="264" r:id="rId4"/>
+    <p:sldId id="258" r:id="rId5"/>
+    <p:sldId id="259" r:id="rId6"/>
+    <p:sldId id="261" r:id="rId7"/>
+    <p:sldId id="260" r:id="rId8"/>
+    <p:sldId id="262" r:id="rId9"/>
+    <p:sldId id="267" r:id="rId10"/>
+    <p:sldId id="263" r:id="rId11"/>
+    <p:sldId id="271" r:id="rId12"/>
+    <p:sldId id="265" r:id="rId13"/>
+    <p:sldId id="266" r:id="rId14"/>
+    <p:sldId id="268" r:id="rId15"/>
+    <p:sldId id="269" r:id="rId16"/>
+    <p:sldId id="270" r:id="rId17"/>
   </p:sldIdLst>
   <p:sldSz cx="12192000" cy="6858000"/>
   <p:notesSz cx="6858000" cy="9144000"/>
@@ -118,6 +130,439 @@
 </p:presentation>
 </file>
 
+<file path=ppt/notesMasters/notesMaster1.xml><?xml version="1.0" encoding="utf-8"?>
+<p:notesMaster xmlns:a="http://schemas.openxmlformats.org/drawingml/2006/main" xmlns:r="http://schemas.openxmlformats.org/officeDocument/2006/relationships" xmlns:p="http://schemas.openxmlformats.org/presentationml/2006/main">
+  <p:cSld>
+    <p:bg>
+      <p:bgRef idx="1001">
+        <a:schemeClr val="bg1"/>
+      </p:bgRef>
+    </p:bg>
+    <p:spTree>
+      <p:nvGrpSpPr>
+        <p:cNvPr id="1" name=""/>
+        <p:cNvGrpSpPr/>
+        <p:nvPr/>
+      </p:nvGrpSpPr>
+      <p:grpSpPr>
+        <a:xfrm>
+          <a:off x="0" y="0"/>
+          <a:ext cx="0" cy="0"/>
+          <a:chOff x="0" y="0"/>
+          <a:chExt cx="0" cy="0"/>
+        </a:xfrm>
+      </p:grpSpPr>
+      <p:sp>
+        <p:nvSpPr>
+          <p:cNvPr id="2" name="Header Placeholder 1"/>
+          <p:cNvSpPr>
+            <a:spLocks noGrp="1"/>
+          </p:cNvSpPr>
+          <p:nvPr>
+            <p:ph type="hdr" sz="quarter"/>
+          </p:nvPr>
+        </p:nvSpPr>
+        <p:spPr>
+          <a:xfrm>
+            <a:off x="0" y="0"/>
+            <a:ext cx="2971800" cy="458788"/>
+          </a:xfrm>
+          <a:prstGeom prst="rect">
+            <a:avLst/>
+          </a:prstGeom>
+        </p:spPr>
+        <p:txBody>
+          <a:bodyPr vert="horz" lIns="91440" tIns="45720" rIns="91440" bIns="45720" rtlCol="0"/>
+          <a:lstStyle>
+            <a:lvl1pPr algn="l">
+              <a:defRPr sz="1200"/>
+            </a:lvl1pPr>
+          </a:lstStyle>
+          <a:p>
+            <a:endParaRPr lang="en-US"/>
+          </a:p>
+        </p:txBody>
+      </p:sp>
+      <p:sp>
+        <p:nvSpPr>
+          <p:cNvPr id="3" name="Date Placeholder 2"/>
+          <p:cNvSpPr>
+            <a:spLocks noGrp="1"/>
+          </p:cNvSpPr>
+          <p:nvPr>
+            <p:ph type="dt" idx="1"/>
+          </p:nvPr>
+        </p:nvSpPr>
+        <p:spPr>
+          <a:xfrm>
+            <a:off x="3884613" y="0"/>
+            <a:ext cx="2971800" cy="458788"/>
+          </a:xfrm>
+          <a:prstGeom prst="rect">
+            <a:avLst/>
+          </a:prstGeom>
+        </p:spPr>
+        <p:txBody>
+          <a:bodyPr vert="horz" lIns="91440" tIns="45720" rIns="91440" bIns="45720" rtlCol="0"/>
+          <a:lstStyle>
+            <a:lvl1pPr algn="r">
+              <a:defRPr sz="1200"/>
+            </a:lvl1pPr>
+          </a:lstStyle>
+          <a:p>
+            <a:fld id="{C3F18181-8FF0-534D-9C07-4449A29BB427}" type="datetimeFigureOut">
+              <a:rPr lang="en-US" smtClean="0"/>
+              <a:t>3/22/21</a:t>
+            </a:fld>
+            <a:endParaRPr lang="en-US"/>
+          </a:p>
+        </p:txBody>
+      </p:sp>
+      <p:sp>
+        <p:nvSpPr>
+          <p:cNvPr id="4" name="Slide Image Placeholder 3"/>
+          <p:cNvSpPr>
+            <a:spLocks noGrp="1" noRot="1" noChangeAspect="1"/>
+          </p:cNvSpPr>
+          <p:nvPr>
+            <p:ph type="sldImg" idx="2"/>
+          </p:nvPr>
+        </p:nvSpPr>
+        <p:spPr>
+          <a:xfrm>
+            <a:off x="685800" y="1143000"/>
+            <a:ext cx="5486400" cy="3086100"/>
+          </a:xfrm>
+          <a:prstGeom prst="rect">
+            <a:avLst/>
+          </a:prstGeom>
+          <a:noFill/>
+          <a:ln w="12700">
+            <a:solidFill>
+              <a:prstClr val="black"/>
+            </a:solidFill>
+          </a:ln>
+        </p:spPr>
+        <p:txBody>
+          <a:bodyPr vert="horz" lIns="91440" tIns="45720" rIns="91440" bIns="45720" rtlCol="0" anchor="ctr"/>
+          <a:lstStyle/>
+          <a:p>
+            <a:endParaRPr lang="en-US"/>
+          </a:p>
+        </p:txBody>
+      </p:sp>
+      <p:sp>
+        <p:nvSpPr>
+          <p:cNvPr id="5" name="Notes Placeholder 4"/>
+          <p:cNvSpPr>
+            <a:spLocks noGrp="1"/>
+          </p:cNvSpPr>
+          <p:nvPr>
+            <p:ph type="body" sz="quarter" idx="3"/>
+          </p:nvPr>
+        </p:nvSpPr>
+        <p:spPr>
+          <a:xfrm>
+            <a:off x="685800" y="4400550"/>
+            <a:ext cx="5486400" cy="3600450"/>
+          </a:xfrm>
+          <a:prstGeom prst="rect">
+            <a:avLst/>
+          </a:prstGeom>
+        </p:spPr>
+        <p:txBody>
+          <a:bodyPr vert="horz" lIns="91440" tIns="45720" rIns="91440" bIns="45720" rtlCol="0"/>
+          <a:lstStyle/>
+          <a:p>
+            <a:pPr lvl="0"/>
+            <a:r>
+              <a:rPr lang="en-US"/>
+              <a:t>Click to edit Master text styles</a:t>
+            </a:r>
+          </a:p>
+          <a:p>
+            <a:pPr lvl="1"/>
+            <a:r>
+              <a:rPr lang="en-US"/>
+              <a:t>Second level</a:t>
+            </a:r>
+          </a:p>
+          <a:p>
+            <a:pPr lvl="2"/>
+            <a:r>
+              <a:rPr lang="en-US"/>
+              <a:t>Third level</a:t>
+            </a:r>
+          </a:p>
+          <a:p>
+            <a:pPr lvl="3"/>
+            <a:r>
+              <a:rPr lang="en-US"/>
+              <a:t>Fourth level</a:t>
+            </a:r>
+          </a:p>
+          <a:p>
+            <a:pPr lvl="4"/>
+            <a:r>
+              <a:rPr lang="en-US"/>
+              <a:t>Fifth level</a:t>
+            </a:r>
+          </a:p>
+        </p:txBody>
+      </p:sp>
+      <p:sp>
+        <p:nvSpPr>
+          <p:cNvPr id="6" name="Footer Placeholder 5"/>
+          <p:cNvSpPr>
+            <a:spLocks noGrp="1"/>
+          </p:cNvSpPr>
+          <p:nvPr>
+            <p:ph type="ftr" sz="quarter" idx="4"/>
+          </p:nvPr>
+        </p:nvSpPr>
+        <p:spPr>
+          <a:xfrm>
+            <a:off x="0" y="8685213"/>
+            <a:ext cx="2971800" cy="458787"/>
+          </a:xfrm>
+          <a:prstGeom prst="rect">
+            <a:avLst/>
+          </a:prstGeom>
+        </p:spPr>
+        <p:txBody>
+          <a:bodyPr vert="horz" lIns="91440" tIns="45720" rIns="91440" bIns="45720" rtlCol="0" anchor="b"/>
+          <a:lstStyle>
+            <a:lvl1pPr algn="l">
+              <a:defRPr sz="1200"/>
+            </a:lvl1pPr>
+          </a:lstStyle>
+          <a:p>
+            <a:endParaRPr lang="en-US"/>
+          </a:p>
+        </p:txBody>
+      </p:sp>
+      <p:sp>
+        <p:nvSpPr>
+          <p:cNvPr id="7" name="Slide Number Placeholder 6"/>
+          <p:cNvSpPr>
+            <a:spLocks noGrp="1"/>
+          </p:cNvSpPr>
+          <p:nvPr>
+            <p:ph type="sldNum" sz="quarter" idx="5"/>
+          </p:nvPr>
+        </p:nvSpPr>
+        <p:spPr>
+          <a:xfrm>
+            <a:off x="3884613" y="8685213"/>
+            <a:ext cx="2971800" cy="458787"/>
+          </a:xfrm>
+          <a:prstGeom prst="rect">
+            <a:avLst/>
+          </a:prstGeom>
+        </p:spPr>
+        <p:txBody>
+          <a:bodyPr vert="horz" lIns="91440" tIns="45720" rIns="91440" bIns="45720" rtlCol="0" anchor="b"/>
+          <a:lstStyle>
+            <a:lvl1pPr algn="r">
+              <a:defRPr sz="1200"/>
+            </a:lvl1pPr>
+          </a:lstStyle>
+          <a:p>
+            <a:fld id="{138AD767-477E-734A-9270-25877E2893A8}" type="slidenum">
+              <a:rPr lang="en-US" smtClean="0"/>
+              <a:t>‹#›</a:t>
+            </a:fld>
+            <a:endParaRPr lang="en-US"/>
+          </a:p>
+        </p:txBody>
+      </p:sp>
+    </p:spTree>
+    <p:extLst>
+      <p:ext uri="{BB962C8B-B14F-4D97-AF65-F5344CB8AC3E}">
+        <p14:creationId xmlns:p14="http://schemas.microsoft.com/office/powerpoint/2010/main" val="1011038411"/>
+      </p:ext>
+    </p:extLst>
+  </p:cSld>
+  <p:clrMap bg1="lt1" tx1="dk1" bg2="lt2" tx2="dk2" accent1="accent1" accent2="accent2" accent3="accent3" accent4="accent4" accent5="accent5" accent6="accent6" hlink="hlink" folHlink="folHlink"/>
+  <p:notesStyle>
+    <a:lvl1pPr marL="0" algn="l" defTabSz="914400" rtl="0" eaLnBrk="1" latinLnBrk="0" hangingPunct="1">
+      <a:defRPr sz="1200" kern="1200">
+        <a:solidFill>
+          <a:schemeClr val="tx1"/>
+        </a:solidFill>
+        <a:latin typeface="+mn-lt"/>
+        <a:ea typeface="+mn-ea"/>
+        <a:cs typeface="+mn-cs"/>
+      </a:defRPr>
+    </a:lvl1pPr>
+    <a:lvl2pPr marL="457200" algn="l" defTabSz="914400" rtl="0" eaLnBrk="1" latinLnBrk="0" hangingPunct="1">
+      <a:defRPr sz="1200" kern="1200">
+        <a:solidFill>
+          <a:schemeClr val="tx1"/>
+        </a:solidFill>
+        <a:latin typeface="+mn-lt"/>
+        <a:ea typeface="+mn-ea"/>
+        <a:cs typeface="+mn-cs"/>
+      </a:defRPr>
+    </a:lvl2pPr>
+    <a:lvl3pPr marL="914400" algn="l" defTabSz="914400" rtl="0" eaLnBrk="1" latinLnBrk="0" hangingPunct="1">
+      <a:defRPr sz="1200" kern="1200">
+        <a:solidFill>
+          <a:schemeClr val="tx1"/>
+        </a:solidFill>
+        <a:latin typeface="+mn-lt"/>
+        <a:ea typeface="+mn-ea"/>
+        <a:cs typeface="+mn-cs"/>
+      </a:defRPr>
+    </a:lvl3pPr>
+    <a:lvl4pPr marL="1371600" algn="l" defTabSz="914400" rtl="0" eaLnBrk="1" latinLnBrk="0" hangingPunct="1">
+      <a:defRPr sz="1200" kern="1200">
+        <a:solidFill>
+          <a:schemeClr val="tx1"/>
+        </a:solidFill>
+        <a:latin typeface="+mn-lt"/>
+        <a:ea typeface="+mn-ea"/>
+        <a:cs typeface="+mn-cs"/>
+      </a:defRPr>
+    </a:lvl4pPr>
+    <a:lvl5pPr marL="1828800" algn="l" defTabSz="914400" rtl="0" eaLnBrk="1" latinLnBrk="0" hangingPunct="1">
+      <a:defRPr sz="1200" kern="1200">
+        <a:solidFill>
+          <a:schemeClr val="tx1"/>
+        </a:solidFill>
+        <a:latin typeface="+mn-lt"/>
+        <a:ea typeface="+mn-ea"/>
+        <a:cs typeface="+mn-cs"/>
+      </a:defRPr>
+    </a:lvl5pPr>
+    <a:lvl6pPr marL="2286000" algn="l" defTabSz="914400" rtl="0" eaLnBrk="1" latinLnBrk="0" hangingPunct="1">
+      <a:defRPr sz="1200" kern="1200">
+        <a:solidFill>
+          <a:schemeClr val="tx1"/>
+        </a:solidFill>
+        <a:latin typeface="+mn-lt"/>
+        <a:ea typeface="+mn-ea"/>
+        <a:cs typeface="+mn-cs"/>
+      </a:defRPr>
+    </a:lvl6pPr>
+    <a:lvl7pPr marL="2743200" algn="l" defTabSz="914400" rtl="0" eaLnBrk="1" latinLnBrk="0" hangingPunct="1">
+      <a:defRPr sz="1200" kern="1200">
+        <a:solidFill>
+          <a:schemeClr val="tx1"/>
+        </a:solidFill>
+        <a:latin typeface="+mn-lt"/>
+        <a:ea typeface="+mn-ea"/>
+        <a:cs typeface="+mn-cs"/>
+      </a:defRPr>
+    </a:lvl7pPr>
+    <a:lvl8pPr marL="3200400" algn="l" defTabSz="914400" rtl="0" eaLnBrk="1" latinLnBrk="0" hangingPunct="1">
+      <a:defRPr sz="1200" kern="1200">
+        <a:solidFill>
+          <a:schemeClr val="tx1"/>
+        </a:solidFill>
+        <a:latin typeface="+mn-lt"/>
+        <a:ea typeface="+mn-ea"/>
+        <a:cs typeface="+mn-cs"/>
+      </a:defRPr>
+    </a:lvl8pPr>
+    <a:lvl9pPr marL="3657600" algn="l" defTabSz="914400" rtl="0" eaLnBrk="1" latinLnBrk="0" hangingPunct="1">
+      <a:defRPr sz="1200" kern="1200">
+        <a:solidFill>
+          <a:schemeClr val="tx1"/>
+        </a:solidFill>
+        <a:latin typeface="+mn-lt"/>
+        <a:ea typeface="+mn-ea"/>
+        <a:cs typeface="+mn-cs"/>
+      </a:defRPr>
+    </a:lvl9pPr>
+  </p:notesStyle>
+</p:notesMaster>
+</file>
+
+<file path=ppt/notesSlides/notesSlide1.xml><?xml version="1.0" encoding="utf-8"?>
+<p:notes xmlns:a="http://schemas.openxmlformats.org/drawingml/2006/main" xmlns:r="http://schemas.openxmlformats.org/officeDocument/2006/relationships" xmlns:p="http://schemas.openxmlformats.org/presentationml/2006/main">
+  <p:cSld>
+    <p:spTree>
+      <p:nvGrpSpPr>
+        <p:cNvPr id="1" name=""/>
+        <p:cNvGrpSpPr/>
+        <p:nvPr/>
+      </p:nvGrpSpPr>
+      <p:grpSpPr>
+        <a:xfrm>
+          <a:off x="0" y="0"/>
+          <a:ext cx="0" cy="0"/>
+          <a:chOff x="0" y="0"/>
+          <a:chExt cx="0" cy="0"/>
+        </a:xfrm>
+      </p:grpSpPr>
+      <p:sp>
+        <p:nvSpPr>
+          <p:cNvPr id="2" name="Slide Image Placeholder 1"/>
+          <p:cNvSpPr>
+            <a:spLocks noGrp="1" noRot="1" noChangeAspect="1"/>
+          </p:cNvSpPr>
+          <p:nvPr>
+            <p:ph type="sldImg"/>
+          </p:nvPr>
+        </p:nvSpPr>
+        <p:spPr/>
+      </p:sp>
+      <p:sp>
+        <p:nvSpPr>
+          <p:cNvPr id="3" name="Notes Placeholder 2"/>
+          <p:cNvSpPr>
+            <a:spLocks noGrp="1"/>
+          </p:cNvSpPr>
+          <p:nvPr>
+            <p:ph type="body" idx="1"/>
+          </p:nvPr>
+        </p:nvSpPr>
+        <p:spPr/>
+        <p:txBody>
+          <a:bodyPr/>
+          <a:lstStyle/>
+          <a:p>
+            <a:endParaRPr lang="en-US" dirty="0"/>
+          </a:p>
+        </p:txBody>
+      </p:sp>
+      <p:sp>
+        <p:nvSpPr>
+          <p:cNvPr id="4" name="Slide Number Placeholder 3"/>
+          <p:cNvSpPr>
+            <a:spLocks noGrp="1"/>
+          </p:cNvSpPr>
+          <p:nvPr>
+            <p:ph type="sldNum" sz="quarter" idx="5"/>
+          </p:nvPr>
+        </p:nvSpPr>
+        <p:spPr/>
+        <p:txBody>
+          <a:bodyPr/>
+          <a:lstStyle/>
+          <a:p>
+            <a:fld id="{138AD767-477E-734A-9270-25877E2893A8}" type="slidenum">
+              <a:rPr lang="en-US" smtClean="0"/>
+              <a:t>13</a:t>
+            </a:fld>
+            <a:endParaRPr lang="en-US"/>
+          </a:p>
+        </p:txBody>
+      </p:sp>
+    </p:spTree>
+    <p:extLst>
+      <p:ext uri="{BB962C8B-B14F-4D97-AF65-F5344CB8AC3E}">
+        <p14:creationId xmlns:p14="http://schemas.microsoft.com/office/powerpoint/2010/main" val="912411893"/>
+      </p:ext>
+    </p:extLst>
+  </p:cSld>
+  <p:clrMapOvr>
+    <a:masterClrMapping/>
+  </p:clrMapOvr>
+</p:notes>
+</file>
+
 <file path=ppt/slideLayouts/slideLayout1.xml><?xml version="1.0" encoding="utf-8"?>
 <p:sldLayout xmlns:a="http://schemas.openxmlformats.org/drawingml/2006/main" xmlns:r="http://schemas.openxmlformats.org/officeDocument/2006/relationships" xmlns:p="http://schemas.openxmlformats.org/presentationml/2006/main" type="title" preserve="1">
   <p:cSld name="Title Slide">
@@ -265,7 +710,7 @@
           <a:p>
             <a:fld id="{65821905-ECD0-F84B-AD8F-672D6B8FFCA7}" type="datetimeFigureOut">
               <a:rPr lang="en-US" smtClean="0"/>
-              <a:t>2/15/21</a:t>
+              <a:t>3/22/21</a:t>
             </a:fld>
             <a:endParaRPr lang="en-US"/>
           </a:p>
@@ -463,7 +908,7 @@
           <a:p>
             <a:fld id="{65821905-ECD0-F84B-AD8F-672D6B8FFCA7}" type="datetimeFigureOut">
               <a:rPr lang="en-US" smtClean="0"/>
-              <a:t>2/15/21</a:t>
+              <a:t>3/22/21</a:t>
             </a:fld>
             <a:endParaRPr lang="en-US"/>
           </a:p>
@@ -671,7 +1116,7 @@
           <a:p>
             <a:fld id="{65821905-ECD0-F84B-AD8F-672D6B8FFCA7}" type="datetimeFigureOut">
               <a:rPr lang="en-US" smtClean="0"/>
-              <a:t>2/15/21</a:t>
+              <a:t>3/22/21</a:t>
             </a:fld>
             <a:endParaRPr lang="en-US"/>
           </a:p>
@@ -869,7 +1314,7 @@
           <a:p>
             <a:fld id="{65821905-ECD0-F84B-AD8F-672D6B8FFCA7}" type="datetimeFigureOut">
               <a:rPr lang="en-US" smtClean="0"/>
-              <a:t>2/15/21</a:t>
+              <a:t>3/22/21</a:t>
             </a:fld>
             <a:endParaRPr lang="en-US"/>
           </a:p>
@@ -1144,7 +1589,7 @@
           <a:p>
             <a:fld id="{65821905-ECD0-F84B-AD8F-672D6B8FFCA7}" type="datetimeFigureOut">
               <a:rPr lang="en-US" smtClean="0"/>
-              <a:t>2/15/21</a:t>
+              <a:t>3/22/21</a:t>
             </a:fld>
             <a:endParaRPr lang="en-US"/>
           </a:p>
@@ -1409,7 +1854,7 @@
           <a:p>
             <a:fld id="{65821905-ECD0-F84B-AD8F-672D6B8FFCA7}" type="datetimeFigureOut">
               <a:rPr lang="en-US" smtClean="0"/>
-              <a:t>2/15/21</a:t>
+              <a:t>3/22/21</a:t>
             </a:fld>
             <a:endParaRPr lang="en-US"/>
           </a:p>
@@ -1821,7 +2266,7 @@
           <a:p>
             <a:fld id="{65821905-ECD0-F84B-AD8F-672D6B8FFCA7}" type="datetimeFigureOut">
               <a:rPr lang="en-US" smtClean="0"/>
-              <a:t>2/15/21</a:t>
+              <a:t>3/22/21</a:t>
             </a:fld>
             <a:endParaRPr lang="en-US"/>
           </a:p>
@@ -1962,7 +2407,7 @@
           <a:p>
             <a:fld id="{65821905-ECD0-F84B-AD8F-672D6B8FFCA7}" type="datetimeFigureOut">
               <a:rPr lang="en-US" smtClean="0"/>
-              <a:t>2/15/21</a:t>
+              <a:t>3/22/21</a:t>
             </a:fld>
             <a:endParaRPr lang="en-US"/>
           </a:p>
@@ -2075,7 +2520,7 @@
           <a:p>
             <a:fld id="{65821905-ECD0-F84B-AD8F-672D6B8FFCA7}" type="datetimeFigureOut">
               <a:rPr lang="en-US" smtClean="0"/>
-              <a:t>2/15/21</a:t>
+              <a:t>3/22/21</a:t>
             </a:fld>
             <a:endParaRPr lang="en-US"/>
           </a:p>
@@ -2386,7 +2831,7 @@
           <a:p>
             <a:fld id="{65821905-ECD0-F84B-AD8F-672D6B8FFCA7}" type="datetimeFigureOut">
               <a:rPr lang="en-US" smtClean="0"/>
-              <a:t>2/15/21</a:t>
+              <a:t>3/22/21</a:t>
             </a:fld>
             <a:endParaRPr lang="en-US"/>
           </a:p>
@@ -2674,7 +3119,7 @@
           <a:p>
             <a:fld id="{65821905-ECD0-F84B-AD8F-672D6B8FFCA7}" type="datetimeFigureOut">
               <a:rPr lang="en-US" smtClean="0"/>
-              <a:t>2/15/21</a:t>
+              <a:t>3/22/21</a:t>
             </a:fld>
             <a:endParaRPr lang="en-US"/>
           </a:p>
@@ -2915,7 +3360,7 @@
           <a:p>
             <a:fld id="{65821905-ECD0-F84B-AD8F-672D6B8FFCA7}" type="datetimeFigureOut">
               <a:rPr lang="en-US" smtClean="0"/>
-              <a:t>2/15/21</a:t>
+              <a:t>3/22/21</a:t>
             </a:fld>
             <a:endParaRPr lang="en-US"/>
           </a:p>
@@ -3395,6 +3840,4333 @@
 </p:sld>
 </file>
 
+<file path=ppt/slides/slide10.xml><?xml version="1.0" encoding="utf-8"?>
+<p:sld xmlns:a="http://schemas.openxmlformats.org/drawingml/2006/main" xmlns:r="http://schemas.openxmlformats.org/officeDocument/2006/relationships" xmlns:p="http://schemas.openxmlformats.org/presentationml/2006/main">
+  <p:cSld>
+    <p:spTree>
+      <p:nvGrpSpPr>
+        <p:cNvPr id="1" name=""/>
+        <p:cNvGrpSpPr/>
+        <p:nvPr/>
+      </p:nvGrpSpPr>
+      <p:grpSpPr>
+        <a:xfrm>
+          <a:off x="0" y="0"/>
+          <a:ext cx="0" cy="0"/>
+          <a:chOff x="0" y="0"/>
+          <a:chExt cx="0" cy="0"/>
+        </a:xfrm>
+      </p:grpSpPr>
+      <p:pic>
+        <p:nvPicPr>
+          <p:cNvPr id="6" name="Picture 5" descr="Chart, scatter chart&#10;&#10;Description automatically generated">
+            <a:extLst>
+              <a:ext uri="{FF2B5EF4-FFF2-40B4-BE49-F238E27FC236}">
+                <a16:creationId xmlns:a16="http://schemas.microsoft.com/office/drawing/2014/main" id="{098BB027-8EB1-D644-BBEE-C36C47860F6C}"/>
+              </a:ext>
+            </a:extLst>
+          </p:cNvPr>
+          <p:cNvPicPr>
+            <a:picLocks noChangeAspect="1"/>
+          </p:cNvPicPr>
+          <p:nvPr/>
+        </p:nvPicPr>
+        <p:blipFill>
+          <a:blip r:embed="rId2"/>
+          <a:stretch>
+            <a:fillRect/>
+          </a:stretch>
+        </p:blipFill>
+        <p:spPr>
+          <a:xfrm>
+            <a:off x="5794172" y="2492035"/>
+            <a:ext cx="4978400" cy="3530600"/>
+          </a:xfrm>
+          <a:prstGeom prst="rect">
+            <a:avLst/>
+          </a:prstGeom>
+        </p:spPr>
+      </p:pic>
+      <p:pic>
+        <p:nvPicPr>
+          <p:cNvPr id="8" name="Picture 7" descr="Graphical user interface, text, application&#10;&#10;Description automatically generated">
+            <a:extLst>
+              <a:ext uri="{FF2B5EF4-FFF2-40B4-BE49-F238E27FC236}">
+                <a16:creationId xmlns:a16="http://schemas.microsoft.com/office/drawing/2014/main" id="{87DF4EC9-AD51-6D44-8C56-B27504F39960}"/>
+              </a:ext>
+            </a:extLst>
+          </p:cNvPr>
+          <p:cNvPicPr>
+            <a:picLocks noChangeAspect="1"/>
+          </p:cNvPicPr>
+          <p:nvPr/>
+        </p:nvPicPr>
+        <p:blipFill>
+          <a:blip r:embed="rId3"/>
+          <a:stretch>
+            <a:fillRect/>
+          </a:stretch>
+        </p:blipFill>
+        <p:spPr>
+          <a:xfrm>
+            <a:off x="968172" y="2498296"/>
+            <a:ext cx="4978400" cy="3530600"/>
+          </a:xfrm>
+          <a:prstGeom prst="rect">
+            <a:avLst/>
+          </a:prstGeom>
+        </p:spPr>
+      </p:pic>
+      <p:sp>
+        <p:nvSpPr>
+          <p:cNvPr id="2" name="Title 1">
+            <a:extLst>
+              <a:ext uri="{FF2B5EF4-FFF2-40B4-BE49-F238E27FC236}">
+                <a16:creationId xmlns:a16="http://schemas.microsoft.com/office/drawing/2014/main" id="{5BED5A8A-EA34-B242-BD02-9ADBCAEB7CF0}"/>
+              </a:ext>
+            </a:extLst>
+          </p:cNvPr>
+          <p:cNvSpPr>
+            <a:spLocks noGrp="1"/>
+          </p:cNvSpPr>
+          <p:nvPr>
+            <p:ph type="title"/>
+          </p:nvPr>
+        </p:nvSpPr>
+        <p:spPr/>
+        <p:txBody>
+          <a:bodyPr/>
+          <a:lstStyle/>
+          <a:p>
+            <a:endParaRPr lang="en-US" dirty="0"/>
+          </a:p>
+        </p:txBody>
+      </p:sp>
+    </p:spTree>
+    <p:extLst>
+      <p:ext uri="{BB962C8B-B14F-4D97-AF65-F5344CB8AC3E}">
+        <p14:creationId xmlns:p14="http://schemas.microsoft.com/office/powerpoint/2010/main" val="3335245361"/>
+      </p:ext>
+    </p:extLst>
+  </p:cSld>
+  <p:clrMapOvr>
+    <a:masterClrMapping/>
+  </p:clrMapOvr>
+</p:sld>
+</file>
+
+<file path=ppt/slides/slide11.xml><?xml version="1.0" encoding="utf-8"?>
+<p:sld xmlns:a="http://schemas.openxmlformats.org/drawingml/2006/main" xmlns:r="http://schemas.openxmlformats.org/officeDocument/2006/relationships" xmlns:p="http://schemas.openxmlformats.org/presentationml/2006/main">
+  <p:cSld>
+    <p:spTree>
+      <p:nvGrpSpPr>
+        <p:cNvPr id="1" name=""/>
+        <p:cNvGrpSpPr/>
+        <p:nvPr/>
+      </p:nvGrpSpPr>
+      <p:grpSpPr>
+        <a:xfrm>
+          <a:off x="0" y="0"/>
+          <a:ext cx="0" cy="0"/>
+          <a:chOff x="0" y="0"/>
+          <a:chExt cx="0" cy="0"/>
+        </a:xfrm>
+      </p:grpSpPr>
+      <p:sp>
+        <p:nvSpPr>
+          <p:cNvPr id="2" name="Title 1">
+            <a:extLst>
+              <a:ext uri="{FF2B5EF4-FFF2-40B4-BE49-F238E27FC236}">
+                <a16:creationId xmlns:a16="http://schemas.microsoft.com/office/drawing/2014/main" id="{5BED5A8A-EA34-B242-BD02-9ADBCAEB7CF0}"/>
+              </a:ext>
+            </a:extLst>
+          </p:cNvPr>
+          <p:cNvSpPr>
+            <a:spLocks noGrp="1"/>
+          </p:cNvSpPr>
+          <p:nvPr>
+            <p:ph type="title"/>
+          </p:nvPr>
+        </p:nvSpPr>
+        <p:spPr/>
+        <p:txBody>
+          <a:bodyPr/>
+          <a:lstStyle/>
+          <a:p>
+            <a:endParaRPr lang="en-US" dirty="0"/>
+          </a:p>
+        </p:txBody>
+      </p:sp>
+      <p:pic>
+        <p:nvPicPr>
+          <p:cNvPr id="4" name="Picture 3" descr="Graphical user interface, application&#10;&#10;Description automatically generated">
+            <a:extLst>
+              <a:ext uri="{FF2B5EF4-FFF2-40B4-BE49-F238E27FC236}">
+                <a16:creationId xmlns:a16="http://schemas.microsoft.com/office/drawing/2014/main" id="{868C3406-313F-7B4F-AB4A-7F9C7341D2B6}"/>
+              </a:ext>
+            </a:extLst>
+          </p:cNvPr>
+          <p:cNvPicPr>
+            <a:picLocks noChangeAspect="1"/>
+          </p:cNvPicPr>
+          <p:nvPr/>
+        </p:nvPicPr>
+        <p:blipFill>
+          <a:blip r:embed="rId2"/>
+          <a:stretch>
+            <a:fillRect/>
+          </a:stretch>
+        </p:blipFill>
+        <p:spPr>
+          <a:xfrm>
+            <a:off x="1356497" y="2038865"/>
+            <a:ext cx="9652000" cy="3530600"/>
+          </a:xfrm>
+          <a:prstGeom prst="rect">
+            <a:avLst/>
+          </a:prstGeom>
+        </p:spPr>
+      </p:pic>
+    </p:spTree>
+    <p:extLst>
+      <p:ext uri="{BB962C8B-B14F-4D97-AF65-F5344CB8AC3E}">
+        <p14:creationId xmlns:p14="http://schemas.microsoft.com/office/powerpoint/2010/main" val="1815838242"/>
+      </p:ext>
+    </p:extLst>
+  </p:cSld>
+  <p:clrMapOvr>
+    <a:masterClrMapping/>
+  </p:clrMapOvr>
+</p:sld>
+</file>
+
+<file path=ppt/slides/slide12.xml><?xml version="1.0" encoding="utf-8"?>
+<p:sld xmlns:a="http://schemas.openxmlformats.org/drawingml/2006/main" xmlns:r="http://schemas.openxmlformats.org/officeDocument/2006/relationships" xmlns:p="http://schemas.openxmlformats.org/presentationml/2006/main">
+  <p:cSld>
+    <p:spTree>
+      <p:nvGrpSpPr>
+        <p:cNvPr id="1" name=""/>
+        <p:cNvGrpSpPr/>
+        <p:nvPr/>
+      </p:nvGrpSpPr>
+      <p:grpSpPr>
+        <a:xfrm>
+          <a:off x="0" y="0"/>
+          <a:ext cx="0" cy="0"/>
+          <a:chOff x="0" y="0"/>
+          <a:chExt cx="0" cy="0"/>
+        </a:xfrm>
+      </p:grpSpPr>
+      <p:sp>
+        <p:nvSpPr>
+          <p:cNvPr id="2" name="Title 1">
+            <a:extLst>
+              <a:ext uri="{FF2B5EF4-FFF2-40B4-BE49-F238E27FC236}">
+                <a16:creationId xmlns:a16="http://schemas.microsoft.com/office/drawing/2014/main" id="{341EA24B-B19E-034D-A894-221244F6A383}"/>
+              </a:ext>
+            </a:extLst>
+          </p:cNvPr>
+          <p:cNvSpPr>
+            <a:spLocks noGrp="1"/>
+          </p:cNvSpPr>
+          <p:nvPr>
+            <p:ph type="title"/>
+          </p:nvPr>
+        </p:nvSpPr>
+        <p:spPr/>
+        <p:txBody>
+          <a:bodyPr/>
+          <a:lstStyle/>
+          <a:p>
+            <a:endParaRPr lang="en-US"/>
+          </a:p>
+        </p:txBody>
+      </p:sp>
+      <p:sp>
+        <p:nvSpPr>
+          <p:cNvPr id="4" name="Oval 3">
+            <a:extLst>
+              <a:ext uri="{FF2B5EF4-FFF2-40B4-BE49-F238E27FC236}">
+                <a16:creationId xmlns:a16="http://schemas.microsoft.com/office/drawing/2014/main" id="{509C8887-237D-3541-9604-05852941BD4F}"/>
+              </a:ext>
+            </a:extLst>
+          </p:cNvPr>
+          <p:cNvSpPr/>
+          <p:nvPr/>
+        </p:nvSpPr>
+        <p:spPr>
+          <a:xfrm>
+            <a:off x="4130565" y="2144110"/>
+            <a:ext cx="3657600" cy="3657600"/>
+          </a:xfrm>
+          <a:prstGeom prst="ellipse">
+            <a:avLst/>
+          </a:prstGeom>
+          <a:noFill/>
+        </p:spPr>
+        <p:style>
+          <a:lnRef idx="2">
+            <a:schemeClr val="accent1">
+              <a:shade val="50000"/>
+            </a:schemeClr>
+          </a:lnRef>
+          <a:fillRef idx="1">
+            <a:schemeClr val="accent1"/>
+          </a:fillRef>
+          <a:effectRef idx="0">
+            <a:schemeClr val="accent1"/>
+          </a:effectRef>
+          <a:fontRef idx="minor">
+            <a:schemeClr val="lt1"/>
+          </a:fontRef>
+        </p:style>
+        <p:txBody>
+          <a:bodyPr rtlCol="0" anchor="ctr"/>
+          <a:lstStyle/>
+          <a:p>
+            <a:pPr algn="ctr"/>
+            <a:endParaRPr lang="en-US"/>
+          </a:p>
+        </p:txBody>
+      </p:sp>
+      <p:cxnSp>
+        <p:nvCxnSpPr>
+          <p:cNvPr id="7" name="Straight Connector 6">
+            <a:extLst>
+              <a:ext uri="{FF2B5EF4-FFF2-40B4-BE49-F238E27FC236}">
+                <a16:creationId xmlns:a16="http://schemas.microsoft.com/office/drawing/2014/main" id="{5C561542-D692-5643-904F-2EDFC3405DD7}"/>
+              </a:ext>
+            </a:extLst>
+          </p:cNvPr>
+          <p:cNvCxnSpPr>
+            <a:stCxn id="4" idx="0"/>
+            <a:endCxn id="4" idx="3"/>
+          </p:cNvCxnSpPr>
+          <p:nvPr/>
+        </p:nvCxnSpPr>
+        <p:spPr>
+          <a:xfrm flipH="1">
+            <a:off x="4666208" y="2144110"/>
+            <a:ext cx="1293157" cy="3121957"/>
+          </a:xfrm>
+          <a:prstGeom prst="line">
+            <a:avLst/>
+          </a:prstGeom>
+        </p:spPr>
+        <p:style>
+          <a:lnRef idx="1">
+            <a:schemeClr val="accent1"/>
+          </a:lnRef>
+          <a:fillRef idx="0">
+            <a:schemeClr val="accent1"/>
+          </a:fillRef>
+          <a:effectRef idx="0">
+            <a:schemeClr val="accent1"/>
+          </a:effectRef>
+          <a:fontRef idx="minor">
+            <a:schemeClr val="tx1"/>
+          </a:fontRef>
+        </p:style>
+      </p:cxnSp>
+      <p:cxnSp>
+        <p:nvCxnSpPr>
+          <p:cNvPr id="8" name="Straight Connector 7">
+            <a:extLst>
+              <a:ext uri="{FF2B5EF4-FFF2-40B4-BE49-F238E27FC236}">
+                <a16:creationId xmlns:a16="http://schemas.microsoft.com/office/drawing/2014/main" id="{2F547E75-E3F1-854F-968B-937D6B2382C7}"/>
+              </a:ext>
+            </a:extLst>
+          </p:cNvPr>
+          <p:cNvCxnSpPr>
+            <a:cxnSpLocks/>
+            <a:stCxn id="4" idx="5"/>
+            <a:endCxn id="4" idx="3"/>
+          </p:cNvCxnSpPr>
+          <p:nvPr/>
+        </p:nvCxnSpPr>
+        <p:spPr>
+          <a:xfrm flipH="1">
+            <a:off x="4666208" y="5266067"/>
+            <a:ext cx="2586314" cy="0"/>
+          </a:xfrm>
+          <a:prstGeom prst="line">
+            <a:avLst/>
+          </a:prstGeom>
+        </p:spPr>
+        <p:style>
+          <a:lnRef idx="1">
+            <a:schemeClr val="accent1"/>
+          </a:lnRef>
+          <a:fillRef idx="0">
+            <a:schemeClr val="accent1"/>
+          </a:fillRef>
+          <a:effectRef idx="0">
+            <a:schemeClr val="accent1"/>
+          </a:effectRef>
+          <a:fontRef idx="minor">
+            <a:schemeClr val="tx1"/>
+          </a:fontRef>
+        </p:style>
+      </p:cxnSp>
+      <p:cxnSp>
+        <p:nvCxnSpPr>
+          <p:cNvPr id="11" name="Straight Connector 10">
+            <a:extLst>
+              <a:ext uri="{FF2B5EF4-FFF2-40B4-BE49-F238E27FC236}">
+                <a16:creationId xmlns:a16="http://schemas.microsoft.com/office/drawing/2014/main" id="{E306F39B-EF9C-8841-889E-FE8A9FE1175B}"/>
+              </a:ext>
+            </a:extLst>
+          </p:cNvPr>
+          <p:cNvCxnSpPr>
+            <a:cxnSpLocks/>
+            <a:stCxn id="4" idx="5"/>
+            <a:endCxn id="4" idx="0"/>
+          </p:cNvCxnSpPr>
+          <p:nvPr/>
+        </p:nvCxnSpPr>
+        <p:spPr>
+          <a:xfrm flipH="1" flipV="1">
+            <a:off x="5959365" y="2144110"/>
+            <a:ext cx="1293157" cy="3121957"/>
+          </a:xfrm>
+          <a:prstGeom prst="line">
+            <a:avLst/>
+          </a:prstGeom>
+        </p:spPr>
+        <p:style>
+          <a:lnRef idx="1">
+            <a:schemeClr val="accent1"/>
+          </a:lnRef>
+          <a:fillRef idx="0">
+            <a:schemeClr val="accent1"/>
+          </a:fillRef>
+          <a:effectRef idx="0">
+            <a:schemeClr val="accent1"/>
+          </a:effectRef>
+          <a:fontRef idx="minor">
+            <a:schemeClr val="tx1"/>
+          </a:fontRef>
+        </p:style>
+      </p:cxnSp>
+    </p:spTree>
+    <p:extLst>
+      <p:ext uri="{BB962C8B-B14F-4D97-AF65-F5344CB8AC3E}">
+        <p14:creationId xmlns:p14="http://schemas.microsoft.com/office/powerpoint/2010/main" val="4088126874"/>
+      </p:ext>
+    </p:extLst>
+  </p:cSld>
+  <p:clrMapOvr>
+    <a:masterClrMapping/>
+  </p:clrMapOvr>
+</p:sld>
+</file>
+
+<file path=ppt/slides/slide13.xml><?xml version="1.0" encoding="utf-8"?>
+<p:sld xmlns:a="http://schemas.openxmlformats.org/drawingml/2006/main" xmlns:r="http://schemas.openxmlformats.org/officeDocument/2006/relationships" xmlns:p="http://schemas.openxmlformats.org/presentationml/2006/main">
+  <p:cSld>
+    <p:spTree>
+      <p:nvGrpSpPr>
+        <p:cNvPr id="1" name=""/>
+        <p:cNvGrpSpPr/>
+        <p:nvPr/>
+      </p:nvGrpSpPr>
+      <p:grpSpPr>
+        <a:xfrm>
+          <a:off x="0" y="0"/>
+          <a:ext cx="0" cy="0"/>
+          <a:chOff x="0" y="0"/>
+          <a:chExt cx="0" cy="0"/>
+        </a:xfrm>
+      </p:grpSpPr>
+      <p:graphicFrame>
+        <p:nvGraphicFramePr>
+          <p:cNvPr id="4" name="Table 4">
+            <a:extLst>
+              <a:ext uri="{FF2B5EF4-FFF2-40B4-BE49-F238E27FC236}">
+                <a16:creationId xmlns:a16="http://schemas.microsoft.com/office/drawing/2014/main" id="{0C9F36D1-D8EF-DB48-9C94-53BED94068C5}"/>
+              </a:ext>
+            </a:extLst>
+          </p:cNvPr>
+          <p:cNvGraphicFramePr>
+            <a:graphicFrameLocks noGrp="1"/>
+          </p:cNvGraphicFramePr>
+          <p:nvPr>
+            <p:extLst>
+              <p:ext uri="{D42A27DB-BD31-4B8C-83A1-F6EECF244321}">
+                <p14:modId xmlns:p14="http://schemas.microsoft.com/office/powerpoint/2010/main" val="1263420870"/>
+              </p:ext>
+            </p:extLst>
+          </p:nvPr>
+        </p:nvGraphicFramePr>
+        <p:xfrm>
+          <a:off x="468583" y="1190821"/>
+          <a:ext cx="11324023" cy="5487452"/>
+        </p:xfrm>
+        <a:graphic>
+          <a:graphicData uri="http://schemas.openxmlformats.org/drawingml/2006/table">
+            <a:tbl>
+              <a:tblPr firstRow="1" bandRow="1">
+                <a:tableStyleId>{5C22544A-7EE6-4342-B048-85BDC9FD1C3A}</a:tableStyleId>
+              </a:tblPr>
+              <a:tblGrid>
+                <a:gridCol w="1574316">
+                  <a:extLst>
+                    <a:ext uri="{9D8B030D-6E8A-4147-A177-3AD203B41FA5}">
+                      <a16:colId xmlns:a16="http://schemas.microsoft.com/office/drawing/2014/main" val="909709554"/>
+                    </a:ext>
+                  </a:extLst>
+                </a:gridCol>
+                <a:gridCol w="9749707">
+                  <a:extLst>
+                    <a:ext uri="{9D8B030D-6E8A-4147-A177-3AD203B41FA5}">
+                      <a16:colId xmlns:a16="http://schemas.microsoft.com/office/drawing/2014/main" val="1148160152"/>
+                    </a:ext>
+                  </a:extLst>
+                </a:gridCol>
+              </a:tblGrid>
+              <a:tr h="434022">
+                <a:tc>
+                  <a:txBody>
+                    <a:bodyPr/>
+                    <a:lstStyle/>
+                    <a:p>
+                      <a:pPr algn="ctr"/>
+                      <a:r>
+                        <a:rPr lang="en-US" sz="2400" dirty="0"/>
+                        <a:t>Type</a:t>
+                      </a:r>
+                    </a:p>
+                  </a:txBody>
+                  <a:tcPr anchor="ctr"/>
+                </a:tc>
+                <a:tc>
+                  <a:txBody>
+                    <a:bodyPr/>
+                    <a:lstStyle/>
+                    <a:p>
+                      <a:r>
+                        <a:rPr lang="en-US" sz="2400" dirty="0"/>
+                        <a:t>Description and Example</a:t>
+                      </a:r>
+                    </a:p>
+                  </a:txBody>
+                  <a:tcPr anchor="ctr"/>
+                </a:tc>
+                <a:extLst>
+                  <a:ext uri="{0D108BD9-81ED-4DB2-BD59-A6C34878D82A}">
+                    <a16:rowId xmlns:a16="http://schemas.microsoft.com/office/drawing/2014/main" val="2554062898"/>
+                  </a:ext>
+                </a:extLst>
+              </a:tr>
+              <a:tr h="1097280">
+                <a:tc>
+                  <a:txBody>
+                    <a:bodyPr/>
+                    <a:lstStyle/>
+                    <a:p>
+                      <a:pPr algn="ctr"/>
+                      <a:r>
+                        <a:rPr lang="en-US" sz="1800" b="1" dirty="0"/>
+                        <a:t>Nominal</a:t>
+                      </a:r>
+                    </a:p>
+                  </a:txBody>
+                  <a:tcPr anchor="ctr"/>
+                </a:tc>
+                <a:tc>
+                  <a:txBody>
+                    <a:bodyPr/>
+                    <a:lstStyle/>
+                    <a:p>
+                      <a:r>
+                        <a:rPr lang="en-US" sz="1600" dirty="0">
+                          <a:solidFill>
+                            <a:schemeClr val="tx1">
+                              <a:lumMod val="50000"/>
+                              <a:lumOff val="50000"/>
+                            </a:schemeClr>
+                          </a:solidFill>
+                        </a:rPr>
+                        <a:t>Choices are labelled but has no order</a:t>
+                      </a:r>
+                    </a:p>
+                  </a:txBody>
+                  <a:tcPr/>
+                </a:tc>
+                <a:extLst>
+                  <a:ext uri="{0D108BD9-81ED-4DB2-BD59-A6C34878D82A}">
+                    <a16:rowId xmlns:a16="http://schemas.microsoft.com/office/drawing/2014/main" val="1790999117"/>
+                  </a:ext>
+                </a:extLst>
+              </a:tr>
+              <a:tr h="1097280">
+                <a:tc>
+                  <a:txBody>
+                    <a:bodyPr/>
+                    <a:lstStyle/>
+                    <a:p>
+                      <a:pPr algn="ctr"/>
+                      <a:r>
+                        <a:rPr lang="en-US" sz="1800" b="1" dirty="0"/>
+                        <a:t>Ordinal</a:t>
+                      </a:r>
+                    </a:p>
+                  </a:txBody>
+                  <a:tcPr anchor="ctr"/>
+                </a:tc>
+                <a:tc>
+                  <a:txBody>
+                    <a:bodyPr/>
+                    <a:lstStyle/>
+                    <a:p>
+                      <a:r>
+                        <a:rPr lang="en-US" sz="1600" dirty="0">
+                          <a:solidFill>
+                            <a:schemeClr val="tx1">
+                              <a:lumMod val="50000"/>
+                              <a:lumOff val="50000"/>
+                            </a:schemeClr>
+                          </a:solidFill>
+                        </a:rPr>
+                        <a:t>Choices are in a specific order but not equidistant</a:t>
+                      </a:r>
+                    </a:p>
+                  </a:txBody>
+                  <a:tcPr/>
+                </a:tc>
+                <a:extLst>
+                  <a:ext uri="{0D108BD9-81ED-4DB2-BD59-A6C34878D82A}">
+                    <a16:rowId xmlns:a16="http://schemas.microsoft.com/office/drawing/2014/main" val="2869552308"/>
+                  </a:ext>
+                </a:extLst>
+              </a:tr>
+              <a:tr h="1738412">
+                <a:tc>
+                  <a:txBody>
+                    <a:bodyPr/>
+                    <a:lstStyle/>
+                    <a:p>
+                      <a:pPr algn="ctr"/>
+                      <a:r>
+                        <a:rPr lang="en-US" sz="1800" b="1" dirty="0"/>
+                        <a:t>Interval</a:t>
+                      </a:r>
+                    </a:p>
+                  </a:txBody>
+                  <a:tcPr anchor="ctr"/>
+                </a:tc>
+                <a:tc>
+                  <a:txBody>
+                    <a:bodyPr/>
+                    <a:lstStyle/>
+                    <a:p>
+                      <a:r>
+                        <a:rPr lang="en-US" sz="1600" dirty="0">
+                          <a:solidFill>
+                            <a:schemeClr val="tx1">
+                              <a:lumMod val="50000"/>
+                              <a:lumOff val="50000"/>
+                            </a:schemeClr>
+                          </a:solidFill>
+                        </a:rPr>
+                        <a:t>Choices are ordered and equidistant</a:t>
+                      </a:r>
+                    </a:p>
+                  </a:txBody>
+                  <a:tcPr/>
+                </a:tc>
+                <a:extLst>
+                  <a:ext uri="{0D108BD9-81ED-4DB2-BD59-A6C34878D82A}">
+                    <a16:rowId xmlns:a16="http://schemas.microsoft.com/office/drawing/2014/main" val="12733229"/>
+                  </a:ext>
+                </a:extLst>
+              </a:tr>
+              <a:tr h="1097280">
+                <a:tc>
+                  <a:txBody>
+                    <a:bodyPr/>
+                    <a:lstStyle/>
+                    <a:p>
+                      <a:pPr algn="ctr"/>
+                      <a:r>
+                        <a:rPr lang="en-US" sz="1800" b="1" dirty="0"/>
+                        <a:t>Ratio</a:t>
+                      </a:r>
+                    </a:p>
+                  </a:txBody>
+                  <a:tcPr anchor="ctr"/>
+                </a:tc>
+                <a:tc>
+                  <a:txBody>
+                    <a:bodyPr/>
+                    <a:lstStyle/>
+                    <a:p>
+                      <a:r>
+                        <a:rPr lang="en-US" sz="1600" dirty="0">
+                          <a:solidFill>
+                            <a:schemeClr val="tx1">
+                              <a:lumMod val="50000"/>
+                              <a:lumOff val="50000"/>
+                            </a:schemeClr>
+                          </a:solidFill>
+                        </a:rPr>
+                        <a:t>Choices are ordered, equidistant, and accommodate 0 as starting point</a:t>
+                      </a:r>
+                    </a:p>
+                  </a:txBody>
+                  <a:tcPr/>
+                </a:tc>
+                <a:extLst>
+                  <a:ext uri="{0D108BD9-81ED-4DB2-BD59-A6C34878D82A}">
+                    <a16:rowId xmlns:a16="http://schemas.microsoft.com/office/drawing/2014/main" val="3717397410"/>
+                  </a:ext>
+                </a:extLst>
+              </a:tr>
+            </a:tbl>
+          </a:graphicData>
+        </a:graphic>
+      </p:graphicFrame>
+      <p:cxnSp>
+        <p:nvCxnSpPr>
+          <p:cNvPr id="101" name="Straight Connector 100">
+            <a:extLst>
+              <a:ext uri="{FF2B5EF4-FFF2-40B4-BE49-F238E27FC236}">
+                <a16:creationId xmlns:a16="http://schemas.microsoft.com/office/drawing/2014/main" id="{58260157-E3D4-EC4B-98D6-916887499B33}"/>
+              </a:ext>
+            </a:extLst>
+          </p:cNvPr>
+          <p:cNvCxnSpPr>
+            <a:cxnSpLocks/>
+          </p:cNvCxnSpPr>
+          <p:nvPr/>
+        </p:nvCxnSpPr>
+        <p:spPr>
+          <a:xfrm>
+            <a:off x="2617077" y="3644366"/>
+            <a:ext cx="8660524" cy="0"/>
+          </a:xfrm>
+          <a:prstGeom prst="line">
+            <a:avLst/>
+          </a:prstGeom>
+        </p:spPr>
+        <p:style>
+          <a:lnRef idx="1">
+            <a:schemeClr val="accent1"/>
+          </a:lnRef>
+          <a:fillRef idx="0">
+            <a:schemeClr val="accent1"/>
+          </a:fillRef>
+          <a:effectRef idx="0">
+            <a:schemeClr val="accent1"/>
+          </a:effectRef>
+          <a:fontRef idx="minor">
+            <a:schemeClr val="tx1"/>
+          </a:fontRef>
+        </p:style>
+      </p:cxnSp>
+      <p:cxnSp>
+        <p:nvCxnSpPr>
+          <p:cNvPr id="102" name="Straight Connector 101">
+            <a:extLst>
+              <a:ext uri="{FF2B5EF4-FFF2-40B4-BE49-F238E27FC236}">
+                <a16:creationId xmlns:a16="http://schemas.microsoft.com/office/drawing/2014/main" id="{B1A61E2F-8E53-5C43-B5E4-D5834B035C33}"/>
+              </a:ext>
+            </a:extLst>
+          </p:cNvPr>
+          <p:cNvCxnSpPr>
+            <a:cxnSpLocks/>
+          </p:cNvCxnSpPr>
+          <p:nvPr/>
+        </p:nvCxnSpPr>
+        <p:spPr>
+          <a:xfrm>
+            <a:off x="2617077" y="3453866"/>
+            <a:ext cx="0" cy="182880"/>
+          </a:xfrm>
+          <a:prstGeom prst="line">
+            <a:avLst/>
+          </a:prstGeom>
+        </p:spPr>
+        <p:style>
+          <a:lnRef idx="1">
+            <a:schemeClr val="accent1"/>
+          </a:lnRef>
+          <a:fillRef idx="0">
+            <a:schemeClr val="accent1"/>
+          </a:fillRef>
+          <a:effectRef idx="0">
+            <a:schemeClr val="accent1"/>
+          </a:effectRef>
+          <a:fontRef idx="minor">
+            <a:schemeClr val="tx1"/>
+          </a:fontRef>
+        </p:style>
+      </p:cxnSp>
+      <p:cxnSp>
+        <p:nvCxnSpPr>
+          <p:cNvPr id="103" name="Straight Connector 102">
+            <a:extLst>
+              <a:ext uri="{FF2B5EF4-FFF2-40B4-BE49-F238E27FC236}">
+                <a16:creationId xmlns:a16="http://schemas.microsoft.com/office/drawing/2014/main" id="{A1F8FF01-EBAE-274C-9E9B-6BE4EF66A2A6}"/>
+              </a:ext>
+            </a:extLst>
+          </p:cNvPr>
+          <p:cNvCxnSpPr>
+            <a:cxnSpLocks/>
+          </p:cNvCxnSpPr>
+          <p:nvPr/>
+        </p:nvCxnSpPr>
+        <p:spPr>
+          <a:xfrm>
+            <a:off x="5461439" y="3453866"/>
+            <a:ext cx="0" cy="182880"/>
+          </a:xfrm>
+          <a:prstGeom prst="line">
+            <a:avLst/>
+          </a:prstGeom>
+        </p:spPr>
+        <p:style>
+          <a:lnRef idx="1">
+            <a:schemeClr val="accent1"/>
+          </a:lnRef>
+          <a:fillRef idx="0">
+            <a:schemeClr val="accent1"/>
+          </a:fillRef>
+          <a:effectRef idx="0">
+            <a:schemeClr val="accent1"/>
+          </a:effectRef>
+          <a:fontRef idx="minor">
+            <a:schemeClr val="tx1"/>
+          </a:fontRef>
+        </p:style>
+      </p:cxnSp>
+      <p:cxnSp>
+        <p:nvCxnSpPr>
+          <p:cNvPr id="104" name="Straight Connector 103">
+            <a:extLst>
+              <a:ext uri="{FF2B5EF4-FFF2-40B4-BE49-F238E27FC236}">
+                <a16:creationId xmlns:a16="http://schemas.microsoft.com/office/drawing/2014/main" id="{BECDCDF1-DD34-BD42-B8B6-CD07695C1CE3}"/>
+              </a:ext>
+            </a:extLst>
+          </p:cNvPr>
+          <p:cNvCxnSpPr>
+            <a:cxnSpLocks/>
+          </p:cNvCxnSpPr>
+          <p:nvPr/>
+        </p:nvCxnSpPr>
+        <p:spPr>
+          <a:xfrm>
+            <a:off x="6947339" y="3453866"/>
+            <a:ext cx="0" cy="182880"/>
+          </a:xfrm>
+          <a:prstGeom prst="line">
+            <a:avLst/>
+          </a:prstGeom>
+        </p:spPr>
+        <p:style>
+          <a:lnRef idx="1">
+            <a:schemeClr val="accent1"/>
+          </a:lnRef>
+          <a:fillRef idx="0">
+            <a:schemeClr val="accent1"/>
+          </a:fillRef>
+          <a:effectRef idx="0">
+            <a:schemeClr val="accent1"/>
+          </a:effectRef>
+          <a:fontRef idx="minor">
+            <a:schemeClr val="tx1"/>
+          </a:fontRef>
+        </p:style>
+      </p:cxnSp>
+      <p:cxnSp>
+        <p:nvCxnSpPr>
+          <p:cNvPr id="105" name="Straight Connector 104">
+            <a:extLst>
+              <a:ext uri="{FF2B5EF4-FFF2-40B4-BE49-F238E27FC236}">
+                <a16:creationId xmlns:a16="http://schemas.microsoft.com/office/drawing/2014/main" id="{4395F0D8-1DD8-6945-8099-036728A57237}"/>
+              </a:ext>
+            </a:extLst>
+          </p:cNvPr>
+          <p:cNvCxnSpPr>
+            <a:cxnSpLocks/>
+          </p:cNvCxnSpPr>
+          <p:nvPr/>
+        </p:nvCxnSpPr>
+        <p:spPr>
+          <a:xfrm>
+            <a:off x="8437180" y="3453866"/>
+            <a:ext cx="0" cy="182880"/>
+          </a:xfrm>
+          <a:prstGeom prst="line">
+            <a:avLst/>
+          </a:prstGeom>
+        </p:spPr>
+        <p:style>
+          <a:lnRef idx="1">
+            <a:schemeClr val="accent1"/>
+          </a:lnRef>
+          <a:fillRef idx="0">
+            <a:schemeClr val="accent1"/>
+          </a:fillRef>
+          <a:effectRef idx="0">
+            <a:schemeClr val="accent1"/>
+          </a:effectRef>
+          <a:fontRef idx="minor">
+            <a:schemeClr val="tx1"/>
+          </a:fontRef>
+        </p:style>
+      </p:cxnSp>
+      <p:cxnSp>
+        <p:nvCxnSpPr>
+          <p:cNvPr id="106" name="Straight Connector 105">
+            <a:extLst>
+              <a:ext uri="{FF2B5EF4-FFF2-40B4-BE49-F238E27FC236}">
+                <a16:creationId xmlns:a16="http://schemas.microsoft.com/office/drawing/2014/main" id="{4E804556-83B9-4A49-B674-3D67A1E8E86C}"/>
+              </a:ext>
+            </a:extLst>
+          </p:cNvPr>
+          <p:cNvCxnSpPr>
+            <a:cxnSpLocks/>
+          </p:cNvCxnSpPr>
+          <p:nvPr/>
+        </p:nvCxnSpPr>
+        <p:spPr>
+          <a:xfrm>
+            <a:off x="11277601" y="3453866"/>
+            <a:ext cx="0" cy="182880"/>
+          </a:xfrm>
+          <a:prstGeom prst="line">
+            <a:avLst/>
+          </a:prstGeom>
+        </p:spPr>
+        <p:style>
+          <a:lnRef idx="1">
+            <a:schemeClr val="accent1"/>
+          </a:lnRef>
+          <a:fillRef idx="0">
+            <a:schemeClr val="accent1"/>
+          </a:fillRef>
+          <a:effectRef idx="0">
+            <a:schemeClr val="accent1"/>
+          </a:effectRef>
+          <a:fontRef idx="minor">
+            <a:schemeClr val="tx1"/>
+          </a:fontRef>
+        </p:style>
+      </p:cxnSp>
+      <p:sp>
+        <p:nvSpPr>
+          <p:cNvPr id="107" name="TextBox 106">
+            <a:extLst>
+              <a:ext uri="{FF2B5EF4-FFF2-40B4-BE49-F238E27FC236}">
+                <a16:creationId xmlns:a16="http://schemas.microsoft.com/office/drawing/2014/main" id="{DA1972B6-1555-C943-B530-A91ECB801514}"/>
+              </a:ext>
+            </a:extLst>
+          </p:cNvPr>
+          <p:cNvSpPr txBox="1"/>
+          <p:nvPr/>
+        </p:nvSpPr>
+        <p:spPr>
+          <a:xfrm>
+            <a:off x="1944416" y="3124215"/>
+            <a:ext cx="1355831" cy="261610"/>
+          </a:xfrm>
+          <a:prstGeom prst="rect">
+            <a:avLst/>
+          </a:prstGeom>
+          <a:noFill/>
+        </p:spPr>
+        <p:txBody>
+          <a:bodyPr wrap="square" rtlCol="0">
+            <a:spAutoFit/>
+          </a:bodyPr>
+          <a:lstStyle/>
+          <a:p>
+            <a:pPr algn="ctr"/>
+            <a:r>
+              <a:rPr lang="en-US" sz="1100" dirty="0">
+                <a:solidFill>
+                  <a:schemeClr val="accent1"/>
+                </a:solidFill>
+              </a:rPr>
+              <a:t>Not Satisfied</a:t>
+            </a:r>
+          </a:p>
+        </p:txBody>
+      </p:sp>
+      <p:sp>
+        <p:nvSpPr>
+          <p:cNvPr id="108" name="TextBox 107">
+            <a:extLst>
+              <a:ext uri="{FF2B5EF4-FFF2-40B4-BE49-F238E27FC236}">
+                <a16:creationId xmlns:a16="http://schemas.microsoft.com/office/drawing/2014/main" id="{DCDE55B8-2B2E-DA4B-9434-6C237F104992}"/>
+              </a:ext>
+            </a:extLst>
+          </p:cNvPr>
+          <p:cNvSpPr txBox="1"/>
+          <p:nvPr/>
+        </p:nvSpPr>
+        <p:spPr>
+          <a:xfrm>
+            <a:off x="6277306" y="3124215"/>
+            <a:ext cx="1355831" cy="261610"/>
+          </a:xfrm>
+          <a:prstGeom prst="rect">
+            <a:avLst/>
+          </a:prstGeom>
+          <a:noFill/>
+        </p:spPr>
+        <p:txBody>
+          <a:bodyPr wrap="square" rtlCol="0">
+            <a:spAutoFit/>
+          </a:bodyPr>
+          <a:lstStyle/>
+          <a:p>
+            <a:pPr algn="ctr"/>
+            <a:r>
+              <a:rPr lang="en-US" sz="1100" dirty="0">
+                <a:solidFill>
+                  <a:schemeClr val="accent1"/>
+                </a:solidFill>
+              </a:rPr>
+              <a:t>Neutral</a:t>
+            </a:r>
+          </a:p>
+        </p:txBody>
+      </p:sp>
+      <p:sp>
+        <p:nvSpPr>
+          <p:cNvPr id="109" name="TextBox 108">
+            <a:extLst>
+              <a:ext uri="{FF2B5EF4-FFF2-40B4-BE49-F238E27FC236}">
+                <a16:creationId xmlns:a16="http://schemas.microsoft.com/office/drawing/2014/main" id="{7837B43B-73E0-284F-98AC-E6598D421B8A}"/>
+              </a:ext>
+            </a:extLst>
+          </p:cNvPr>
+          <p:cNvSpPr txBox="1"/>
+          <p:nvPr/>
+        </p:nvSpPr>
+        <p:spPr>
+          <a:xfrm>
+            <a:off x="7658894" y="3123908"/>
+            <a:ext cx="1564454" cy="261610"/>
+          </a:xfrm>
+          <a:prstGeom prst="rect">
+            <a:avLst/>
+          </a:prstGeom>
+          <a:noFill/>
+        </p:spPr>
+        <p:txBody>
+          <a:bodyPr wrap="square" rtlCol="0">
+            <a:spAutoFit/>
+          </a:bodyPr>
+          <a:lstStyle/>
+          <a:p>
+            <a:pPr algn="ctr"/>
+            <a:r>
+              <a:rPr lang="en-US" sz="1100" dirty="0">
+                <a:solidFill>
+                  <a:schemeClr val="accent1"/>
+                </a:solidFill>
+              </a:rPr>
+              <a:t>Somewhat Satisfied</a:t>
+            </a:r>
+          </a:p>
+        </p:txBody>
+      </p:sp>
+      <p:sp>
+        <p:nvSpPr>
+          <p:cNvPr id="110" name="TextBox 109">
+            <a:extLst>
+              <a:ext uri="{FF2B5EF4-FFF2-40B4-BE49-F238E27FC236}">
+                <a16:creationId xmlns:a16="http://schemas.microsoft.com/office/drawing/2014/main" id="{E31AA763-2EB4-4143-8EF2-88BFC0264EF1}"/>
+              </a:ext>
+            </a:extLst>
+          </p:cNvPr>
+          <p:cNvSpPr txBox="1"/>
+          <p:nvPr/>
+        </p:nvSpPr>
+        <p:spPr>
+          <a:xfrm>
+            <a:off x="10610193" y="3124215"/>
+            <a:ext cx="1355831" cy="261610"/>
+          </a:xfrm>
+          <a:prstGeom prst="rect">
+            <a:avLst/>
+          </a:prstGeom>
+          <a:noFill/>
+        </p:spPr>
+        <p:txBody>
+          <a:bodyPr wrap="square" rtlCol="0">
+            <a:spAutoFit/>
+          </a:bodyPr>
+          <a:lstStyle/>
+          <a:p>
+            <a:pPr algn="ctr"/>
+            <a:r>
+              <a:rPr lang="en-US" sz="1100" dirty="0">
+                <a:solidFill>
+                  <a:schemeClr val="accent1"/>
+                </a:solidFill>
+              </a:rPr>
+              <a:t>Satisfied</a:t>
+            </a:r>
+          </a:p>
+        </p:txBody>
+      </p:sp>
+      <p:sp>
+        <p:nvSpPr>
+          <p:cNvPr id="111" name="TextBox 110">
+            <a:extLst>
+              <a:ext uri="{FF2B5EF4-FFF2-40B4-BE49-F238E27FC236}">
+                <a16:creationId xmlns:a16="http://schemas.microsoft.com/office/drawing/2014/main" id="{16AEA6E9-C89D-7141-8B7E-4377640F445B}"/>
+              </a:ext>
+            </a:extLst>
+          </p:cNvPr>
+          <p:cNvSpPr txBox="1"/>
+          <p:nvPr/>
+        </p:nvSpPr>
+        <p:spPr>
+          <a:xfrm>
+            <a:off x="4578840" y="3124215"/>
+            <a:ext cx="1781490" cy="261610"/>
+          </a:xfrm>
+          <a:prstGeom prst="rect">
+            <a:avLst/>
+          </a:prstGeom>
+          <a:noFill/>
+        </p:spPr>
+        <p:txBody>
+          <a:bodyPr wrap="square" rtlCol="0">
+            <a:spAutoFit/>
+          </a:bodyPr>
+          <a:lstStyle/>
+          <a:p>
+            <a:pPr algn="ctr"/>
+            <a:r>
+              <a:rPr lang="en-US" sz="1100" dirty="0">
+                <a:solidFill>
+                  <a:schemeClr val="accent1"/>
+                </a:solidFill>
+              </a:rPr>
+              <a:t>Somewhat Not Satisfied</a:t>
+            </a:r>
+          </a:p>
+        </p:txBody>
+      </p:sp>
+      <p:sp>
+        <p:nvSpPr>
+          <p:cNvPr id="115" name="Oval 114">
+            <a:extLst>
+              <a:ext uri="{FF2B5EF4-FFF2-40B4-BE49-F238E27FC236}">
+                <a16:creationId xmlns:a16="http://schemas.microsoft.com/office/drawing/2014/main" id="{1C9E34F4-3001-864C-82E4-B4E77729B375}"/>
+              </a:ext>
+            </a:extLst>
+          </p:cNvPr>
+          <p:cNvSpPr/>
+          <p:nvPr/>
+        </p:nvSpPr>
+        <p:spPr>
+          <a:xfrm>
+            <a:off x="2554013" y="3331956"/>
+            <a:ext cx="136636" cy="137160"/>
+          </a:xfrm>
+          <a:prstGeom prst="ellipse">
+            <a:avLst/>
+          </a:prstGeom>
+          <a:noFill/>
+          <a:ln w="38100"/>
+        </p:spPr>
+        <p:style>
+          <a:lnRef idx="2">
+            <a:schemeClr val="accent1">
+              <a:shade val="50000"/>
+            </a:schemeClr>
+          </a:lnRef>
+          <a:fillRef idx="1">
+            <a:schemeClr val="accent1"/>
+          </a:fillRef>
+          <a:effectRef idx="0">
+            <a:schemeClr val="accent1"/>
+          </a:effectRef>
+          <a:fontRef idx="minor">
+            <a:schemeClr val="lt1"/>
+          </a:fontRef>
+        </p:style>
+        <p:txBody>
+          <a:bodyPr rtlCol="0" anchor="ctr"/>
+          <a:lstStyle/>
+          <a:p>
+            <a:pPr algn="ctr"/>
+            <a:endParaRPr lang="en-US">
+              <a:solidFill>
+                <a:schemeClr val="accent1"/>
+              </a:solidFill>
+            </a:endParaRPr>
+          </a:p>
+        </p:txBody>
+      </p:sp>
+      <p:sp>
+        <p:nvSpPr>
+          <p:cNvPr id="116" name="Oval 115">
+            <a:extLst>
+              <a:ext uri="{FF2B5EF4-FFF2-40B4-BE49-F238E27FC236}">
+                <a16:creationId xmlns:a16="http://schemas.microsoft.com/office/drawing/2014/main" id="{45285F66-127D-FB49-A843-9B3F68926070}"/>
+              </a:ext>
+            </a:extLst>
+          </p:cNvPr>
+          <p:cNvSpPr/>
+          <p:nvPr/>
+        </p:nvSpPr>
+        <p:spPr>
+          <a:xfrm>
+            <a:off x="5402316" y="3331956"/>
+            <a:ext cx="136636" cy="137160"/>
+          </a:xfrm>
+          <a:prstGeom prst="ellipse">
+            <a:avLst/>
+          </a:prstGeom>
+          <a:noFill/>
+          <a:ln w="38100"/>
+        </p:spPr>
+        <p:style>
+          <a:lnRef idx="2">
+            <a:schemeClr val="accent1">
+              <a:shade val="50000"/>
+            </a:schemeClr>
+          </a:lnRef>
+          <a:fillRef idx="1">
+            <a:schemeClr val="accent1"/>
+          </a:fillRef>
+          <a:effectRef idx="0">
+            <a:schemeClr val="accent1"/>
+          </a:effectRef>
+          <a:fontRef idx="minor">
+            <a:schemeClr val="lt1"/>
+          </a:fontRef>
+        </p:style>
+        <p:txBody>
+          <a:bodyPr rtlCol="0" anchor="ctr"/>
+          <a:lstStyle/>
+          <a:p>
+            <a:pPr algn="ctr"/>
+            <a:endParaRPr lang="en-US">
+              <a:solidFill>
+                <a:schemeClr val="accent1"/>
+              </a:solidFill>
+            </a:endParaRPr>
+          </a:p>
+        </p:txBody>
+      </p:sp>
+      <p:sp>
+        <p:nvSpPr>
+          <p:cNvPr id="117" name="Oval 116">
+            <a:extLst>
+              <a:ext uri="{FF2B5EF4-FFF2-40B4-BE49-F238E27FC236}">
+                <a16:creationId xmlns:a16="http://schemas.microsoft.com/office/drawing/2014/main" id="{257B363B-1FAB-6C48-A7DB-11CECE898150}"/>
+              </a:ext>
+            </a:extLst>
+          </p:cNvPr>
+          <p:cNvSpPr/>
+          <p:nvPr/>
+        </p:nvSpPr>
+        <p:spPr>
+          <a:xfrm>
+            <a:off x="6885591" y="3331956"/>
+            <a:ext cx="136636" cy="137160"/>
+          </a:xfrm>
+          <a:prstGeom prst="ellipse">
+            <a:avLst/>
+          </a:prstGeom>
+          <a:noFill/>
+          <a:ln w="38100"/>
+        </p:spPr>
+        <p:style>
+          <a:lnRef idx="2">
+            <a:schemeClr val="accent1">
+              <a:shade val="50000"/>
+            </a:schemeClr>
+          </a:lnRef>
+          <a:fillRef idx="1">
+            <a:schemeClr val="accent1"/>
+          </a:fillRef>
+          <a:effectRef idx="0">
+            <a:schemeClr val="accent1"/>
+          </a:effectRef>
+          <a:fontRef idx="minor">
+            <a:schemeClr val="lt1"/>
+          </a:fontRef>
+        </p:style>
+        <p:txBody>
+          <a:bodyPr rtlCol="0" anchor="ctr"/>
+          <a:lstStyle/>
+          <a:p>
+            <a:pPr algn="ctr"/>
+            <a:endParaRPr lang="en-US">
+              <a:solidFill>
+                <a:schemeClr val="accent1"/>
+              </a:solidFill>
+            </a:endParaRPr>
+          </a:p>
+        </p:txBody>
+      </p:sp>
+      <p:sp>
+        <p:nvSpPr>
+          <p:cNvPr id="118" name="Oval 117">
+            <a:extLst>
+              <a:ext uri="{FF2B5EF4-FFF2-40B4-BE49-F238E27FC236}">
+                <a16:creationId xmlns:a16="http://schemas.microsoft.com/office/drawing/2014/main" id="{BC20AAAE-EBAC-BD4F-B5F3-6E3DCA1A353D}"/>
+              </a:ext>
+            </a:extLst>
+          </p:cNvPr>
+          <p:cNvSpPr/>
+          <p:nvPr/>
+        </p:nvSpPr>
+        <p:spPr>
+          <a:xfrm>
+            <a:off x="8372803" y="3331956"/>
+            <a:ext cx="136636" cy="137160"/>
+          </a:xfrm>
+          <a:prstGeom prst="ellipse">
+            <a:avLst/>
+          </a:prstGeom>
+          <a:noFill/>
+          <a:ln w="38100"/>
+        </p:spPr>
+        <p:style>
+          <a:lnRef idx="2">
+            <a:schemeClr val="accent1">
+              <a:shade val="50000"/>
+            </a:schemeClr>
+          </a:lnRef>
+          <a:fillRef idx="1">
+            <a:schemeClr val="accent1"/>
+          </a:fillRef>
+          <a:effectRef idx="0">
+            <a:schemeClr val="accent1"/>
+          </a:effectRef>
+          <a:fontRef idx="minor">
+            <a:schemeClr val="lt1"/>
+          </a:fontRef>
+        </p:style>
+        <p:txBody>
+          <a:bodyPr rtlCol="0" anchor="ctr"/>
+          <a:lstStyle/>
+          <a:p>
+            <a:pPr algn="ctr"/>
+            <a:endParaRPr lang="en-US">
+              <a:solidFill>
+                <a:schemeClr val="accent1"/>
+              </a:solidFill>
+            </a:endParaRPr>
+          </a:p>
+        </p:txBody>
+      </p:sp>
+      <p:sp>
+        <p:nvSpPr>
+          <p:cNvPr id="119" name="Oval 118">
+            <a:extLst>
+              <a:ext uri="{FF2B5EF4-FFF2-40B4-BE49-F238E27FC236}">
+                <a16:creationId xmlns:a16="http://schemas.microsoft.com/office/drawing/2014/main" id="{533D930A-4ACD-DA42-9F0B-7DE9B6E569DC}"/>
+              </a:ext>
+            </a:extLst>
+          </p:cNvPr>
+          <p:cNvSpPr/>
+          <p:nvPr/>
+        </p:nvSpPr>
+        <p:spPr>
+          <a:xfrm>
+            <a:off x="11219790" y="3331956"/>
+            <a:ext cx="136636" cy="137160"/>
+          </a:xfrm>
+          <a:prstGeom prst="ellipse">
+            <a:avLst/>
+          </a:prstGeom>
+          <a:noFill/>
+          <a:ln w="38100"/>
+        </p:spPr>
+        <p:style>
+          <a:lnRef idx="2">
+            <a:schemeClr val="accent1">
+              <a:shade val="50000"/>
+            </a:schemeClr>
+          </a:lnRef>
+          <a:fillRef idx="1">
+            <a:schemeClr val="accent1"/>
+          </a:fillRef>
+          <a:effectRef idx="0">
+            <a:schemeClr val="accent1"/>
+          </a:effectRef>
+          <a:fontRef idx="minor">
+            <a:schemeClr val="lt1"/>
+          </a:fontRef>
+        </p:style>
+        <p:txBody>
+          <a:bodyPr rtlCol="0" anchor="ctr"/>
+          <a:lstStyle/>
+          <a:p>
+            <a:pPr algn="ctr"/>
+            <a:endParaRPr lang="en-US">
+              <a:solidFill>
+                <a:schemeClr val="accent1"/>
+              </a:solidFill>
+            </a:endParaRPr>
+          </a:p>
+        </p:txBody>
+      </p:sp>
+      <p:cxnSp>
+        <p:nvCxnSpPr>
+          <p:cNvPr id="120" name="Straight Connector 119">
+            <a:extLst>
+              <a:ext uri="{FF2B5EF4-FFF2-40B4-BE49-F238E27FC236}">
+                <a16:creationId xmlns:a16="http://schemas.microsoft.com/office/drawing/2014/main" id="{DD355F5B-18AF-404A-A38F-3BF9B06C5090}"/>
+              </a:ext>
+            </a:extLst>
+          </p:cNvPr>
+          <p:cNvCxnSpPr>
+            <a:cxnSpLocks/>
+          </p:cNvCxnSpPr>
+          <p:nvPr/>
+        </p:nvCxnSpPr>
+        <p:spPr>
+          <a:xfrm>
+            <a:off x="2617082" y="4809348"/>
+            <a:ext cx="8660524" cy="0"/>
+          </a:xfrm>
+          <a:prstGeom prst="line">
+            <a:avLst/>
+          </a:prstGeom>
+        </p:spPr>
+        <p:style>
+          <a:lnRef idx="1">
+            <a:schemeClr val="accent1"/>
+          </a:lnRef>
+          <a:fillRef idx="0">
+            <a:schemeClr val="accent1"/>
+          </a:fillRef>
+          <a:effectRef idx="0">
+            <a:schemeClr val="accent1"/>
+          </a:effectRef>
+          <a:fontRef idx="minor">
+            <a:schemeClr val="tx1"/>
+          </a:fontRef>
+        </p:style>
+      </p:cxnSp>
+      <p:cxnSp>
+        <p:nvCxnSpPr>
+          <p:cNvPr id="121" name="Straight Connector 120">
+            <a:extLst>
+              <a:ext uri="{FF2B5EF4-FFF2-40B4-BE49-F238E27FC236}">
+                <a16:creationId xmlns:a16="http://schemas.microsoft.com/office/drawing/2014/main" id="{6F037897-7C24-F54D-A07B-3C671E75268A}"/>
+              </a:ext>
+            </a:extLst>
+          </p:cNvPr>
+          <p:cNvCxnSpPr>
+            <a:cxnSpLocks/>
+          </p:cNvCxnSpPr>
+          <p:nvPr/>
+        </p:nvCxnSpPr>
+        <p:spPr>
+          <a:xfrm>
+            <a:off x="2617082" y="4629358"/>
+            <a:ext cx="0" cy="182880"/>
+          </a:xfrm>
+          <a:prstGeom prst="line">
+            <a:avLst/>
+          </a:prstGeom>
+        </p:spPr>
+        <p:style>
+          <a:lnRef idx="1">
+            <a:schemeClr val="accent1"/>
+          </a:lnRef>
+          <a:fillRef idx="0">
+            <a:schemeClr val="accent1"/>
+          </a:fillRef>
+          <a:effectRef idx="0">
+            <a:schemeClr val="accent1"/>
+          </a:effectRef>
+          <a:fontRef idx="minor">
+            <a:schemeClr val="tx1"/>
+          </a:fontRef>
+        </p:style>
+      </p:cxnSp>
+      <p:cxnSp>
+        <p:nvCxnSpPr>
+          <p:cNvPr id="122" name="Straight Connector 121">
+            <a:extLst>
+              <a:ext uri="{FF2B5EF4-FFF2-40B4-BE49-F238E27FC236}">
+                <a16:creationId xmlns:a16="http://schemas.microsoft.com/office/drawing/2014/main" id="{05DD380D-E68D-5842-A48A-07E9D0E3F1DC}"/>
+              </a:ext>
+            </a:extLst>
+          </p:cNvPr>
+          <p:cNvCxnSpPr>
+            <a:cxnSpLocks/>
+          </p:cNvCxnSpPr>
+          <p:nvPr/>
+        </p:nvCxnSpPr>
+        <p:spPr>
+          <a:xfrm>
+            <a:off x="4782213" y="4629358"/>
+            <a:ext cx="0" cy="182880"/>
+          </a:xfrm>
+          <a:prstGeom prst="line">
+            <a:avLst/>
+          </a:prstGeom>
+        </p:spPr>
+        <p:style>
+          <a:lnRef idx="1">
+            <a:schemeClr val="accent1"/>
+          </a:lnRef>
+          <a:fillRef idx="0">
+            <a:schemeClr val="accent1"/>
+          </a:fillRef>
+          <a:effectRef idx="0">
+            <a:schemeClr val="accent1"/>
+          </a:effectRef>
+          <a:fontRef idx="minor">
+            <a:schemeClr val="tx1"/>
+          </a:fontRef>
+        </p:style>
+      </p:cxnSp>
+      <p:cxnSp>
+        <p:nvCxnSpPr>
+          <p:cNvPr id="123" name="Straight Connector 122">
+            <a:extLst>
+              <a:ext uri="{FF2B5EF4-FFF2-40B4-BE49-F238E27FC236}">
+                <a16:creationId xmlns:a16="http://schemas.microsoft.com/office/drawing/2014/main" id="{8D963C1B-98AA-3D40-9DD6-8A1DAF06CE3A}"/>
+              </a:ext>
+            </a:extLst>
+          </p:cNvPr>
+          <p:cNvCxnSpPr>
+            <a:cxnSpLocks/>
+          </p:cNvCxnSpPr>
+          <p:nvPr/>
+        </p:nvCxnSpPr>
+        <p:spPr>
+          <a:xfrm>
+            <a:off x="6947344" y="4629358"/>
+            <a:ext cx="0" cy="182880"/>
+          </a:xfrm>
+          <a:prstGeom prst="line">
+            <a:avLst/>
+          </a:prstGeom>
+        </p:spPr>
+        <p:style>
+          <a:lnRef idx="1">
+            <a:schemeClr val="accent1"/>
+          </a:lnRef>
+          <a:fillRef idx="0">
+            <a:schemeClr val="accent1"/>
+          </a:fillRef>
+          <a:effectRef idx="0">
+            <a:schemeClr val="accent1"/>
+          </a:effectRef>
+          <a:fontRef idx="minor">
+            <a:schemeClr val="tx1"/>
+          </a:fontRef>
+        </p:style>
+      </p:cxnSp>
+      <p:cxnSp>
+        <p:nvCxnSpPr>
+          <p:cNvPr id="124" name="Straight Connector 123">
+            <a:extLst>
+              <a:ext uri="{FF2B5EF4-FFF2-40B4-BE49-F238E27FC236}">
+                <a16:creationId xmlns:a16="http://schemas.microsoft.com/office/drawing/2014/main" id="{5A328BDD-B7BA-A649-A1CF-74D829E6EF17}"/>
+              </a:ext>
+            </a:extLst>
+          </p:cNvPr>
+          <p:cNvCxnSpPr>
+            <a:cxnSpLocks/>
+          </p:cNvCxnSpPr>
+          <p:nvPr/>
+        </p:nvCxnSpPr>
+        <p:spPr>
+          <a:xfrm>
+            <a:off x="9112475" y="4629358"/>
+            <a:ext cx="0" cy="182880"/>
+          </a:xfrm>
+          <a:prstGeom prst="line">
+            <a:avLst/>
+          </a:prstGeom>
+        </p:spPr>
+        <p:style>
+          <a:lnRef idx="1">
+            <a:schemeClr val="accent1"/>
+          </a:lnRef>
+          <a:fillRef idx="0">
+            <a:schemeClr val="accent1"/>
+          </a:fillRef>
+          <a:effectRef idx="0">
+            <a:schemeClr val="accent1"/>
+          </a:effectRef>
+          <a:fontRef idx="minor">
+            <a:schemeClr val="tx1"/>
+          </a:fontRef>
+        </p:style>
+      </p:cxnSp>
+      <p:cxnSp>
+        <p:nvCxnSpPr>
+          <p:cNvPr id="125" name="Straight Connector 124">
+            <a:extLst>
+              <a:ext uri="{FF2B5EF4-FFF2-40B4-BE49-F238E27FC236}">
+                <a16:creationId xmlns:a16="http://schemas.microsoft.com/office/drawing/2014/main" id="{96812AF1-5699-5243-BDD6-6A9372E5C3A9}"/>
+              </a:ext>
+            </a:extLst>
+          </p:cNvPr>
+          <p:cNvCxnSpPr>
+            <a:cxnSpLocks/>
+          </p:cNvCxnSpPr>
+          <p:nvPr/>
+        </p:nvCxnSpPr>
+        <p:spPr>
+          <a:xfrm>
+            <a:off x="11277606" y="4629358"/>
+            <a:ext cx="0" cy="182880"/>
+          </a:xfrm>
+          <a:prstGeom prst="line">
+            <a:avLst/>
+          </a:prstGeom>
+        </p:spPr>
+        <p:style>
+          <a:lnRef idx="1">
+            <a:schemeClr val="accent1"/>
+          </a:lnRef>
+          <a:fillRef idx="0">
+            <a:schemeClr val="accent1"/>
+          </a:fillRef>
+          <a:effectRef idx="0">
+            <a:schemeClr val="accent1"/>
+          </a:effectRef>
+          <a:fontRef idx="minor">
+            <a:schemeClr val="tx1"/>
+          </a:fontRef>
+        </p:style>
+      </p:cxnSp>
+      <p:sp>
+        <p:nvSpPr>
+          <p:cNvPr id="129" name="TextBox 128">
+            <a:extLst>
+              <a:ext uri="{FF2B5EF4-FFF2-40B4-BE49-F238E27FC236}">
+                <a16:creationId xmlns:a16="http://schemas.microsoft.com/office/drawing/2014/main" id="{B3C874E7-DCCF-CF46-B5A7-C951723D11F3}"/>
+              </a:ext>
+            </a:extLst>
+          </p:cNvPr>
+          <p:cNvSpPr txBox="1"/>
+          <p:nvPr/>
+        </p:nvSpPr>
+        <p:spPr>
+          <a:xfrm>
+            <a:off x="1939166" y="4116221"/>
+            <a:ext cx="1355831" cy="430887"/>
+          </a:xfrm>
+          <a:prstGeom prst="rect">
+            <a:avLst/>
+          </a:prstGeom>
+          <a:noFill/>
+        </p:spPr>
+        <p:txBody>
+          <a:bodyPr wrap="square" rtlCol="0" anchor="b">
+            <a:spAutoFit/>
+          </a:bodyPr>
+          <a:lstStyle/>
+          <a:p>
+            <a:pPr algn="ctr"/>
+            <a:r>
+              <a:rPr lang="en-US" sz="1100" dirty="0">
+                <a:solidFill>
+                  <a:schemeClr val="accent1"/>
+                </a:solidFill>
+              </a:rPr>
+              <a:t>Not Satisfied</a:t>
+            </a:r>
+          </a:p>
+          <a:p>
+            <a:pPr algn="ctr"/>
+            <a:r>
+              <a:rPr lang="en-US" sz="1100" dirty="0">
+                <a:solidFill>
+                  <a:schemeClr val="accent1"/>
+                </a:solidFill>
+              </a:rPr>
+              <a:t>1</a:t>
+            </a:r>
+          </a:p>
+        </p:txBody>
+      </p:sp>
+      <p:sp>
+        <p:nvSpPr>
+          <p:cNvPr id="130" name="TextBox 129">
+            <a:extLst>
+              <a:ext uri="{FF2B5EF4-FFF2-40B4-BE49-F238E27FC236}">
+                <a16:creationId xmlns:a16="http://schemas.microsoft.com/office/drawing/2014/main" id="{C5AC4F45-FD5A-D44C-9636-1143AA75DBE0}"/>
+              </a:ext>
+            </a:extLst>
+          </p:cNvPr>
+          <p:cNvSpPr txBox="1"/>
+          <p:nvPr/>
+        </p:nvSpPr>
+        <p:spPr>
+          <a:xfrm>
+            <a:off x="6269428" y="4285498"/>
+            <a:ext cx="1355831" cy="261610"/>
+          </a:xfrm>
+          <a:prstGeom prst="rect">
+            <a:avLst/>
+          </a:prstGeom>
+          <a:noFill/>
+        </p:spPr>
+        <p:txBody>
+          <a:bodyPr wrap="square" rtlCol="0" anchor="b">
+            <a:spAutoFit/>
+          </a:bodyPr>
+          <a:lstStyle/>
+          <a:p>
+            <a:pPr algn="ctr"/>
+            <a:r>
+              <a:rPr lang="en-US" sz="1100" dirty="0">
+                <a:solidFill>
+                  <a:schemeClr val="accent1"/>
+                </a:solidFill>
+              </a:rPr>
+              <a:t>3</a:t>
+            </a:r>
+          </a:p>
+        </p:txBody>
+      </p:sp>
+      <p:sp>
+        <p:nvSpPr>
+          <p:cNvPr id="131" name="TextBox 130">
+            <a:extLst>
+              <a:ext uri="{FF2B5EF4-FFF2-40B4-BE49-F238E27FC236}">
+                <a16:creationId xmlns:a16="http://schemas.microsoft.com/office/drawing/2014/main" id="{76D384D2-C672-994D-B776-5F627B8B83C6}"/>
+              </a:ext>
+            </a:extLst>
+          </p:cNvPr>
+          <p:cNvSpPr txBox="1"/>
+          <p:nvPr/>
+        </p:nvSpPr>
+        <p:spPr>
+          <a:xfrm>
+            <a:off x="8434559" y="4285498"/>
+            <a:ext cx="1355831" cy="261610"/>
+          </a:xfrm>
+          <a:prstGeom prst="rect">
+            <a:avLst/>
+          </a:prstGeom>
+          <a:noFill/>
+        </p:spPr>
+        <p:txBody>
+          <a:bodyPr wrap="square" rtlCol="0" anchor="b">
+            <a:spAutoFit/>
+          </a:bodyPr>
+          <a:lstStyle/>
+          <a:p>
+            <a:pPr algn="ctr"/>
+            <a:r>
+              <a:rPr lang="en-US" sz="1100" dirty="0">
+                <a:solidFill>
+                  <a:schemeClr val="accent1"/>
+                </a:solidFill>
+              </a:rPr>
+              <a:t>4</a:t>
+            </a:r>
+          </a:p>
+        </p:txBody>
+      </p:sp>
+      <p:sp>
+        <p:nvSpPr>
+          <p:cNvPr id="132" name="TextBox 131">
+            <a:extLst>
+              <a:ext uri="{FF2B5EF4-FFF2-40B4-BE49-F238E27FC236}">
+                <a16:creationId xmlns:a16="http://schemas.microsoft.com/office/drawing/2014/main" id="{2B8F75EF-EB14-794C-8B24-498E6EC83C5C}"/>
+              </a:ext>
+            </a:extLst>
+          </p:cNvPr>
+          <p:cNvSpPr txBox="1"/>
+          <p:nvPr/>
+        </p:nvSpPr>
+        <p:spPr>
+          <a:xfrm>
+            <a:off x="10610200" y="4116221"/>
+            <a:ext cx="1355831" cy="430887"/>
+          </a:xfrm>
+          <a:prstGeom prst="rect">
+            <a:avLst/>
+          </a:prstGeom>
+          <a:noFill/>
+        </p:spPr>
+        <p:txBody>
+          <a:bodyPr wrap="square" rtlCol="0" anchor="b">
+            <a:spAutoFit/>
+          </a:bodyPr>
+          <a:lstStyle/>
+          <a:p>
+            <a:pPr algn="ctr"/>
+            <a:r>
+              <a:rPr lang="en-US" sz="1100" dirty="0">
+                <a:solidFill>
+                  <a:schemeClr val="accent1"/>
+                </a:solidFill>
+              </a:rPr>
+              <a:t>Satisfied</a:t>
+            </a:r>
+          </a:p>
+          <a:p>
+            <a:pPr algn="ctr"/>
+            <a:r>
+              <a:rPr lang="en-US" sz="1100" dirty="0">
+                <a:solidFill>
+                  <a:schemeClr val="accent1"/>
+                </a:solidFill>
+              </a:rPr>
+              <a:t>5</a:t>
+            </a:r>
+          </a:p>
+        </p:txBody>
+      </p:sp>
+      <p:sp>
+        <p:nvSpPr>
+          <p:cNvPr id="133" name="TextBox 132">
+            <a:extLst>
+              <a:ext uri="{FF2B5EF4-FFF2-40B4-BE49-F238E27FC236}">
+                <a16:creationId xmlns:a16="http://schemas.microsoft.com/office/drawing/2014/main" id="{B35FF5FF-50D6-9643-AA78-872B95989344}"/>
+              </a:ext>
+            </a:extLst>
+          </p:cNvPr>
+          <p:cNvSpPr txBox="1"/>
+          <p:nvPr/>
+        </p:nvSpPr>
+        <p:spPr>
+          <a:xfrm>
+            <a:off x="4104297" y="4285498"/>
+            <a:ext cx="1355831" cy="261610"/>
+          </a:xfrm>
+          <a:prstGeom prst="rect">
+            <a:avLst/>
+          </a:prstGeom>
+          <a:noFill/>
+        </p:spPr>
+        <p:txBody>
+          <a:bodyPr wrap="square" rtlCol="0" anchor="b">
+            <a:spAutoFit/>
+          </a:bodyPr>
+          <a:lstStyle/>
+          <a:p>
+            <a:pPr algn="ctr"/>
+            <a:r>
+              <a:rPr lang="en-US" sz="1100" dirty="0">
+                <a:solidFill>
+                  <a:schemeClr val="accent1"/>
+                </a:solidFill>
+              </a:rPr>
+              <a:t>2</a:t>
+            </a:r>
+          </a:p>
+        </p:txBody>
+      </p:sp>
+      <p:sp>
+        <p:nvSpPr>
+          <p:cNvPr id="134" name="Oval 133">
+            <a:extLst>
+              <a:ext uri="{FF2B5EF4-FFF2-40B4-BE49-F238E27FC236}">
+                <a16:creationId xmlns:a16="http://schemas.microsoft.com/office/drawing/2014/main" id="{E35EC852-66BC-7E40-B913-AF90C4D4A4A9}"/>
+              </a:ext>
+            </a:extLst>
+          </p:cNvPr>
+          <p:cNvSpPr/>
+          <p:nvPr/>
+        </p:nvSpPr>
+        <p:spPr>
+          <a:xfrm>
+            <a:off x="2554019" y="4509970"/>
+            <a:ext cx="136636" cy="137160"/>
+          </a:xfrm>
+          <a:prstGeom prst="ellipse">
+            <a:avLst/>
+          </a:prstGeom>
+          <a:noFill/>
+          <a:ln w="38100"/>
+        </p:spPr>
+        <p:style>
+          <a:lnRef idx="2">
+            <a:schemeClr val="accent1">
+              <a:shade val="50000"/>
+            </a:schemeClr>
+          </a:lnRef>
+          <a:fillRef idx="1">
+            <a:schemeClr val="accent1"/>
+          </a:fillRef>
+          <a:effectRef idx="0">
+            <a:schemeClr val="accent1"/>
+          </a:effectRef>
+          <a:fontRef idx="minor">
+            <a:schemeClr val="lt1"/>
+          </a:fontRef>
+        </p:style>
+        <p:txBody>
+          <a:bodyPr rtlCol="0" anchor="ctr"/>
+          <a:lstStyle/>
+          <a:p>
+            <a:pPr algn="ctr"/>
+            <a:endParaRPr lang="en-US">
+              <a:solidFill>
+                <a:schemeClr val="accent1"/>
+              </a:solidFill>
+            </a:endParaRPr>
+          </a:p>
+        </p:txBody>
+      </p:sp>
+      <p:sp>
+        <p:nvSpPr>
+          <p:cNvPr id="135" name="Oval 134">
+            <a:extLst>
+              <a:ext uri="{FF2B5EF4-FFF2-40B4-BE49-F238E27FC236}">
+                <a16:creationId xmlns:a16="http://schemas.microsoft.com/office/drawing/2014/main" id="{62966A15-C395-3F44-BA97-76DF09429326}"/>
+              </a:ext>
+            </a:extLst>
+          </p:cNvPr>
+          <p:cNvSpPr/>
+          <p:nvPr/>
+        </p:nvSpPr>
+        <p:spPr>
+          <a:xfrm>
+            <a:off x="4719151" y="4509970"/>
+            <a:ext cx="136636" cy="137160"/>
+          </a:xfrm>
+          <a:prstGeom prst="ellipse">
+            <a:avLst/>
+          </a:prstGeom>
+          <a:noFill/>
+          <a:ln w="38100"/>
+        </p:spPr>
+        <p:style>
+          <a:lnRef idx="2">
+            <a:schemeClr val="accent1">
+              <a:shade val="50000"/>
+            </a:schemeClr>
+          </a:lnRef>
+          <a:fillRef idx="1">
+            <a:schemeClr val="accent1"/>
+          </a:fillRef>
+          <a:effectRef idx="0">
+            <a:schemeClr val="accent1"/>
+          </a:effectRef>
+          <a:fontRef idx="minor">
+            <a:schemeClr val="lt1"/>
+          </a:fontRef>
+        </p:style>
+        <p:txBody>
+          <a:bodyPr rtlCol="0" anchor="ctr"/>
+          <a:lstStyle/>
+          <a:p>
+            <a:pPr algn="ctr"/>
+            <a:endParaRPr lang="en-US">
+              <a:solidFill>
+                <a:schemeClr val="accent1"/>
+              </a:solidFill>
+            </a:endParaRPr>
+          </a:p>
+        </p:txBody>
+      </p:sp>
+      <p:sp>
+        <p:nvSpPr>
+          <p:cNvPr id="136" name="Oval 135">
+            <a:extLst>
+              <a:ext uri="{FF2B5EF4-FFF2-40B4-BE49-F238E27FC236}">
+                <a16:creationId xmlns:a16="http://schemas.microsoft.com/office/drawing/2014/main" id="{96E89150-9A7D-734B-8657-4CE533D7D36D}"/>
+              </a:ext>
+            </a:extLst>
+          </p:cNvPr>
+          <p:cNvSpPr/>
+          <p:nvPr/>
+        </p:nvSpPr>
+        <p:spPr>
+          <a:xfrm>
+            <a:off x="6885597" y="4509970"/>
+            <a:ext cx="136636" cy="137160"/>
+          </a:xfrm>
+          <a:prstGeom prst="ellipse">
+            <a:avLst/>
+          </a:prstGeom>
+          <a:noFill/>
+          <a:ln w="38100"/>
+        </p:spPr>
+        <p:style>
+          <a:lnRef idx="2">
+            <a:schemeClr val="accent1">
+              <a:shade val="50000"/>
+            </a:schemeClr>
+          </a:lnRef>
+          <a:fillRef idx="1">
+            <a:schemeClr val="accent1"/>
+          </a:fillRef>
+          <a:effectRef idx="0">
+            <a:schemeClr val="accent1"/>
+          </a:effectRef>
+          <a:fontRef idx="minor">
+            <a:schemeClr val="lt1"/>
+          </a:fontRef>
+        </p:style>
+        <p:txBody>
+          <a:bodyPr rtlCol="0" anchor="ctr"/>
+          <a:lstStyle/>
+          <a:p>
+            <a:pPr algn="ctr"/>
+            <a:endParaRPr lang="en-US">
+              <a:solidFill>
+                <a:schemeClr val="accent1"/>
+              </a:solidFill>
+            </a:endParaRPr>
+          </a:p>
+        </p:txBody>
+      </p:sp>
+      <p:sp>
+        <p:nvSpPr>
+          <p:cNvPr id="137" name="Oval 136">
+            <a:extLst>
+              <a:ext uri="{FF2B5EF4-FFF2-40B4-BE49-F238E27FC236}">
+                <a16:creationId xmlns:a16="http://schemas.microsoft.com/office/drawing/2014/main" id="{6FF95F89-7F83-E048-9967-A9BAA1D0D67F}"/>
+              </a:ext>
+            </a:extLst>
+          </p:cNvPr>
+          <p:cNvSpPr/>
+          <p:nvPr/>
+        </p:nvSpPr>
+        <p:spPr>
+          <a:xfrm>
+            <a:off x="9045472" y="4509970"/>
+            <a:ext cx="136636" cy="137160"/>
+          </a:xfrm>
+          <a:prstGeom prst="ellipse">
+            <a:avLst/>
+          </a:prstGeom>
+          <a:noFill/>
+          <a:ln w="38100"/>
+        </p:spPr>
+        <p:style>
+          <a:lnRef idx="2">
+            <a:schemeClr val="accent1">
+              <a:shade val="50000"/>
+            </a:schemeClr>
+          </a:lnRef>
+          <a:fillRef idx="1">
+            <a:schemeClr val="accent1"/>
+          </a:fillRef>
+          <a:effectRef idx="0">
+            <a:schemeClr val="accent1"/>
+          </a:effectRef>
+          <a:fontRef idx="minor">
+            <a:schemeClr val="lt1"/>
+          </a:fontRef>
+        </p:style>
+        <p:txBody>
+          <a:bodyPr rtlCol="0" anchor="ctr"/>
+          <a:lstStyle/>
+          <a:p>
+            <a:pPr algn="ctr"/>
+            <a:endParaRPr lang="en-US">
+              <a:solidFill>
+                <a:schemeClr val="accent1"/>
+              </a:solidFill>
+            </a:endParaRPr>
+          </a:p>
+        </p:txBody>
+      </p:sp>
+      <p:sp>
+        <p:nvSpPr>
+          <p:cNvPr id="138" name="Oval 137">
+            <a:extLst>
+              <a:ext uri="{FF2B5EF4-FFF2-40B4-BE49-F238E27FC236}">
+                <a16:creationId xmlns:a16="http://schemas.microsoft.com/office/drawing/2014/main" id="{62F0955E-0EA0-894D-9D08-64B92EB4DE81}"/>
+              </a:ext>
+            </a:extLst>
+          </p:cNvPr>
+          <p:cNvSpPr/>
+          <p:nvPr/>
+        </p:nvSpPr>
+        <p:spPr>
+          <a:xfrm>
+            <a:off x="11219796" y="4509970"/>
+            <a:ext cx="136636" cy="137160"/>
+          </a:xfrm>
+          <a:prstGeom prst="ellipse">
+            <a:avLst/>
+          </a:prstGeom>
+          <a:noFill/>
+          <a:ln w="38100"/>
+        </p:spPr>
+        <p:style>
+          <a:lnRef idx="2">
+            <a:schemeClr val="accent1">
+              <a:shade val="50000"/>
+            </a:schemeClr>
+          </a:lnRef>
+          <a:fillRef idx="1">
+            <a:schemeClr val="accent1"/>
+          </a:fillRef>
+          <a:effectRef idx="0">
+            <a:schemeClr val="accent1"/>
+          </a:effectRef>
+          <a:fontRef idx="minor">
+            <a:schemeClr val="lt1"/>
+          </a:fontRef>
+        </p:style>
+        <p:txBody>
+          <a:bodyPr rtlCol="0" anchor="ctr"/>
+          <a:lstStyle/>
+          <a:p>
+            <a:pPr algn="ctr"/>
+            <a:endParaRPr lang="en-US">
+              <a:solidFill>
+                <a:schemeClr val="accent1"/>
+              </a:solidFill>
+            </a:endParaRPr>
+          </a:p>
+        </p:txBody>
+      </p:sp>
+      <p:cxnSp>
+        <p:nvCxnSpPr>
+          <p:cNvPr id="155" name="Straight Connector 154">
+            <a:extLst>
+              <a:ext uri="{FF2B5EF4-FFF2-40B4-BE49-F238E27FC236}">
+                <a16:creationId xmlns:a16="http://schemas.microsoft.com/office/drawing/2014/main" id="{AAF82433-ABC7-734D-ADFE-D1FBC54BC9EA}"/>
+              </a:ext>
+            </a:extLst>
+          </p:cNvPr>
+          <p:cNvCxnSpPr>
+            <a:cxnSpLocks/>
+          </p:cNvCxnSpPr>
+          <p:nvPr/>
+        </p:nvCxnSpPr>
+        <p:spPr>
+          <a:xfrm>
+            <a:off x="2617077" y="6318669"/>
+            <a:ext cx="8660524" cy="0"/>
+          </a:xfrm>
+          <a:prstGeom prst="line">
+            <a:avLst/>
+          </a:prstGeom>
+        </p:spPr>
+        <p:style>
+          <a:lnRef idx="1">
+            <a:schemeClr val="accent1"/>
+          </a:lnRef>
+          <a:fillRef idx="0">
+            <a:schemeClr val="accent1"/>
+          </a:fillRef>
+          <a:effectRef idx="0">
+            <a:schemeClr val="accent1"/>
+          </a:effectRef>
+          <a:fontRef idx="minor">
+            <a:schemeClr val="tx1"/>
+          </a:fontRef>
+        </p:style>
+      </p:cxnSp>
+      <p:cxnSp>
+        <p:nvCxnSpPr>
+          <p:cNvPr id="156" name="Straight Connector 155">
+            <a:extLst>
+              <a:ext uri="{FF2B5EF4-FFF2-40B4-BE49-F238E27FC236}">
+                <a16:creationId xmlns:a16="http://schemas.microsoft.com/office/drawing/2014/main" id="{D688ECE1-8517-4A48-BAB0-16A6A34B0917}"/>
+              </a:ext>
+            </a:extLst>
+          </p:cNvPr>
+          <p:cNvCxnSpPr>
+            <a:cxnSpLocks/>
+          </p:cNvCxnSpPr>
+          <p:nvPr/>
+        </p:nvCxnSpPr>
+        <p:spPr>
+          <a:xfrm>
+            <a:off x="2617077" y="6128169"/>
+            <a:ext cx="0" cy="182880"/>
+          </a:xfrm>
+          <a:prstGeom prst="line">
+            <a:avLst/>
+          </a:prstGeom>
+        </p:spPr>
+        <p:style>
+          <a:lnRef idx="1">
+            <a:schemeClr val="accent1"/>
+          </a:lnRef>
+          <a:fillRef idx="0">
+            <a:schemeClr val="accent1"/>
+          </a:fillRef>
+          <a:effectRef idx="0">
+            <a:schemeClr val="accent1"/>
+          </a:effectRef>
+          <a:fontRef idx="minor">
+            <a:schemeClr val="tx1"/>
+          </a:fontRef>
+        </p:style>
+      </p:cxnSp>
+      <p:cxnSp>
+        <p:nvCxnSpPr>
+          <p:cNvPr id="160" name="Straight Connector 159">
+            <a:extLst>
+              <a:ext uri="{FF2B5EF4-FFF2-40B4-BE49-F238E27FC236}">
+                <a16:creationId xmlns:a16="http://schemas.microsoft.com/office/drawing/2014/main" id="{5B1F1F06-B76E-4A4A-AF25-0A71548FEB60}"/>
+              </a:ext>
+            </a:extLst>
+          </p:cNvPr>
+          <p:cNvCxnSpPr>
+            <a:cxnSpLocks/>
+          </p:cNvCxnSpPr>
+          <p:nvPr/>
+        </p:nvCxnSpPr>
+        <p:spPr>
+          <a:xfrm>
+            <a:off x="11277601" y="6128169"/>
+            <a:ext cx="0" cy="182880"/>
+          </a:xfrm>
+          <a:prstGeom prst="line">
+            <a:avLst/>
+          </a:prstGeom>
+        </p:spPr>
+        <p:style>
+          <a:lnRef idx="1">
+            <a:schemeClr val="accent1"/>
+          </a:lnRef>
+          <a:fillRef idx="0">
+            <a:schemeClr val="accent1"/>
+          </a:fillRef>
+          <a:effectRef idx="0">
+            <a:schemeClr val="accent1"/>
+          </a:effectRef>
+          <a:fontRef idx="minor">
+            <a:schemeClr val="tx1"/>
+          </a:fontRef>
+        </p:style>
+      </p:cxnSp>
+      <p:sp>
+        <p:nvSpPr>
+          <p:cNvPr id="161" name="TextBox 160">
+            <a:extLst>
+              <a:ext uri="{FF2B5EF4-FFF2-40B4-BE49-F238E27FC236}">
+                <a16:creationId xmlns:a16="http://schemas.microsoft.com/office/drawing/2014/main" id="{A735B5F1-D9ED-4349-BBCD-DB1273EB05D7}"/>
+              </a:ext>
+            </a:extLst>
+          </p:cNvPr>
+          <p:cNvSpPr txBox="1"/>
+          <p:nvPr/>
+        </p:nvSpPr>
+        <p:spPr>
+          <a:xfrm>
+            <a:off x="1944416" y="5945662"/>
+            <a:ext cx="1355831" cy="261610"/>
+          </a:xfrm>
+          <a:prstGeom prst="rect">
+            <a:avLst/>
+          </a:prstGeom>
+          <a:noFill/>
+        </p:spPr>
+        <p:txBody>
+          <a:bodyPr wrap="square" rtlCol="0">
+            <a:spAutoFit/>
+          </a:bodyPr>
+          <a:lstStyle/>
+          <a:p>
+            <a:pPr algn="ctr"/>
+            <a:r>
+              <a:rPr lang="en-US" sz="1100" dirty="0">
+                <a:solidFill>
+                  <a:schemeClr val="accent1"/>
+                </a:solidFill>
+              </a:rPr>
+              <a:t>0</a:t>
+            </a:r>
+          </a:p>
+        </p:txBody>
+      </p:sp>
+      <p:sp>
+        <p:nvSpPr>
+          <p:cNvPr id="164" name="TextBox 163">
+            <a:extLst>
+              <a:ext uri="{FF2B5EF4-FFF2-40B4-BE49-F238E27FC236}">
+                <a16:creationId xmlns:a16="http://schemas.microsoft.com/office/drawing/2014/main" id="{70F5B099-A35A-8140-8564-38926AC84130}"/>
+              </a:ext>
+            </a:extLst>
+          </p:cNvPr>
+          <p:cNvSpPr txBox="1"/>
+          <p:nvPr/>
+        </p:nvSpPr>
+        <p:spPr>
+          <a:xfrm>
+            <a:off x="10610193" y="5945662"/>
+            <a:ext cx="1355831" cy="261610"/>
+          </a:xfrm>
+          <a:prstGeom prst="rect">
+            <a:avLst/>
+          </a:prstGeom>
+          <a:noFill/>
+        </p:spPr>
+        <p:txBody>
+          <a:bodyPr wrap="square" rtlCol="0">
+            <a:spAutoFit/>
+          </a:bodyPr>
+          <a:lstStyle/>
+          <a:p>
+            <a:pPr algn="ctr"/>
+            <a:r>
+              <a:rPr lang="en-US" sz="1100" dirty="0">
+                <a:solidFill>
+                  <a:schemeClr val="accent1"/>
+                </a:solidFill>
+              </a:rPr>
+              <a:t>100</a:t>
+            </a:r>
+          </a:p>
+        </p:txBody>
+      </p:sp>
+      <p:sp>
+        <p:nvSpPr>
+          <p:cNvPr id="168" name="Oval 167">
+            <a:extLst>
+              <a:ext uri="{FF2B5EF4-FFF2-40B4-BE49-F238E27FC236}">
+                <a16:creationId xmlns:a16="http://schemas.microsoft.com/office/drawing/2014/main" id="{E420C41E-423F-DA4A-86BE-A47AB89631CC}"/>
+              </a:ext>
+            </a:extLst>
+          </p:cNvPr>
+          <p:cNvSpPr/>
+          <p:nvPr/>
+        </p:nvSpPr>
+        <p:spPr>
+          <a:xfrm>
+            <a:off x="6885591" y="6258753"/>
+            <a:ext cx="136636" cy="137160"/>
+          </a:xfrm>
+          <a:prstGeom prst="ellipse">
+            <a:avLst/>
+          </a:prstGeom>
+          <a:noFill/>
+          <a:ln w="38100"/>
+        </p:spPr>
+        <p:style>
+          <a:lnRef idx="2">
+            <a:schemeClr val="accent1">
+              <a:shade val="50000"/>
+            </a:schemeClr>
+          </a:lnRef>
+          <a:fillRef idx="1">
+            <a:schemeClr val="accent1"/>
+          </a:fillRef>
+          <a:effectRef idx="0">
+            <a:schemeClr val="accent1"/>
+          </a:effectRef>
+          <a:fontRef idx="minor">
+            <a:schemeClr val="lt1"/>
+          </a:fontRef>
+        </p:style>
+        <p:txBody>
+          <a:bodyPr rtlCol="0" anchor="ctr"/>
+          <a:lstStyle/>
+          <a:p>
+            <a:pPr algn="ctr"/>
+            <a:endParaRPr lang="en-US">
+              <a:solidFill>
+                <a:schemeClr val="accent1"/>
+              </a:solidFill>
+            </a:endParaRPr>
+          </a:p>
+        </p:txBody>
+      </p:sp>
+      <p:sp>
+        <p:nvSpPr>
+          <p:cNvPr id="177" name="TextBox 176">
+            <a:extLst>
+              <a:ext uri="{FF2B5EF4-FFF2-40B4-BE49-F238E27FC236}">
+                <a16:creationId xmlns:a16="http://schemas.microsoft.com/office/drawing/2014/main" id="{EA89011D-1280-EA47-885B-615DDD1E460F}"/>
+              </a:ext>
+            </a:extLst>
+          </p:cNvPr>
+          <p:cNvSpPr txBox="1"/>
+          <p:nvPr/>
+        </p:nvSpPr>
+        <p:spPr>
+          <a:xfrm>
+            <a:off x="1933905" y="2011587"/>
+            <a:ext cx="1355831" cy="261610"/>
+          </a:xfrm>
+          <a:prstGeom prst="rect">
+            <a:avLst/>
+          </a:prstGeom>
+          <a:noFill/>
+        </p:spPr>
+        <p:txBody>
+          <a:bodyPr wrap="square" rtlCol="0">
+            <a:spAutoFit/>
+          </a:bodyPr>
+          <a:lstStyle/>
+          <a:p>
+            <a:pPr algn="ctr"/>
+            <a:r>
+              <a:rPr lang="en-US" sz="1100" dirty="0">
+                <a:solidFill>
+                  <a:schemeClr val="accent1"/>
+                </a:solidFill>
+              </a:rPr>
+              <a:t>It was confusing</a:t>
+            </a:r>
+          </a:p>
+        </p:txBody>
+      </p:sp>
+      <p:sp>
+        <p:nvSpPr>
+          <p:cNvPr id="178" name="TextBox 177">
+            <a:extLst>
+              <a:ext uri="{FF2B5EF4-FFF2-40B4-BE49-F238E27FC236}">
+                <a16:creationId xmlns:a16="http://schemas.microsoft.com/office/drawing/2014/main" id="{EED42EE2-34CA-9942-908B-B307363D6861}"/>
+              </a:ext>
+            </a:extLst>
+          </p:cNvPr>
+          <p:cNvSpPr txBox="1"/>
+          <p:nvPr/>
+        </p:nvSpPr>
+        <p:spPr>
+          <a:xfrm>
+            <a:off x="6266795" y="2011587"/>
+            <a:ext cx="1355831" cy="261610"/>
+          </a:xfrm>
+          <a:prstGeom prst="rect">
+            <a:avLst/>
+          </a:prstGeom>
+          <a:noFill/>
+        </p:spPr>
+        <p:txBody>
+          <a:bodyPr wrap="square" rtlCol="0">
+            <a:spAutoFit/>
+          </a:bodyPr>
+          <a:lstStyle/>
+          <a:p>
+            <a:pPr algn="ctr"/>
+            <a:r>
+              <a:rPr lang="en-US" sz="1100" dirty="0">
+                <a:solidFill>
+                  <a:schemeClr val="accent1"/>
+                </a:solidFill>
+              </a:rPr>
+              <a:t>It was ok</a:t>
+            </a:r>
+          </a:p>
+        </p:txBody>
+      </p:sp>
+      <p:sp>
+        <p:nvSpPr>
+          <p:cNvPr id="179" name="TextBox 178">
+            <a:extLst>
+              <a:ext uri="{FF2B5EF4-FFF2-40B4-BE49-F238E27FC236}">
+                <a16:creationId xmlns:a16="http://schemas.microsoft.com/office/drawing/2014/main" id="{2C4C63ED-3C08-A94A-B16F-F55DA6D11BD0}"/>
+              </a:ext>
+            </a:extLst>
+          </p:cNvPr>
+          <p:cNvSpPr txBox="1"/>
+          <p:nvPr/>
+        </p:nvSpPr>
+        <p:spPr>
+          <a:xfrm>
+            <a:off x="8230905" y="2010225"/>
+            <a:ext cx="1755239" cy="261610"/>
+          </a:xfrm>
+          <a:prstGeom prst="rect">
+            <a:avLst/>
+          </a:prstGeom>
+          <a:noFill/>
+        </p:spPr>
+        <p:txBody>
+          <a:bodyPr wrap="square" rtlCol="0">
+            <a:spAutoFit/>
+          </a:bodyPr>
+          <a:lstStyle/>
+          <a:p>
+            <a:pPr algn="ctr"/>
+            <a:r>
+              <a:rPr lang="en-US" sz="1100" dirty="0">
+                <a:solidFill>
+                  <a:schemeClr val="accent1"/>
+                </a:solidFill>
+              </a:rPr>
+              <a:t>I look forward to more</a:t>
+            </a:r>
+          </a:p>
+        </p:txBody>
+      </p:sp>
+      <p:sp>
+        <p:nvSpPr>
+          <p:cNvPr id="180" name="TextBox 179">
+            <a:extLst>
+              <a:ext uri="{FF2B5EF4-FFF2-40B4-BE49-F238E27FC236}">
+                <a16:creationId xmlns:a16="http://schemas.microsoft.com/office/drawing/2014/main" id="{3FE8789C-713C-FF48-B7DA-300C80BECE2B}"/>
+              </a:ext>
+            </a:extLst>
+          </p:cNvPr>
+          <p:cNvSpPr txBox="1"/>
+          <p:nvPr/>
+        </p:nvSpPr>
+        <p:spPr>
+          <a:xfrm>
+            <a:off x="4130574" y="2011587"/>
+            <a:ext cx="1355831" cy="261610"/>
+          </a:xfrm>
+          <a:prstGeom prst="rect">
+            <a:avLst/>
+          </a:prstGeom>
+          <a:noFill/>
+        </p:spPr>
+        <p:txBody>
+          <a:bodyPr wrap="square" rtlCol="0">
+            <a:spAutoFit/>
+          </a:bodyPr>
+          <a:lstStyle/>
+          <a:p>
+            <a:pPr algn="ctr"/>
+            <a:r>
+              <a:rPr lang="en-US" sz="1100" dirty="0">
+                <a:solidFill>
+                  <a:schemeClr val="accent1"/>
+                </a:solidFill>
+              </a:rPr>
+              <a:t>It was rushed </a:t>
+            </a:r>
+          </a:p>
+        </p:txBody>
+      </p:sp>
+      <p:sp>
+        <p:nvSpPr>
+          <p:cNvPr id="181" name="Oval 180">
+            <a:extLst>
+              <a:ext uri="{FF2B5EF4-FFF2-40B4-BE49-F238E27FC236}">
+                <a16:creationId xmlns:a16="http://schemas.microsoft.com/office/drawing/2014/main" id="{D53B75C0-B5A6-1347-AFF9-4F9DFB42260C}"/>
+              </a:ext>
+            </a:extLst>
+          </p:cNvPr>
+          <p:cNvSpPr/>
+          <p:nvPr/>
+        </p:nvSpPr>
+        <p:spPr>
+          <a:xfrm>
+            <a:off x="2543502" y="2219328"/>
+            <a:ext cx="136636" cy="137160"/>
+          </a:xfrm>
+          <a:prstGeom prst="ellipse">
+            <a:avLst/>
+          </a:prstGeom>
+          <a:noFill/>
+          <a:ln w="38100"/>
+        </p:spPr>
+        <p:style>
+          <a:lnRef idx="2">
+            <a:schemeClr val="accent1">
+              <a:shade val="50000"/>
+            </a:schemeClr>
+          </a:lnRef>
+          <a:fillRef idx="1">
+            <a:schemeClr val="accent1"/>
+          </a:fillRef>
+          <a:effectRef idx="0">
+            <a:schemeClr val="accent1"/>
+          </a:effectRef>
+          <a:fontRef idx="minor">
+            <a:schemeClr val="lt1"/>
+          </a:fontRef>
+        </p:style>
+        <p:txBody>
+          <a:bodyPr rtlCol="0" anchor="ctr"/>
+          <a:lstStyle/>
+          <a:p>
+            <a:pPr algn="ctr"/>
+            <a:endParaRPr lang="en-US">
+              <a:solidFill>
+                <a:schemeClr val="accent1"/>
+              </a:solidFill>
+            </a:endParaRPr>
+          </a:p>
+        </p:txBody>
+      </p:sp>
+      <p:sp>
+        <p:nvSpPr>
+          <p:cNvPr id="182" name="Oval 181">
+            <a:extLst>
+              <a:ext uri="{FF2B5EF4-FFF2-40B4-BE49-F238E27FC236}">
+                <a16:creationId xmlns:a16="http://schemas.microsoft.com/office/drawing/2014/main" id="{E85F9452-0C79-0245-8151-A3566BA18A36}"/>
+              </a:ext>
+            </a:extLst>
+          </p:cNvPr>
+          <p:cNvSpPr/>
+          <p:nvPr/>
+        </p:nvSpPr>
+        <p:spPr>
+          <a:xfrm>
+            <a:off x="4740167" y="2219328"/>
+            <a:ext cx="136636" cy="137160"/>
+          </a:xfrm>
+          <a:prstGeom prst="ellipse">
+            <a:avLst/>
+          </a:prstGeom>
+          <a:noFill/>
+          <a:ln w="38100"/>
+        </p:spPr>
+        <p:style>
+          <a:lnRef idx="2">
+            <a:schemeClr val="accent1">
+              <a:shade val="50000"/>
+            </a:schemeClr>
+          </a:lnRef>
+          <a:fillRef idx="1">
+            <a:schemeClr val="accent1"/>
+          </a:fillRef>
+          <a:effectRef idx="0">
+            <a:schemeClr val="accent1"/>
+          </a:effectRef>
+          <a:fontRef idx="minor">
+            <a:schemeClr val="lt1"/>
+          </a:fontRef>
+        </p:style>
+        <p:txBody>
+          <a:bodyPr rtlCol="0" anchor="ctr"/>
+          <a:lstStyle/>
+          <a:p>
+            <a:pPr algn="ctr"/>
+            <a:endParaRPr lang="en-US">
+              <a:solidFill>
+                <a:schemeClr val="accent1"/>
+              </a:solidFill>
+            </a:endParaRPr>
+          </a:p>
+        </p:txBody>
+      </p:sp>
+      <p:sp>
+        <p:nvSpPr>
+          <p:cNvPr id="183" name="Oval 182">
+            <a:extLst>
+              <a:ext uri="{FF2B5EF4-FFF2-40B4-BE49-F238E27FC236}">
+                <a16:creationId xmlns:a16="http://schemas.microsoft.com/office/drawing/2014/main" id="{7DA68C3F-2F81-7649-A57E-86CDB05B1F8E}"/>
+              </a:ext>
+            </a:extLst>
+          </p:cNvPr>
+          <p:cNvSpPr/>
+          <p:nvPr/>
+        </p:nvSpPr>
+        <p:spPr>
+          <a:xfrm>
+            <a:off x="6875080" y="2219328"/>
+            <a:ext cx="136636" cy="137160"/>
+          </a:xfrm>
+          <a:prstGeom prst="ellipse">
+            <a:avLst/>
+          </a:prstGeom>
+          <a:noFill/>
+          <a:ln w="38100"/>
+        </p:spPr>
+        <p:style>
+          <a:lnRef idx="2">
+            <a:schemeClr val="accent1">
+              <a:shade val="50000"/>
+            </a:schemeClr>
+          </a:lnRef>
+          <a:fillRef idx="1">
+            <a:schemeClr val="accent1"/>
+          </a:fillRef>
+          <a:effectRef idx="0">
+            <a:schemeClr val="accent1"/>
+          </a:effectRef>
+          <a:fontRef idx="minor">
+            <a:schemeClr val="lt1"/>
+          </a:fontRef>
+        </p:style>
+        <p:txBody>
+          <a:bodyPr rtlCol="0" anchor="ctr"/>
+          <a:lstStyle/>
+          <a:p>
+            <a:pPr algn="ctr"/>
+            <a:endParaRPr lang="en-US">
+              <a:solidFill>
+                <a:schemeClr val="accent1"/>
+              </a:solidFill>
+            </a:endParaRPr>
+          </a:p>
+        </p:txBody>
+      </p:sp>
+      <p:sp>
+        <p:nvSpPr>
+          <p:cNvPr id="184" name="Oval 183">
+            <a:extLst>
+              <a:ext uri="{FF2B5EF4-FFF2-40B4-BE49-F238E27FC236}">
+                <a16:creationId xmlns:a16="http://schemas.microsoft.com/office/drawing/2014/main" id="{1BACF694-F513-E74F-9DC6-6881DE2F8455}"/>
+              </a:ext>
+            </a:extLst>
+          </p:cNvPr>
+          <p:cNvSpPr/>
+          <p:nvPr/>
+        </p:nvSpPr>
+        <p:spPr>
+          <a:xfrm>
+            <a:off x="9055975" y="2219328"/>
+            <a:ext cx="136636" cy="137160"/>
+          </a:xfrm>
+          <a:prstGeom prst="ellipse">
+            <a:avLst/>
+          </a:prstGeom>
+          <a:noFill/>
+          <a:ln w="38100"/>
+        </p:spPr>
+        <p:style>
+          <a:lnRef idx="2">
+            <a:schemeClr val="accent1">
+              <a:shade val="50000"/>
+            </a:schemeClr>
+          </a:lnRef>
+          <a:fillRef idx="1">
+            <a:schemeClr val="accent1"/>
+          </a:fillRef>
+          <a:effectRef idx="0">
+            <a:schemeClr val="accent1"/>
+          </a:effectRef>
+          <a:fontRef idx="minor">
+            <a:schemeClr val="lt1"/>
+          </a:fontRef>
+        </p:style>
+        <p:txBody>
+          <a:bodyPr rtlCol="0" anchor="ctr"/>
+          <a:lstStyle/>
+          <a:p>
+            <a:pPr algn="ctr"/>
+            <a:endParaRPr lang="en-US">
+              <a:solidFill>
+                <a:schemeClr val="accent1"/>
+              </a:solidFill>
+            </a:endParaRPr>
+          </a:p>
+        </p:txBody>
+      </p:sp>
+      <p:sp>
+        <p:nvSpPr>
+          <p:cNvPr id="185" name="Oval 184">
+            <a:extLst>
+              <a:ext uri="{FF2B5EF4-FFF2-40B4-BE49-F238E27FC236}">
+                <a16:creationId xmlns:a16="http://schemas.microsoft.com/office/drawing/2014/main" id="{A3A6B8B7-15D5-F944-A3DB-063112C2EA8C}"/>
+              </a:ext>
+            </a:extLst>
+          </p:cNvPr>
+          <p:cNvSpPr/>
+          <p:nvPr/>
+        </p:nvSpPr>
+        <p:spPr>
+          <a:xfrm>
+            <a:off x="11209279" y="2219328"/>
+            <a:ext cx="136636" cy="137160"/>
+          </a:xfrm>
+          <a:prstGeom prst="ellipse">
+            <a:avLst/>
+          </a:prstGeom>
+          <a:noFill/>
+          <a:ln w="38100"/>
+        </p:spPr>
+        <p:style>
+          <a:lnRef idx="2">
+            <a:schemeClr val="accent1">
+              <a:shade val="50000"/>
+            </a:schemeClr>
+          </a:lnRef>
+          <a:fillRef idx="1">
+            <a:schemeClr val="accent1"/>
+          </a:fillRef>
+          <a:effectRef idx="0">
+            <a:schemeClr val="accent1"/>
+          </a:effectRef>
+          <a:fontRef idx="minor">
+            <a:schemeClr val="lt1"/>
+          </a:fontRef>
+        </p:style>
+        <p:txBody>
+          <a:bodyPr rtlCol="0" anchor="ctr"/>
+          <a:lstStyle/>
+          <a:p>
+            <a:pPr algn="ctr"/>
+            <a:endParaRPr lang="en-US">
+              <a:solidFill>
+                <a:schemeClr val="accent1"/>
+              </a:solidFill>
+            </a:endParaRPr>
+          </a:p>
+        </p:txBody>
+      </p:sp>
+      <p:sp>
+        <p:nvSpPr>
+          <p:cNvPr id="186" name="TextBox 185">
+            <a:extLst>
+              <a:ext uri="{FF2B5EF4-FFF2-40B4-BE49-F238E27FC236}">
+                <a16:creationId xmlns:a16="http://schemas.microsoft.com/office/drawing/2014/main" id="{417556CB-F10B-8546-A1C7-76658B0B684D}"/>
+              </a:ext>
+            </a:extLst>
+          </p:cNvPr>
+          <p:cNvSpPr txBox="1"/>
+          <p:nvPr/>
+        </p:nvSpPr>
+        <p:spPr>
+          <a:xfrm>
+            <a:off x="10594424" y="2011587"/>
+            <a:ext cx="1355831" cy="261610"/>
+          </a:xfrm>
+          <a:prstGeom prst="rect">
+            <a:avLst/>
+          </a:prstGeom>
+          <a:noFill/>
+        </p:spPr>
+        <p:txBody>
+          <a:bodyPr wrap="square" rtlCol="0">
+            <a:spAutoFit/>
+          </a:bodyPr>
+          <a:lstStyle/>
+          <a:p>
+            <a:pPr algn="ctr"/>
+            <a:r>
+              <a:rPr lang="en-US" sz="1100" dirty="0">
+                <a:solidFill>
+                  <a:schemeClr val="accent1"/>
+                </a:solidFill>
+              </a:rPr>
+              <a:t>I learned a lot</a:t>
+            </a:r>
+          </a:p>
+        </p:txBody>
+      </p:sp>
+      <p:cxnSp>
+        <p:nvCxnSpPr>
+          <p:cNvPr id="189" name="Straight Connector 188">
+            <a:extLst>
+              <a:ext uri="{FF2B5EF4-FFF2-40B4-BE49-F238E27FC236}">
+                <a16:creationId xmlns:a16="http://schemas.microsoft.com/office/drawing/2014/main" id="{7A542614-5155-004E-BA9E-3EDD7C7118AC}"/>
+              </a:ext>
+            </a:extLst>
+          </p:cNvPr>
+          <p:cNvCxnSpPr/>
+          <p:nvPr/>
+        </p:nvCxnSpPr>
+        <p:spPr>
+          <a:xfrm flipH="1">
+            <a:off x="4025462" y="3552511"/>
+            <a:ext cx="78835" cy="210207"/>
+          </a:xfrm>
+          <a:prstGeom prst="line">
+            <a:avLst/>
+          </a:prstGeom>
+        </p:spPr>
+        <p:style>
+          <a:lnRef idx="1">
+            <a:schemeClr val="accent1"/>
+          </a:lnRef>
+          <a:fillRef idx="0">
+            <a:schemeClr val="accent1"/>
+          </a:fillRef>
+          <a:effectRef idx="0">
+            <a:schemeClr val="accent1"/>
+          </a:effectRef>
+          <a:fontRef idx="minor">
+            <a:schemeClr val="tx1"/>
+          </a:fontRef>
+        </p:style>
+      </p:cxnSp>
+      <p:cxnSp>
+        <p:nvCxnSpPr>
+          <p:cNvPr id="190" name="Straight Connector 189">
+            <a:extLst>
+              <a:ext uri="{FF2B5EF4-FFF2-40B4-BE49-F238E27FC236}">
+                <a16:creationId xmlns:a16="http://schemas.microsoft.com/office/drawing/2014/main" id="{F4A9C037-9C6F-5D48-8CFF-5EF571382F69}"/>
+              </a:ext>
+            </a:extLst>
+          </p:cNvPr>
+          <p:cNvCxnSpPr/>
+          <p:nvPr/>
+        </p:nvCxnSpPr>
+        <p:spPr>
+          <a:xfrm flipH="1">
+            <a:off x="6237888" y="3539262"/>
+            <a:ext cx="78835" cy="210207"/>
+          </a:xfrm>
+          <a:prstGeom prst="line">
+            <a:avLst/>
+          </a:prstGeom>
+        </p:spPr>
+        <p:style>
+          <a:lnRef idx="1">
+            <a:schemeClr val="accent1"/>
+          </a:lnRef>
+          <a:fillRef idx="0">
+            <a:schemeClr val="accent1"/>
+          </a:fillRef>
+          <a:effectRef idx="0">
+            <a:schemeClr val="accent1"/>
+          </a:effectRef>
+          <a:fontRef idx="minor">
+            <a:schemeClr val="tx1"/>
+          </a:fontRef>
+        </p:style>
+      </p:cxnSp>
+      <p:cxnSp>
+        <p:nvCxnSpPr>
+          <p:cNvPr id="191" name="Straight Connector 190">
+            <a:extLst>
+              <a:ext uri="{FF2B5EF4-FFF2-40B4-BE49-F238E27FC236}">
+                <a16:creationId xmlns:a16="http://schemas.microsoft.com/office/drawing/2014/main" id="{9BA0EE4C-3F08-1B40-B112-972CEA80224E}"/>
+              </a:ext>
+            </a:extLst>
+          </p:cNvPr>
+          <p:cNvCxnSpPr/>
+          <p:nvPr/>
+        </p:nvCxnSpPr>
+        <p:spPr>
+          <a:xfrm flipH="1">
+            <a:off x="6173956" y="3541088"/>
+            <a:ext cx="78835" cy="210207"/>
+          </a:xfrm>
+          <a:prstGeom prst="line">
+            <a:avLst/>
+          </a:prstGeom>
+        </p:spPr>
+        <p:style>
+          <a:lnRef idx="1">
+            <a:schemeClr val="accent1"/>
+          </a:lnRef>
+          <a:fillRef idx="0">
+            <a:schemeClr val="accent1"/>
+          </a:fillRef>
+          <a:effectRef idx="0">
+            <a:schemeClr val="accent1"/>
+          </a:effectRef>
+          <a:fontRef idx="minor">
+            <a:schemeClr val="tx1"/>
+          </a:fontRef>
+        </p:style>
+      </p:cxnSp>
+      <p:cxnSp>
+        <p:nvCxnSpPr>
+          <p:cNvPr id="192" name="Straight Connector 191">
+            <a:extLst>
+              <a:ext uri="{FF2B5EF4-FFF2-40B4-BE49-F238E27FC236}">
+                <a16:creationId xmlns:a16="http://schemas.microsoft.com/office/drawing/2014/main" id="{7E92899E-0AE5-554D-AD05-2BC0A05410DB}"/>
+              </a:ext>
+            </a:extLst>
+          </p:cNvPr>
+          <p:cNvCxnSpPr/>
+          <p:nvPr/>
+        </p:nvCxnSpPr>
+        <p:spPr>
+          <a:xfrm flipH="1">
+            <a:off x="3660230" y="4720798"/>
+            <a:ext cx="78835" cy="210207"/>
+          </a:xfrm>
+          <a:prstGeom prst="line">
+            <a:avLst/>
+          </a:prstGeom>
+        </p:spPr>
+        <p:style>
+          <a:lnRef idx="1">
+            <a:schemeClr val="accent1"/>
+          </a:lnRef>
+          <a:fillRef idx="0">
+            <a:schemeClr val="accent1"/>
+          </a:fillRef>
+          <a:effectRef idx="0">
+            <a:schemeClr val="accent1"/>
+          </a:effectRef>
+          <a:fontRef idx="minor">
+            <a:schemeClr val="tx1"/>
+          </a:fontRef>
+        </p:style>
+      </p:cxnSp>
+      <p:cxnSp>
+        <p:nvCxnSpPr>
+          <p:cNvPr id="193" name="Straight Connector 192">
+            <a:extLst>
+              <a:ext uri="{FF2B5EF4-FFF2-40B4-BE49-F238E27FC236}">
+                <a16:creationId xmlns:a16="http://schemas.microsoft.com/office/drawing/2014/main" id="{820F482F-B1FB-A044-AC00-5496D1F8F5D2}"/>
+              </a:ext>
+            </a:extLst>
+          </p:cNvPr>
+          <p:cNvCxnSpPr/>
+          <p:nvPr/>
+        </p:nvCxnSpPr>
+        <p:spPr>
+          <a:xfrm flipH="1">
+            <a:off x="5796463" y="4707134"/>
+            <a:ext cx="78835" cy="210207"/>
+          </a:xfrm>
+          <a:prstGeom prst="line">
+            <a:avLst/>
+          </a:prstGeom>
+        </p:spPr>
+        <p:style>
+          <a:lnRef idx="1">
+            <a:schemeClr val="accent1"/>
+          </a:lnRef>
+          <a:fillRef idx="0">
+            <a:schemeClr val="accent1"/>
+          </a:fillRef>
+          <a:effectRef idx="0">
+            <a:schemeClr val="accent1"/>
+          </a:effectRef>
+          <a:fontRef idx="minor">
+            <a:schemeClr val="tx1"/>
+          </a:fontRef>
+        </p:style>
+      </p:cxnSp>
+      <p:cxnSp>
+        <p:nvCxnSpPr>
+          <p:cNvPr id="194" name="Straight Connector 193">
+            <a:extLst>
+              <a:ext uri="{FF2B5EF4-FFF2-40B4-BE49-F238E27FC236}">
+                <a16:creationId xmlns:a16="http://schemas.microsoft.com/office/drawing/2014/main" id="{B9B21A99-DB5D-0B4B-8EB9-F09F347E868F}"/>
+              </a:ext>
+            </a:extLst>
+          </p:cNvPr>
+          <p:cNvCxnSpPr/>
+          <p:nvPr/>
+        </p:nvCxnSpPr>
+        <p:spPr>
+          <a:xfrm flipH="1">
+            <a:off x="8040428" y="4710450"/>
+            <a:ext cx="78835" cy="210207"/>
+          </a:xfrm>
+          <a:prstGeom prst="line">
+            <a:avLst/>
+          </a:prstGeom>
+        </p:spPr>
+        <p:style>
+          <a:lnRef idx="1">
+            <a:schemeClr val="accent1"/>
+          </a:lnRef>
+          <a:fillRef idx="0">
+            <a:schemeClr val="accent1"/>
+          </a:fillRef>
+          <a:effectRef idx="0">
+            <a:schemeClr val="accent1"/>
+          </a:effectRef>
+          <a:fontRef idx="minor">
+            <a:schemeClr val="tx1"/>
+          </a:fontRef>
+        </p:style>
+      </p:cxnSp>
+      <p:cxnSp>
+        <p:nvCxnSpPr>
+          <p:cNvPr id="195" name="Straight Connector 194">
+            <a:extLst>
+              <a:ext uri="{FF2B5EF4-FFF2-40B4-BE49-F238E27FC236}">
+                <a16:creationId xmlns:a16="http://schemas.microsoft.com/office/drawing/2014/main" id="{472E7A24-3C60-1C4A-AFCB-70F0B271EBA0}"/>
+              </a:ext>
+            </a:extLst>
+          </p:cNvPr>
+          <p:cNvCxnSpPr/>
+          <p:nvPr/>
+        </p:nvCxnSpPr>
+        <p:spPr>
+          <a:xfrm flipH="1">
+            <a:off x="10205558" y="4707133"/>
+            <a:ext cx="78835" cy="210207"/>
+          </a:xfrm>
+          <a:prstGeom prst="line">
+            <a:avLst/>
+          </a:prstGeom>
+        </p:spPr>
+        <p:style>
+          <a:lnRef idx="1">
+            <a:schemeClr val="accent1"/>
+          </a:lnRef>
+          <a:fillRef idx="0">
+            <a:schemeClr val="accent1"/>
+          </a:fillRef>
+          <a:effectRef idx="0">
+            <a:schemeClr val="accent1"/>
+          </a:effectRef>
+          <a:fontRef idx="minor">
+            <a:schemeClr val="tx1"/>
+          </a:fontRef>
+        </p:style>
+      </p:cxnSp>
+      <p:cxnSp>
+        <p:nvCxnSpPr>
+          <p:cNvPr id="196" name="Straight Connector 195">
+            <a:extLst>
+              <a:ext uri="{FF2B5EF4-FFF2-40B4-BE49-F238E27FC236}">
+                <a16:creationId xmlns:a16="http://schemas.microsoft.com/office/drawing/2014/main" id="{FC524FD3-1451-A848-B57A-0F7C0C69F2CD}"/>
+              </a:ext>
+            </a:extLst>
+          </p:cNvPr>
+          <p:cNvCxnSpPr/>
+          <p:nvPr/>
+        </p:nvCxnSpPr>
+        <p:spPr>
+          <a:xfrm flipH="1">
+            <a:off x="10016229" y="3549772"/>
+            <a:ext cx="78835" cy="210207"/>
+          </a:xfrm>
+          <a:prstGeom prst="line">
+            <a:avLst/>
+          </a:prstGeom>
+        </p:spPr>
+        <p:style>
+          <a:lnRef idx="1">
+            <a:schemeClr val="accent1"/>
+          </a:lnRef>
+          <a:fillRef idx="0">
+            <a:schemeClr val="accent1"/>
+          </a:fillRef>
+          <a:effectRef idx="0">
+            <a:schemeClr val="accent1"/>
+          </a:effectRef>
+          <a:fontRef idx="minor">
+            <a:schemeClr val="tx1"/>
+          </a:fontRef>
+        </p:style>
+      </p:cxnSp>
+      <p:cxnSp>
+        <p:nvCxnSpPr>
+          <p:cNvPr id="197" name="Straight Connector 196">
+            <a:extLst>
+              <a:ext uri="{FF2B5EF4-FFF2-40B4-BE49-F238E27FC236}">
+                <a16:creationId xmlns:a16="http://schemas.microsoft.com/office/drawing/2014/main" id="{57687474-51BF-0741-871D-4FFB3561AD26}"/>
+              </a:ext>
+            </a:extLst>
+          </p:cNvPr>
+          <p:cNvCxnSpPr/>
+          <p:nvPr/>
+        </p:nvCxnSpPr>
+        <p:spPr>
+          <a:xfrm flipH="1">
+            <a:off x="9958416" y="3551846"/>
+            <a:ext cx="78835" cy="210207"/>
+          </a:xfrm>
+          <a:prstGeom prst="line">
+            <a:avLst/>
+          </a:prstGeom>
+        </p:spPr>
+        <p:style>
+          <a:lnRef idx="1">
+            <a:schemeClr val="accent1"/>
+          </a:lnRef>
+          <a:fillRef idx="0">
+            <a:schemeClr val="accent1"/>
+          </a:fillRef>
+          <a:effectRef idx="0">
+            <a:schemeClr val="accent1"/>
+          </a:effectRef>
+          <a:fontRef idx="minor">
+            <a:schemeClr val="tx1"/>
+          </a:fontRef>
+        </p:style>
+      </p:cxnSp>
+      <p:cxnSp>
+        <p:nvCxnSpPr>
+          <p:cNvPr id="198" name="Straight Connector 197">
+            <a:extLst>
+              <a:ext uri="{FF2B5EF4-FFF2-40B4-BE49-F238E27FC236}">
+                <a16:creationId xmlns:a16="http://schemas.microsoft.com/office/drawing/2014/main" id="{287A4477-AD03-4446-8B4E-C36E7CF398A5}"/>
+              </a:ext>
+            </a:extLst>
+          </p:cNvPr>
+          <p:cNvCxnSpPr/>
+          <p:nvPr/>
+        </p:nvCxnSpPr>
+        <p:spPr>
+          <a:xfrm flipH="1">
+            <a:off x="9890341" y="3551846"/>
+            <a:ext cx="78835" cy="210207"/>
+          </a:xfrm>
+          <a:prstGeom prst="line">
+            <a:avLst/>
+          </a:prstGeom>
+        </p:spPr>
+        <p:style>
+          <a:lnRef idx="1">
+            <a:schemeClr val="accent1"/>
+          </a:lnRef>
+          <a:fillRef idx="0">
+            <a:schemeClr val="accent1"/>
+          </a:fillRef>
+          <a:effectRef idx="0">
+            <a:schemeClr val="accent1"/>
+          </a:effectRef>
+          <a:fontRef idx="minor">
+            <a:schemeClr val="tx1"/>
+          </a:fontRef>
+        </p:style>
+      </p:cxnSp>
+      <p:cxnSp>
+        <p:nvCxnSpPr>
+          <p:cNvPr id="199" name="Straight Connector 198">
+            <a:extLst>
+              <a:ext uri="{FF2B5EF4-FFF2-40B4-BE49-F238E27FC236}">
+                <a16:creationId xmlns:a16="http://schemas.microsoft.com/office/drawing/2014/main" id="{6A78751E-EC1D-8147-8F49-59B0DB68912B}"/>
+              </a:ext>
+            </a:extLst>
+          </p:cNvPr>
+          <p:cNvCxnSpPr/>
+          <p:nvPr/>
+        </p:nvCxnSpPr>
+        <p:spPr>
+          <a:xfrm flipH="1">
+            <a:off x="7669834" y="3549772"/>
+            <a:ext cx="78835" cy="210207"/>
+          </a:xfrm>
+          <a:prstGeom prst="line">
+            <a:avLst/>
+          </a:prstGeom>
+        </p:spPr>
+        <p:style>
+          <a:lnRef idx="1">
+            <a:schemeClr val="accent1"/>
+          </a:lnRef>
+          <a:fillRef idx="0">
+            <a:schemeClr val="accent1"/>
+          </a:fillRef>
+          <a:effectRef idx="0">
+            <a:schemeClr val="accent1"/>
+          </a:effectRef>
+          <a:fontRef idx="minor">
+            <a:schemeClr val="tx1"/>
+          </a:fontRef>
+        </p:style>
+      </p:cxnSp>
+      <p:cxnSp>
+        <p:nvCxnSpPr>
+          <p:cNvPr id="200" name="Straight Connector 199">
+            <a:extLst>
+              <a:ext uri="{FF2B5EF4-FFF2-40B4-BE49-F238E27FC236}">
+                <a16:creationId xmlns:a16="http://schemas.microsoft.com/office/drawing/2014/main" id="{1233F76C-3A32-D241-B0EB-71987B9177C1}"/>
+              </a:ext>
+            </a:extLst>
+          </p:cNvPr>
+          <p:cNvCxnSpPr/>
+          <p:nvPr/>
+        </p:nvCxnSpPr>
+        <p:spPr>
+          <a:xfrm flipH="1">
+            <a:off x="7605902" y="3551598"/>
+            <a:ext cx="78835" cy="210207"/>
+          </a:xfrm>
+          <a:prstGeom prst="line">
+            <a:avLst/>
+          </a:prstGeom>
+        </p:spPr>
+        <p:style>
+          <a:lnRef idx="1">
+            <a:schemeClr val="accent1"/>
+          </a:lnRef>
+          <a:fillRef idx="0">
+            <a:schemeClr val="accent1"/>
+          </a:fillRef>
+          <a:effectRef idx="0">
+            <a:schemeClr val="accent1"/>
+          </a:effectRef>
+          <a:fontRef idx="minor">
+            <a:schemeClr val="tx1"/>
+          </a:fontRef>
+        </p:style>
+      </p:cxnSp>
+      <p:sp>
+        <p:nvSpPr>
+          <p:cNvPr id="201" name="TextBox 200">
+            <a:extLst>
+              <a:ext uri="{FF2B5EF4-FFF2-40B4-BE49-F238E27FC236}">
+                <a16:creationId xmlns:a16="http://schemas.microsoft.com/office/drawing/2014/main" id="{36378AAB-EEAA-7547-B525-8BF50A8A45CF}"/>
+              </a:ext>
+            </a:extLst>
+          </p:cNvPr>
+          <p:cNvSpPr txBox="1"/>
+          <p:nvPr/>
+        </p:nvSpPr>
+        <p:spPr>
+          <a:xfrm>
+            <a:off x="541176" y="524553"/>
+            <a:ext cx="11178836" cy="523220"/>
+          </a:xfrm>
+          <a:prstGeom prst="rect">
+            <a:avLst/>
+          </a:prstGeom>
+          <a:noFill/>
+        </p:spPr>
+        <p:txBody>
+          <a:bodyPr wrap="square" rtlCol="0">
+            <a:spAutoFit/>
+          </a:bodyPr>
+          <a:lstStyle/>
+          <a:p>
+            <a:pPr algn="ctr"/>
+            <a:r>
+              <a:rPr lang="en-US" sz="2800" dirty="0"/>
+              <a:t>Question: How Do You Feel About Your Experience with Class? </a:t>
+            </a:r>
+          </a:p>
+        </p:txBody>
+      </p:sp>
+      <p:cxnSp>
+        <p:nvCxnSpPr>
+          <p:cNvPr id="64" name="Straight Connector 63">
+            <a:extLst>
+              <a:ext uri="{FF2B5EF4-FFF2-40B4-BE49-F238E27FC236}">
+                <a16:creationId xmlns:a16="http://schemas.microsoft.com/office/drawing/2014/main" id="{F7621462-7B3B-9740-AB54-B661B490B52B}"/>
+              </a:ext>
+            </a:extLst>
+          </p:cNvPr>
+          <p:cNvCxnSpPr>
+            <a:cxnSpLocks/>
+          </p:cNvCxnSpPr>
+          <p:nvPr/>
+        </p:nvCxnSpPr>
+        <p:spPr>
+          <a:xfrm>
+            <a:off x="5288014" y="3459662"/>
+            <a:ext cx="0" cy="182880"/>
+          </a:xfrm>
+          <a:prstGeom prst="line">
+            <a:avLst/>
+          </a:prstGeom>
+          <a:ln>
+            <a:solidFill>
+              <a:srgbClr val="4472C4">
+                <a:alpha val="29804"/>
+              </a:srgbClr>
+            </a:solidFill>
+          </a:ln>
+        </p:spPr>
+        <p:style>
+          <a:lnRef idx="1">
+            <a:schemeClr val="accent1"/>
+          </a:lnRef>
+          <a:fillRef idx="0">
+            <a:schemeClr val="accent1"/>
+          </a:fillRef>
+          <a:effectRef idx="0">
+            <a:schemeClr val="accent1"/>
+          </a:effectRef>
+          <a:fontRef idx="minor">
+            <a:schemeClr val="tx1"/>
+          </a:fontRef>
+        </p:style>
+      </p:cxnSp>
+      <p:sp>
+        <p:nvSpPr>
+          <p:cNvPr id="65" name="Oval 64">
+            <a:extLst>
+              <a:ext uri="{FF2B5EF4-FFF2-40B4-BE49-F238E27FC236}">
+                <a16:creationId xmlns:a16="http://schemas.microsoft.com/office/drawing/2014/main" id="{6C47D71C-BDC6-4742-AF84-F3A031CE0367}"/>
+              </a:ext>
+            </a:extLst>
+          </p:cNvPr>
+          <p:cNvSpPr/>
+          <p:nvPr/>
+        </p:nvSpPr>
+        <p:spPr>
+          <a:xfrm>
+            <a:off x="5228891" y="3327242"/>
+            <a:ext cx="136636" cy="137160"/>
+          </a:xfrm>
+          <a:prstGeom prst="ellipse">
+            <a:avLst/>
+          </a:prstGeom>
+          <a:noFill/>
+          <a:ln w="38100">
+            <a:solidFill>
+              <a:srgbClr val="2F528F">
+                <a:alpha val="29804"/>
+              </a:srgbClr>
+            </a:solidFill>
+          </a:ln>
+        </p:spPr>
+        <p:style>
+          <a:lnRef idx="2">
+            <a:schemeClr val="accent1">
+              <a:shade val="50000"/>
+            </a:schemeClr>
+          </a:lnRef>
+          <a:fillRef idx="1">
+            <a:schemeClr val="accent1"/>
+          </a:fillRef>
+          <a:effectRef idx="0">
+            <a:schemeClr val="accent1"/>
+          </a:effectRef>
+          <a:fontRef idx="minor">
+            <a:schemeClr val="lt1"/>
+          </a:fontRef>
+        </p:style>
+        <p:txBody>
+          <a:bodyPr rtlCol="0" anchor="ctr"/>
+          <a:lstStyle/>
+          <a:p>
+            <a:pPr algn="ctr"/>
+            <a:endParaRPr lang="en-US">
+              <a:solidFill>
+                <a:schemeClr val="accent1"/>
+              </a:solidFill>
+            </a:endParaRPr>
+          </a:p>
+        </p:txBody>
+      </p:sp>
+      <p:cxnSp>
+        <p:nvCxnSpPr>
+          <p:cNvPr id="66" name="Straight Connector 65">
+            <a:extLst>
+              <a:ext uri="{FF2B5EF4-FFF2-40B4-BE49-F238E27FC236}">
+                <a16:creationId xmlns:a16="http://schemas.microsoft.com/office/drawing/2014/main" id="{A4D59887-90CB-4B47-BFE0-4E45BC62C346}"/>
+              </a:ext>
+            </a:extLst>
+          </p:cNvPr>
+          <p:cNvCxnSpPr>
+            <a:cxnSpLocks/>
+          </p:cNvCxnSpPr>
+          <p:nvPr/>
+        </p:nvCxnSpPr>
+        <p:spPr>
+          <a:xfrm>
+            <a:off x="5644890" y="3459662"/>
+            <a:ext cx="0" cy="182880"/>
+          </a:xfrm>
+          <a:prstGeom prst="line">
+            <a:avLst/>
+          </a:prstGeom>
+          <a:ln>
+            <a:solidFill>
+              <a:srgbClr val="4472C4">
+                <a:alpha val="29804"/>
+              </a:srgbClr>
+            </a:solidFill>
+          </a:ln>
+        </p:spPr>
+        <p:style>
+          <a:lnRef idx="1">
+            <a:schemeClr val="accent1"/>
+          </a:lnRef>
+          <a:fillRef idx="0">
+            <a:schemeClr val="accent1"/>
+          </a:fillRef>
+          <a:effectRef idx="0">
+            <a:schemeClr val="accent1"/>
+          </a:effectRef>
+          <a:fontRef idx="minor">
+            <a:schemeClr val="tx1"/>
+          </a:fontRef>
+        </p:style>
+      </p:cxnSp>
+      <p:sp>
+        <p:nvSpPr>
+          <p:cNvPr id="67" name="Oval 66">
+            <a:extLst>
+              <a:ext uri="{FF2B5EF4-FFF2-40B4-BE49-F238E27FC236}">
+                <a16:creationId xmlns:a16="http://schemas.microsoft.com/office/drawing/2014/main" id="{ED1BB066-7583-CC44-AF72-F98C9AB46854}"/>
+              </a:ext>
+            </a:extLst>
+          </p:cNvPr>
+          <p:cNvSpPr/>
+          <p:nvPr/>
+        </p:nvSpPr>
+        <p:spPr>
+          <a:xfrm>
+            <a:off x="5585767" y="3327242"/>
+            <a:ext cx="136636" cy="137160"/>
+          </a:xfrm>
+          <a:prstGeom prst="ellipse">
+            <a:avLst/>
+          </a:prstGeom>
+          <a:noFill/>
+          <a:ln w="38100">
+            <a:solidFill>
+              <a:srgbClr val="2F528F">
+                <a:alpha val="29804"/>
+              </a:srgbClr>
+            </a:solidFill>
+          </a:ln>
+        </p:spPr>
+        <p:style>
+          <a:lnRef idx="2">
+            <a:schemeClr val="accent1">
+              <a:shade val="50000"/>
+            </a:schemeClr>
+          </a:lnRef>
+          <a:fillRef idx="1">
+            <a:schemeClr val="accent1"/>
+          </a:fillRef>
+          <a:effectRef idx="0">
+            <a:schemeClr val="accent1"/>
+          </a:effectRef>
+          <a:fontRef idx="minor">
+            <a:schemeClr val="lt1"/>
+          </a:fontRef>
+        </p:style>
+        <p:txBody>
+          <a:bodyPr rtlCol="0" anchor="ctr"/>
+          <a:lstStyle/>
+          <a:p>
+            <a:pPr algn="ctr"/>
+            <a:endParaRPr lang="en-US">
+              <a:solidFill>
+                <a:schemeClr val="accent1"/>
+              </a:solidFill>
+            </a:endParaRPr>
+          </a:p>
+        </p:txBody>
+      </p:sp>
+      <p:cxnSp>
+        <p:nvCxnSpPr>
+          <p:cNvPr id="68" name="Straight Connector 67">
+            <a:extLst>
+              <a:ext uri="{FF2B5EF4-FFF2-40B4-BE49-F238E27FC236}">
+                <a16:creationId xmlns:a16="http://schemas.microsoft.com/office/drawing/2014/main" id="{8C20617D-715B-F545-ADA8-B4AF13A995C5}"/>
+              </a:ext>
+            </a:extLst>
+          </p:cNvPr>
+          <p:cNvCxnSpPr>
+            <a:cxnSpLocks/>
+          </p:cNvCxnSpPr>
+          <p:nvPr/>
+        </p:nvCxnSpPr>
+        <p:spPr>
+          <a:xfrm>
+            <a:off x="8251950" y="3464376"/>
+            <a:ext cx="0" cy="182880"/>
+          </a:xfrm>
+          <a:prstGeom prst="line">
+            <a:avLst/>
+          </a:prstGeom>
+          <a:ln>
+            <a:solidFill>
+              <a:srgbClr val="4472C4">
+                <a:alpha val="29804"/>
+              </a:srgbClr>
+            </a:solidFill>
+          </a:ln>
+        </p:spPr>
+        <p:style>
+          <a:lnRef idx="1">
+            <a:schemeClr val="accent1"/>
+          </a:lnRef>
+          <a:fillRef idx="0">
+            <a:schemeClr val="accent1"/>
+          </a:fillRef>
+          <a:effectRef idx="0">
+            <a:schemeClr val="accent1"/>
+          </a:effectRef>
+          <a:fontRef idx="minor">
+            <a:schemeClr val="tx1"/>
+          </a:fontRef>
+        </p:style>
+      </p:cxnSp>
+      <p:sp>
+        <p:nvSpPr>
+          <p:cNvPr id="69" name="Oval 68">
+            <a:extLst>
+              <a:ext uri="{FF2B5EF4-FFF2-40B4-BE49-F238E27FC236}">
+                <a16:creationId xmlns:a16="http://schemas.microsoft.com/office/drawing/2014/main" id="{5394CD99-F90C-E046-A09D-3D519540B5C0}"/>
+              </a:ext>
+            </a:extLst>
+          </p:cNvPr>
+          <p:cNvSpPr/>
+          <p:nvPr/>
+        </p:nvSpPr>
+        <p:spPr>
+          <a:xfrm>
+            <a:off x="8192827" y="3331956"/>
+            <a:ext cx="136636" cy="137160"/>
+          </a:xfrm>
+          <a:prstGeom prst="ellipse">
+            <a:avLst/>
+          </a:prstGeom>
+          <a:noFill/>
+          <a:ln w="38100">
+            <a:solidFill>
+              <a:srgbClr val="2F528F">
+                <a:alpha val="29804"/>
+              </a:srgbClr>
+            </a:solidFill>
+          </a:ln>
+        </p:spPr>
+        <p:style>
+          <a:lnRef idx="2">
+            <a:schemeClr val="accent1">
+              <a:shade val="50000"/>
+            </a:schemeClr>
+          </a:lnRef>
+          <a:fillRef idx="1">
+            <a:schemeClr val="accent1"/>
+          </a:fillRef>
+          <a:effectRef idx="0">
+            <a:schemeClr val="accent1"/>
+          </a:effectRef>
+          <a:fontRef idx="minor">
+            <a:schemeClr val="lt1"/>
+          </a:fontRef>
+        </p:style>
+        <p:txBody>
+          <a:bodyPr rtlCol="0" anchor="ctr"/>
+          <a:lstStyle/>
+          <a:p>
+            <a:pPr algn="ctr"/>
+            <a:endParaRPr lang="en-US">
+              <a:solidFill>
+                <a:schemeClr val="accent1"/>
+              </a:solidFill>
+            </a:endParaRPr>
+          </a:p>
+        </p:txBody>
+      </p:sp>
+      <p:cxnSp>
+        <p:nvCxnSpPr>
+          <p:cNvPr id="70" name="Straight Connector 69">
+            <a:extLst>
+              <a:ext uri="{FF2B5EF4-FFF2-40B4-BE49-F238E27FC236}">
+                <a16:creationId xmlns:a16="http://schemas.microsoft.com/office/drawing/2014/main" id="{852D5698-D539-554A-9140-595AE5CEE6BE}"/>
+              </a:ext>
+            </a:extLst>
+          </p:cNvPr>
+          <p:cNvCxnSpPr>
+            <a:cxnSpLocks/>
+          </p:cNvCxnSpPr>
+          <p:nvPr/>
+        </p:nvCxnSpPr>
+        <p:spPr>
+          <a:xfrm>
+            <a:off x="8608826" y="3464376"/>
+            <a:ext cx="0" cy="182880"/>
+          </a:xfrm>
+          <a:prstGeom prst="line">
+            <a:avLst/>
+          </a:prstGeom>
+          <a:ln>
+            <a:solidFill>
+              <a:srgbClr val="4472C4">
+                <a:alpha val="29804"/>
+              </a:srgbClr>
+            </a:solidFill>
+          </a:ln>
+        </p:spPr>
+        <p:style>
+          <a:lnRef idx="1">
+            <a:schemeClr val="accent1"/>
+          </a:lnRef>
+          <a:fillRef idx="0">
+            <a:schemeClr val="accent1"/>
+          </a:fillRef>
+          <a:effectRef idx="0">
+            <a:schemeClr val="accent1"/>
+          </a:effectRef>
+          <a:fontRef idx="minor">
+            <a:schemeClr val="tx1"/>
+          </a:fontRef>
+        </p:style>
+      </p:cxnSp>
+      <p:sp>
+        <p:nvSpPr>
+          <p:cNvPr id="71" name="Oval 70">
+            <a:extLst>
+              <a:ext uri="{FF2B5EF4-FFF2-40B4-BE49-F238E27FC236}">
+                <a16:creationId xmlns:a16="http://schemas.microsoft.com/office/drawing/2014/main" id="{996FACF1-8F6B-FE4E-AFB4-E3A0ABCDC92B}"/>
+              </a:ext>
+            </a:extLst>
+          </p:cNvPr>
+          <p:cNvSpPr/>
+          <p:nvPr/>
+        </p:nvSpPr>
+        <p:spPr>
+          <a:xfrm>
+            <a:off x="8549703" y="3331956"/>
+            <a:ext cx="136636" cy="137160"/>
+          </a:xfrm>
+          <a:prstGeom prst="ellipse">
+            <a:avLst/>
+          </a:prstGeom>
+          <a:noFill/>
+          <a:ln w="38100">
+            <a:solidFill>
+              <a:srgbClr val="2F528F">
+                <a:alpha val="29804"/>
+              </a:srgbClr>
+            </a:solidFill>
+          </a:ln>
+        </p:spPr>
+        <p:style>
+          <a:lnRef idx="2">
+            <a:schemeClr val="accent1">
+              <a:shade val="50000"/>
+            </a:schemeClr>
+          </a:lnRef>
+          <a:fillRef idx="1">
+            <a:schemeClr val="accent1"/>
+          </a:fillRef>
+          <a:effectRef idx="0">
+            <a:schemeClr val="accent1"/>
+          </a:effectRef>
+          <a:fontRef idx="minor">
+            <a:schemeClr val="lt1"/>
+          </a:fontRef>
+        </p:style>
+        <p:txBody>
+          <a:bodyPr rtlCol="0" anchor="ctr"/>
+          <a:lstStyle/>
+          <a:p>
+            <a:pPr algn="ctr"/>
+            <a:endParaRPr lang="en-US">
+              <a:solidFill>
+                <a:schemeClr val="accent1"/>
+              </a:solidFill>
+            </a:endParaRPr>
+          </a:p>
+        </p:txBody>
+      </p:sp>
+      <p:sp>
+        <p:nvSpPr>
+          <p:cNvPr id="2" name="TextBox 1">
+            <a:extLst>
+              <a:ext uri="{FF2B5EF4-FFF2-40B4-BE49-F238E27FC236}">
+                <a16:creationId xmlns:a16="http://schemas.microsoft.com/office/drawing/2014/main" id="{DC619A9C-A81A-BA49-B631-80E38D1287B5}"/>
+              </a:ext>
+            </a:extLst>
+          </p:cNvPr>
+          <p:cNvSpPr txBox="1"/>
+          <p:nvPr/>
+        </p:nvSpPr>
+        <p:spPr>
+          <a:xfrm>
+            <a:off x="2060028" y="4972356"/>
+            <a:ext cx="9144000" cy="523220"/>
+          </a:xfrm>
+          <a:prstGeom prst="rect">
+            <a:avLst/>
+          </a:prstGeom>
+          <a:noFill/>
+        </p:spPr>
+        <p:txBody>
+          <a:bodyPr wrap="square" rtlCol="0">
+            <a:spAutoFit/>
+          </a:bodyPr>
+          <a:lstStyle/>
+          <a:p>
+            <a:r>
+              <a:rPr lang="en-US" sz="1400" dirty="0">
+                <a:solidFill>
+                  <a:schemeClr val="tx1">
+                    <a:lumMod val="50000"/>
+                    <a:lumOff val="50000"/>
+                  </a:schemeClr>
+                </a:solidFill>
+              </a:rPr>
+              <a:t>Provides actual numbers in place of/in addition to word anchors – the implication is that the intervals between numbers may be considered equal since they appear to be mapped to a number line</a:t>
+            </a:r>
+          </a:p>
+        </p:txBody>
+      </p:sp>
+    </p:spTree>
+    <p:extLst>
+      <p:ext uri="{BB962C8B-B14F-4D97-AF65-F5344CB8AC3E}">
+        <p14:creationId xmlns:p14="http://schemas.microsoft.com/office/powerpoint/2010/main" val="2529738404"/>
+      </p:ext>
+    </p:extLst>
+  </p:cSld>
+  <p:clrMapOvr>
+    <a:masterClrMapping/>
+  </p:clrMapOvr>
+</p:sld>
+</file>
+
+<file path=ppt/slides/slide14.xml><?xml version="1.0" encoding="utf-8"?>
+<p:sld xmlns:a="http://schemas.openxmlformats.org/drawingml/2006/main" xmlns:r="http://schemas.openxmlformats.org/officeDocument/2006/relationships" xmlns:p="http://schemas.openxmlformats.org/presentationml/2006/main">
+  <p:cSld>
+    <p:spTree>
+      <p:nvGrpSpPr>
+        <p:cNvPr id="1" name=""/>
+        <p:cNvGrpSpPr/>
+        <p:nvPr/>
+      </p:nvGrpSpPr>
+      <p:grpSpPr>
+        <a:xfrm>
+          <a:off x="0" y="0"/>
+          <a:ext cx="0" cy="0"/>
+          <a:chOff x="0" y="0"/>
+          <a:chExt cx="0" cy="0"/>
+        </a:xfrm>
+      </p:grpSpPr>
+      <p:pic>
+        <p:nvPicPr>
+          <p:cNvPr id="9" name="Picture 8" descr="A picture containing whiteboard&#10;&#10;Description automatically generated">
+            <a:extLst>
+              <a:ext uri="{FF2B5EF4-FFF2-40B4-BE49-F238E27FC236}">
+                <a16:creationId xmlns:a16="http://schemas.microsoft.com/office/drawing/2014/main" id="{0E2D7AE6-1283-F54D-B99A-3E43CCD88FEC}"/>
+              </a:ext>
+            </a:extLst>
+          </p:cNvPr>
+          <p:cNvPicPr>
+            <a:picLocks noChangeAspect="1"/>
+          </p:cNvPicPr>
+          <p:nvPr/>
+        </p:nvPicPr>
+        <p:blipFill>
+          <a:blip r:embed="rId2"/>
+          <a:stretch>
+            <a:fillRect/>
+          </a:stretch>
+        </p:blipFill>
+        <p:spPr>
+          <a:xfrm>
+            <a:off x="2898658" y="2024456"/>
+            <a:ext cx="5890932" cy="3253201"/>
+          </a:xfrm>
+          <a:prstGeom prst="rect">
+            <a:avLst/>
+          </a:prstGeom>
+        </p:spPr>
+      </p:pic>
+      <p:pic>
+        <p:nvPicPr>
+          <p:cNvPr id="5" name="Picture 4">
+            <a:extLst>
+              <a:ext uri="{FF2B5EF4-FFF2-40B4-BE49-F238E27FC236}">
+                <a16:creationId xmlns:a16="http://schemas.microsoft.com/office/drawing/2014/main" id="{D3BDF57A-D607-8A47-AB99-7B3BD159C94D}"/>
+              </a:ext>
+            </a:extLst>
+          </p:cNvPr>
+          <p:cNvPicPr>
+            <a:picLocks noChangeAspect="1"/>
+          </p:cNvPicPr>
+          <p:nvPr/>
+        </p:nvPicPr>
+        <p:blipFill>
+          <a:blip r:embed="rId3"/>
+          <a:stretch>
+            <a:fillRect/>
+          </a:stretch>
+        </p:blipFill>
+        <p:spPr>
+          <a:xfrm>
+            <a:off x="481413" y="2032158"/>
+            <a:ext cx="2212849" cy="2514600"/>
+          </a:xfrm>
+          <a:prstGeom prst="rect">
+            <a:avLst/>
+          </a:prstGeom>
+        </p:spPr>
+      </p:pic>
+      <p:sp>
+        <p:nvSpPr>
+          <p:cNvPr id="10" name="TextBox 9">
+            <a:extLst>
+              <a:ext uri="{FF2B5EF4-FFF2-40B4-BE49-F238E27FC236}">
+                <a16:creationId xmlns:a16="http://schemas.microsoft.com/office/drawing/2014/main" id="{B5B688BF-590C-384C-A2B4-87AA23293CAE}"/>
+              </a:ext>
+            </a:extLst>
+          </p:cNvPr>
+          <p:cNvSpPr txBox="1"/>
+          <p:nvPr/>
+        </p:nvSpPr>
+        <p:spPr>
+          <a:xfrm>
+            <a:off x="420632" y="1694062"/>
+            <a:ext cx="2334409" cy="307777"/>
+          </a:xfrm>
+          <a:prstGeom prst="rect">
+            <a:avLst/>
+          </a:prstGeom>
+          <a:noFill/>
+        </p:spPr>
+        <p:txBody>
+          <a:bodyPr wrap="square" rtlCol="0">
+            <a:spAutoFit/>
+          </a:bodyPr>
+          <a:lstStyle/>
+          <a:p>
+            <a:pPr algn="ctr"/>
+            <a:r>
+              <a:rPr lang="en-US" sz="1400" dirty="0"/>
+              <a:t>A) Data Transformation</a:t>
+            </a:r>
+          </a:p>
+        </p:txBody>
+      </p:sp>
+      <p:sp>
+        <p:nvSpPr>
+          <p:cNvPr id="11" name="TextBox 10">
+            <a:extLst>
+              <a:ext uri="{FF2B5EF4-FFF2-40B4-BE49-F238E27FC236}">
+                <a16:creationId xmlns:a16="http://schemas.microsoft.com/office/drawing/2014/main" id="{A0C5A62C-7E2F-EC4B-A2E9-4281C8F3C6E9}"/>
+              </a:ext>
+            </a:extLst>
+          </p:cNvPr>
+          <p:cNvSpPr txBox="1"/>
+          <p:nvPr/>
+        </p:nvSpPr>
+        <p:spPr>
+          <a:xfrm>
+            <a:off x="4797022" y="1694062"/>
+            <a:ext cx="2334409" cy="307777"/>
+          </a:xfrm>
+          <a:prstGeom prst="rect">
+            <a:avLst/>
+          </a:prstGeom>
+          <a:noFill/>
+        </p:spPr>
+        <p:txBody>
+          <a:bodyPr wrap="square" rtlCol="0">
+            <a:spAutoFit/>
+          </a:bodyPr>
+          <a:lstStyle/>
+          <a:p>
+            <a:pPr algn="ctr"/>
+            <a:r>
+              <a:rPr lang="en-US" sz="1400" dirty="0"/>
+              <a:t>B) Scatter Plots</a:t>
+            </a:r>
+          </a:p>
+        </p:txBody>
+      </p:sp>
+      <p:sp>
+        <p:nvSpPr>
+          <p:cNvPr id="12" name="TextBox 11">
+            <a:extLst>
+              <a:ext uri="{FF2B5EF4-FFF2-40B4-BE49-F238E27FC236}">
+                <a16:creationId xmlns:a16="http://schemas.microsoft.com/office/drawing/2014/main" id="{0690173C-AC5C-8C4C-9166-CB933A9832BD}"/>
+              </a:ext>
+            </a:extLst>
+          </p:cNvPr>
+          <p:cNvSpPr txBox="1"/>
+          <p:nvPr/>
+        </p:nvSpPr>
+        <p:spPr>
+          <a:xfrm>
+            <a:off x="8695297" y="1694062"/>
+            <a:ext cx="2334409" cy="307777"/>
+          </a:xfrm>
+          <a:prstGeom prst="rect">
+            <a:avLst/>
+          </a:prstGeom>
+          <a:noFill/>
+        </p:spPr>
+        <p:txBody>
+          <a:bodyPr wrap="square" rtlCol="0">
+            <a:spAutoFit/>
+          </a:bodyPr>
+          <a:lstStyle/>
+          <a:p>
+            <a:pPr algn="ctr"/>
+            <a:r>
+              <a:rPr lang="en-US" sz="1400" dirty="0"/>
+              <a:t>C) Correlation by Week</a:t>
+            </a:r>
+          </a:p>
+        </p:txBody>
+      </p:sp>
+      <p:pic>
+        <p:nvPicPr>
+          <p:cNvPr id="13" name="Picture 12">
+            <a:extLst>
+              <a:ext uri="{FF2B5EF4-FFF2-40B4-BE49-F238E27FC236}">
+                <a16:creationId xmlns:a16="http://schemas.microsoft.com/office/drawing/2014/main" id="{C28DF46E-4014-4A41-A9F7-E55EF4018C2E}"/>
+              </a:ext>
+            </a:extLst>
+          </p:cNvPr>
+          <p:cNvPicPr>
+            <a:picLocks noChangeAspect="1"/>
+          </p:cNvPicPr>
+          <p:nvPr/>
+        </p:nvPicPr>
+        <p:blipFill>
+          <a:blip r:embed="rId4"/>
+          <a:stretch>
+            <a:fillRect/>
+          </a:stretch>
+        </p:blipFill>
+        <p:spPr>
+          <a:xfrm>
+            <a:off x="8828585" y="2272284"/>
+            <a:ext cx="2065009" cy="2313432"/>
+          </a:xfrm>
+          <a:prstGeom prst="rect">
+            <a:avLst/>
+          </a:prstGeom>
+        </p:spPr>
+      </p:pic>
+    </p:spTree>
+    <p:extLst>
+      <p:ext uri="{BB962C8B-B14F-4D97-AF65-F5344CB8AC3E}">
+        <p14:creationId xmlns:p14="http://schemas.microsoft.com/office/powerpoint/2010/main" val="2135232034"/>
+      </p:ext>
+    </p:extLst>
+  </p:cSld>
+  <p:clrMapOvr>
+    <a:masterClrMapping/>
+  </p:clrMapOvr>
+</p:sld>
+</file>
+
+<file path=ppt/slides/slide15.xml><?xml version="1.0" encoding="utf-8"?>
+<p:sld xmlns:a="http://schemas.openxmlformats.org/drawingml/2006/main" xmlns:r="http://schemas.openxmlformats.org/officeDocument/2006/relationships" xmlns:p="http://schemas.openxmlformats.org/presentationml/2006/main">
+  <p:cSld>
+    <p:spTree>
+      <p:nvGrpSpPr>
+        <p:cNvPr id="1" name=""/>
+        <p:cNvGrpSpPr/>
+        <p:nvPr/>
+      </p:nvGrpSpPr>
+      <p:grpSpPr>
+        <a:xfrm>
+          <a:off x="0" y="0"/>
+          <a:ext cx="0" cy="0"/>
+          <a:chOff x="0" y="0"/>
+          <a:chExt cx="0" cy="0"/>
+        </a:xfrm>
+      </p:grpSpPr>
+      <p:pic>
+        <p:nvPicPr>
+          <p:cNvPr id="15" name="Picture 14">
+            <a:extLst>
+              <a:ext uri="{FF2B5EF4-FFF2-40B4-BE49-F238E27FC236}">
+                <a16:creationId xmlns:a16="http://schemas.microsoft.com/office/drawing/2014/main" id="{71C7101F-764B-2A43-8209-09FC008F30BE}"/>
+              </a:ext>
+            </a:extLst>
+          </p:cNvPr>
+          <p:cNvPicPr>
+            <a:picLocks noChangeAspect="1"/>
+          </p:cNvPicPr>
+          <p:nvPr/>
+        </p:nvPicPr>
+        <p:blipFill>
+          <a:blip r:embed="rId2"/>
+          <a:stretch>
+            <a:fillRect/>
+          </a:stretch>
+        </p:blipFill>
+        <p:spPr>
+          <a:xfrm>
+            <a:off x="2758150" y="3154933"/>
+            <a:ext cx="5042915" cy="2240390"/>
+          </a:xfrm>
+          <a:prstGeom prst="rect">
+            <a:avLst/>
+          </a:prstGeom>
+        </p:spPr>
+      </p:pic>
+      <p:pic>
+        <p:nvPicPr>
+          <p:cNvPr id="11" name="Picture 10">
+            <a:extLst>
+              <a:ext uri="{FF2B5EF4-FFF2-40B4-BE49-F238E27FC236}">
+                <a16:creationId xmlns:a16="http://schemas.microsoft.com/office/drawing/2014/main" id="{50ECE5B3-2ECB-2649-8285-6D329DCDDED0}"/>
+              </a:ext>
+            </a:extLst>
+          </p:cNvPr>
+          <p:cNvPicPr>
+            <a:picLocks noChangeAspect="1"/>
+          </p:cNvPicPr>
+          <p:nvPr/>
+        </p:nvPicPr>
+        <p:blipFill>
+          <a:blip r:embed="rId3"/>
+          <a:stretch>
+            <a:fillRect/>
+          </a:stretch>
+        </p:blipFill>
+        <p:spPr>
+          <a:xfrm>
+            <a:off x="7792519" y="3154933"/>
+            <a:ext cx="3534414" cy="2163490"/>
+          </a:xfrm>
+          <a:prstGeom prst="rect">
+            <a:avLst/>
+          </a:prstGeom>
+        </p:spPr>
+      </p:pic>
+      <p:sp>
+        <p:nvSpPr>
+          <p:cNvPr id="2" name="Title 1">
+            <a:extLst>
+              <a:ext uri="{FF2B5EF4-FFF2-40B4-BE49-F238E27FC236}">
+                <a16:creationId xmlns:a16="http://schemas.microsoft.com/office/drawing/2014/main" id="{CCB82B9A-BBCF-AA48-9A0F-01CCEB20C8C8}"/>
+              </a:ext>
+            </a:extLst>
+          </p:cNvPr>
+          <p:cNvSpPr>
+            <a:spLocks noGrp="1"/>
+          </p:cNvSpPr>
+          <p:nvPr>
+            <p:ph type="title"/>
+          </p:nvPr>
+        </p:nvSpPr>
+        <p:spPr/>
+        <p:txBody>
+          <a:bodyPr/>
+          <a:lstStyle/>
+          <a:p>
+            <a:endParaRPr lang="en-US"/>
+          </a:p>
+        </p:txBody>
+      </p:sp>
+      <p:sp>
+        <p:nvSpPr>
+          <p:cNvPr id="8" name="TextBox 7">
+            <a:extLst>
+              <a:ext uri="{FF2B5EF4-FFF2-40B4-BE49-F238E27FC236}">
+                <a16:creationId xmlns:a16="http://schemas.microsoft.com/office/drawing/2014/main" id="{BE4A2C7D-A1D2-9C43-9DAC-96D60B812A7E}"/>
+              </a:ext>
+            </a:extLst>
+          </p:cNvPr>
+          <p:cNvSpPr txBox="1"/>
+          <p:nvPr/>
+        </p:nvSpPr>
+        <p:spPr>
+          <a:xfrm>
+            <a:off x="4112404" y="2847156"/>
+            <a:ext cx="2334409" cy="307777"/>
+          </a:xfrm>
+          <a:prstGeom prst="rect">
+            <a:avLst/>
+          </a:prstGeom>
+          <a:noFill/>
+        </p:spPr>
+        <p:txBody>
+          <a:bodyPr wrap="square" rtlCol="0">
+            <a:spAutoFit/>
+          </a:bodyPr>
+          <a:lstStyle/>
+          <a:p>
+            <a:pPr algn="ctr"/>
+            <a:r>
+              <a:rPr lang="en-US" sz="1400" dirty="0"/>
+              <a:t>A) Data Transformation</a:t>
+            </a:r>
+          </a:p>
+        </p:txBody>
+      </p:sp>
+      <p:sp>
+        <p:nvSpPr>
+          <p:cNvPr id="9" name="TextBox 8">
+            <a:extLst>
+              <a:ext uri="{FF2B5EF4-FFF2-40B4-BE49-F238E27FC236}">
+                <a16:creationId xmlns:a16="http://schemas.microsoft.com/office/drawing/2014/main" id="{CD8F7270-070B-E142-8B7F-DCCAC6C7DDFA}"/>
+              </a:ext>
+            </a:extLst>
+          </p:cNvPr>
+          <p:cNvSpPr txBox="1"/>
+          <p:nvPr/>
+        </p:nvSpPr>
+        <p:spPr>
+          <a:xfrm>
+            <a:off x="8517672" y="2847156"/>
+            <a:ext cx="2334409" cy="307777"/>
+          </a:xfrm>
+          <a:prstGeom prst="rect">
+            <a:avLst/>
+          </a:prstGeom>
+          <a:noFill/>
+        </p:spPr>
+        <p:txBody>
+          <a:bodyPr wrap="square" rtlCol="0">
+            <a:spAutoFit/>
+          </a:bodyPr>
+          <a:lstStyle/>
+          <a:p>
+            <a:pPr algn="ctr"/>
+            <a:r>
+              <a:rPr lang="en-US" sz="1400" dirty="0"/>
+              <a:t>B) Correlation Heatmap</a:t>
+            </a:r>
+          </a:p>
+        </p:txBody>
+      </p:sp>
+    </p:spTree>
+    <p:extLst>
+      <p:ext uri="{BB962C8B-B14F-4D97-AF65-F5344CB8AC3E}">
+        <p14:creationId xmlns:p14="http://schemas.microsoft.com/office/powerpoint/2010/main" val="500849719"/>
+      </p:ext>
+    </p:extLst>
+  </p:cSld>
+  <p:clrMapOvr>
+    <a:masterClrMapping/>
+  </p:clrMapOvr>
+</p:sld>
+</file>
+
+<file path=ppt/slides/slide16.xml><?xml version="1.0" encoding="utf-8"?>
+<p:sld xmlns:a="http://schemas.openxmlformats.org/drawingml/2006/main" xmlns:r="http://schemas.openxmlformats.org/officeDocument/2006/relationships" xmlns:p="http://schemas.openxmlformats.org/presentationml/2006/main">
+  <p:cSld>
+    <p:spTree>
+      <p:nvGrpSpPr>
+        <p:cNvPr id="1" name=""/>
+        <p:cNvGrpSpPr/>
+        <p:nvPr/>
+      </p:nvGrpSpPr>
+      <p:grpSpPr>
+        <a:xfrm>
+          <a:off x="0" y="0"/>
+          <a:ext cx="0" cy="0"/>
+          <a:chOff x="0" y="0"/>
+          <a:chExt cx="0" cy="0"/>
+        </a:xfrm>
+      </p:grpSpPr>
+      <p:pic>
+        <p:nvPicPr>
+          <p:cNvPr id="6" name="Picture 5">
+            <a:extLst>
+              <a:ext uri="{FF2B5EF4-FFF2-40B4-BE49-F238E27FC236}">
+                <a16:creationId xmlns:a16="http://schemas.microsoft.com/office/drawing/2014/main" id="{FD9D8663-4796-754C-B093-36C2BC31AF65}"/>
+              </a:ext>
+            </a:extLst>
+          </p:cNvPr>
+          <p:cNvPicPr>
+            <a:picLocks noChangeAspect="1"/>
+          </p:cNvPicPr>
+          <p:nvPr/>
+        </p:nvPicPr>
+        <p:blipFill>
+          <a:blip r:embed="rId2"/>
+          <a:stretch>
+            <a:fillRect/>
+          </a:stretch>
+        </p:blipFill>
+        <p:spPr>
+          <a:xfrm>
+            <a:off x="5811599" y="3014702"/>
+            <a:ext cx="3529554" cy="2393391"/>
+          </a:xfrm>
+          <a:prstGeom prst="rect">
+            <a:avLst/>
+          </a:prstGeom>
+        </p:spPr>
+      </p:pic>
+      <p:sp>
+        <p:nvSpPr>
+          <p:cNvPr id="2" name="Title 1">
+            <a:extLst>
+              <a:ext uri="{FF2B5EF4-FFF2-40B4-BE49-F238E27FC236}">
+                <a16:creationId xmlns:a16="http://schemas.microsoft.com/office/drawing/2014/main" id="{CCB82B9A-BBCF-AA48-9A0F-01CCEB20C8C8}"/>
+              </a:ext>
+            </a:extLst>
+          </p:cNvPr>
+          <p:cNvSpPr>
+            <a:spLocks noGrp="1"/>
+          </p:cNvSpPr>
+          <p:nvPr>
+            <p:ph type="title"/>
+          </p:nvPr>
+        </p:nvSpPr>
+        <p:spPr/>
+        <p:txBody>
+          <a:bodyPr/>
+          <a:lstStyle/>
+          <a:p>
+            <a:endParaRPr lang="en-US"/>
+          </a:p>
+        </p:txBody>
+      </p:sp>
+      <p:sp>
+        <p:nvSpPr>
+          <p:cNvPr id="8" name="TextBox 7">
+            <a:extLst>
+              <a:ext uri="{FF2B5EF4-FFF2-40B4-BE49-F238E27FC236}">
+                <a16:creationId xmlns:a16="http://schemas.microsoft.com/office/drawing/2014/main" id="{BE4A2C7D-A1D2-9C43-9DAC-96D60B812A7E}"/>
+              </a:ext>
+            </a:extLst>
+          </p:cNvPr>
+          <p:cNvSpPr txBox="1"/>
+          <p:nvPr/>
+        </p:nvSpPr>
+        <p:spPr>
+          <a:xfrm>
+            <a:off x="2144356" y="2847156"/>
+            <a:ext cx="2334409" cy="307777"/>
+          </a:xfrm>
+          <a:prstGeom prst="rect">
+            <a:avLst/>
+          </a:prstGeom>
+          <a:noFill/>
+        </p:spPr>
+        <p:txBody>
+          <a:bodyPr wrap="square" rtlCol="0">
+            <a:spAutoFit/>
+          </a:bodyPr>
+          <a:lstStyle/>
+          <a:p>
+            <a:pPr algn="ctr"/>
+            <a:r>
+              <a:rPr lang="en-US" sz="1400" dirty="0"/>
+              <a:t>A) Data Transformation</a:t>
+            </a:r>
+          </a:p>
+        </p:txBody>
+      </p:sp>
+      <p:sp>
+        <p:nvSpPr>
+          <p:cNvPr id="9" name="TextBox 8">
+            <a:extLst>
+              <a:ext uri="{FF2B5EF4-FFF2-40B4-BE49-F238E27FC236}">
+                <a16:creationId xmlns:a16="http://schemas.microsoft.com/office/drawing/2014/main" id="{CD8F7270-070B-E142-8B7F-DCCAC6C7DDFA}"/>
+              </a:ext>
+            </a:extLst>
+          </p:cNvPr>
+          <p:cNvSpPr txBox="1"/>
+          <p:nvPr/>
+        </p:nvSpPr>
+        <p:spPr>
+          <a:xfrm>
+            <a:off x="6409172" y="2847156"/>
+            <a:ext cx="2334409" cy="307777"/>
+          </a:xfrm>
+          <a:prstGeom prst="rect">
+            <a:avLst/>
+          </a:prstGeom>
+          <a:noFill/>
+        </p:spPr>
+        <p:txBody>
+          <a:bodyPr wrap="square" rtlCol="0">
+            <a:spAutoFit/>
+          </a:bodyPr>
+          <a:lstStyle/>
+          <a:p>
+            <a:pPr algn="ctr"/>
+            <a:r>
+              <a:rPr lang="en-US" sz="1400" dirty="0"/>
+              <a:t>B) Correlation Heatmap</a:t>
+            </a:r>
+          </a:p>
+        </p:txBody>
+      </p:sp>
+      <p:pic>
+        <p:nvPicPr>
+          <p:cNvPr id="10" name="Picture 9">
+            <a:extLst>
+              <a:ext uri="{FF2B5EF4-FFF2-40B4-BE49-F238E27FC236}">
+                <a16:creationId xmlns:a16="http://schemas.microsoft.com/office/drawing/2014/main" id="{D4A8FFD7-3206-7E4B-8802-84F4A0BDECA6}"/>
+              </a:ext>
+            </a:extLst>
+          </p:cNvPr>
+          <p:cNvPicPr>
+            <a:picLocks noChangeAspect="1"/>
+          </p:cNvPicPr>
+          <p:nvPr/>
+        </p:nvPicPr>
+        <p:blipFill>
+          <a:blip r:embed="rId3"/>
+          <a:stretch>
+            <a:fillRect/>
+          </a:stretch>
+        </p:blipFill>
+        <p:spPr>
+          <a:xfrm>
+            <a:off x="707562" y="3112128"/>
+            <a:ext cx="5207996" cy="2398545"/>
+          </a:xfrm>
+          <a:prstGeom prst="rect">
+            <a:avLst/>
+          </a:prstGeom>
+        </p:spPr>
+      </p:pic>
+    </p:spTree>
+    <p:extLst>
+      <p:ext uri="{BB962C8B-B14F-4D97-AF65-F5344CB8AC3E}">
+        <p14:creationId xmlns:p14="http://schemas.microsoft.com/office/powerpoint/2010/main" val="4252331028"/>
+      </p:ext>
+    </p:extLst>
+  </p:cSld>
+  <p:clrMapOvr>
+    <a:masterClrMapping/>
+  </p:clrMapOvr>
+</p:sld>
+</file>
+
 <file path=ppt/slides/slide2.xml><?xml version="1.0" encoding="utf-8"?>
 <p:sld xmlns:a="http://schemas.openxmlformats.org/drawingml/2006/main" xmlns:r="http://schemas.openxmlformats.org/officeDocument/2006/relationships" xmlns:p="http://schemas.openxmlformats.org/presentationml/2006/main">
   <p:cSld>
@@ -3679,7 +8451,7 @@
           <p:cNvPr id="2" name="Title 1">
             <a:extLst>
               <a:ext uri="{FF2B5EF4-FFF2-40B4-BE49-F238E27FC236}">
-                <a16:creationId xmlns:a16="http://schemas.microsoft.com/office/drawing/2014/main" id="{071E9545-F1F9-D543-B039-F66DEDDAD781}"/>
+                <a16:creationId xmlns:a16="http://schemas.microsoft.com/office/drawing/2014/main" id="{7E60223F-E507-B443-82D8-801CFCF7C624}"/>
               </a:ext>
             </a:extLst>
           </p:cNvPr>
@@ -3699,69 +8471,208 @@
           </a:p>
         </p:txBody>
       </p:sp>
-      <p:pic>
-        <p:nvPicPr>
-          <p:cNvPr id="21" name="Content Placeholder 20" descr="Chart, histogram&#10;&#10;Description automatically generated">
-            <a:extLst>
-              <a:ext uri="{FF2B5EF4-FFF2-40B4-BE49-F238E27FC236}">
-                <a16:creationId xmlns:a16="http://schemas.microsoft.com/office/drawing/2014/main" id="{162D29A9-497F-BE43-8C7D-5151A06122FA}"/>
-              </a:ext>
-            </a:extLst>
-          </p:cNvPr>
-          <p:cNvPicPr>
-            <a:picLocks noGrp="1" noChangeAspect="1"/>
-          </p:cNvPicPr>
+      <p:graphicFrame>
+        <p:nvGraphicFramePr>
+          <p:cNvPr id="4" name="Table 4">
+            <a:extLst>
+              <a:ext uri="{FF2B5EF4-FFF2-40B4-BE49-F238E27FC236}">
+                <a16:creationId xmlns:a16="http://schemas.microsoft.com/office/drawing/2014/main" id="{A988A1FF-0BA5-8644-A3F3-FB6A048C670F}"/>
+              </a:ext>
+            </a:extLst>
+          </p:cNvPr>
+          <p:cNvGraphicFramePr>
+            <a:graphicFrameLocks noGrp="1"/>
+          </p:cNvGraphicFramePr>
           <p:nvPr>
             <p:ph idx="1"/>
+            <p:extLst>
+              <p:ext uri="{D42A27DB-BD31-4B8C-83A1-F6EECF244321}">
+                <p14:modId xmlns:p14="http://schemas.microsoft.com/office/powerpoint/2010/main" val="1157136833"/>
+              </p:ext>
+            </p:extLst>
           </p:nvPr>
-        </p:nvPicPr>
-        <p:blipFill>
-          <a:blip r:embed="rId2"/>
-          <a:stretch>
-            <a:fillRect/>
-          </a:stretch>
-        </p:blipFill>
-        <p:spPr>
-          <a:xfrm>
-            <a:off x="955418" y="2143125"/>
-            <a:ext cx="3213100" cy="4229100"/>
-          </a:xfrm>
-        </p:spPr>
-      </p:pic>
-      <p:pic>
-        <p:nvPicPr>
-          <p:cNvPr id="23" name="Picture 22" descr="A picture containing text, first-aid kit, scoreboard, clipart&#10;&#10;Description automatically generated">
-            <a:extLst>
-              <a:ext uri="{FF2B5EF4-FFF2-40B4-BE49-F238E27FC236}">
-                <a16:creationId xmlns:a16="http://schemas.microsoft.com/office/drawing/2014/main" id="{8F7DE045-D036-C14A-8486-D081C60B3011}"/>
-              </a:ext>
-            </a:extLst>
-          </p:cNvPr>
-          <p:cNvPicPr>
-            <a:picLocks noChangeAspect="1"/>
-          </p:cNvPicPr>
-          <p:nvPr/>
-        </p:nvPicPr>
-        <p:blipFill>
-          <a:blip r:embed="rId3"/>
-          <a:stretch>
-            <a:fillRect/>
-          </a:stretch>
-        </p:blipFill>
-        <p:spPr>
-          <a:xfrm>
-            <a:off x="4168518" y="2022475"/>
-            <a:ext cx="6350000" cy="4470400"/>
-          </a:xfrm>
-          <a:prstGeom prst="rect">
-            <a:avLst/>
-          </a:prstGeom>
-        </p:spPr>
-      </p:pic>
+        </p:nvGraphicFramePr>
+        <p:xfrm>
+          <a:off x="838200" y="1825625"/>
+          <a:ext cx="10515600" cy="2966720"/>
+        </p:xfrm>
+        <a:graphic>
+          <a:graphicData uri="http://schemas.openxmlformats.org/drawingml/2006/table">
+            <a:tbl>
+              <a:tblPr firstRow="1" bandRow="1">
+                <a:tableStyleId>{5C22544A-7EE6-4342-B048-85BDC9FD1C3A}</a:tableStyleId>
+              </a:tblPr>
+              <a:tblGrid>
+                <a:gridCol w="10515600">
+                  <a:extLst>
+                    <a:ext uri="{9D8B030D-6E8A-4147-A177-3AD203B41FA5}">
+                      <a16:colId xmlns:a16="http://schemas.microsoft.com/office/drawing/2014/main" val="1806410774"/>
+                    </a:ext>
+                  </a:extLst>
+                </a:gridCol>
+              </a:tblGrid>
+              <a:tr h="370840">
+                <a:tc>
+                  <a:txBody>
+                    <a:bodyPr/>
+                    <a:lstStyle/>
+                    <a:p>
+                      <a:endParaRPr lang="en-US"/>
+                    </a:p>
+                  </a:txBody>
+                  <a:tcPr/>
+                </a:tc>
+                <a:extLst>
+                  <a:ext uri="{0D108BD9-81ED-4DB2-BD59-A6C34878D82A}">
+                    <a16:rowId xmlns:a16="http://schemas.microsoft.com/office/drawing/2014/main" val="3465607391"/>
+                  </a:ext>
+                </a:extLst>
+              </a:tr>
+              <a:tr h="370840">
+                <a:tc>
+                  <a:txBody>
+                    <a:bodyPr/>
+                    <a:lstStyle/>
+                    <a:p>
+                      <a:r>
+                        <a:rPr lang="en-US" dirty="0"/>
+                        <a:t>Self-Reported Outcome in Healthcare</a:t>
+                      </a:r>
+                    </a:p>
+                  </a:txBody>
+                  <a:tcPr/>
+                </a:tc>
+                <a:extLst>
+                  <a:ext uri="{0D108BD9-81ED-4DB2-BD59-A6C34878D82A}">
+                    <a16:rowId xmlns:a16="http://schemas.microsoft.com/office/drawing/2014/main" val="2448500577"/>
+                  </a:ext>
+                </a:extLst>
+              </a:tr>
+              <a:tr h="370840">
+                <a:tc>
+                  <a:txBody>
+                    <a:bodyPr/>
+                    <a:lstStyle/>
+                    <a:p>
+                      <a:r>
+                        <a:rPr lang="en-US" dirty="0"/>
+                        <a:t>Customer Insight/Satisfaction</a:t>
+                      </a:r>
+                    </a:p>
+                  </a:txBody>
+                  <a:tcPr/>
+                </a:tc>
+                <a:extLst>
+                  <a:ext uri="{0D108BD9-81ED-4DB2-BD59-A6C34878D82A}">
+                    <a16:rowId xmlns:a16="http://schemas.microsoft.com/office/drawing/2014/main" val="3408848239"/>
+                  </a:ext>
+                </a:extLst>
+              </a:tr>
+              <a:tr h="370840">
+                <a:tc>
+                  <a:txBody>
+                    <a:bodyPr/>
+                    <a:lstStyle/>
+                    <a:p>
+                      <a:r>
+                        <a:rPr lang="en-US" dirty="0"/>
+                        <a:t>Product Preference in Market Research</a:t>
+                      </a:r>
+                    </a:p>
+                  </a:txBody>
+                  <a:tcPr/>
+                </a:tc>
+                <a:extLst>
+                  <a:ext uri="{0D108BD9-81ED-4DB2-BD59-A6C34878D82A}">
+                    <a16:rowId xmlns:a16="http://schemas.microsoft.com/office/drawing/2014/main" val="2632575813"/>
+                  </a:ext>
+                </a:extLst>
+              </a:tr>
+              <a:tr h="370840">
+                <a:tc>
+                  <a:txBody>
+                    <a:bodyPr/>
+                    <a:lstStyle/>
+                    <a:p>
+                      <a:r>
+                        <a:rPr lang="en-US" dirty="0"/>
+                        <a:t>Voting Intentions</a:t>
+                      </a:r>
+                    </a:p>
+                  </a:txBody>
+                  <a:tcPr/>
+                </a:tc>
+                <a:extLst>
+                  <a:ext uri="{0D108BD9-81ED-4DB2-BD59-A6C34878D82A}">
+                    <a16:rowId xmlns:a16="http://schemas.microsoft.com/office/drawing/2014/main" val="3238277729"/>
+                  </a:ext>
+                </a:extLst>
+              </a:tr>
+              <a:tr h="370840">
+                <a:tc>
+                  <a:txBody>
+                    <a:bodyPr/>
+                    <a:lstStyle/>
+                    <a:p>
+                      <a:r>
+                        <a:rPr lang="en-US" dirty="0"/>
+                        <a:t>Exercise Routine</a:t>
+                      </a:r>
+                    </a:p>
+                  </a:txBody>
+                  <a:tcPr/>
+                </a:tc>
+                <a:extLst>
+                  <a:ext uri="{0D108BD9-81ED-4DB2-BD59-A6C34878D82A}">
+                    <a16:rowId xmlns:a16="http://schemas.microsoft.com/office/drawing/2014/main" val="4182213318"/>
+                  </a:ext>
+                </a:extLst>
+              </a:tr>
+              <a:tr h="370840">
+                <a:tc>
+                  <a:txBody>
+                    <a:bodyPr/>
+                    <a:lstStyle/>
+                    <a:p>
+                      <a:r>
+                        <a:rPr lang="en-US" dirty="0"/>
+                        <a:t>Net Promoter Score</a:t>
+                      </a:r>
+                    </a:p>
+                  </a:txBody>
+                  <a:tcPr/>
+                </a:tc>
+                <a:extLst>
+                  <a:ext uri="{0D108BD9-81ED-4DB2-BD59-A6C34878D82A}">
+                    <a16:rowId xmlns:a16="http://schemas.microsoft.com/office/drawing/2014/main" val="4286505807"/>
+                  </a:ext>
+                </a:extLst>
+              </a:tr>
+              <a:tr h="370840">
+                <a:tc>
+                  <a:txBody>
+                    <a:bodyPr/>
+                    <a:lstStyle/>
+                    <a:p>
+                      <a:endParaRPr lang="en-US" dirty="0"/>
+                    </a:p>
+                  </a:txBody>
+                  <a:tcPr/>
+                </a:tc>
+                <a:extLst>
+                  <a:ext uri="{0D108BD9-81ED-4DB2-BD59-A6C34878D82A}">
+                    <a16:rowId xmlns:a16="http://schemas.microsoft.com/office/drawing/2014/main" val="1644345065"/>
+                  </a:ext>
+                </a:extLst>
+              </a:tr>
+            </a:tbl>
+          </a:graphicData>
+        </a:graphic>
+      </p:graphicFrame>
     </p:spTree>
     <p:extLst>
       <p:ext uri="{BB962C8B-B14F-4D97-AF65-F5344CB8AC3E}">
-        <p14:creationId xmlns:p14="http://schemas.microsoft.com/office/powerpoint/2010/main" val="1497727456"/>
+        <p14:creationId xmlns:p14="http://schemas.microsoft.com/office/powerpoint/2010/main" val="206127681"/>
       </p:ext>
     </p:extLst>
   </p:cSld>
@@ -3793,7 +8704,7 @@
           <p:cNvPr id="2" name="Title 1">
             <a:extLst>
               <a:ext uri="{FF2B5EF4-FFF2-40B4-BE49-F238E27FC236}">
-                <a16:creationId xmlns:a16="http://schemas.microsoft.com/office/drawing/2014/main" id="{FD3FE6DF-FDEA-E844-A863-35D99932996F}"/>
+                <a16:creationId xmlns:a16="http://schemas.microsoft.com/office/drawing/2014/main" id="{071E9545-F1F9-D543-B039-F66DEDDAD781}"/>
               </a:ext>
             </a:extLst>
           </p:cNvPr>
@@ -3815,10 +8726,10 @@
       </p:sp>
       <p:pic>
         <p:nvPicPr>
-          <p:cNvPr id="5" name="Content Placeholder 4" descr="Chart, histogram&#10;&#10;Description automatically generated">
-            <a:extLst>
-              <a:ext uri="{FF2B5EF4-FFF2-40B4-BE49-F238E27FC236}">
-                <a16:creationId xmlns:a16="http://schemas.microsoft.com/office/drawing/2014/main" id="{4D730AE0-DC6D-FF4C-9C07-1E2BEEB12297}"/>
+          <p:cNvPr id="21" name="Content Placeholder 20" descr="Chart, histogram&#10;&#10;Description automatically generated">
+            <a:extLst>
+              <a:ext uri="{FF2B5EF4-FFF2-40B4-BE49-F238E27FC236}">
+                <a16:creationId xmlns:a16="http://schemas.microsoft.com/office/drawing/2014/main" id="{162D29A9-497F-BE43-8C7D-5151A06122FA}"/>
               </a:ext>
             </a:extLst>
           </p:cNvPr>
@@ -3837,17 +8748,17 @@
         </p:blipFill>
         <p:spPr>
           <a:xfrm>
-            <a:off x="2116911" y="2082006"/>
-            <a:ext cx="3163472" cy="4351338"/>
+            <a:off x="955418" y="2143125"/>
+            <a:ext cx="3213100" cy="4229100"/>
           </a:xfrm>
         </p:spPr>
       </p:pic>
       <p:pic>
         <p:nvPicPr>
-          <p:cNvPr id="7" name="Picture 6" descr="A picture containing diagram&#10;&#10;Description automatically generated">
-            <a:extLst>
-              <a:ext uri="{FF2B5EF4-FFF2-40B4-BE49-F238E27FC236}">
-                <a16:creationId xmlns:a16="http://schemas.microsoft.com/office/drawing/2014/main" id="{D2B97F2E-106B-7E4E-A3B6-FD40CE6CBA2E}"/>
+          <p:cNvPr id="23" name="Picture 22" descr="A picture containing text, first-aid kit, scoreboard, clipart&#10;&#10;Description automatically generated">
+            <a:extLst>
+              <a:ext uri="{FF2B5EF4-FFF2-40B4-BE49-F238E27FC236}">
+                <a16:creationId xmlns:a16="http://schemas.microsoft.com/office/drawing/2014/main" id="{8F7DE045-D036-C14A-8486-D081C60B3011}"/>
               </a:ext>
             </a:extLst>
           </p:cNvPr>
@@ -3864,7 +8775,7 @@
         </p:blipFill>
         <p:spPr>
           <a:xfrm>
-            <a:off x="5280383" y="2022475"/>
+            <a:off x="4168518" y="2022475"/>
             <a:ext cx="6350000" cy="4470400"/>
           </a:xfrm>
           <a:prstGeom prst="rect">
@@ -3875,7 +8786,7 @@
     </p:spTree>
     <p:extLst>
       <p:ext uri="{BB962C8B-B14F-4D97-AF65-F5344CB8AC3E}">
-        <p14:creationId xmlns:p14="http://schemas.microsoft.com/office/powerpoint/2010/main" val="3944148796"/>
+        <p14:creationId xmlns:p14="http://schemas.microsoft.com/office/powerpoint/2010/main" val="1497727456"/>
       </p:ext>
     </p:extLst>
   </p:cSld>
@@ -3929,40 +8840,10 @@
       </p:sp>
       <p:pic>
         <p:nvPicPr>
-          <p:cNvPr id="10" name="Picture 9" descr="A picture containing icon&#10;&#10;Description automatically generated">
-            <a:extLst>
-              <a:ext uri="{FF2B5EF4-FFF2-40B4-BE49-F238E27FC236}">
-                <a16:creationId xmlns:a16="http://schemas.microsoft.com/office/drawing/2014/main" id="{853D128A-9A8B-204A-8BBC-179D9F7E7EE1}"/>
-              </a:ext>
-            </a:extLst>
-          </p:cNvPr>
-          <p:cNvPicPr>
-            <a:picLocks noChangeAspect="1"/>
-          </p:cNvPicPr>
-          <p:nvPr/>
-        </p:nvPicPr>
-        <p:blipFill>
-          <a:blip r:embed="rId2"/>
-          <a:stretch>
-            <a:fillRect/>
-          </a:stretch>
-        </p:blipFill>
-        <p:spPr>
-          <a:xfrm>
-            <a:off x="4464979" y="1962944"/>
-            <a:ext cx="6350000" cy="4470400"/>
-          </a:xfrm>
-          <a:prstGeom prst="rect">
-            <a:avLst/>
-          </a:prstGeom>
-        </p:spPr>
-      </p:pic>
-      <p:pic>
-        <p:nvPicPr>
-          <p:cNvPr id="14" name="Content Placeholder 13" descr="Chart, histogram&#10;&#10;Description automatically generated">
-            <a:extLst>
-              <a:ext uri="{FF2B5EF4-FFF2-40B4-BE49-F238E27FC236}">
-                <a16:creationId xmlns:a16="http://schemas.microsoft.com/office/drawing/2014/main" id="{E03CFF06-5E30-1142-AD9F-814064DC4EBA}"/>
+          <p:cNvPr id="5" name="Content Placeholder 4" descr="Chart, histogram&#10;&#10;Description automatically generated">
+            <a:extLst>
+              <a:ext uri="{FF2B5EF4-FFF2-40B4-BE49-F238E27FC236}">
+                <a16:creationId xmlns:a16="http://schemas.microsoft.com/office/drawing/2014/main" id="{4D730AE0-DC6D-FF4C-9C07-1E2BEEB12297}"/>
               </a:ext>
             </a:extLst>
           </p:cNvPr>
@@ -3974,6 +8855,33 @@
           </p:nvPr>
         </p:nvPicPr>
         <p:blipFill>
+          <a:blip r:embed="rId2"/>
+          <a:stretch>
+            <a:fillRect/>
+          </a:stretch>
+        </p:blipFill>
+        <p:spPr>
+          <a:xfrm>
+            <a:off x="2116911" y="2082006"/>
+            <a:ext cx="3163472" cy="4351338"/>
+          </a:xfrm>
+        </p:spPr>
+      </p:pic>
+      <p:pic>
+        <p:nvPicPr>
+          <p:cNvPr id="7" name="Picture 6" descr="A picture containing diagram&#10;&#10;Description automatically generated">
+            <a:extLst>
+              <a:ext uri="{FF2B5EF4-FFF2-40B4-BE49-F238E27FC236}">
+                <a16:creationId xmlns:a16="http://schemas.microsoft.com/office/drawing/2014/main" id="{D2B97F2E-106B-7E4E-A3B6-FD40CE6CBA2E}"/>
+              </a:ext>
+            </a:extLst>
+          </p:cNvPr>
+          <p:cNvPicPr>
+            <a:picLocks noChangeAspect="1"/>
+          </p:cNvPicPr>
+          <p:nvPr/>
+        </p:nvPicPr>
+        <p:blipFill>
           <a:blip r:embed="rId3"/>
           <a:stretch>
             <a:fillRect/>
@@ -3981,15 +8889,18 @@
         </p:blipFill>
         <p:spPr>
           <a:xfrm>
-            <a:off x="1301507" y="2022475"/>
-            <a:ext cx="3163472" cy="4351338"/>
-          </a:xfrm>
+            <a:off x="5280383" y="2022475"/>
+            <a:ext cx="6350000" cy="4470400"/>
+          </a:xfrm>
+          <a:prstGeom prst="rect">
+            <a:avLst/>
+          </a:prstGeom>
         </p:spPr>
       </p:pic>
     </p:spTree>
     <p:extLst>
       <p:ext uri="{BB962C8B-B14F-4D97-AF65-F5344CB8AC3E}">
-        <p14:creationId xmlns:p14="http://schemas.microsoft.com/office/powerpoint/2010/main" val="1112129422"/>
+        <p14:creationId xmlns:p14="http://schemas.microsoft.com/office/powerpoint/2010/main" val="3944148796"/>
       </p:ext>
     </p:extLst>
   </p:cSld>
@@ -4018,62 +8929,65 @@
       </p:grpSpPr>
       <p:sp>
         <p:nvSpPr>
-          <p:cNvPr id="12" name="Rectangle 11">
-            <a:extLst>
-              <a:ext uri="{FF2B5EF4-FFF2-40B4-BE49-F238E27FC236}">
-                <a16:creationId xmlns:a16="http://schemas.microsoft.com/office/drawing/2014/main" id="{4273B978-39E5-454E-9BB8-1D8E130B17B4}"/>
-              </a:ext>
-            </a:extLst>
-          </p:cNvPr>
-          <p:cNvSpPr/>
-          <p:nvPr/>
-        </p:nvSpPr>
-        <p:spPr>
-          <a:xfrm>
-            <a:off x="1962615" y="1873405"/>
-            <a:ext cx="8664497" cy="4583151"/>
-          </a:xfrm>
-          <a:prstGeom prst="rect">
-            <a:avLst/>
-          </a:prstGeom>
-          <a:solidFill>
-            <a:schemeClr val="bg1"/>
-          </a:solidFill>
-          <a:ln>
-            <a:noFill/>
-          </a:ln>
-        </p:spPr>
-        <p:style>
-          <a:lnRef idx="2">
-            <a:schemeClr val="accent1">
-              <a:shade val="50000"/>
-            </a:schemeClr>
-          </a:lnRef>
-          <a:fillRef idx="1">
-            <a:schemeClr val="accent1"/>
-          </a:fillRef>
-          <a:effectRef idx="0">
-            <a:schemeClr val="accent1"/>
-          </a:effectRef>
-          <a:fontRef idx="minor">
-            <a:schemeClr val="lt1"/>
-          </a:fontRef>
-        </p:style>
-        <p:txBody>
-          <a:bodyPr rtlCol="0" anchor="ctr"/>
-          <a:lstStyle/>
-          <a:p>
-            <a:pPr algn="ctr"/>
+          <p:cNvPr id="2" name="Title 1">
+            <a:extLst>
+              <a:ext uri="{FF2B5EF4-FFF2-40B4-BE49-F238E27FC236}">
+                <a16:creationId xmlns:a16="http://schemas.microsoft.com/office/drawing/2014/main" id="{FD3FE6DF-FDEA-E844-A863-35D99932996F}"/>
+              </a:ext>
+            </a:extLst>
+          </p:cNvPr>
+          <p:cNvSpPr>
+            <a:spLocks noGrp="1"/>
+          </p:cNvSpPr>
+          <p:nvPr>
+            <p:ph type="title"/>
+          </p:nvPr>
+        </p:nvSpPr>
+        <p:spPr/>
+        <p:txBody>
+          <a:bodyPr/>
+          <a:lstStyle/>
+          <a:p>
             <a:endParaRPr lang="en-US"/>
           </a:p>
         </p:txBody>
       </p:sp>
       <p:pic>
         <p:nvPicPr>
-          <p:cNvPr id="10" name="Content Placeholder 9" descr="A picture containing chart&#10;&#10;Description automatically generated">
-            <a:extLst>
-              <a:ext uri="{FF2B5EF4-FFF2-40B4-BE49-F238E27FC236}">
-                <a16:creationId xmlns:a16="http://schemas.microsoft.com/office/drawing/2014/main" id="{2452B366-F34C-544F-8254-E24E361433AD}"/>
+          <p:cNvPr id="10" name="Picture 9" descr="A picture containing icon&#10;&#10;Description automatically generated">
+            <a:extLst>
+              <a:ext uri="{FF2B5EF4-FFF2-40B4-BE49-F238E27FC236}">
+                <a16:creationId xmlns:a16="http://schemas.microsoft.com/office/drawing/2014/main" id="{853D128A-9A8B-204A-8BBC-179D9F7E7EE1}"/>
+              </a:ext>
+            </a:extLst>
+          </p:cNvPr>
+          <p:cNvPicPr>
+            <a:picLocks noChangeAspect="1"/>
+          </p:cNvPicPr>
+          <p:nvPr/>
+        </p:nvPicPr>
+        <p:blipFill>
+          <a:blip r:embed="rId2"/>
+          <a:stretch>
+            <a:fillRect/>
+          </a:stretch>
+        </p:blipFill>
+        <p:spPr>
+          <a:xfrm>
+            <a:off x="4464979" y="1962944"/>
+            <a:ext cx="6350000" cy="4470400"/>
+          </a:xfrm>
+          <a:prstGeom prst="rect">
+            <a:avLst/>
+          </a:prstGeom>
+        </p:spPr>
+      </p:pic>
+      <p:pic>
+        <p:nvPicPr>
+          <p:cNvPr id="14" name="Content Placeholder 13" descr="Chart, histogram&#10;&#10;Description automatically generated">
+            <a:extLst>
+              <a:ext uri="{FF2B5EF4-FFF2-40B4-BE49-F238E27FC236}">
+                <a16:creationId xmlns:a16="http://schemas.microsoft.com/office/drawing/2014/main" id="{E03CFF06-5E30-1142-AD9F-814064DC4EBA}"/>
               </a:ext>
             </a:extLst>
           </p:cNvPr>
@@ -4085,139 +8999,22 @@
           </p:nvPr>
         </p:nvPicPr>
         <p:blipFill>
-          <a:blip r:embed="rId2"/>
+          <a:blip r:embed="rId3"/>
           <a:stretch>
             <a:fillRect/>
           </a:stretch>
         </p:blipFill>
         <p:spPr>
           <a:xfrm>
-            <a:off x="2618213" y="2139330"/>
-            <a:ext cx="7353300" cy="4051300"/>
+            <a:off x="1301507" y="2022475"/>
+            <a:ext cx="3163472" cy="4351338"/>
           </a:xfrm>
         </p:spPr>
       </p:pic>
-      <p:sp>
-        <p:nvSpPr>
-          <p:cNvPr id="2" name="Title 1">
-            <a:extLst>
-              <a:ext uri="{FF2B5EF4-FFF2-40B4-BE49-F238E27FC236}">
-                <a16:creationId xmlns:a16="http://schemas.microsoft.com/office/drawing/2014/main" id="{8584D01B-FFFC-7640-88C4-8FEC7FF10F5C}"/>
-              </a:ext>
-            </a:extLst>
-          </p:cNvPr>
-          <p:cNvSpPr>
-            <a:spLocks noGrp="1"/>
-          </p:cNvSpPr>
-          <p:nvPr>
-            <p:ph type="title"/>
-          </p:nvPr>
-        </p:nvSpPr>
-        <p:spPr/>
-        <p:txBody>
-          <a:bodyPr/>
-          <a:lstStyle/>
-          <a:p>
-            <a:endParaRPr lang="en-US"/>
-          </a:p>
-        </p:txBody>
-      </p:sp>
-      <p:sp>
-        <p:nvSpPr>
-          <p:cNvPr id="11" name="Rectangle 10">
-            <a:extLst>
-              <a:ext uri="{FF2B5EF4-FFF2-40B4-BE49-F238E27FC236}">
-                <a16:creationId xmlns:a16="http://schemas.microsoft.com/office/drawing/2014/main" id="{A1F6EC79-DA32-044E-B8E1-B045B5528563}"/>
-              </a:ext>
-            </a:extLst>
-          </p:cNvPr>
-          <p:cNvSpPr/>
-          <p:nvPr/>
-        </p:nvSpPr>
-        <p:spPr>
-          <a:xfrm>
-            <a:off x="3836829" y="2456820"/>
-            <a:ext cx="4916069" cy="3416320"/>
-          </a:xfrm>
-          <a:prstGeom prst="rect">
-            <a:avLst/>
-          </a:prstGeom>
-          <a:noFill/>
-        </p:spPr>
-        <p:txBody>
-          <a:bodyPr wrap="square" lIns="91440" tIns="45720" rIns="91440" bIns="45720">
-            <a:spAutoFit/>
-          </a:bodyPr>
-          <a:lstStyle/>
-          <a:p>
-            <a:pPr algn="ctr"/>
-            <a:r>
-              <a:rPr lang="en-US" sz="7200" b="1" cap="none" spc="0" dirty="0">
-                <a:ln w="22225">
-                  <a:solidFill>
-                    <a:schemeClr val="accent2"/>
-                  </a:solidFill>
-                  <a:prstDash val="solid"/>
-                </a:ln>
-                <a:solidFill>
-                  <a:schemeClr val="accent2">
-                    <a:lumMod val="40000"/>
-                    <a:lumOff val="60000"/>
-                  </a:schemeClr>
-                </a:solidFill>
-                <a:effectLst/>
-              </a:rPr>
-              <a:t>Improve </a:t>
-            </a:r>
-          </a:p>
-          <a:p>
-            <a:pPr algn="ctr"/>
-            <a:r>
-              <a:rPr lang="en-US" sz="7200" b="1" cap="none" spc="0" dirty="0">
-                <a:ln w="22225">
-                  <a:solidFill>
-                    <a:schemeClr val="accent2"/>
-                  </a:solidFill>
-                  <a:prstDash val="solid"/>
-                </a:ln>
-                <a:solidFill>
-                  <a:schemeClr val="accent2">
-                    <a:lumMod val="40000"/>
-                    <a:lumOff val="60000"/>
-                  </a:schemeClr>
-                </a:solidFill>
-                <a:effectLst/>
-              </a:rPr>
-              <a:t>Customer </a:t>
-            </a:r>
-          </a:p>
-          <a:p>
-            <a:pPr algn="ctr"/>
-            <a:r>
-              <a:rPr lang="en-US" sz="7200" b="1" cap="none" spc="0" dirty="0">
-                <a:ln w="22225">
-                  <a:solidFill>
-                    <a:schemeClr val="accent2"/>
-                  </a:solidFill>
-                  <a:prstDash val="solid"/>
-                </a:ln>
-                <a:solidFill>
-                  <a:schemeClr val="accent2">
-                    <a:lumMod val="40000"/>
-                    <a:lumOff val="60000"/>
-                  </a:schemeClr>
-                </a:solidFill>
-                <a:effectLst/>
-              </a:rPr>
-              <a:t>Rating</a:t>
-            </a:r>
-          </a:p>
-        </p:txBody>
-      </p:sp>
     </p:spTree>
     <p:extLst>
       <p:ext uri="{BB962C8B-B14F-4D97-AF65-F5344CB8AC3E}">
-        <p14:creationId xmlns:p14="http://schemas.microsoft.com/office/powerpoint/2010/main" val="1869209853"/>
+        <p14:creationId xmlns:p14="http://schemas.microsoft.com/office/powerpoint/2010/main" val="1112129422"/>
       </p:ext>
     </p:extLst>
   </p:cSld>
@@ -4246,10 +9043,91 @@
       </p:grpSpPr>
       <p:sp>
         <p:nvSpPr>
+          <p:cNvPr id="12" name="Rectangle 11">
+            <a:extLst>
+              <a:ext uri="{FF2B5EF4-FFF2-40B4-BE49-F238E27FC236}">
+                <a16:creationId xmlns:a16="http://schemas.microsoft.com/office/drawing/2014/main" id="{4273B978-39E5-454E-9BB8-1D8E130B17B4}"/>
+              </a:ext>
+            </a:extLst>
+          </p:cNvPr>
+          <p:cNvSpPr/>
+          <p:nvPr/>
+        </p:nvSpPr>
+        <p:spPr>
+          <a:xfrm>
+            <a:off x="1962615" y="1873405"/>
+            <a:ext cx="8664497" cy="4583151"/>
+          </a:xfrm>
+          <a:prstGeom prst="rect">
+            <a:avLst/>
+          </a:prstGeom>
+          <a:solidFill>
+            <a:schemeClr val="bg1"/>
+          </a:solidFill>
+          <a:ln>
+            <a:noFill/>
+          </a:ln>
+        </p:spPr>
+        <p:style>
+          <a:lnRef idx="2">
+            <a:schemeClr val="accent1">
+              <a:shade val="50000"/>
+            </a:schemeClr>
+          </a:lnRef>
+          <a:fillRef idx="1">
+            <a:schemeClr val="accent1"/>
+          </a:fillRef>
+          <a:effectRef idx="0">
+            <a:schemeClr val="accent1"/>
+          </a:effectRef>
+          <a:fontRef idx="minor">
+            <a:schemeClr val="lt1"/>
+          </a:fontRef>
+        </p:style>
+        <p:txBody>
+          <a:bodyPr rtlCol="0" anchor="ctr"/>
+          <a:lstStyle/>
+          <a:p>
+            <a:pPr algn="ctr"/>
+            <a:endParaRPr lang="en-US"/>
+          </a:p>
+        </p:txBody>
+      </p:sp>
+      <p:pic>
+        <p:nvPicPr>
+          <p:cNvPr id="10" name="Content Placeholder 9" descr="A picture containing chart&#10;&#10;Description automatically generated">
+            <a:extLst>
+              <a:ext uri="{FF2B5EF4-FFF2-40B4-BE49-F238E27FC236}">
+                <a16:creationId xmlns:a16="http://schemas.microsoft.com/office/drawing/2014/main" id="{2452B366-F34C-544F-8254-E24E361433AD}"/>
+              </a:ext>
+            </a:extLst>
+          </p:cNvPr>
+          <p:cNvPicPr>
+            <a:picLocks noGrp="1" noChangeAspect="1"/>
+          </p:cNvPicPr>
+          <p:nvPr>
+            <p:ph idx="1"/>
+          </p:nvPr>
+        </p:nvPicPr>
+        <p:blipFill>
+          <a:blip r:embed="rId2"/>
+          <a:stretch>
+            <a:fillRect/>
+          </a:stretch>
+        </p:blipFill>
+        <p:spPr>
+          <a:xfrm>
+            <a:off x="2618213" y="2139330"/>
+            <a:ext cx="7353300" cy="4051300"/>
+          </a:xfrm>
+        </p:spPr>
+      </p:pic>
+      <p:sp>
+        <p:nvSpPr>
           <p:cNvPr id="2" name="Title 1">
             <a:extLst>
               <a:ext uri="{FF2B5EF4-FFF2-40B4-BE49-F238E27FC236}">
-                <a16:creationId xmlns:a16="http://schemas.microsoft.com/office/drawing/2014/main" id="{E5C3F94E-6FD7-5548-B13C-193D18FD2C8C}"/>
+                <a16:creationId xmlns:a16="http://schemas.microsoft.com/office/drawing/2014/main" id="{8584D01B-FFFC-7640-88C4-8FEC7FF10F5C}"/>
               </a:ext>
             </a:extLst>
           </p:cNvPr>
@@ -4269,6 +9147,2500 @@
           </a:p>
         </p:txBody>
       </p:sp>
+      <p:sp>
+        <p:nvSpPr>
+          <p:cNvPr id="11" name="Rectangle 10">
+            <a:extLst>
+              <a:ext uri="{FF2B5EF4-FFF2-40B4-BE49-F238E27FC236}">
+                <a16:creationId xmlns:a16="http://schemas.microsoft.com/office/drawing/2014/main" id="{A1F6EC79-DA32-044E-B8E1-B045B5528563}"/>
+              </a:ext>
+            </a:extLst>
+          </p:cNvPr>
+          <p:cNvSpPr/>
+          <p:nvPr/>
+        </p:nvSpPr>
+        <p:spPr>
+          <a:xfrm>
+            <a:off x="3836829" y="2456820"/>
+            <a:ext cx="4916069" cy="3416320"/>
+          </a:xfrm>
+          <a:prstGeom prst="rect">
+            <a:avLst/>
+          </a:prstGeom>
+          <a:noFill/>
+        </p:spPr>
+        <p:txBody>
+          <a:bodyPr wrap="square" lIns="91440" tIns="45720" rIns="91440" bIns="45720">
+            <a:spAutoFit/>
+          </a:bodyPr>
+          <a:lstStyle/>
+          <a:p>
+            <a:pPr algn="ctr"/>
+            <a:r>
+              <a:rPr lang="en-US" sz="7200" b="1" cap="none" spc="0" dirty="0">
+                <a:ln w="22225">
+                  <a:solidFill>
+                    <a:schemeClr val="accent2"/>
+                  </a:solidFill>
+                  <a:prstDash val="solid"/>
+                </a:ln>
+                <a:solidFill>
+                  <a:schemeClr val="accent2">
+                    <a:lumMod val="40000"/>
+                    <a:lumOff val="60000"/>
+                  </a:schemeClr>
+                </a:solidFill>
+                <a:effectLst/>
+              </a:rPr>
+              <a:t>Improve </a:t>
+            </a:r>
+          </a:p>
+          <a:p>
+            <a:pPr algn="ctr"/>
+            <a:r>
+              <a:rPr lang="en-US" sz="7200" b="1" cap="none" spc="0" dirty="0">
+                <a:ln w="22225">
+                  <a:solidFill>
+                    <a:schemeClr val="accent2"/>
+                  </a:solidFill>
+                  <a:prstDash val="solid"/>
+                </a:ln>
+                <a:solidFill>
+                  <a:schemeClr val="accent2">
+                    <a:lumMod val="40000"/>
+                    <a:lumOff val="60000"/>
+                  </a:schemeClr>
+                </a:solidFill>
+                <a:effectLst/>
+              </a:rPr>
+              <a:t>Customer </a:t>
+            </a:r>
+          </a:p>
+          <a:p>
+            <a:pPr algn="ctr"/>
+            <a:r>
+              <a:rPr lang="en-US" sz="7200" b="1" cap="none" spc="0" dirty="0">
+                <a:ln w="22225">
+                  <a:solidFill>
+                    <a:schemeClr val="accent2"/>
+                  </a:solidFill>
+                  <a:prstDash val="solid"/>
+                </a:ln>
+                <a:solidFill>
+                  <a:schemeClr val="accent2">
+                    <a:lumMod val="40000"/>
+                    <a:lumOff val="60000"/>
+                  </a:schemeClr>
+                </a:solidFill>
+                <a:effectLst/>
+              </a:rPr>
+              <a:t>Rating</a:t>
+            </a:r>
+          </a:p>
+        </p:txBody>
+      </p:sp>
+    </p:spTree>
+    <p:extLst>
+      <p:ext uri="{BB962C8B-B14F-4D97-AF65-F5344CB8AC3E}">
+        <p14:creationId xmlns:p14="http://schemas.microsoft.com/office/powerpoint/2010/main" val="1869209853"/>
+      </p:ext>
+    </p:extLst>
+  </p:cSld>
+  <p:clrMapOvr>
+    <a:masterClrMapping/>
+  </p:clrMapOvr>
+</p:sld>
+</file>
+
+<file path=ppt/slides/slide8.xml><?xml version="1.0" encoding="utf-8"?>
+<p:sld xmlns:a="http://schemas.openxmlformats.org/drawingml/2006/main" xmlns:r="http://schemas.openxmlformats.org/officeDocument/2006/relationships" xmlns:p="http://schemas.openxmlformats.org/presentationml/2006/main">
+  <p:cSld>
+    <p:spTree>
+      <p:nvGrpSpPr>
+        <p:cNvPr id="1" name=""/>
+        <p:cNvGrpSpPr/>
+        <p:nvPr/>
+      </p:nvGrpSpPr>
+      <p:grpSpPr>
+        <a:xfrm>
+          <a:off x="0" y="0"/>
+          <a:ext cx="0" cy="0"/>
+          <a:chOff x="0" y="0"/>
+          <a:chExt cx="0" cy="0"/>
+        </a:xfrm>
+      </p:grpSpPr>
+      <p:sp>
+        <p:nvSpPr>
+          <p:cNvPr id="2" name="Title 1">
+            <a:extLst>
+              <a:ext uri="{FF2B5EF4-FFF2-40B4-BE49-F238E27FC236}">
+                <a16:creationId xmlns:a16="http://schemas.microsoft.com/office/drawing/2014/main" id="{E5C3F94E-6FD7-5548-B13C-193D18FD2C8C}"/>
+              </a:ext>
+            </a:extLst>
+          </p:cNvPr>
+          <p:cNvSpPr>
+            <a:spLocks noGrp="1"/>
+          </p:cNvSpPr>
+          <p:nvPr>
+            <p:ph type="title"/>
+          </p:nvPr>
+        </p:nvSpPr>
+        <p:spPr/>
+        <p:txBody>
+          <a:bodyPr/>
+          <a:lstStyle/>
+          <a:p>
+            <a:endParaRPr lang="en-US"/>
+          </a:p>
+        </p:txBody>
+      </p:sp>
+      <p:cxnSp>
+        <p:nvCxnSpPr>
+          <p:cNvPr id="21" name="Straight Connector 20">
+            <a:extLst>
+              <a:ext uri="{FF2B5EF4-FFF2-40B4-BE49-F238E27FC236}">
+                <a16:creationId xmlns:a16="http://schemas.microsoft.com/office/drawing/2014/main" id="{2BFDE813-13EF-8C45-8CD7-66F49E226065}"/>
+              </a:ext>
+            </a:extLst>
+          </p:cNvPr>
+          <p:cNvCxnSpPr>
+            <a:cxnSpLocks/>
+          </p:cNvCxnSpPr>
+          <p:nvPr/>
+        </p:nvCxnSpPr>
+        <p:spPr>
+          <a:xfrm>
+            <a:off x="1471447" y="5515189"/>
+            <a:ext cx="8660524" cy="0"/>
+          </a:xfrm>
+          <a:prstGeom prst="line">
+            <a:avLst/>
+          </a:prstGeom>
+        </p:spPr>
+        <p:style>
+          <a:lnRef idx="1">
+            <a:schemeClr val="accent1"/>
+          </a:lnRef>
+          <a:fillRef idx="0">
+            <a:schemeClr val="accent1"/>
+          </a:fillRef>
+          <a:effectRef idx="0">
+            <a:schemeClr val="accent1"/>
+          </a:effectRef>
+          <a:fontRef idx="minor">
+            <a:schemeClr val="tx1"/>
+          </a:fontRef>
+        </p:style>
+      </p:cxnSp>
+      <p:cxnSp>
+        <p:nvCxnSpPr>
+          <p:cNvPr id="22" name="Straight Connector 21">
+            <a:extLst>
+              <a:ext uri="{FF2B5EF4-FFF2-40B4-BE49-F238E27FC236}">
+                <a16:creationId xmlns:a16="http://schemas.microsoft.com/office/drawing/2014/main" id="{64DD1843-06A1-5648-8045-1DAE5EC77740}"/>
+              </a:ext>
+            </a:extLst>
+          </p:cNvPr>
+          <p:cNvCxnSpPr>
+            <a:cxnSpLocks/>
+          </p:cNvCxnSpPr>
+          <p:nvPr/>
+        </p:nvCxnSpPr>
+        <p:spPr>
+          <a:xfrm>
+            <a:off x="1471447" y="5314179"/>
+            <a:ext cx="0" cy="402021"/>
+          </a:xfrm>
+          <a:prstGeom prst="line">
+            <a:avLst/>
+          </a:prstGeom>
+        </p:spPr>
+        <p:style>
+          <a:lnRef idx="1">
+            <a:schemeClr val="accent1"/>
+          </a:lnRef>
+          <a:fillRef idx="0">
+            <a:schemeClr val="accent1"/>
+          </a:fillRef>
+          <a:effectRef idx="0">
+            <a:schemeClr val="accent1"/>
+          </a:effectRef>
+          <a:fontRef idx="minor">
+            <a:schemeClr val="tx1"/>
+          </a:fontRef>
+        </p:style>
+      </p:cxnSp>
+      <p:cxnSp>
+        <p:nvCxnSpPr>
+          <p:cNvPr id="23" name="Straight Connector 22">
+            <a:extLst>
+              <a:ext uri="{FF2B5EF4-FFF2-40B4-BE49-F238E27FC236}">
+                <a16:creationId xmlns:a16="http://schemas.microsoft.com/office/drawing/2014/main" id="{3D12BC56-676C-0748-9CC0-2D90538DECBA}"/>
+              </a:ext>
+            </a:extLst>
+          </p:cNvPr>
+          <p:cNvCxnSpPr>
+            <a:cxnSpLocks/>
+          </p:cNvCxnSpPr>
+          <p:nvPr/>
+        </p:nvCxnSpPr>
+        <p:spPr>
+          <a:xfrm>
+            <a:off x="3636578" y="5314179"/>
+            <a:ext cx="0" cy="402021"/>
+          </a:xfrm>
+          <a:prstGeom prst="line">
+            <a:avLst/>
+          </a:prstGeom>
+        </p:spPr>
+        <p:style>
+          <a:lnRef idx="1">
+            <a:schemeClr val="accent1"/>
+          </a:lnRef>
+          <a:fillRef idx="0">
+            <a:schemeClr val="accent1"/>
+          </a:fillRef>
+          <a:effectRef idx="0">
+            <a:schemeClr val="accent1"/>
+          </a:effectRef>
+          <a:fontRef idx="minor">
+            <a:schemeClr val="tx1"/>
+          </a:fontRef>
+        </p:style>
+      </p:cxnSp>
+      <p:cxnSp>
+        <p:nvCxnSpPr>
+          <p:cNvPr id="24" name="Straight Connector 23">
+            <a:extLst>
+              <a:ext uri="{FF2B5EF4-FFF2-40B4-BE49-F238E27FC236}">
+                <a16:creationId xmlns:a16="http://schemas.microsoft.com/office/drawing/2014/main" id="{5D617DA8-B63B-E648-9EAC-E60327860FA8}"/>
+              </a:ext>
+            </a:extLst>
+          </p:cNvPr>
+          <p:cNvCxnSpPr>
+            <a:cxnSpLocks/>
+          </p:cNvCxnSpPr>
+          <p:nvPr/>
+        </p:nvCxnSpPr>
+        <p:spPr>
+          <a:xfrm>
+            <a:off x="5801709" y="5314179"/>
+            <a:ext cx="0" cy="402021"/>
+          </a:xfrm>
+          <a:prstGeom prst="line">
+            <a:avLst/>
+          </a:prstGeom>
+        </p:spPr>
+        <p:style>
+          <a:lnRef idx="1">
+            <a:schemeClr val="accent1"/>
+          </a:lnRef>
+          <a:fillRef idx="0">
+            <a:schemeClr val="accent1"/>
+          </a:fillRef>
+          <a:effectRef idx="0">
+            <a:schemeClr val="accent1"/>
+          </a:effectRef>
+          <a:fontRef idx="minor">
+            <a:schemeClr val="tx1"/>
+          </a:fontRef>
+        </p:style>
+      </p:cxnSp>
+      <p:cxnSp>
+        <p:nvCxnSpPr>
+          <p:cNvPr id="25" name="Straight Connector 24">
+            <a:extLst>
+              <a:ext uri="{FF2B5EF4-FFF2-40B4-BE49-F238E27FC236}">
+                <a16:creationId xmlns:a16="http://schemas.microsoft.com/office/drawing/2014/main" id="{F5E32603-DD25-3B4A-B160-FFD97828C5AB}"/>
+              </a:ext>
+            </a:extLst>
+          </p:cNvPr>
+          <p:cNvCxnSpPr>
+            <a:cxnSpLocks/>
+          </p:cNvCxnSpPr>
+          <p:nvPr/>
+        </p:nvCxnSpPr>
+        <p:spPr>
+          <a:xfrm>
+            <a:off x="7966840" y="5314179"/>
+            <a:ext cx="0" cy="402021"/>
+          </a:xfrm>
+          <a:prstGeom prst="line">
+            <a:avLst/>
+          </a:prstGeom>
+        </p:spPr>
+        <p:style>
+          <a:lnRef idx="1">
+            <a:schemeClr val="accent1"/>
+          </a:lnRef>
+          <a:fillRef idx="0">
+            <a:schemeClr val="accent1"/>
+          </a:fillRef>
+          <a:effectRef idx="0">
+            <a:schemeClr val="accent1"/>
+          </a:effectRef>
+          <a:fontRef idx="minor">
+            <a:schemeClr val="tx1"/>
+          </a:fontRef>
+        </p:style>
+      </p:cxnSp>
+      <p:cxnSp>
+        <p:nvCxnSpPr>
+          <p:cNvPr id="26" name="Straight Connector 25">
+            <a:extLst>
+              <a:ext uri="{FF2B5EF4-FFF2-40B4-BE49-F238E27FC236}">
+                <a16:creationId xmlns:a16="http://schemas.microsoft.com/office/drawing/2014/main" id="{55BFEABE-17D8-2445-B757-43ED2F77BC9B}"/>
+              </a:ext>
+            </a:extLst>
+          </p:cNvPr>
+          <p:cNvCxnSpPr>
+            <a:cxnSpLocks/>
+          </p:cNvCxnSpPr>
+          <p:nvPr/>
+        </p:nvCxnSpPr>
+        <p:spPr>
+          <a:xfrm>
+            <a:off x="10131971" y="5314179"/>
+            <a:ext cx="0" cy="402021"/>
+          </a:xfrm>
+          <a:prstGeom prst="line">
+            <a:avLst/>
+          </a:prstGeom>
+        </p:spPr>
+        <p:style>
+          <a:lnRef idx="1">
+            <a:schemeClr val="accent1"/>
+          </a:lnRef>
+          <a:fillRef idx="0">
+            <a:schemeClr val="accent1"/>
+          </a:fillRef>
+          <a:effectRef idx="0">
+            <a:schemeClr val="accent1"/>
+          </a:effectRef>
+          <a:fontRef idx="minor">
+            <a:schemeClr val="tx1"/>
+          </a:fontRef>
+        </p:style>
+      </p:cxnSp>
+      <p:sp>
+        <p:nvSpPr>
+          <p:cNvPr id="31" name="Left Brace 30">
+            <a:extLst>
+              <a:ext uri="{FF2B5EF4-FFF2-40B4-BE49-F238E27FC236}">
+                <a16:creationId xmlns:a16="http://schemas.microsoft.com/office/drawing/2014/main" id="{3A8FAF63-197C-C645-9C6A-15FE2FA8949F}"/>
+              </a:ext>
+            </a:extLst>
+          </p:cNvPr>
+          <p:cNvSpPr/>
+          <p:nvPr/>
+        </p:nvSpPr>
+        <p:spPr>
+          <a:xfrm rot="16200000">
+            <a:off x="4619513" y="4842509"/>
+            <a:ext cx="182843" cy="2055432"/>
+          </a:xfrm>
+          <a:prstGeom prst="leftBrace">
+            <a:avLst/>
+          </a:prstGeom>
+        </p:spPr>
+        <p:style>
+          <a:lnRef idx="1">
+            <a:schemeClr val="accent1"/>
+          </a:lnRef>
+          <a:fillRef idx="0">
+            <a:schemeClr val="accent1"/>
+          </a:fillRef>
+          <a:effectRef idx="0">
+            <a:schemeClr val="accent1"/>
+          </a:effectRef>
+          <a:fontRef idx="minor">
+            <a:schemeClr val="tx1"/>
+          </a:fontRef>
+        </p:style>
+        <p:txBody>
+          <a:bodyPr rtlCol="0" anchor="ctr"/>
+          <a:lstStyle/>
+          <a:p>
+            <a:pPr algn="ctr"/>
+            <a:endParaRPr lang="en-US"/>
+          </a:p>
+        </p:txBody>
+      </p:sp>
+      <p:sp>
+        <p:nvSpPr>
+          <p:cNvPr id="32" name="Left Brace 31">
+            <a:extLst>
+              <a:ext uri="{FF2B5EF4-FFF2-40B4-BE49-F238E27FC236}">
+                <a16:creationId xmlns:a16="http://schemas.microsoft.com/office/drawing/2014/main" id="{40DAB3E6-C3F9-964D-958C-BEB635AE72C9}"/>
+              </a:ext>
+            </a:extLst>
+          </p:cNvPr>
+          <p:cNvSpPr/>
+          <p:nvPr/>
+        </p:nvSpPr>
+        <p:spPr>
+          <a:xfrm rot="16200000">
+            <a:off x="2449782" y="4842509"/>
+            <a:ext cx="182843" cy="2055432"/>
+          </a:xfrm>
+          <a:prstGeom prst="leftBrace">
+            <a:avLst/>
+          </a:prstGeom>
+        </p:spPr>
+        <p:style>
+          <a:lnRef idx="1">
+            <a:schemeClr val="accent1"/>
+          </a:lnRef>
+          <a:fillRef idx="0">
+            <a:schemeClr val="accent1"/>
+          </a:fillRef>
+          <a:effectRef idx="0">
+            <a:schemeClr val="accent1"/>
+          </a:effectRef>
+          <a:fontRef idx="minor">
+            <a:schemeClr val="tx1"/>
+          </a:fontRef>
+        </p:style>
+        <p:txBody>
+          <a:bodyPr rtlCol="0" anchor="ctr"/>
+          <a:lstStyle/>
+          <a:p>
+            <a:pPr algn="ctr"/>
+            <a:endParaRPr lang="en-US"/>
+          </a:p>
+        </p:txBody>
+      </p:sp>
+      <p:sp>
+        <p:nvSpPr>
+          <p:cNvPr id="34" name="TextBox 33">
+            <a:extLst>
+              <a:ext uri="{FF2B5EF4-FFF2-40B4-BE49-F238E27FC236}">
+                <a16:creationId xmlns:a16="http://schemas.microsoft.com/office/drawing/2014/main" id="{54525AB4-ECE4-F946-9E24-FDC920BA4850}"/>
+              </a:ext>
+            </a:extLst>
+          </p:cNvPr>
+          <p:cNvSpPr txBox="1"/>
+          <p:nvPr/>
+        </p:nvSpPr>
+        <p:spPr>
+          <a:xfrm>
+            <a:off x="2293883" y="5961647"/>
+            <a:ext cx="2664373" cy="276999"/>
+          </a:xfrm>
+          <a:prstGeom prst="rect">
+            <a:avLst/>
+          </a:prstGeom>
+          <a:noFill/>
+        </p:spPr>
+        <p:txBody>
+          <a:bodyPr wrap="square" rtlCol="0">
+            <a:spAutoFit/>
+          </a:bodyPr>
+          <a:lstStyle/>
+          <a:p>
+            <a:pPr algn="ctr"/>
+            <a:r>
+              <a:rPr lang="en-US" sz="1200" dirty="0">
+                <a:solidFill>
+                  <a:schemeClr val="accent6"/>
+                </a:solidFill>
+              </a:rPr>
+              <a:t>same distance</a:t>
+            </a:r>
+          </a:p>
+        </p:txBody>
+      </p:sp>
+      <p:sp>
+        <p:nvSpPr>
+          <p:cNvPr id="35" name="TextBox 34">
+            <a:extLst>
+              <a:ext uri="{FF2B5EF4-FFF2-40B4-BE49-F238E27FC236}">
+                <a16:creationId xmlns:a16="http://schemas.microsoft.com/office/drawing/2014/main" id="{5DFBAE2D-1C9A-E14F-B4CE-2543897B4DC8}"/>
+              </a:ext>
+            </a:extLst>
+          </p:cNvPr>
+          <p:cNvSpPr txBox="1"/>
+          <p:nvPr/>
+        </p:nvSpPr>
+        <p:spPr>
+          <a:xfrm>
+            <a:off x="793531" y="4760507"/>
+            <a:ext cx="1355831" cy="461665"/>
+          </a:xfrm>
+          <a:prstGeom prst="rect">
+            <a:avLst/>
+          </a:prstGeom>
+          <a:noFill/>
+        </p:spPr>
+        <p:txBody>
+          <a:bodyPr wrap="square" rtlCol="0">
+            <a:spAutoFit/>
+          </a:bodyPr>
+          <a:lstStyle/>
+          <a:p>
+            <a:pPr algn="ctr"/>
+            <a:r>
+              <a:rPr lang="en-US" sz="1200" dirty="0"/>
+              <a:t>Not Satisfied</a:t>
+            </a:r>
+          </a:p>
+          <a:p>
+            <a:pPr algn="ctr"/>
+            <a:r>
+              <a:rPr lang="en-US" sz="1200" dirty="0"/>
+              <a:t>1</a:t>
+            </a:r>
+          </a:p>
+        </p:txBody>
+      </p:sp>
+      <p:sp>
+        <p:nvSpPr>
+          <p:cNvPr id="36" name="TextBox 35">
+            <a:extLst>
+              <a:ext uri="{FF2B5EF4-FFF2-40B4-BE49-F238E27FC236}">
+                <a16:creationId xmlns:a16="http://schemas.microsoft.com/office/drawing/2014/main" id="{333CB4DB-FE24-C242-8EF2-EB4BB7F397D3}"/>
+              </a:ext>
+            </a:extLst>
+          </p:cNvPr>
+          <p:cNvSpPr txBox="1"/>
+          <p:nvPr/>
+        </p:nvSpPr>
+        <p:spPr>
+          <a:xfrm>
+            <a:off x="5123793" y="4945173"/>
+            <a:ext cx="1355831" cy="276999"/>
+          </a:xfrm>
+          <a:prstGeom prst="rect">
+            <a:avLst/>
+          </a:prstGeom>
+          <a:noFill/>
+        </p:spPr>
+        <p:txBody>
+          <a:bodyPr wrap="square" rtlCol="0">
+            <a:spAutoFit/>
+          </a:bodyPr>
+          <a:lstStyle/>
+          <a:p>
+            <a:pPr algn="ctr"/>
+            <a:r>
+              <a:rPr lang="en-US" sz="1200" dirty="0"/>
+              <a:t>3</a:t>
+            </a:r>
+          </a:p>
+        </p:txBody>
+      </p:sp>
+      <p:sp>
+        <p:nvSpPr>
+          <p:cNvPr id="37" name="TextBox 36">
+            <a:extLst>
+              <a:ext uri="{FF2B5EF4-FFF2-40B4-BE49-F238E27FC236}">
+                <a16:creationId xmlns:a16="http://schemas.microsoft.com/office/drawing/2014/main" id="{84C5E143-CE29-2943-8376-9FC3C010EE1D}"/>
+              </a:ext>
+            </a:extLst>
+          </p:cNvPr>
+          <p:cNvSpPr txBox="1"/>
+          <p:nvPr/>
+        </p:nvSpPr>
+        <p:spPr>
+          <a:xfrm>
+            <a:off x="7288924" y="4945173"/>
+            <a:ext cx="1355831" cy="276999"/>
+          </a:xfrm>
+          <a:prstGeom prst="rect">
+            <a:avLst/>
+          </a:prstGeom>
+          <a:noFill/>
+        </p:spPr>
+        <p:txBody>
+          <a:bodyPr wrap="square" rtlCol="0">
+            <a:spAutoFit/>
+          </a:bodyPr>
+          <a:lstStyle/>
+          <a:p>
+            <a:pPr algn="ctr"/>
+            <a:r>
+              <a:rPr lang="en-US" sz="1200" dirty="0"/>
+              <a:t>4</a:t>
+            </a:r>
+          </a:p>
+        </p:txBody>
+      </p:sp>
+      <p:sp>
+        <p:nvSpPr>
+          <p:cNvPr id="38" name="TextBox 37">
+            <a:extLst>
+              <a:ext uri="{FF2B5EF4-FFF2-40B4-BE49-F238E27FC236}">
+                <a16:creationId xmlns:a16="http://schemas.microsoft.com/office/drawing/2014/main" id="{0518877B-27C8-014B-9712-99CD7CC8F601}"/>
+              </a:ext>
+            </a:extLst>
+          </p:cNvPr>
+          <p:cNvSpPr txBox="1"/>
+          <p:nvPr/>
+        </p:nvSpPr>
+        <p:spPr>
+          <a:xfrm>
+            <a:off x="9454055" y="4760507"/>
+            <a:ext cx="1355831" cy="461665"/>
+          </a:xfrm>
+          <a:prstGeom prst="rect">
+            <a:avLst/>
+          </a:prstGeom>
+          <a:noFill/>
+        </p:spPr>
+        <p:txBody>
+          <a:bodyPr wrap="square" rtlCol="0">
+            <a:spAutoFit/>
+          </a:bodyPr>
+          <a:lstStyle/>
+          <a:p>
+            <a:pPr algn="ctr"/>
+            <a:r>
+              <a:rPr lang="en-US" sz="1200" dirty="0"/>
+              <a:t>Satisfied</a:t>
+            </a:r>
+          </a:p>
+          <a:p>
+            <a:pPr algn="ctr"/>
+            <a:r>
+              <a:rPr lang="en-US" sz="1200" dirty="0"/>
+              <a:t>5</a:t>
+            </a:r>
+          </a:p>
+        </p:txBody>
+      </p:sp>
+      <p:sp>
+        <p:nvSpPr>
+          <p:cNvPr id="39" name="TextBox 38">
+            <a:extLst>
+              <a:ext uri="{FF2B5EF4-FFF2-40B4-BE49-F238E27FC236}">
+                <a16:creationId xmlns:a16="http://schemas.microsoft.com/office/drawing/2014/main" id="{572794AD-4AFE-9247-8DBF-5DAF6A76A998}"/>
+              </a:ext>
+            </a:extLst>
+          </p:cNvPr>
+          <p:cNvSpPr txBox="1"/>
+          <p:nvPr/>
+        </p:nvSpPr>
+        <p:spPr>
+          <a:xfrm>
+            <a:off x="2958662" y="4945173"/>
+            <a:ext cx="1355831" cy="276999"/>
+          </a:xfrm>
+          <a:prstGeom prst="rect">
+            <a:avLst/>
+          </a:prstGeom>
+          <a:noFill/>
+        </p:spPr>
+        <p:txBody>
+          <a:bodyPr wrap="square" rtlCol="0">
+            <a:spAutoFit/>
+          </a:bodyPr>
+          <a:lstStyle/>
+          <a:p>
+            <a:pPr algn="ctr"/>
+            <a:r>
+              <a:rPr lang="en-US" sz="1200" dirty="0"/>
+              <a:t>2</a:t>
+            </a:r>
+          </a:p>
+        </p:txBody>
+      </p:sp>
+      <p:sp>
+        <p:nvSpPr>
+          <p:cNvPr id="42" name="TextBox 41">
+            <a:extLst>
+              <a:ext uri="{FF2B5EF4-FFF2-40B4-BE49-F238E27FC236}">
+                <a16:creationId xmlns:a16="http://schemas.microsoft.com/office/drawing/2014/main" id="{AFB859B9-9031-5F43-BFAD-86CCE5078529}"/>
+              </a:ext>
+            </a:extLst>
+          </p:cNvPr>
+          <p:cNvSpPr txBox="1"/>
+          <p:nvPr/>
+        </p:nvSpPr>
+        <p:spPr>
+          <a:xfrm>
+            <a:off x="1185371" y="2487329"/>
+            <a:ext cx="1355831" cy="461665"/>
+          </a:xfrm>
+          <a:prstGeom prst="rect">
+            <a:avLst/>
+          </a:prstGeom>
+          <a:noFill/>
+        </p:spPr>
+        <p:txBody>
+          <a:bodyPr wrap="square" rtlCol="0">
+            <a:spAutoFit/>
+          </a:bodyPr>
+          <a:lstStyle/>
+          <a:p>
+            <a:pPr algn="ctr"/>
+            <a:r>
+              <a:rPr lang="en-US" sz="2400" b="1" u="sng" dirty="0"/>
+              <a:t>Ordinal</a:t>
+            </a:r>
+            <a:endParaRPr lang="en-US" sz="1200" b="1" dirty="0"/>
+          </a:p>
+        </p:txBody>
+      </p:sp>
+      <p:sp>
+        <p:nvSpPr>
+          <p:cNvPr id="43" name="TextBox 42">
+            <a:extLst>
+              <a:ext uri="{FF2B5EF4-FFF2-40B4-BE49-F238E27FC236}">
+                <a16:creationId xmlns:a16="http://schemas.microsoft.com/office/drawing/2014/main" id="{4AB6E28B-D3A7-7542-9E8B-AF0E31FBF618}"/>
+              </a:ext>
+            </a:extLst>
+          </p:cNvPr>
+          <p:cNvSpPr txBox="1"/>
+          <p:nvPr/>
+        </p:nvSpPr>
+        <p:spPr>
+          <a:xfrm>
+            <a:off x="1185371" y="4311118"/>
+            <a:ext cx="1355831" cy="461665"/>
+          </a:xfrm>
+          <a:prstGeom prst="rect">
+            <a:avLst/>
+          </a:prstGeom>
+          <a:noFill/>
+        </p:spPr>
+        <p:txBody>
+          <a:bodyPr wrap="square" rtlCol="0">
+            <a:spAutoFit/>
+          </a:bodyPr>
+          <a:lstStyle/>
+          <a:p>
+            <a:pPr algn="ctr"/>
+            <a:r>
+              <a:rPr lang="en-US" sz="2400" b="1" u="sng" dirty="0"/>
+              <a:t>Interval</a:t>
+            </a:r>
+          </a:p>
+        </p:txBody>
+      </p:sp>
+      <p:sp>
+        <p:nvSpPr>
+          <p:cNvPr id="45" name="TextBox 44">
+            <a:extLst>
+              <a:ext uri="{FF2B5EF4-FFF2-40B4-BE49-F238E27FC236}">
+                <a16:creationId xmlns:a16="http://schemas.microsoft.com/office/drawing/2014/main" id="{41B3FD7F-58A2-E74A-81B5-9DD863ADF178}"/>
+              </a:ext>
+            </a:extLst>
+          </p:cNvPr>
+          <p:cNvSpPr txBox="1"/>
+          <p:nvPr/>
+        </p:nvSpPr>
+        <p:spPr>
+          <a:xfrm>
+            <a:off x="2298774" y="4367245"/>
+            <a:ext cx="3291799" cy="369332"/>
+          </a:xfrm>
+          <a:prstGeom prst="rect">
+            <a:avLst/>
+          </a:prstGeom>
+          <a:noFill/>
+        </p:spPr>
+        <p:txBody>
+          <a:bodyPr wrap="none" rtlCol="0">
+            <a:spAutoFit/>
+          </a:bodyPr>
+          <a:lstStyle/>
+          <a:p>
+            <a:r>
+              <a:rPr lang="en-US" dirty="0"/>
+              <a:t> - Implies Choices Are Equidistant</a:t>
+            </a:r>
+          </a:p>
+        </p:txBody>
+      </p:sp>
+      <p:sp>
+        <p:nvSpPr>
+          <p:cNvPr id="47" name="TextBox 46">
+            <a:extLst>
+              <a:ext uri="{FF2B5EF4-FFF2-40B4-BE49-F238E27FC236}">
+                <a16:creationId xmlns:a16="http://schemas.microsoft.com/office/drawing/2014/main" id="{2D61D9E3-5E65-F44F-A721-5E7F42AE3697}"/>
+              </a:ext>
+            </a:extLst>
+          </p:cNvPr>
+          <p:cNvSpPr txBox="1"/>
+          <p:nvPr/>
+        </p:nvSpPr>
+        <p:spPr>
+          <a:xfrm>
+            <a:off x="718005" y="1834724"/>
+            <a:ext cx="10755989" cy="707886"/>
+          </a:xfrm>
+          <a:prstGeom prst="rect">
+            <a:avLst/>
+          </a:prstGeom>
+          <a:noFill/>
+        </p:spPr>
+        <p:txBody>
+          <a:bodyPr wrap="square" rtlCol="0">
+            <a:spAutoFit/>
+          </a:bodyPr>
+          <a:lstStyle/>
+          <a:p>
+            <a:pPr algn="ctr"/>
+            <a:r>
+              <a:rPr lang="en-US" sz="4000" dirty="0"/>
+              <a:t>How Do You Feel About Your Experience? </a:t>
+            </a:r>
+          </a:p>
+        </p:txBody>
+      </p:sp>
+      <p:grpSp>
+        <p:nvGrpSpPr>
+          <p:cNvPr id="3" name="Group 2">
+            <a:extLst>
+              <a:ext uri="{FF2B5EF4-FFF2-40B4-BE49-F238E27FC236}">
+                <a16:creationId xmlns:a16="http://schemas.microsoft.com/office/drawing/2014/main" id="{1F867EB9-72F6-F746-A6DD-B5E204840BA3}"/>
+              </a:ext>
+            </a:extLst>
+          </p:cNvPr>
+          <p:cNvGrpSpPr/>
+          <p:nvPr/>
+        </p:nvGrpSpPr>
+        <p:grpSpPr>
+          <a:xfrm>
+            <a:off x="788277" y="2873005"/>
+            <a:ext cx="10021608" cy="1493628"/>
+            <a:chOff x="788277" y="2873005"/>
+            <a:chExt cx="10021608" cy="1493628"/>
+          </a:xfrm>
+        </p:grpSpPr>
+        <p:cxnSp>
+          <p:nvCxnSpPr>
+            <p:cNvPr id="5" name="Straight Connector 4">
+              <a:extLst>
+                <a:ext uri="{FF2B5EF4-FFF2-40B4-BE49-F238E27FC236}">
+                  <a16:creationId xmlns:a16="http://schemas.microsoft.com/office/drawing/2014/main" id="{9B43F118-1A79-2A40-81D1-2BC2C9E2F659}"/>
+                </a:ext>
+              </a:extLst>
+            </p:cNvPr>
+            <p:cNvCxnSpPr>
+              <a:cxnSpLocks/>
+            </p:cNvCxnSpPr>
+            <p:nvPr/>
+          </p:nvCxnSpPr>
+          <p:spPr>
+            <a:xfrm>
+              <a:off x="1471448" y="3622119"/>
+              <a:ext cx="8660524" cy="0"/>
+            </a:xfrm>
+            <a:prstGeom prst="line">
+              <a:avLst/>
+            </a:prstGeom>
+          </p:spPr>
+          <p:style>
+            <a:lnRef idx="1">
+              <a:schemeClr val="accent1"/>
+            </a:lnRef>
+            <a:fillRef idx="0">
+              <a:schemeClr val="accent1"/>
+            </a:fillRef>
+            <a:effectRef idx="0">
+              <a:schemeClr val="accent1"/>
+            </a:effectRef>
+            <a:fontRef idx="minor">
+              <a:schemeClr val="tx1"/>
+            </a:fontRef>
+          </p:style>
+        </p:cxnSp>
+        <p:cxnSp>
+          <p:nvCxnSpPr>
+            <p:cNvPr id="8" name="Straight Connector 7">
+              <a:extLst>
+                <a:ext uri="{FF2B5EF4-FFF2-40B4-BE49-F238E27FC236}">
+                  <a16:creationId xmlns:a16="http://schemas.microsoft.com/office/drawing/2014/main" id="{E5A2FEB1-01DF-B64C-AE36-689B31B3E5AC}"/>
+                </a:ext>
+              </a:extLst>
+            </p:cNvPr>
+            <p:cNvCxnSpPr>
+              <a:cxnSpLocks/>
+            </p:cNvCxnSpPr>
+            <p:nvPr/>
+          </p:nvCxnSpPr>
+          <p:spPr>
+            <a:xfrm>
+              <a:off x="1471448" y="3421109"/>
+              <a:ext cx="0" cy="402021"/>
+            </a:xfrm>
+            <a:prstGeom prst="line">
+              <a:avLst/>
+            </a:prstGeom>
+          </p:spPr>
+          <p:style>
+            <a:lnRef idx="1">
+              <a:schemeClr val="accent1"/>
+            </a:lnRef>
+            <a:fillRef idx="0">
+              <a:schemeClr val="accent1"/>
+            </a:fillRef>
+            <a:effectRef idx="0">
+              <a:schemeClr val="accent1"/>
+            </a:effectRef>
+            <a:fontRef idx="minor">
+              <a:schemeClr val="tx1"/>
+            </a:fontRef>
+          </p:style>
+        </p:cxnSp>
+        <p:cxnSp>
+          <p:nvCxnSpPr>
+            <p:cNvPr id="9" name="Straight Connector 8">
+              <a:extLst>
+                <a:ext uri="{FF2B5EF4-FFF2-40B4-BE49-F238E27FC236}">
+                  <a16:creationId xmlns:a16="http://schemas.microsoft.com/office/drawing/2014/main" id="{40F8FD00-1AC9-9640-88C4-3E3F5FAC179F}"/>
+                </a:ext>
+              </a:extLst>
+            </p:cNvPr>
+            <p:cNvCxnSpPr>
+              <a:cxnSpLocks/>
+            </p:cNvCxnSpPr>
+            <p:nvPr/>
+          </p:nvCxnSpPr>
+          <p:spPr>
+            <a:xfrm>
+              <a:off x="4315810" y="3421109"/>
+              <a:ext cx="0" cy="402021"/>
+            </a:xfrm>
+            <a:prstGeom prst="line">
+              <a:avLst/>
+            </a:prstGeom>
+          </p:spPr>
+          <p:style>
+            <a:lnRef idx="1">
+              <a:schemeClr val="accent1"/>
+            </a:lnRef>
+            <a:fillRef idx="0">
+              <a:schemeClr val="accent1"/>
+            </a:fillRef>
+            <a:effectRef idx="0">
+              <a:schemeClr val="accent1"/>
+            </a:effectRef>
+            <a:fontRef idx="minor">
+              <a:schemeClr val="tx1"/>
+            </a:fontRef>
+          </p:style>
+        </p:cxnSp>
+        <p:cxnSp>
+          <p:nvCxnSpPr>
+            <p:cNvPr id="10" name="Straight Connector 9">
+              <a:extLst>
+                <a:ext uri="{FF2B5EF4-FFF2-40B4-BE49-F238E27FC236}">
+                  <a16:creationId xmlns:a16="http://schemas.microsoft.com/office/drawing/2014/main" id="{BF5228C0-3978-2640-8BF9-E95C9D21D5F9}"/>
+                </a:ext>
+              </a:extLst>
+            </p:cNvPr>
+            <p:cNvCxnSpPr>
+              <a:cxnSpLocks/>
+            </p:cNvCxnSpPr>
+            <p:nvPr/>
+          </p:nvCxnSpPr>
+          <p:spPr>
+            <a:xfrm>
+              <a:off x="5801710" y="3421109"/>
+              <a:ext cx="0" cy="402021"/>
+            </a:xfrm>
+            <a:prstGeom prst="line">
+              <a:avLst/>
+            </a:prstGeom>
+          </p:spPr>
+          <p:style>
+            <a:lnRef idx="1">
+              <a:schemeClr val="accent1"/>
+            </a:lnRef>
+            <a:fillRef idx="0">
+              <a:schemeClr val="accent1"/>
+            </a:fillRef>
+            <a:effectRef idx="0">
+              <a:schemeClr val="accent1"/>
+            </a:effectRef>
+            <a:fontRef idx="minor">
+              <a:schemeClr val="tx1"/>
+            </a:fontRef>
+          </p:style>
+        </p:cxnSp>
+        <p:cxnSp>
+          <p:nvCxnSpPr>
+            <p:cNvPr id="11" name="Straight Connector 10">
+              <a:extLst>
+                <a:ext uri="{FF2B5EF4-FFF2-40B4-BE49-F238E27FC236}">
+                  <a16:creationId xmlns:a16="http://schemas.microsoft.com/office/drawing/2014/main" id="{5F21B786-EA99-9944-9EEF-BF3098B40676}"/>
+                </a:ext>
+              </a:extLst>
+            </p:cNvPr>
+            <p:cNvCxnSpPr>
+              <a:cxnSpLocks/>
+            </p:cNvCxnSpPr>
+            <p:nvPr/>
+          </p:nvCxnSpPr>
+          <p:spPr>
+            <a:xfrm>
+              <a:off x="7291551" y="3421109"/>
+              <a:ext cx="0" cy="402021"/>
+            </a:xfrm>
+            <a:prstGeom prst="line">
+              <a:avLst/>
+            </a:prstGeom>
+          </p:spPr>
+          <p:style>
+            <a:lnRef idx="1">
+              <a:schemeClr val="accent1"/>
+            </a:lnRef>
+            <a:fillRef idx="0">
+              <a:schemeClr val="accent1"/>
+            </a:fillRef>
+            <a:effectRef idx="0">
+              <a:schemeClr val="accent1"/>
+            </a:effectRef>
+            <a:fontRef idx="minor">
+              <a:schemeClr val="tx1"/>
+            </a:fontRef>
+          </p:style>
+        </p:cxnSp>
+        <p:cxnSp>
+          <p:nvCxnSpPr>
+            <p:cNvPr id="12" name="Straight Connector 11">
+              <a:extLst>
+                <a:ext uri="{FF2B5EF4-FFF2-40B4-BE49-F238E27FC236}">
+                  <a16:creationId xmlns:a16="http://schemas.microsoft.com/office/drawing/2014/main" id="{69BAB62A-477A-B242-B8A3-14F9823F5927}"/>
+                </a:ext>
+              </a:extLst>
+            </p:cNvPr>
+            <p:cNvCxnSpPr>
+              <a:cxnSpLocks/>
+            </p:cNvCxnSpPr>
+            <p:nvPr/>
+          </p:nvCxnSpPr>
+          <p:spPr>
+            <a:xfrm>
+              <a:off x="10131972" y="3421109"/>
+              <a:ext cx="0" cy="402021"/>
+            </a:xfrm>
+            <a:prstGeom prst="line">
+              <a:avLst/>
+            </a:prstGeom>
+          </p:spPr>
+          <p:style>
+            <a:lnRef idx="1">
+              <a:schemeClr val="accent1"/>
+            </a:lnRef>
+            <a:fillRef idx="0">
+              <a:schemeClr val="accent1"/>
+            </a:fillRef>
+            <a:effectRef idx="0">
+              <a:schemeClr val="accent1"/>
+            </a:effectRef>
+            <a:fontRef idx="minor">
+              <a:schemeClr val="tx1"/>
+            </a:fontRef>
+          </p:style>
+        </p:cxnSp>
+        <p:sp>
+          <p:nvSpPr>
+            <p:cNvPr id="13" name="TextBox 12">
+              <a:extLst>
+                <a:ext uri="{FF2B5EF4-FFF2-40B4-BE49-F238E27FC236}">
+                  <a16:creationId xmlns:a16="http://schemas.microsoft.com/office/drawing/2014/main" id="{87EC3B8E-6CA7-FF4E-B28A-ADB9E32C32B5}"/>
+                </a:ext>
+              </a:extLst>
+            </p:cNvPr>
+            <p:cNvSpPr txBox="1"/>
+            <p:nvPr/>
+          </p:nvSpPr>
+          <p:spPr>
+            <a:xfrm>
+              <a:off x="788277" y="2965338"/>
+              <a:ext cx="1355831" cy="276999"/>
+            </a:xfrm>
+            <a:prstGeom prst="rect">
+              <a:avLst/>
+            </a:prstGeom>
+            <a:noFill/>
+          </p:spPr>
+          <p:txBody>
+            <a:bodyPr wrap="square" rtlCol="0">
+              <a:spAutoFit/>
+            </a:bodyPr>
+            <a:lstStyle/>
+            <a:p>
+              <a:pPr algn="ctr"/>
+              <a:r>
+                <a:rPr lang="en-US" sz="1200" dirty="0"/>
+                <a:t>Not Satisfied</a:t>
+              </a:r>
+            </a:p>
+          </p:txBody>
+        </p:sp>
+        <p:sp>
+          <p:nvSpPr>
+            <p:cNvPr id="14" name="TextBox 13">
+              <a:extLst>
+                <a:ext uri="{FF2B5EF4-FFF2-40B4-BE49-F238E27FC236}">
+                  <a16:creationId xmlns:a16="http://schemas.microsoft.com/office/drawing/2014/main" id="{E391855C-BC1B-F248-9C07-ABA273BD8E63}"/>
+                </a:ext>
+              </a:extLst>
+            </p:cNvPr>
+            <p:cNvSpPr txBox="1"/>
+            <p:nvPr/>
+          </p:nvSpPr>
+          <p:spPr>
+            <a:xfrm>
+              <a:off x="5121167" y="2965338"/>
+              <a:ext cx="1355831" cy="276999"/>
+            </a:xfrm>
+            <a:prstGeom prst="rect">
+              <a:avLst/>
+            </a:prstGeom>
+            <a:noFill/>
+          </p:spPr>
+          <p:txBody>
+            <a:bodyPr wrap="square" rtlCol="0">
+              <a:spAutoFit/>
+            </a:bodyPr>
+            <a:lstStyle/>
+            <a:p>
+              <a:pPr algn="ctr"/>
+              <a:r>
+                <a:rPr lang="en-US" sz="1200" dirty="0"/>
+                <a:t>Neutral</a:t>
+              </a:r>
+            </a:p>
+          </p:txBody>
+        </p:sp>
+        <p:sp>
+          <p:nvSpPr>
+            <p:cNvPr id="15" name="TextBox 14">
+              <a:extLst>
+                <a:ext uri="{FF2B5EF4-FFF2-40B4-BE49-F238E27FC236}">
+                  <a16:creationId xmlns:a16="http://schemas.microsoft.com/office/drawing/2014/main" id="{9ECDACB8-21AE-3D4D-8A13-05677060CE0C}"/>
+                </a:ext>
+              </a:extLst>
+            </p:cNvPr>
+            <p:cNvSpPr txBox="1"/>
+            <p:nvPr/>
+          </p:nvSpPr>
+          <p:spPr>
+            <a:xfrm>
+              <a:off x="6611008" y="2873005"/>
+              <a:ext cx="1355831" cy="461665"/>
+            </a:xfrm>
+            <a:prstGeom prst="rect">
+              <a:avLst/>
+            </a:prstGeom>
+            <a:noFill/>
+          </p:spPr>
+          <p:txBody>
+            <a:bodyPr wrap="square" rtlCol="0">
+              <a:spAutoFit/>
+            </a:bodyPr>
+            <a:lstStyle/>
+            <a:p>
+              <a:pPr algn="ctr"/>
+              <a:r>
+                <a:rPr lang="en-US" sz="1200" dirty="0"/>
+                <a:t>Somewhat Satisfied</a:t>
+              </a:r>
+            </a:p>
+          </p:txBody>
+        </p:sp>
+        <p:sp>
+          <p:nvSpPr>
+            <p:cNvPr id="16" name="TextBox 15">
+              <a:extLst>
+                <a:ext uri="{FF2B5EF4-FFF2-40B4-BE49-F238E27FC236}">
+                  <a16:creationId xmlns:a16="http://schemas.microsoft.com/office/drawing/2014/main" id="{443CC023-AD16-4942-B9ED-D6EC021A7E63}"/>
+                </a:ext>
+              </a:extLst>
+            </p:cNvPr>
+            <p:cNvSpPr txBox="1"/>
+            <p:nvPr/>
+          </p:nvSpPr>
+          <p:spPr>
+            <a:xfrm>
+              <a:off x="9454054" y="2965338"/>
+              <a:ext cx="1355831" cy="276999"/>
+            </a:xfrm>
+            <a:prstGeom prst="rect">
+              <a:avLst/>
+            </a:prstGeom>
+            <a:noFill/>
+          </p:spPr>
+          <p:txBody>
+            <a:bodyPr wrap="square" rtlCol="0">
+              <a:spAutoFit/>
+            </a:bodyPr>
+            <a:lstStyle/>
+            <a:p>
+              <a:pPr algn="ctr"/>
+              <a:r>
+                <a:rPr lang="en-US" sz="1200" dirty="0"/>
+                <a:t>Satisfied</a:t>
+              </a:r>
+            </a:p>
+          </p:txBody>
+        </p:sp>
+        <p:sp>
+          <p:nvSpPr>
+            <p:cNvPr id="17" name="TextBox 16">
+              <a:extLst>
+                <a:ext uri="{FF2B5EF4-FFF2-40B4-BE49-F238E27FC236}">
+                  <a16:creationId xmlns:a16="http://schemas.microsoft.com/office/drawing/2014/main" id="{0F2D1AF0-2181-AF45-AB45-1E065D3F2E84}"/>
+                </a:ext>
+              </a:extLst>
+            </p:cNvPr>
+            <p:cNvSpPr txBox="1"/>
+            <p:nvPr/>
+          </p:nvSpPr>
+          <p:spPr>
+            <a:xfrm>
+              <a:off x="3699644" y="2873005"/>
+              <a:ext cx="1355831" cy="461665"/>
+            </a:xfrm>
+            <a:prstGeom prst="rect">
+              <a:avLst/>
+            </a:prstGeom>
+            <a:noFill/>
+          </p:spPr>
+          <p:txBody>
+            <a:bodyPr wrap="square" rtlCol="0">
+              <a:spAutoFit/>
+            </a:bodyPr>
+            <a:lstStyle/>
+            <a:p>
+              <a:pPr algn="ctr"/>
+              <a:r>
+                <a:rPr lang="en-US" sz="1200" dirty="0"/>
+                <a:t>Somewhat Not Satisfied</a:t>
+              </a:r>
+            </a:p>
+          </p:txBody>
+        </p:sp>
+        <p:sp>
+          <p:nvSpPr>
+            <p:cNvPr id="29" name="Left Brace 28">
+              <a:extLst>
+                <a:ext uri="{FF2B5EF4-FFF2-40B4-BE49-F238E27FC236}">
+                  <a16:creationId xmlns:a16="http://schemas.microsoft.com/office/drawing/2014/main" id="{4FABBCB4-A37E-DE4B-9D9E-BAC796BE3647}"/>
+                </a:ext>
+              </a:extLst>
+            </p:cNvPr>
+            <p:cNvSpPr/>
+            <p:nvPr/>
+          </p:nvSpPr>
+          <p:spPr>
+            <a:xfrm rot="16200000">
+              <a:off x="2783138" y="2626595"/>
+              <a:ext cx="182880" cy="2743200"/>
+            </a:xfrm>
+            <a:prstGeom prst="leftBrace">
+              <a:avLst/>
+            </a:prstGeom>
+          </p:spPr>
+          <p:style>
+            <a:lnRef idx="1">
+              <a:schemeClr val="accent1"/>
+            </a:lnRef>
+            <a:fillRef idx="0">
+              <a:schemeClr val="accent1"/>
+            </a:fillRef>
+            <a:effectRef idx="0">
+              <a:schemeClr val="accent1"/>
+            </a:effectRef>
+            <a:fontRef idx="minor">
+              <a:schemeClr val="tx1"/>
+            </a:fontRef>
+          </p:style>
+          <p:txBody>
+            <a:bodyPr rtlCol="0" anchor="ctr"/>
+            <a:lstStyle/>
+            <a:p>
+              <a:pPr algn="ctr"/>
+              <a:endParaRPr lang="en-US"/>
+            </a:p>
+          </p:txBody>
+        </p:sp>
+        <p:sp>
+          <p:nvSpPr>
+            <p:cNvPr id="30" name="Left Brace 29">
+              <a:extLst>
+                <a:ext uri="{FF2B5EF4-FFF2-40B4-BE49-F238E27FC236}">
+                  <a16:creationId xmlns:a16="http://schemas.microsoft.com/office/drawing/2014/main" id="{992C5AF0-A7BA-5445-9EF1-9EA573A648B4}"/>
+                </a:ext>
+              </a:extLst>
+            </p:cNvPr>
+            <p:cNvSpPr/>
+            <p:nvPr/>
+          </p:nvSpPr>
+          <p:spPr>
+            <a:xfrm rot="16200000">
+              <a:off x="4972577" y="3313050"/>
+              <a:ext cx="182880" cy="1370288"/>
+            </a:xfrm>
+            <a:prstGeom prst="leftBrace">
+              <a:avLst/>
+            </a:prstGeom>
+          </p:spPr>
+          <p:style>
+            <a:lnRef idx="1">
+              <a:schemeClr val="accent1"/>
+            </a:lnRef>
+            <a:fillRef idx="0">
+              <a:schemeClr val="accent1"/>
+            </a:fillRef>
+            <a:effectRef idx="0">
+              <a:schemeClr val="accent1"/>
+            </a:effectRef>
+            <a:fontRef idx="minor">
+              <a:schemeClr val="tx1"/>
+            </a:fontRef>
+          </p:style>
+          <p:txBody>
+            <a:bodyPr rtlCol="0" anchor="ctr"/>
+            <a:lstStyle/>
+            <a:p>
+              <a:pPr algn="ctr"/>
+              <a:endParaRPr lang="en-US"/>
+            </a:p>
+          </p:txBody>
+        </p:sp>
+        <p:sp>
+          <p:nvSpPr>
+            <p:cNvPr id="33" name="TextBox 32">
+              <a:extLst>
+                <a:ext uri="{FF2B5EF4-FFF2-40B4-BE49-F238E27FC236}">
+                  <a16:creationId xmlns:a16="http://schemas.microsoft.com/office/drawing/2014/main" id="{BDD37A57-D1CA-F34D-8442-A340696D95C4}"/>
+                </a:ext>
+              </a:extLst>
+            </p:cNvPr>
+            <p:cNvSpPr txBox="1"/>
+            <p:nvPr/>
+          </p:nvSpPr>
+          <p:spPr>
+            <a:xfrm>
+              <a:off x="2913991" y="4089634"/>
+              <a:ext cx="2664373" cy="276999"/>
+            </a:xfrm>
+            <a:prstGeom prst="rect">
+              <a:avLst/>
+            </a:prstGeom>
+            <a:noFill/>
+          </p:spPr>
+          <p:txBody>
+            <a:bodyPr wrap="square" rtlCol="0">
+              <a:spAutoFit/>
+            </a:bodyPr>
+            <a:lstStyle/>
+            <a:p>
+              <a:pPr algn="ctr"/>
+              <a:r>
+                <a:rPr lang="en-US" sz="1200" dirty="0">
+                  <a:solidFill>
+                    <a:srgbClr val="FF0000"/>
+                  </a:solidFill>
+                </a:rPr>
+                <a:t>not the same distance</a:t>
+              </a:r>
+            </a:p>
+          </p:txBody>
+        </p:sp>
+        <p:sp>
+          <p:nvSpPr>
+            <p:cNvPr id="4" name="Oval 3">
+              <a:extLst>
+                <a:ext uri="{FF2B5EF4-FFF2-40B4-BE49-F238E27FC236}">
+                  <a16:creationId xmlns:a16="http://schemas.microsoft.com/office/drawing/2014/main" id="{9D143BB6-C706-4741-BBA6-8543C7ED8247}"/>
+                </a:ext>
+              </a:extLst>
+            </p:cNvPr>
+            <p:cNvSpPr/>
+            <p:nvPr/>
+          </p:nvSpPr>
+          <p:spPr>
+            <a:xfrm>
+              <a:off x="1408384" y="3299199"/>
+              <a:ext cx="136636" cy="137160"/>
+            </a:xfrm>
+            <a:prstGeom prst="ellipse">
+              <a:avLst/>
+            </a:prstGeom>
+            <a:noFill/>
+            <a:ln w="38100"/>
+          </p:spPr>
+          <p:style>
+            <a:lnRef idx="2">
+              <a:schemeClr val="accent1">
+                <a:shade val="50000"/>
+              </a:schemeClr>
+            </a:lnRef>
+            <a:fillRef idx="1">
+              <a:schemeClr val="accent1"/>
+            </a:fillRef>
+            <a:effectRef idx="0">
+              <a:schemeClr val="accent1"/>
+            </a:effectRef>
+            <a:fontRef idx="minor">
+              <a:schemeClr val="lt1"/>
+            </a:fontRef>
+          </p:style>
+          <p:txBody>
+            <a:bodyPr rtlCol="0" anchor="ctr"/>
+            <a:lstStyle/>
+            <a:p>
+              <a:pPr algn="ctr"/>
+              <a:endParaRPr lang="en-US"/>
+            </a:p>
+          </p:txBody>
+        </p:sp>
+        <p:sp>
+          <p:nvSpPr>
+            <p:cNvPr id="40" name="Oval 39">
+              <a:extLst>
+                <a:ext uri="{FF2B5EF4-FFF2-40B4-BE49-F238E27FC236}">
+                  <a16:creationId xmlns:a16="http://schemas.microsoft.com/office/drawing/2014/main" id="{C2ACBB61-9BE1-3E48-B752-916F355AF77B}"/>
+                </a:ext>
+              </a:extLst>
+            </p:cNvPr>
+            <p:cNvSpPr/>
+            <p:nvPr/>
+          </p:nvSpPr>
+          <p:spPr>
+            <a:xfrm>
+              <a:off x="4256687" y="3299199"/>
+              <a:ext cx="136636" cy="137160"/>
+            </a:xfrm>
+            <a:prstGeom prst="ellipse">
+              <a:avLst/>
+            </a:prstGeom>
+            <a:noFill/>
+            <a:ln w="38100"/>
+          </p:spPr>
+          <p:style>
+            <a:lnRef idx="2">
+              <a:schemeClr val="accent1">
+                <a:shade val="50000"/>
+              </a:schemeClr>
+            </a:lnRef>
+            <a:fillRef idx="1">
+              <a:schemeClr val="accent1"/>
+            </a:fillRef>
+            <a:effectRef idx="0">
+              <a:schemeClr val="accent1"/>
+            </a:effectRef>
+            <a:fontRef idx="minor">
+              <a:schemeClr val="lt1"/>
+            </a:fontRef>
+          </p:style>
+          <p:txBody>
+            <a:bodyPr rtlCol="0" anchor="ctr"/>
+            <a:lstStyle/>
+            <a:p>
+              <a:pPr algn="ctr"/>
+              <a:endParaRPr lang="en-US"/>
+            </a:p>
+          </p:txBody>
+        </p:sp>
+        <p:sp>
+          <p:nvSpPr>
+            <p:cNvPr id="41" name="Oval 40">
+              <a:extLst>
+                <a:ext uri="{FF2B5EF4-FFF2-40B4-BE49-F238E27FC236}">
+                  <a16:creationId xmlns:a16="http://schemas.microsoft.com/office/drawing/2014/main" id="{4A8FBDD8-1CD0-FD44-8DE7-470F011BDD31}"/>
+                </a:ext>
+              </a:extLst>
+            </p:cNvPr>
+            <p:cNvSpPr/>
+            <p:nvPr/>
+          </p:nvSpPr>
+          <p:spPr>
+            <a:xfrm>
+              <a:off x="5739962" y="3299199"/>
+              <a:ext cx="136636" cy="137160"/>
+            </a:xfrm>
+            <a:prstGeom prst="ellipse">
+              <a:avLst/>
+            </a:prstGeom>
+            <a:noFill/>
+            <a:ln w="38100"/>
+          </p:spPr>
+          <p:style>
+            <a:lnRef idx="2">
+              <a:schemeClr val="accent1">
+                <a:shade val="50000"/>
+              </a:schemeClr>
+            </a:lnRef>
+            <a:fillRef idx="1">
+              <a:schemeClr val="accent1"/>
+            </a:fillRef>
+            <a:effectRef idx="0">
+              <a:schemeClr val="accent1"/>
+            </a:effectRef>
+            <a:fontRef idx="minor">
+              <a:schemeClr val="lt1"/>
+            </a:fontRef>
+          </p:style>
+          <p:txBody>
+            <a:bodyPr rtlCol="0" anchor="ctr"/>
+            <a:lstStyle/>
+            <a:p>
+              <a:pPr algn="ctr"/>
+              <a:endParaRPr lang="en-US"/>
+            </a:p>
+          </p:txBody>
+        </p:sp>
+        <p:sp>
+          <p:nvSpPr>
+            <p:cNvPr id="44" name="Oval 43">
+              <a:extLst>
+                <a:ext uri="{FF2B5EF4-FFF2-40B4-BE49-F238E27FC236}">
+                  <a16:creationId xmlns:a16="http://schemas.microsoft.com/office/drawing/2014/main" id="{B6F17ED3-BF0E-1A40-BC17-C4816D9F1BEA}"/>
+                </a:ext>
+              </a:extLst>
+            </p:cNvPr>
+            <p:cNvSpPr/>
+            <p:nvPr/>
+          </p:nvSpPr>
+          <p:spPr>
+            <a:xfrm>
+              <a:off x="7227174" y="3299199"/>
+              <a:ext cx="136636" cy="137160"/>
+            </a:xfrm>
+            <a:prstGeom prst="ellipse">
+              <a:avLst/>
+            </a:prstGeom>
+            <a:noFill/>
+            <a:ln w="38100"/>
+          </p:spPr>
+          <p:style>
+            <a:lnRef idx="2">
+              <a:schemeClr val="accent1">
+                <a:shade val="50000"/>
+              </a:schemeClr>
+            </a:lnRef>
+            <a:fillRef idx="1">
+              <a:schemeClr val="accent1"/>
+            </a:fillRef>
+            <a:effectRef idx="0">
+              <a:schemeClr val="accent1"/>
+            </a:effectRef>
+            <a:fontRef idx="minor">
+              <a:schemeClr val="lt1"/>
+            </a:fontRef>
+          </p:style>
+          <p:txBody>
+            <a:bodyPr rtlCol="0" anchor="ctr"/>
+            <a:lstStyle/>
+            <a:p>
+              <a:pPr algn="ctr"/>
+              <a:endParaRPr lang="en-US"/>
+            </a:p>
+          </p:txBody>
+        </p:sp>
+        <p:sp>
+          <p:nvSpPr>
+            <p:cNvPr id="46" name="Oval 45">
+              <a:extLst>
+                <a:ext uri="{FF2B5EF4-FFF2-40B4-BE49-F238E27FC236}">
+                  <a16:creationId xmlns:a16="http://schemas.microsoft.com/office/drawing/2014/main" id="{6154C7D8-B3C2-794E-B9AB-2C41A90C6B55}"/>
+                </a:ext>
+              </a:extLst>
+            </p:cNvPr>
+            <p:cNvSpPr/>
+            <p:nvPr/>
+          </p:nvSpPr>
+          <p:spPr>
+            <a:xfrm>
+              <a:off x="10074161" y="3299199"/>
+              <a:ext cx="136636" cy="137160"/>
+            </a:xfrm>
+            <a:prstGeom prst="ellipse">
+              <a:avLst/>
+            </a:prstGeom>
+            <a:noFill/>
+            <a:ln w="38100"/>
+          </p:spPr>
+          <p:style>
+            <a:lnRef idx="2">
+              <a:schemeClr val="accent1">
+                <a:shade val="50000"/>
+              </a:schemeClr>
+            </a:lnRef>
+            <a:fillRef idx="1">
+              <a:schemeClr val="accent1"/>
+            </a:fillRef>
+            <a:effectRef idx="0">
+              <a:schemeClr val="accent1"/>
+            </a:effectRef>
+            <a:fontRef idx="minor">
+              <a:schemeClr val="lt1"/>
+            </a:fontRef>
+          </p:style>
+          <p:txBody>
+            <a:bodyPr rtlCol="0" anchor="ctr"/>
+            <a:lstStyle/>
+            <a:p>
+              <a:pPr algn="ctr"/>
+              <a:endParaRPr lang="en-US"/>
+            </a:p>
+          </p:txBody>
+        </p:sp>
+      </p:grpSp>
+      <p:sp>
+        <p:nvSpPr>
+          <p:cNvPr id="48" name="Oval 47">
+            <a:extLst>
+              <a:ext uri="{FF2B5EF4-FFF2-40B4-BE49-F238E27FC236}">
+                <a16:creationId xmlns:a16="http://schemas.microsoft.com/office/drawing/2014/main" id="{7EA28760-62B7-B848-A728-E15C2AAC6E01}"/>
+              </a:ext>
+            </a:extLst>
+          </p:cNvPr>
+          <p:cNvSpPr/>
+          <p:nvPr/>
+        </p:nvSpPr>
+        <p:spPr>
+          <a:xfrm>
+            <a:off x="1408384" y="5194791"/>
+            <a:ext cx="136636" cy="137160"/>
+          </a:xfrm>
+          <a:prstGeom prst="ellipse">
+            <a:avLst/>
+          </a:prstGeom>
+          <a:noFill/>
+          <a:ln w="38100"/>
+        </p:spPr>
+        <p:style>
+          <a:lnRef idx="2">
+            <a:schemeClr val="accent1">
+              <a:shade val="50000"/>
+            </a:schemeClr>
+          </a:lnRef>
+          <a:fillRef idx="1">
+            <a:schemeClr val="accent1"/>
+          </a:fillRef>
+          <a:effectRef idx="0">
+            <a:schemeClr val="accent1"/>
+          </a:effectRef>
+          <a:fontRef idx="minor">
+            <a:schemeClr val="lt1"/>
+          </a:fontRef>
+        </p:style>
+        <p:txBody>
+          <a:bodyPr rtlCol="0" anchor="ctr"/>
+          <a:lstStyle/>
+          <a:p>
+            <a:pPr algn="ctr"/>
+            <a:endParaRPr lang="en-US"/>
+          </a:p>
+        </p:txBody>
+      </p:sp>
+      <p:sp>
+        <p:nvSpPr>
+          <p:cNvPr id="49" name="Oval 48">
+            <a:extLst>
+              <a:ext uri="{FF2B5EF4-FFF2-40B4-BE49-F238E27FC236}">
+                <a16:creationId xmlns:a16="http://schemas.microsoft.com/office/drawing/2014/main" id="{F08DA1C3-3C73-4143-A334-B9533B96BEA1}"/>
+              </a:ext>
+            </a:extLst>
+          </p:cNvPr>
+          <p:cNvSpPr/>
+          <p:nvPr/>
+        </p:nvSpPr>
+        <p:spPr>
+          <a:xfrm>
+            <a:off x="3573516" y="5194791"/>
+            <a:ext cx="136636" cy="137160"/>
+          </a:xfrm>
+          <a:prstGeom prst="ellipse">
+            <a:avLst/>
+          </a:prstGeom>
+          <a:noFill/>
+          <a:ln w="38100"/>
+        </p:spPr>
+        <p:style>
+          <a:lnRef idx="2">
+            <a:schemeClr val="accent1">
+              <a:shade val="50000"/>
+            </a:schemeClr>
+          </a:lnRef>
+          <a:fillRef idx="1">
+            <a:schemeClr val="accent1"/>
+          </a:fillRef>
+          <a:effectRef idx="0">
+            <a:schemeClr val="accent1"/>
+          </a:effectRef>
+          <a:fontRef idx="minor">
+            <a:schemeClr val="lt1"/>
+          </a:fontRef>
+        </p:style>
+        <p:txBody>
+          <a:bodyPr rtlCol="0" anchor="ctr"/>
+          <a:lstStyle/>
+          <a:p>
+            <a:pPr algn="ctr"/>
+            <a:endParaRPr lang="en-US"/>
+          </a:p>
+        </p:txBody>
+      </p:sp>
+      <p:sp>
+        <p:nvSpPr>
+          <p:cNvPr id="50" name="Oval 49">
+            <a:extLst>
+              <a:ext uri="{FF2B5EF4-FFF2-40B4-BE49-F238E27FC236}">
+                <a16:creationId xmlns:a16="http://schemas.microsoft.com/office/drawing/2014/main" id="{311BC7CF-64B7-344A-9E81-242131149B11}"/>
+              </a:ext>
+            </a:extLst>
+          </p:cNvPr>
+          <p:cNvSpPr/>
+          <p:nvPr/>
+        </p:nvSpPr>
+        <p:spPr>
+          <a:xfrm>
+            <a:off x="5739962" y="5194791"/>
+            <a:ext cx="136636" cy="137160"/>
+          </a:xfrm>
+          <a:prstGeom prst="ellipse">
+            <a:avLst/>
+          </a:prstGeom>
+          <a:noFill/>
+          <a:ln w="38100"/>
+        </p:spPr>
+        <p:style>
+          <a:lnRef idx="2">
+            <a:schemeClr val="accent1">
+              <a:shade val="50000"/>
+            </a:schemeClr>
+          </a:lnRef>
+          <a:fillRef idx="1">
+            <a:schemeClr val="accent1"/>
+          </a:fillRef>
+          <a:effectRef idx="0">
+            <a:schemeClr val="accent1"/>
+          </a:effectRef>
+          <a:fontRef idx="minor">
+            <a:schemeClr val="lt1"/>
+          </a:fontRef>
+        </p:style>
+        <p:txBody>
+          <a:bodyPr rtlCol="0" anchor="ctr"/>
+          <a:lstStyle/>
+          <a:p>
+            <a:pPr algn="ctr"/>
+            <a:endParaRPr lang="en-US"/>
+          </a:p>
+        </p:txBody>
+      </p:sp>
+      <p:sp>
+        <p:nvSpPr>
+          <p:cNvPr id="51" name="Oval 50">
+            <a:extLst>
+              <a:ext uri="{FF2B5EF4-FFF2-40B4-BE49-F238E27FC236}">
+                <a16:creationId xmlns:a16="http://schemas.microsoft.com/office/drawing/2014/main" id="{19B4AAC7-B371-7A44-83D5-3156D7D9B26A}"/>
+              </a:ext>
+            </a:extLst>
+          </p:cNvPr>
+          <p:cNvSpPr/>
+          <p:nvPr/>
+        </p:nvSpPr>
+        <p:spPr>
+          <a:xfrm>
+            <a:off x="7899837" y="5194791"/>
+            <a:ext cx="136636" cy="137160"/>
+          </a:xfrm>
+          <a:prstGeom prst="ellipse">
+            <a:avLst/>
+          </a:prstGeom>
+          <a:noFill/>
+          <a:ln w="38100"/>
+        </p:spPr>
+        <p:style>
+          <a:lnRef idx="2">
+            <a:schemeClr val="accent1">
+              <a:shade val="50000"/>
+            </a:schemeClr>
+          </a:lnRef>
+          <a:fillRef idx="1">
+            <a:schemeClr val="accent1"/>
+          </a:fillRef>
+          <a:effectRef idx="0">
+            <a:schemeClr val="accent1"/>
+          </a:effectRef>
+          <a:fontRef idx="minor">
+            <a:schemeClr val="lt1"/>
+          </a:fontRef>
+        </p:style>
+        <p:txBody>
+          <a:bodyPr rtlCol="0" anchor="ctr"/>
+          <a:lstStyle/>
+          <a:p>
+            <a:pPr algn="ctr"/>
+            <a:endParaRPr lang="en-US"/>
+          </a:p>
+        </p:txBody>
+      </p:sp>
+      <p:sp>
+        <p:nvSpPr>
+          <p:cNvPr id="52" name="Oval 51">
+            <a:extLst>
+              <a:ext uri="{FF2B5EF4-FFF2-40B4-BE49-F238E27FC236}">
+                <a16:creationId xmlns:a16="http://schemas.microsoft.com/office/drawing/2014/main" id="{3A8D0C61-017E-634F-B768-780174DBE986}"/>
+              </a:ext>
+            </a:extLst>
+          </p:cNvPr>
+          <p:cNvSpPr/>
+          <p:nvPr/>
+        </p:nvSpPr>
+        <p:spPr>
+          <a:xfrm>
+            <a:off x="10074161" y="5194791"/>
+            <a:ext cx="136636" cy="137160"/>
+          </a:xfrm>
+          <a:prstGeom prst="ellipse">
+            <a:avLst/>
+          </a:prstGeom>
+          <a:noFill/>
+          <a:ln w="38100"/>
+        </p:spPr>
+        <p:style>
+          <a:lnRef idx="2">
+            <a:schemeClr val="accent1">
+              <a:shade val="50000"/>
+            </a:schemeClr>
+          </a:lnRef>
+          <a:fillRef idx="1">
+            <a:schemeClr val="accent1"/>
+          </a:fillRef>
+          <a:effectRef idx="0">
+            <a:schemeClr val="accent1"/>
+          </a:effectRef>
+          <a:fontRef idx="minor">
+            <a:schemeClr val="lt1"/>
+          </a:fontRef>
+        </p:style>
+        <p:txBody>
+          <a:bodyPr rtlCol="0" anchor="ctr"/>
+          <a:lstStyle/>
+          <a:p>
+            <a:pPr algn="ctr"/>
+            <a:endParaRPr lang="en-US"/>
+          </a:p>
+        </p:txBody>
+      </p:sp>
+    </p:spTree>
+    <p:extLst>
+      <p:ext uri="{BB962C8B-B14F-4D97-AF65-F5344CB8AC3E}">
+        <p14:creationId xmlns:p14="http://schemas.microsoft.com/office/powerpoint/2010/main" val="2200130152"/>
+      </p:ext>
+    </p:extLst>
+  </p:cSld>
+  <p:clrMapOvr>
+    <a:masterClrMapping/>
+  </p:clrMapOvr>
+</p:sld>
+</file>
+
+<file path=ppt/slides/slide9.xml><?xml version="1.0" encoding="utf-8"?>
+<p:sld xmlns:a="http://schemas.openxmlformats.org/drawingml/2006/main" xmlns:r="http://schemas.openxmlformats.org/officeDocument/2006/relationships" xmlns:p="http://schemas.openxmlformats.org/presentationml/2006/main">
+  <p:cSld>
+    <p:spTree>
+      <p:nvGrpSpPr>
+        <p:cNvPr id="1" name=""/>
+        <p:cNvGrpSpPr/>
+        <p:nvPr/>
+      </p:nvGrpSpPr>
+      <p:grpSpPr>
+        <a:xfrm>
+          <a:off x="0" y="0"/>
+          <a:ext cx="0" cy="0"/>
+          <a:chOff x="0" y="0"/>
+          <a:chExt cx="0" cy="0"/>
+        </a:xfrm>
+      </p:grpSpPr>
+      <p:cxnSp>
+        <p:nvCxnSpPr>
+          <p:cNvPr id="21" name="Straight Connector 20">
+            <a:extLst>
+              <a:ext uri="{FF2B5EF4-FFF2-40B4-BE49-F238E27FC236}">
+                <a16:creationId xmlns:a16="http://schemas.microsoft.com/office/drawing/2014/main" id="{2BFDE813-13EF-8C45-8CD7-66F49E226065}"/>
+              </a:ext>
+            </a:extLst>
+          </p:cNvPr>
+          <p:cNvCxnSpPr>
+            <a:cxnSpLocks/>
+          </p:cNvCxnSpPr>
+          <p:nvPr/>
+        </p:nvCxnSpPr>
+        <p:spPr>
+          <a:xfrm>
+            <a:off x="1471447" y="5504679"/>
+            <a:ext cx="8660524" cy="0"/>
+          </a:xfrm>
+          <a:prstGeom prst="line">
+            <a:avLst/>
+          </a:prstGeom>
+        </p:spPr>
+        <p:style>
+          <a:lnRef idx="1">
+            <a:schemeClr val="accent1"/>
+          </a:lnRef>
+          <a:fillRef idx="0">
+            <a:schemeClr val="accent1"/>
+          </a:fillRef>
+          <a:effectRef idx="0">
+            <a:schemeClr val="accent1"/>
+          </a:effectRef>
+          <a:fontRef idx="minor">
+            <a:schemeClr val="tx1"/>
+          </a:fontRef>
+        </p:style>
+      </p:cxnSp>
+      <p:cxnSp>
+        <p:nvCxnSpPr>
+          <p:cNvPr id="22" name="Straight Connector 21">
+            <a:extLst>
+              <a:ext uri="{FF2B5EF4-FFF2-40B4-BE49-F238E27FC236}">
+                <a16:creationId xmlns:a16="http://schemas.microsoft.com/office/drawing/2014/main" id="{64DD1843-06A1-5648-8045-1DAE5EC77740}"/>
+              </a:ext>
+            </a:extLst>
+          </p:cNvPr>
+          <p:cNvCxnSpPr>
+            <a:cxnSpLocks/>
+          </p:cNvCxnSpPr>
+          <p:nvPr/>
+        </p:nvCxnSpPr>
+        <p:spPr>
+          <a:xfrm>
+            <a:off x="1471447" y="5314179"/>
+            <a:ext cx="0" cy="182880"/>
+          </a:xfrm>
+          <a:prstGeom prst="line">
+            <a:avLst/>
+          </a:prstGeom>
+        </p:spPr>
+        <p:style>
+          <a:lnRef idx="1">
+            <a:schemeClr val="accent1"/>
+          </a:lnRef>
+          <a:fillRef idx="0">
+            <a:schemeClr val="accent1"/>
+          </a:fillRef>
+          <a:effectRef idx="0">
+            <a:schemeClr val="accent1"/>
+          </a:effectRef>
+          <a:fontRef idx="minor">
+            <a:schemeClr val="tx1"/>
+          </a:fontRef>
+        </p:style>
+      </p:cxnSp>
+      <p:cxnSp>
+        <p:nvCxnSpPr>
+          <p:cNvPr id="23" name="Straight Connector 22">
+            <a:extLst>
+              <a:ext uri="{FF2B5EF4-FFF2-40B4-BE49-F238E27FC236}">
+                <a16:creationId xmlns:a16="http://schemas.microsoft.com/office/drawing/2014/main" id="{3D12BC56-676C-0748-9CC0-2D90538DECBA}"/>
+              </a:ext>
+            </a:extLst>
+          </p:cNvPr>
+          <p:cNvCxnSpPr>
+            <a:cxnSpLocks/>
+          </p:cNvCxnSpPr>
+          <p:nvPr/>
+        </p:nvCxnSpPr>
+        <p:spPr>
+          <a:xfrm>
+            <a:off x="3636578" y="5314179"/>
+            <a:ext cx="0" cy="182880"/>
+          </a:xfrm>
+          <a:prstGeom prst="line">
+            <a:avLst/>
+          </a:prstGeom>
+        </p:spPr>
+        <p:style>
+          <a:lnRef idx="1">
+            <a:schemeClr val="accent1"/>
+          </a:lnRef>
+          <a:fillRef idx="0">
+            <a:schemeClr val="accent1"/>
+          </a:fillRef>
+          <a:effectRef idx="0">
+            <a:schemeClr val="accent1"/>
+          </a:effectRef>
+          <a:fontRef idx="minor">
+            <a:schemeClr val="tx1"/>
+          </a:fontRef>
+        </p:style>
+      </p:cxnSp>
+      <p:cxnSp>
+        <p:nvCxnSpPr>
+          <p:cNvPr id="24" name="Straight Connector 23">
+            <a:extLst>
+              <a:ext uri="{FF2B5EF4-FFF2-40B4-BE49-F238E27FC236}">
+                <a16:creationId xmlns:a16="http://schemas.microsoft.com/office/drawing/2014/main" id="{5D617DA8-B63B-E648-9EAC-E60327860FA8}"/>
+              </a:ext>
+            </a:extLst>
+          </p:cNvPr>
+          <p:cNvCxnSpPr>
+            <a:cxnSpLocks/>
+          </p:cNvCxnSpPr>
+          <p:nvPr/>
+        </p:nvCxnSpPr>
+        <p:spPr>
+          <a:xfrm>
+            <a:off x="5801709" y="5314179"/>
+            <a:ext cx="0" cy="182880"/>
+          </a:xfrm>
+          <a:prstGeom prst="line">
+            <a:avLst/>
+          </a:prstGeom>
+        </p:spPr>
+        <p:style>
+          <a:lnRef idx="1">
+            <a:schemeClr val="accent1"/>
+          </a:lnRef>
+          <a:fillRef idx="0">
+            <a:schemeClr val="accent1"/>
+          </a:fillRef>
+          <a:effectRef idx="0">
+            <a:schemeClr val="accent1"/>
+          </a:effectRef>
+          <a:fontRef idx="minor">
+            <a:schemeClr val="tx1"/>
+          </a:fontRef>
+        </p:style>
+      </p:cxnSp>
+      <p:cxnSp>
+        <p:nvCxnSpPr>
+          <p:cNvPr id="25" name="Straight Connector 24">
+            <a:extLst>
+              <a:ext uri="{FF2B5EF4-FFF2-40B4-BE49-F238E27FC236}">
+                <a16:creationId xmlns:a16="http://schemas.microsoft.com/office/drawing/2014/main" id="{F5E32603-DD25-3B4A-B160-FFD97828C5AB}"/>
+              </a:ext>
+            </a:extLst>
+          </p:cNvPr>
+          <p:cNvCxnSpPr>
+            <a:cxnSpLocks/>
+          </p:cNvCxnSpPr>
+          <p:nvPr/>
+        </p:nvCxnSpPr>
+        <p:spPr>
+          <a:xfrm>
+            <a:off x="7966840" y="5314179"/>
+            <a:ext cx="0" cy="182880"/>
+          </a:xfrm>
+          <a:prstGeom prst="line">
+            <a:avLst/>
+          </a:prstGeom>
+        </p:spPr>
+        <p:style>
+          <a:lnRef idx="1">
+            <a:schemeClr val="accent1"/>
+          </a:lnRef>
+          <a:fillRef idx="0">
+            <a:schemeClr val="accent1"/>
+          </a:fillRef>
+          <a:effectRef idx="0">
+            <a:schemeClr val="accent1"/>
+          </a:effectRef>
+          <a:fontRef idx="minor">
+            <a:schemeClr val="tx1"/>
+          </a:fontRef>
+        </p:style>
+      </p:cxnSp>
+      <p:cxnSp>
+        <p:nvCxnSpPr>
+          <p:cNvPr id="26" name="Straight Connector 25">
+            <a:extLst>
+              <a:ext uri="{FF2B5EF4-FFF2-40B4-BE49-F238E27FC236}">
+                <a16:creationId xmlns:a16="http://schemas.microsoft.com/office/drawing/2014/main" id="{55BFEABE-17D8-2445-B757-43ED2F77BC9B}"/>
+              </a:ext>
+            </a:extLst>
+          </p:cNvPr>
+          <p:cNvCxnSpPr>
+            <a:cxnSpLocks/>
+          </p:cNvCxnSpPr>
+          <p:nvPr/>
+        </p:nvCxnSpPr>
+        <p:spPr>
+          <a:xfrm>
+            <a:off x="10131971" y="5314179"/>
+            <a:ext cx="0" cy="182880"/>
+          </a:xfrm>
+          <a:prstGeom prst="line">
+            <a:avLst/>
+          </a:prstGeom>
+        </p:spPr>
+        <p:style>
+          <a:lnRef idx="1">
+            <a:schemeClr val="accent1"/>
+          </a:lnRef>
+          <a:fillRef idx="0">
+            <a:schemeClr val="accent1"/>
+          </a:fillRef>
+          <a:effectRef idx="0">
+            <a:schemeClr val="accent1"/>
+          </a:effectRef>
+          <a:fontRef idx="minor">
+            <a:schemeClr val="tx1"/>
+          </a:fontRef>
+        </p:style>
+      </p:cxnSp>
+      <p:sp>
+        <p:nvSpPr>
+          <p:cNvPr id="31" name="Left Brace 30">
+            <a:extLst>
+              <a:ext uri="{FF2B5EF4-FFF2-40B4-BE49-F238E27FC236}">
+                <a16:creationId xmlns:a16="http://schemas.microsoft.com/office/drawing/2014/main" id="{3A8FAF63-197C-C645-9C6A-15FE2FA8949F}"/>
+              </a:ext>
+            </a:extLst>
+          </p:cNvPr>
+          <p:cNvSpPr/>
+          <p:nvPr/>
+        </p:nvSpPr>
+        <p:spPr>
+          <a:xfrm rot="16200000">
+            <a:off x="4665214" y="4583412"/>
+            <a:ext cx="91440" cy="2055432"/>
+          </a:xfrm>
+          <a:prstGeom prst="leftBrace">
+            <a:avLst/>
+          </a:prstGeom>
+        </p:spPr>
+        <p:style>
+          <a:lnRef idx="1">
+            <a:schemeClr val="accent1"/>
+          </a:lnRef>
+          <a:fillRef idx="0">
+            <a:schemeClr val="accent1"/>
+          </a:fillRef>
+          <a:effectRef idx="0">
+            <a:schemeClr val="accent1"/>
+          </a:effectRef>
+          <a:fontRef idx="minor">
+            <a:schemeClr val="tx1"/>
+          </a:fontRef>
+        </p:style>
+        <p:txBody>
+          <a:bodyPr rtlCol="0" anchor="ctr"/>
+          <a:lstStyle/>
+          <a:p>
+            <a:pPr algn="ctr"/>
+            <a:endParaRPr lang="en-US"/>
+          </a:p>
+        </p:txBody>
+      </p:sp>
+      <p:sp>
+        <p:nvSpPr>
+          <p:cNvPr id="32" name="Left Brace 31">
+            <a:extLst>
+              <a:ext uri="{FF2B5EF4-FFF2-40B4-BE49-F238E27FC236}">
+                <a16:creationId xmlns:a16="http://schemas.microsoft.com/office/drawing/2014/main" id="{40DAB3E6-C3F9-964D-958C-BEB635AE72C9}"/>
+              </a:ext>
+            </a:extLst>
+          </p:cNvPr>
+          <p:cNvSpPr/>
+          <p:nvPr/>
+        </p:nvSpPr>
+        <p:spPr>
+          <a:xfrm rot="16200000">
+            <a:off x="2495483" y="4583412"/>
+            <a:ext cx="91440" cy="2055432"/>
+          </a:xfrm>
+          <a:prstGeom prst="leftBrace">
+            <a:avLst/>
+          </a:prstGeom>
+        </p:spPr>
+        <p:style>
+          <a:lnRef idx="1">
+            <a:schemeClr val="accent1"/>
+          </a:lnRef>
+          <a:fillRef idx="0">
+            <a:schemeClr val="accent1"/>
+          </a:fillRef>
+          <a:effectRef idx="0">
+            <a:schemeClr val="accent1"/>
+          </a:effectRef>
+          <a:fontRef idx="minor">
+            <a:schemeClr val="tx1"/>
+          </a:fontRef>
+        </p:style>
+        <p:txBody>
+          <a:bodyPr rtlCol="0" anchor="ctr"/>
+          <a:lstStyle/>
+          <a:p>
+            <a:pPr algn="ctr"/>
+            <a:endParaRPr lang="en-US"/>
+          </a:p>
+        </p:txBody>
+      </p:sp>
+      <p:sp>
+        <p:nvSpPr>
+          <p:cNvPr id="34" name="TextBox 33">
+            <a:extLst>
+              <a:ext uri="{FF2B5EF4-FFF2-40B4-BE49-F238E27FC236}">
+                <a16:creationId xmlns:a16="http://schemas.microsoft.com/office/drawing/2014/main" id="{54525AB4-ECE4-F946-9E24-FDC920BA4850}"/>
+              </a:ext>
+            </a:extLst>
+          </p:cNvPr>
+          <p:cNvSpPr txBox="1"/>
+          <p:nvPr/>
+        </p:nvSpPr>
+        <p:spPr>
+          <a:xfrm>
+            <a:off x="2293883" y="5688380"/>
+            <a:ext cx="2664373" cy="246221"/>
+          </a:xfrm>
+          <a:prstGeom prst="rect">
+            <a:avLst/>
+          </a:prstGeom>
+          <a:noFill/>
+        </p:spPr>
+        <p:txBody>
+          <a:bodyPr wrap="square" rtlCol="0">
+            <a:spAutoFit/>
+          </a:bodyPr>
+          <a:lstStyle/>
+          <a:p>
+            <a:pPr algn="ctr"/>
+            <a:r>
+              <a:rPr lang="en-US" sz="1000" dirty="0">
+                <a:solidFill>
+                  <a:schemeClr val="accent6"/>
+                </a:solidFill>
+              </a:rPr>
+              <a:t>same distance</a:t>
+            </a:r>
+          </a:p>
+        </p:txBody>
+      </p:sp>
+      <p:sp>
+        <p:nvSpPr>
+          <p:cNvPr id="35" name="TextBox 34">
+            <a:extLst>
+              <a:ext uri="{FF2B5EF4-FFF2-40B4-BE49-F238E27FC236}">
+                <a16:creationId xmlns:a16="http://schemas.microsoft.com/office/drawing/2014/main" id="{5DFBAE2D-1C9A-E14F-B4CE-2543897B4DC8}"/>
+              </a:ext>
+            </a:extLst>
+          </p:cNvPr>
+          <p:cNvSpPr txBox="1"/>
+          <p:nvPr/>
+        </p:nvSpPr>
+        <p:spPr>
+          <a:xfrm>
+            <a:off x="804041" y="4843082"/>
+            <a:ext cx="1355831" cy="400110"/>
+          </a:xfrm>
+          <a:prstGeom prst="rect">
+            <a:avLst/>
+          </a:prstGeom>
+          <a:noFill/>
+        </p:spPr>
+        <p:txBody>
+          <a:bodyPr wrap="square" rtlCol="0">
+            <a:spAutoFit/>
+          </a:bodyPr>
+          <a:lstStyle/>
+          <a:p>
+            <a:pPr algn="ctr"/>
+            <a:r>
+              <a:rPr lang="en-US" sz="1000" dirty="0"/>
+              <a:t>Not Satisfied</a:t>
+            </a:r>
+          </a:p>
+          <a:p>
+            <a:pPr algn="ctr"/>
+            <a:r>
+              <a:rPr lang="en-US" sz="1000" dirty="0"/>
+              <a:t>1</a:t>
+            </a:r>
+          </a:p>
+        </p:txBody>
+      </p:sp>
+      <p:sp>
+        <p:nvSpPr>
+          <p:cNvPr id="36" name="TextBox 35">
+            <a:extLst>
+              <a:ext uri="{FF2B5EF4-FFF2-40B4-BE49-F238E27FC236}">
+                <a16:creationId xmlns:a16="http://schemas.microsoft.com/office/drawing/2014/main" id="{333CB4DB-FE24-C242-8EF2-EB4BB7F397D3}"/>
+              </a:ext>
+            </a:extLst>
+          </p:cNvPr>
+          <p:cNvSpPr txBox="1"/>
+          <p:nvPr/>
+        </p:nvSpPr>
+        <p:spPr>
+          <a:xfrm>
+            <a:off x="5134303" y="4966193"/>
+            <a:ext cx="1355831" cy="276999"/>
+          </a:xfrm>
+          <a:prstGeom prst="rect">
+            <a:avLst/>
+          </a:prstGeom>
+          <a:noFill/>
+        </p:spPr>
+        <p:txBody>
+          <a:bodyPr wrap="square" rtlCol="0">
+            <a:spAutoFit/>
+          </a:bodyPr>
+          <a:lstStyle/>
+          <a:p>
+            <a:pPr algn="ctr"/>
+            <a:r>
+              <a:rPr lang="en-US" sz="1200" dirty="0"/>
+              <a:t>3</a:t>
+            </a:r>
+          </a:p>
+        </p:txBody>
+      </p:sp>
+      <p:sp>
+        <p:nvSpPr>
+          <p:cNvPr id="37" name="TextBox 36">
+            <a:extLst>
+              <a:ext uri="{FF2B5EF4-FFF2-40B4-BE49-F238E27FC236}">
+                <a16:creationId xmlns:a16="http://schemas.microsoft.com/office/drawing/2014/main" id="{84C5E143-CE29-2943-8376-9FC3C010EE1D}"/>
+              </a:ext>
+            </a:extLst>
+          </p:cNvPr>
+          <p:cNvSpPr txBox="1"/>
+          <p:nvPr/>
+        </p:nvSpPr>
+        <p:spPr>
+          <a:xfrm>
+            <a:off x="7299434" y="4966193"/>
+            <a:ext cx="1355831" cy="276999"/>
+          </a:xfrm>
+          <a:prstGeom prst="rect">
+            <a:avLst/>
+          </a:prstGeom>
+          <a:noFill/>
+        </p:spPr>
+        <p:txBody>
+          <a:bodyPr wrap="square" rtlCol="0">
+            <a:spAutoFit/>
+          </a:bodyPr>
+          <a:lstStyle/>
+          <a:p>
+            <a:pPr algn="ctr"/>
+            <a:r>
+              <a:rPr lang="en-US" sz="1200" dirty="0"/>
+              <a:t>4</a:t>
+            </a:r>
+          </a:p>
+        </p:txBody>
+      </p:sp>
+      <p:sp>
+        <p:nvSpPr>
+          <p:cNvPr id="38" name="TextBox 37">
+            <a:extLst>
+              <a:ext uri="{FF2B5EF4-FFF2-40B4-BE49-F238E27FC236}">
+                <a16:creationId xmlns:a16="http://schemas.microsoft.com/office/drawing/2014/main" id="{0518877B-27C8-014B-9712-99CD7CC8F601}"/>
+              </a:ext>
+            </a:extLst>
+          </p:cNvPr>
+          <p:cNvSpPr txBox="1"/>
+          <p:nvPr/>
+        </p:nvSpPr>
+        <p:spPr>
+          <a:xfrm>
+            <a:off x="9464565" y="4843082"/>
+            <a:ext cx="1355831" cy="400110"/>
+          </a:xfrm>
+          <a:prstGeom prst="rect">
+            <a:avLst/>
+          </a:prstGeom>
+          <a:noFill/>
+        </p:spPr>
+        <p:txBody>
+          <a:bodyPr wrap="square" rtlCol="0">
+            <a:spAutoFit/>
+          </a:bodyPr>
+          <a:lstStyle/>
+          <a:p>
+            <a:pPr algn="ctr"/>
+            <a:r>
+              <a:rPr lang="en-US" sz="1000" dirty="0"/>
+              <a:t>Satisfied</a:t>
+            </a:r>
+          </a:p>
+          <a:p>
+            <a:pPr algn="ctr"/>
+            <a:r>
+              <a:rPr lang="en-US" sz="1000" dirty="0"/>
+              <a:t>5</a:t>
+            </a:r>
+          </a:p>
+        </p:txBody>
+      </p:sp>
+      <p:sp>
+        <p:nvSpPr>
+          <p:cNvPr id="39" name="TextBox 38">
+            <a:extLst>
+              <a:ext uri="{FF2B5EF4-FFF2-40B4-BE49-F238E27FC236}">
+                <a16:creationId xmlns:a16="http://schemas.microsoft.com/office/drawing/2014/main" id="{572794AD-4AFE-9247-8DBF-5DAF6A76A998}"/>
+              </a:ext>
+            </a:extLst>
+          </p:cNvPr>
+          <p:cNvSpPr txBox="1"/>
+          <p:nvPr/>
+        </p:nvSpPr>
+        <p:spPr>
+          <a:xfrm>
+            <a:off x="2969172" y="4966193"/>
+            <a:ext cx="1355831" cy="276999"/>
+          </a:xfrm>
+          <a:prstGeom prst="rect">
+            <a:avLst/>
+          </a:prstGeom>
+          <a:noFill/>
+        </p:spPr>
+        <p:txBody>
+          <a:bodyPr wrap="square" rtlCol="0">
+            <a:spAutoFit/>
+          </a:bodyPr>
+          <a:lstStyle/>
+          <a:p>
+            <a:pPr algn="ctr"/>
+            <a:r>
+              <a:rPr lang="en-US" sz="1200" dirty="0"/>
+              <a:t>2</a:t>
+            </a:r>
+          </a:p>
+        </p:txBody>
+      </p:sp>
+      <p:sp>
+        <p:nvSpPr>
+          <p:cNvPr id="47" name="TextBox 46">
+            <a:extLst>
+              <a:ext uri="{FF2B5EF4-FFF2-40B4-BE49-F238E27FC236}">
+                <a16:creationId xmlns:a16="http://schemas.microsoft.com/office/drawing/2014/main" id="{2D61D9E3-5E65-F44F-A721-5E7F42AE3697}"/>
+              </a:ext>
+            </a:extLst>
+          </p:cNvPr>
+          <p:cNvSpPr txBox="1"/>
+          <p:nvPr/>
+        </p:nvSpPr>
+        <p:spPr>
+          <a:xfrm>
+            <a:off x="733424" y="364383"/>
+            <a:ext cx="10755989" cy="707886"/>
+          </a:xfrm>
+          <a:prstGeom prst="rect">
+            <a:avLst/>
+          </a:prstGeom>
+          <a:noFill/>
+        </p:spPr>
+        <p:txBody>
+          <a:bodyPr wrap="square" rtlCol="0">
+            <a:spAutoFit/>
+          </a:bodyPr>
+          <a:lstStyle/>
+          <a:p>
+            <a:pPr algn="ctr"/>
+            <a:r>
+              <a:rPr lang="en-US" sz="4000" dirty="0"/>
+              <a:t>How Do You Feel About Your Experience? </a:t>
+            </a:r>
+          </a:p>
+        </p:txBody>
+      </p:sp>
       <p:cxnSp>
         <p:nvCxnSpPr>
           <p:cNvPr id="5" name="Straight Connector 4">
@@ -4285,7 +11657,7 @@
         </p:nvCxnSpPr>
         <p:spPr>
           <a:xfrm>
-            <a:off x="1471448" y="3622119"/>
+            <a:off x="1471449" y="2228817"/>
             <a:ext cx="8660524" cy="0"/>
           </a:xfrm>
           <a:prstGeom prst="line">
@@ -4323,8 +11695,8 @@
         </p:nvCxnSpPr>
         <p:spPr>
           <a:xfrm>
-            <a:off x="1471448" y="3421109"/>
-            <a:ext cx="0" cy="402021"/>
+            <a:off x="1471449" y="2038317"/>
+            <a:ext cx="0" cy="182880"/>
           </a:xfrm>
           <a:prstGeom prst="line">
             <a:avLst/>
@@ -4361,8 +11733,8 @@
         </p:nvCxnSpPr>
         <p:spPr>
           <a:xfrm>
-            <a:off x="4315810" y="3421109"/>
-            <a:ext cx="0" cy="402021"/>
+            <a:off x="4315811" y="2038317"/>
+            <a:ext cx="0" cy="182880"/>
           </a:xfrm>
           <a:prstGeom prst="line">
             <a:avLst/>
@@ -4399,8 +11771,8 @@
         </p:nvCxnSpPr>
         <p:spPr>
           <a:xfrm>
-            <a:off x="5801710" y="3421109"/>
-            <a:ext cx="0" cy="402021"/>
+            <a:off x="5801711" y="2038317"/>
+            <a:ext cx="0" cy="182880"/>
           </a:xfrm>
           <a:prstGeom prst="line">
             <a:avLst/>
@@ -4437,8 +11809,8 @@
         </p:nvCxnSpPr>
         <p:spPr>
           <a:xfrm>
-            <a:off x="7291551" y="3421109"/>
-            <a:ext cx="0" cy="402021"/>
+            <a:off x="7291552" y="2038317"/>
+            <a:ext cx="0" cy="182880"/>
           </a:xfrm>
           <a:prstGeom prst="line">
             <a:avLst/>
@@ -4475,8 +11847,8 @@
         </p:nvCxnSpPr>
         <p:spPr>
           <a:xfrm>
-            <a:off x="10131972" y="3421109"/>
-            <a:ext cx="0" cy="402021"/>
+            <a:off x="10131973" y="2038317"/>
+            <a:ext cx="0" cy="182880"/>
           </a:xfrm>
           <a:prstGeom prst="line">
             <a:avLst/>
@@ -4511,8 +11883,8 @@
         </p:nvSpPr>
         <p:spPr>
           <a:xfrm>
-            <a:off x="788277" y="2965338"/>
-            <a:ext cx="1355831" cy="276999"/>
+            <a:off x="798788" y="1708666"/>
+            <a:ext cx="1355831" cy="230832"/>
           </a:xfrm>
           <a:prstGeom prst="rect">
             <a:avLst/>
@@ -4527,7 +11899,7 @@
           <a:p>
             <a:pPr algn="ctr"/>
             <a:r>
-              <a:rPr lang="en-US" sz="1200" dirty="0"/>
+              <a:rPr lang="en-US" sz="900" dirty="0"/>
               <a:t>Not Satisfied</a:t>
             </a:r>
           </a:p>
@@ -4547,8 +11919,8 @@
         </p:nvSpPr>
         <p:spPr>
           <a:xfrm>
-            <a:off x="5121167" y="2965338"/>
-            <a:ext cx="1355831" cy="276999"/>
+            <a:off x="5131678" y="1708666"/>
+            <a:ext cx="1355831" cy="230832"/>
           </a:xfrm>
           <a:prstGeom prst="rect">
             <a:avLst/>
@@ -4563,7 +11935,7 @@
           <a:p>
             <a:pPr algn="ctr"/>
             <a:r>
-              <a:rPr lang="en-US" sz="1200" dirty="0"/>
+              <a:rPr lang="en-US" sz="900" dirty="0"/>
               <a:t>Neutral</a:t>
             </a:r>
           </a:p>
@@ -4583,8 +11955,8 @@
         </p:nvSpPr>
         <p:spPr>
           <a:xfrm>
-            <a:off x="6611008" y="2873005"/>
-            <a:ext cx="1355831" cy="461665"/>
+            <a:off x="6621519" y="1708666"/>
+            <a:ext cx="1355831" cy="230832"/>
           </a:xfrm>
           <a:prstGeom prst="rect">
             <a:avLst/>
@@ -4599,7 +11971,7 @@
           <a:p>
             <a:pPr algn="ctr"/>
             <a:r>
-              <a:rPr lang="en-US" sz="1200" dirty="0"/>
+              <a:rPr lang="en-US" sz="900" dirty="0"/>
               <a:t>Somewhat Satisfied</a:t>
             </a:r>
           </a:p>
@@ -4619,8 +11991,8 @@
         </p:nvSpPr>
         <p:spPr>
           <a:xfrm>
-            <a:off x="9454054" y="2965338"/>
-            <a:ext cx="1355831" cy="276999"/>
+            <a:off x="9464565" y="1708666"/>
+            <a:ext cx="1355831" cy="230832"/>
           </a:xfrm>
           <a:prstGeom prst="rect">
             <a:avLst/>
@@ -4635,7 +12007,7 @@
           <a:p>
             <a:pPr algn="ctr"/>
             <a:r>
-              <a:rPr lang="en-US" sz="1200" dirty="0"/>
+              <a:rPr lang="en-US" sz="900" dirty="0"/>
               <a:t>Satisfied</a:t>
             </a:r>
           </a:p>
@@ -4655,8 +12027,8 @@
         </p:nvSpPr>
         <p:spPr>
           <a:xfrm>
-            <a:off x="3699644" y="2873005"/>
-            <a:ext cx="1355831" cy="461665"/>
+            <a:off x="3647095" y="1708666"/>
+            <a:ext cx="1355831" cy="230832"/>
           </a:xfrm>
           <a:prstGeom prst="rect">
             <a:avLst/>
@@ -4671,32 +12043,30 @@
           <a:p>
             <a:pPr algn="ctr"/>
             <a:r>
-              <a:rPr lang="en-US" sz="1200" dirty="0"/>
+              <a:rPr lang="en-US" sz="900" dirty="0"/>
               <a:t>Somewhat Not Satisfied</a:t>
             </a:r>
           </a:p>
         </p:txBody>
       </p:sp>
-      <p:cxnSp>
-        <p:nvCxnSpPr>
-          <p:cNvPr id="21" name="Straight Connector 20">
-            <a:extLst>
-              <a:ext uri="{FF2B5EF4-FFF2-40B4-BE49-F238E27FC236}">
-                <a16:creationId xmlns:a16="http://schemas.microsoft.com/office/drawing/2014/main" id="{2BFDE813-13EF-8C45-8CD7-66F49E226065}"/>
-              </a:ext>
-            </a:extLst>
-          </p:cNvPr>
-          <p:cNvCxnSpPr>
-            <a:cxnSpLocks/>
-          </p:cNvCxnSpPr>
-          <p:nvPr/>
-        </p:nvCxnSpPr>
-        <p:spPr>
-          <a:xfrm>
-            <a:off x="1471447" y="5515189"/>
-            <a:ext cx="8660524" cy="0"/>
-          </a:xfrm>
-          <a:prstGeom prst="line">
+      <p:sp>
+        <p:nvSpPr>
+          <p:cNvPr id="29" name="Left Brace 28">
+            <a:extLst>
+              <a:ext uri="{FF2B5EF4-FFF2-40B4-BE49-F238E27FC236}">
+                <a16:creationId xmlns:a16="http://schemas.microsoft.com/office/drawing/2014/main" id="{4FABBCB4-A37E-DE4B-9D9E-BAC796BE3647}"/>
+              </a:ext>
+            </a:extLst>
+          </p:cNvPr>
+          <p:cNvSpPr/>
+          <p:nvPr/>
+        </p:nvSpPr>
+        <p:spPr>
+          <a:xfrm rot="16200000">
+            <a:off x="2828859" y="953195"/>
+            <a:ext cx="91440" cy="2743200"/>
+          </a:xfrm>
+          <a:prstGeom prst="leftBrace">
             <a:avLst/>
           </a:prstGeom>
         </p:spPr>
@@ -4714,27 +12084,33 @@
             <a:schemeClr val="tx1"/>
           </a:fontRef>
         </p:style>
-      </p:cxnSp>
-      <p:cxnSp>
-        <p:nvCxnSpPr>
-          <p:cNvPr id="22" name="Straight Connector 21">
-            <a:extLst>
-              <a:ext uri="{FF2B5EF4-FFF2-40B4-BE49-F238E27FC236}">
-                <a16:creationId xmlns:a16="http://schemas.microsoft.com/office/drawing/2014/main" id="{64DD1843-06A1-5648-8045-1DAE5EC77740}"/>
-              </a:ext>
-            </a:extLst>
-          </p:cNvPr>
-          <p:cNvCxnSpPr>
-            <a:cxnSpLocks/>
-          </p:cNvCxnSpPr>
-          <p:nvPr/>
-        </p:nvCxnSpPr>
-        <p:spPr>
-          <a:xfrm>
-            <a:off x="1471447" y="5314179"/>
-            <a:ext cx="0" cy="402021"/>
-          </a:xfrm>
-          <a:prstGeom prst="line">
+        <p:txBody>
+          <a:bodyPr rtlCol="0" anchor="ctr"/>
+          <a:lstStyle/>
+          <a:p>
+            <a:pPr algn="ctr"/>
+            <a:endParaRPr lang="en-US"/>
+          </a:p>
+        </p:txBody>
+      </p:sp>
+      <p:sp>
+        <p:nvSpPr>
+          <p:cNvPr id="30" name="Left Brace 29">
+            <a:extLst>
+              <a:ext uri="{FF2B5EF4-FFF2-40B4-BE49-F238E27FC236}">
+                <a16:creationId xmlns:a16="http://schemas.microsoft.com/office/drawing/2014/main" id="{992C5AF0-A7BA-5445-9EF1-9EA573A648B4}"/>
+              </a:ext>
+            </a:extLst>
+          </p:cNvPr>
+          <p:cNvSpPr/>
+          <p:nvPr/>
+        </p:nvSpPr>
+        <p:spPr>
+          <a:xfrm rot="16200000">
+            <a:off x="5018298" y="1639650"/>
+            <a:ext cx="91440" cy="1370288"/>
+          </a:xfrm>
+          <a:prstGeom prst="leftBrace">
             <a:avLst/>
           </a:prstGeom>
         </p:spPr>
@@ -4752,194 +12128,6 @@
             <a:schemeClr val="tx1"/>
           </a:fontRef>
         </p:style>
-      </p:cxnSp>
-      <p:cxnSp>
-        <p:nvCxnSpPr>
-          <p:cNvPr id="23" name="Straight Connector 22">
-            <a:extLst>
-              <a:ext uri="{FF2B5EF4-FFF2-40B4-BE49-F238E27FC236}">
-                <a16:creationId xmlns:a16="http://schemas.microsoft.com/office/drawing/2014/main" id="{3D12BC56-676C-0748-9CC0-2D90538DECBA}"/>
-              </a:ext>
-            </a:extLst>
-          </p:cNvPr>
-          <p:cNvCxnSpPr>
-            <a:cxnSpLocks/>
-          </p:cNvCxnSpPr>
-          <p:nvPr/>
-        </p:nvCxnSpPr>
-        <p:spPr>
-          <a:xfrm>
-            <a:off x="3636578" y="5314179"/>
-            <a:ext cx="0" cy="402021"/>
-          </a:xfrm>
-          <a:prstGeom prst="line">
-            <a:avLst/>
-          </a:prstGeom>
-        </p:spPr>
-        <p:style>
-          <a:lnRef idx="1">
-            <a:schemeClr val="accent1"/>
-          </a:lnRef>
-          <a:fillRef idx="0">
-            <a:schemeClr val="accent1"/>
-          </a:fillRef>
-          <a:effectRef idx="0">
-            <a:schemeClr val="accent1"/>
-          </a:effectRef>
-          <a:fontRef idx="minor">
-            <a:schemeClr val="tx1"/>
-          </a:fontRef>
-        </p:style>
-      </p:cxnSp>
-      <p:cxnSp>
-        <p:nvCxnSpPr>
-          <p:cNvPr id="24" name="Straight Connector 23">
-            <a:extLst>
-              <a:ext uri="{FF2B5EF4-FFF2-40B4-BE49-F238E27FC236}">
-                <a16:creationId xmlns:a16="http://schemas.microsoft.com/office/drawing/2014/main" id="{5D617DA8-B63B-E648-9EAC-E60327860FA8}"/>
-              </a:ext>
-            </a:extLst>
-          </p:cNvPr>
-          <p:cNvCxnSpPr>
-            <a:cxnSpLocks/>
-          </p:cNvCxnSpPr>
-          <p:nvPr/>
-        </p:nvCxnSpPr>
-        <p:spPr>
-          <a:xfrm>
-            <a:off x="5801709" y="5314179"/>
-            <a:ext cx="0" cy="402021"/>
-          </a:xfrm>
-          <a:prstGeom prst="line">
-            <a:avLst/>
-          </a:prstGeom>
-        </p:spPr>
-        <p:style>
-          <a:lnRef idx="1">
-            <a:schemeClr val="accent1"/>
-          </a:lnRef>
-          <a:fillRef idx="0">
-            <a:schemeClr val="accent1"/>
-          </a:fillRef>
-          <a:effectRef idx="0">
-            <a:schemeClr val="accent1"/>
-          </a:effectRef>
-          <a:fontRef idx="minor">
-            <a:schemeClr val="tx1"/>
-          </a:fontRef>
-        </p:style>
-      </p:cxnSp>
-      <p:cxnSp>
-        <p:nvCxnSpPr>
-          <p:cNvPr id="25" name="Straight Connector 24">
-            <a:extLst>
-              <a:ext uri="{FF2B5EF4-FFF2-40B4-BE49-F238E27FC236}">
-                <a16:creationId xmlns:a16="http://schemas.microsoft.com/office/drawing/2014/main" id="{F5E32603-DD25-3B4A-B160-FFD97828C5AB}"/>
-              </a:ext>
-            </a:extLst>
-          </p:cNvPr>
-          <p:cNvCxnSpPr>
-            <a:cxnSpLocks/>
-          </p:cNvCxnSpPr>
-          <p:nvPr/>
-        </p:nvCxnSpPr>
-        <p:spPr>
-          <a:xfrm>
-            <a:off x="7966840" y="5314179"/>
-            <a:ext cx="0" cy="402021"/>
-          </a:xfrm>
-          <a:prstGeom prst="line">
-            <a:avLst/>
-          </a:prstGeom>
-        </p:spPr>
-        <p:style>
-          <a:lnRef idx="1">
-            <a:schemeClr val="accent1"/>
-          </a:lnRef>
-          <a:fillRef idx="0">
-            <a:schemeClr val="accent1"/>
-          </a:fillRef>
-          <a:effectRef idx="0">
-            <a:schemeClr val="accent1"/>
-          </a:effectRef>
-          <a:fontRef idx="minor">
-            <a:schemeClr val="tx1"/>
-          </a:fontRef>
-        </p:style>
-      </p:cxnSp>
-      <p:cxnSp>
-        <p:nvCxnSpPr>
-          <p:cNvPr id="26" name="Straight Connector 25">
-            <a:extLst>
-              <a:ext uri="{FF2B5EF4-FFF2-40B4-BE49-F238E27FC236}">
-                <a16:creationId xmlns:a16="http://schemas.microsoft.com/office/drawing/2014/main" id="{55BFEABE-17D8-2445-B757-43ED2F77BC9B}"/>
-              </a:ext>
-            </a:extLst>
-          </p:cNvPr>
-          <p:cNvCxnSpPr>
-            <a:cxnSpLocks/>
-          </p:cNvCxnSpPr>
-          <p:nvPr/>
-        </p:nvCxnSpPr>
-        <p:spPr>
-          <a:xfrm>
-            <a:off x="10131971" y="5314179"/>
-            <a:ext cx="0" cy="402021"/>
-          </a:xfrm>
-          <a:prstGeom prst="line">
-            <a:avLst/>
-          </a:prstGeom>
-        </p:spPr>
-        <p:style>
-          <a:lnRef idx="1">
-            <a:schemeClr val="accent1"/>
-          </a:lnRef>
-          <a:fillRef idx="0">
-            <a:schemeClr val="accent1"/>
-          </a:fillRef>
-          <a:effectRef idx="0">
-            <a:schemeClr val="accent1"/>
-          </a:effectRef>
-          <a:fontRef idx="minor">
-            <a:schemeClr val="tx1"/>
-          </a:fontRef>
-        </p:style>
-      </p:cxnSp>
-      <p:sp>
-        <p:nvSpPr>
-          <p:cNvPr id="29" name="Left Brace 28">
-            <a:extLst>
-              <a:ext uri="{FF2B5EF4-FFF2-40B4-BE49-F238E27FC236}">
-                <a16:creationId xmlns:a16="http://schemas.microsoft.com/office/drawing/2014/main" id="{4FABBCB4-A37E-DE4B-9D9E-BAC796BE3647}"/>
-              </a:ext>
-            </a:extLst>
-          </p:cNvPr>
-          <p:cNvSpPr/>
-          <p:nvPr/>
-        </p:nvSpPr>
-        <p:spPr>
-          <a:xfrm rot="16200000">
-            <a:off x="2783138" y="2626595"/>
-            <a:ext cx="182880" cy="2743200"/>
-          </a:xfrm>
-          <a:prstGeom prst="leftBrace">
-            <a:avLst/>
-          </a:prstGeom>
-        </p:spPr>
-        <p:style>
-          <a:lnRef idx="1">
-            <a:schemeClr val="accent1"/>
-          </a:lnRef>
-          <a:fillRef idx="0">
-            <a:schemeClr val="accent1"/>
-          </a:fillRef>
-          <a:effectRef idx="0">
-            <a:schemeClr val="accent1"/>
-          </a:effectRef>
-          <a:fontRef idx="minor">
-            <a:schemeClr val="tx1"/>
-          </a:fontRef>
-        </p:style>
         <p:txBody>
           <a:bodyPr rtlCol="0" anchor="ctr"/>
           <a:lstStyle/>
@@ -4951,138 +12139,6 @@
       </p:sp>
       <p:sp>
         <p:nvSpPr>
-          <p:cNvPr id="30" name="Left Brace 29">
-            <a:extLst>
-              <a:ext uri="{FF2B5EF4-FFF2-40B4-BE49-F238E27FC236}">
-                <a16:creationId xmlns:a16="http://schemas.microsoft.com/office/drawing/2014/main" id="{992C5AF0-A7BA-5445-9EF1-9EA573A648B4}"/>
-              </a:ext>
-            </a:extLst>
-          </p:cNvPr>
-          <p:cNvSpPr/>
-          <p:nvPr/>
-        </p:nvSpPr>
-        <p:spPr>
-          <a:xfrm rot="16200000">
-            <a:off x="4972577" y="3313050"/>
-            <a:ext cx="182880" cy="1370288"/>
-          </a:xfrm>
-          <a:prstGeom prst="leftBrace">
-            <a:avLst/>
-          </a:prstGeom>
-        </p:spPr>
-        <p:style>
-          <a:lnRef idx="1">
-            <a:schemeClr val="accent1"/>
-          </a:lnRef>
-          <a:fillRef idx="0">
-            <a:schemeClr val="accent1"/>
-          </a:fillRef>
-          <a:effectRef idx="0">
-            <a:schemeClr val="accent1"/>
-          </a:effectRef>
-          <a:fontRef idx="minor">
-            <a:schemeClr val="tx1"/>
-          </a:fontRef>
-        </p:style>
-        <p:txBody>
-          <a:bodyPr rtlCol="0" anchor="ctr"/>
-          <a:lstStyle/>
-          <a:p>
-            <a:pPr algn="ctr"/>
-            <a:endParaRPr lang="en-US"/>
-          </a:p>
-        </p:txBody>
-      </p:sp>
-      <p:sp>
-        <p:nvSpPr>
-          <p:cNvPr id="31" name="Left Brace 30">
-            <a:extLst>
-              <a:ext uri="{FF2B5EF4-FFF2-40B4-BE49-F238E27FC236}">
-                <a16:creationId xmlns:a16="http://schemas.microsoft.com/office/drawing/2014/main" id="{3A8FAF63-197C-C645-9C6A-15FE2FA8949F}"/>
-              </a:ext>
-            </a:extLst>
-          </p:cNvPr>
-          <p:cNvSpPr/>
-          <p:nvPr/>
-        </p:nvSpPr>
-        <p:spPr>
-          <a:xfrm rot="16200000">
-            <a:off x="4619513" y="4842509"/>
-            <a:ext cx="182843" cy="2055432"/>
-          </a:xfrm>
-          <a:prstGeom prst="leftBrace">
-            <a:avLst/>
-          </a:prstGeom>
-        </p:spPr>
-        <p:style>
-          <a:lnRef idx="1">
-            <a:schemeClr val="accent1"/>
-          </a:lnRef>
-          <a:fillRef idx="0">
-            <a:schemeClr val="accent1"/>
-          </a:fillRef>
-          <a:effectRef idx="0">
-            <a:schemeClr val="accent1"/>
-          </a:effectRef>
-          <a:fontRef idx="minor">
-            <a:schemeClr val="tx1"/>
-          </a:fontRef>
-        </p:style>
-        <p:txBody>
-          <a:bodyPr rtlCol="0" anchor="ctr"/>
-          <a:lstStyle/>
-          <a:p>
-            <a:pPr algn="ctr"/>
-            <a:endParaRPr lang="en-US"/>
-          </a:p>
-        </p:txBody>
-      </p:sp>
-      <p:sp>
-        <p:nvSpPr>
-          <p:cNvPr id="32" name="Left Brace 31">
-            <a:extLst>
-              <a:ext uri="{FF2B5EF4-FFF2-40B4-BE49-F238E27FC236}">
-                <a16:creationId xmlns:a16="http://schemas.microsoft.com/office/drawing/2014/main" id="{40DAB3E6-C3F9-964D-958C-BEB635AE72C9}"/>
-              </a:ext>
-            </a:extLst>
-          </p:cNvPr>
-          <p:cNvSpPr/>
-          <p:nvPr/>
-        </p:nvSpPr>
-        <p:spPr>
-          <a:xfrm rot="16200000">
-            <a:off x="2449782" y="4842509"/>
-            <a:ext cx="182843" cy="2055432"/>
-          </a:xfrm>
-          <a:prstGeom prst="leftBrace">
-            <a:avLst/>
-          </a:prstGeom>
-        </p:spPr>
-        <p:style>
-          <a:lnRef idx="1">
-            <a:schemeClr val="accent1"/>
-          </a:lnRef>
-          <a:fillRef idx="0">
-            <a:schemeClr val="accent1"/>
-          </a:fillRef>
-          <a:effectRef idx="0">
-            <a:schemeClr val="accent1"/>
-          </a:effectRef>
-          <a:fontRef idx="minor">
-            <a:schemeClr val="tx1"/>
-          </a:fontRef>
-        </p:style>
-        <p:txBody>
-          <a:bodyPr rtlCol="0" anchor="ctr"/>
-          <a:lstStyle/>
-          <a:p>
-            <a:pPr algn="ctr"/>
-            <a:endParaRPr lang="en-US"/>
-          </a:p>
-        </p:txBody>
-      </p:sp>
-      <p:sp>
-        <p:nvSpPr>
           <p:cNvPr id="33" name="TextBox 32">
             <a:extLst>
               <a:ext uri="{FF2B5EF4-FFF2-40B4-BE49-F238E27FC236}">
@@ -5095,8 +12151,8 @@
         </p:nvSpPr>
         <p:spPr>
           <a:xfrm>
-            <a:off x="2913991" y="4089634"/>
-            <a:ext cx="2664373" cy="276999"/>
+            <a:off x="2913992" y="2370514"/>
+            <a:ext cx="2664373" cy="246221"/>
           </a:xfrm>
           <a:prstGeom prst="rect">
             <a:avLst/>
@@ -5111,7 +12167,7 @@
           <a:p>
             <a:pPr algn="ctr"/>
             <a:r>
-              <a:rPr lang="en-US" sz="1200" dirty="0">
+              <a:rPr lang="en-US" sz="1000" dirty="0">
                 <a:solidFill>
                   <a:srgbClr val="FF0000"/>
                 </a:solidFill>
@@ -5123,384 +12179,6 @@
       </p:sp>
       <p:sp>
         <p:nvSpPr>
-          <p:cNvPr id="34" name="TextBox 33">
-            <a:extLst>
-              <a:ext uri="{FF2B5EF4-FFF2-40B4-BE49-F238E27FC236}">
-                <a16:creationId xmlns:a16="http://schemas.microsoft.com/office/drawing/2014/main" id="{54525AB4-ECE4-F946-9E24-FDC920BA4850}"/>
-              </a:ext>
-            </a:extLst>
-          </p:cNvPr>
-          <p:cNvSpPr txBox="1"/>
-          <p:nvPr/>
-        </p:nvSpPr>
-        <p:spPr>
-          <a:xfrm>
-            <a:off x="2293883" y="5961647"/>
-            <a:ext cx="2664373" cy="276999"/>
-          </a:xfrm>
-          <a:prstGeom prst="rect">
-            <a:avLst/>
-          </a:prstGeom>
-          <a:noFill/>
-        </p:spPr>
-        <p:txBody>
-          <a:bodyPr wrap="square" rtlCol="0">
-            <a:spAutoFit/>
-          </a:bodyPr>
-          <a:lstStyle/>
-          <a:p>
-            <a:pPr algn="ctr"/>
-            <a:r>
-              <a:rPr lang="en-US" sz="1200" dirty="0">
-                <a:solidFill>
-                  <a:schemeClr val="accent6"/>
-                </a:solidFill>
-              </a:rPr>
-              <a:t>same distance</a:t>
-            </a:r>
-          </a:p>
-        </p:txBody>
-      </p:sp>
-      <p:sp>
-        <p:nvSpPr>
-          <p:cNvPr id="35" name="TextBox 34">
-            <a:extLst>
-              <a:ext uri="{FF2B5EF4-FFF2-40B4-BE49-F238E27FC236}">
-                <a16:creationId xmlns:a16="http://schemas.microsoft.com/office/drawing/2014/main" id="{5DFBAE2D-1C9A-E14F-B4CE-2543897B4DC8}"/>
-              </a:ext>
-            </a:extLst>
-          </p:cNvPr>
-          <p:cNvSpPr txBox="1"/>
-          <p:nvPr/>
-        </p:nvSpPr>
-        <p:spPr>
-          <a:xfrm>
-            <a:off x="793531" y="4760507"/>
-            <a:ext cx="1355831" cy="461665"/>
-          </a:xfrm>
-          <a:prstGeom prst="rect">
-            <a:avLst/>
-          </a:prstGeom>
-          <a:noFill/>
-        </p:spPr>
-        <p:txBody>
-          <a:bodyPr wrap="square" rtlCol="0">
-            <a:spAutoFit/>
-          </a:bodyPr>
-          <a:lstStyle/>
-          <a:p>
-            <a:pPr algn="ctr"/>
-            <a:r>
-              <a:rPr lang="en-US" sz="1200" dirty="0"/>
-              <a:t>Not Satisfied</a:t>
-            </a:r>
-          </a:p>
-          <a:p>
-            <a:pPr algn="ctr"/>
-            <a:r>
-              <a:rPr lang="en-US" sz="1200" dirty="0"/>
-              <a:t>1</a:t>
-            </a:r>
-          </a:p>
-        </p:txBody>
-      </p:sp>
-      <p:sp>
-        <p:nvSpPr>
-          <p:cNvPr id="36" name="TextBox 35">
-            <a:extLst>
-              <a:ext uri="{FF2B5EF4-FFF2-40B4-BE49-F238E27FC236}">
-                <a16:creationId xmlns:a16="http://schemas.microsoft.com/office/drawing/2014/main" id="{333CB4DB-FE24-C242-8EF2-EB4BB7F397D3}"/>
-              </a:ext>
-            </a:extLst>
-          </p:cNvPr>
-          <p:cNvSpPr txBox="1"/>
-          <p:nvPr/>
-        </p:nvSpPr>
-        <p:spPr>
-          <a:xfrm>
-            <a:off x="5123793" y="4945173"/>
-            <a:ext cx="1355831" cy="276999"/>
-          </a:xfrm>
-          <a:prstGeom prst="rect">
-            <a:avLst/>
-          </a:prstGeom>
-          <a:noFill/>
-        </p:spPr>
-        <p:txBody>
-          <a:bodyPr wrap="square" rtlCol="0">
-            <a:spAutoFit/>
-          </a:bodyPr>
-          <a:lstStyle/>
-          <a:p>
-            <a:pPr algn="ctr"/>
-            <a:r>
-              <a:rPr lang="en-US" sz="1200" dirty="0"/>
-              <a:t>3</a:t>
-            </a:r>
-          </a:p>
-        </p:txBody>
-      </p:sp>
-      <p:sp>
-        <p:nvSpPr>
-          <p:cNvPr id="37" name="TextBox 36">
-            <a:extLst>
-              <a:ext uri="{FF2B5EF4-FFF2-40B4-BE49-F238E27FC236}">
-                <a16:creationId xmlns:a16="http://schemas.microsoft.com/office/drawing/2014/main" id="{84C5E143-CE29-2943-8376-9FC3C010EE1D}"/>
-              </a:ext>
-            </a:extLst>
-          </p:cNvPr>
-          <p:cNvSpPr txBox="1"/>
-          <p:nvPr/>
-        </p:nvSpPr>
-        <p:spPr>
-          <a:xfrm>
-            <a:off x="7288924" y="4945173"/>
-            <a:ext cx="1355831" cy="276999"/>
-          </a:xfrm>
-          <a:prstGeom prst="rect">
-            <a:avLst/>
-          </a:prstGeom>
-          <a:noFill/>
-        </p:spPr>
-        <p:txBody>
-          <a:bodyPr wrap="square" rtlCol="0">
-            <a:spAutoFit/>
-          </a:bodyPr>
-          <a:lstStyle/>
-          <a:p>
-            <a:pPr algn="ctr"/>
-            <a:r>
-              <a:rPr lang="en-US" sz="1200" dirty="0"/>
-              <a:t>4</a:t>
-            </a:r>
-          </a:p>
-        </p:txBody>
-      </p:sp>
-      <p:sp>
-        <p:nvSpPr>
-          <p:cNvPr id="38" name="TextBox 37">
-            <a:extLst>
-              <a:ext uri="{FF2B5EF4-FFF2-40B4-BE49-F238E27FC236}">
-                <a16:creationId xmlns:a16="http://schemas.microsoft.com/office/drawing/2014/main" id="{0518877B-27C8-014B-9712-99CD7CC8F601}"/>
-              </a:ext>
-            </a:extLst>
-          </p:cNvPr>
-          <p:cNvSpPr txBox="1"/>
-          <p:nvPr/>
-        </p:nvSpPr>
-        <p:spPr>
-          <a:xfrm>
-            <a:off x="9454055" y="4760507"/>
-            <a:ext cx="1355831" cy="461665"/>
-          </a:xfrm>
-          <a:prstGeom prst="rect">
-            <a:avLst/>
-          </a:prstGeom>
-          <a:noFill/>
-        </p:spPr>
-        <p:txBody>
-          <a:bodyPr wrap="square" rtlCol="0">
-            <a:spAutoFit/>
-          </a:bodyPr>
-          <a:lstStyle/>
-          <a:p>
-            <a:pPr algn="ctr"/>
-            <a:r>
-              <a:rPr lang="en-US" sz="1200" dirty="0"/>
-              <a:t>Satisfied</a:t>
-            </a:r>
-          </a:p>
-          <a:p>
-            <a:pPr algn="ctr"/>
-            <a:r>
-              <a:rPr lang="en-US" sz="1200" dirty="0"/>
-              <a:t>5</a:t>
-            </a:r>
-          </a:p>
-        </p:txBody>
-      </p:sp>
-      <p:sp>
-        <p:nvSpPr>
-          <p:cNvPr id="39" name="TextBox 38">
-            <a:extLst>
-              <a:ext uri="{FF2B5EF4-FFF2-40B4-BE49-F238E27FC236}">
-                <a16:creationId xmlns:a16="http://schemas.microsoft.com/office/drawing/2014/main" id="{572794AD-4AFE-9247-8DBF-5DAF6A76A998}"/>
-              </a:ext>
-            </a:extLst>
-          </p:cNvPr>
-          <p:cNvSpPr txBox="1"/>
-          <p:nvPr/>
-        </p:nvSpPr>
-        <p:spPr>
-          <a:xfrm>
-            <a:off x="2958662" y="4945173"/>
-            <a:ext cx="1355831" cy="276999"/>
-          </a:xfrm>
-          <a:prstGeom prst="rect">
-            <a:avLst/>
-          </a:prstGeom>
-          <a:noFill/>
-        </p:spPr>
-        <p:txBody>
-          <a:bodyPr wrap="square" rtlCol="0">
-            <a:spAutoFit/>
-          </a:bodyPr>
-          <a:lstStyle/>
-          <a:p>
-            <a:pPr algn="ctr"/>
-            <a:r>
-              <a:rPr lang="en-US" sz="1200" dirty="0"/>
-              <a:t>2</a:t>
-            </a:r>
-          </a:p>
-        </p:txBody>
-      </p:sp>
-      <p:sp>
-        <p:nvSpPr>
-          <p:cNvPr id="42" name="TextBox 41">
-            <a:extLst>
-              <a:ext uri="{FF2B5EF4-FFF2-40B4-BE49-F238E27FC236}">
-                <a16:creationId xmlns:a16="http://schemas.microsoft.com/office/drawing/2014/main" id="{AFB859B9-9031-5F43-BFAD-86CCE5078529}"/>
-              </a:ext>
-            </a:extLst>
-          </p:cNvPr>
-          <p:cNvSpPr txBox="1"/>
-          <p:nvPr/>
-        </p:nvSpPr>
-        <p:spPr>
-          <a:xfrm>
-            <a:off x="1185371" y="2487329"/>
-            <a:ext cx="1355831" cy="461665"/>
-          </a:xfrm>
-          <a:prstGeom prst="rect">
-            <a:avLst/>
-          </a:prstGeom>
-          <a:noFill/>
-        </p:spPr>
-        <p:txBody>
-          <a:bodyPr wrap="square" rtlCol="0">
-            <a:spAutoFit/>
-          </a:bodyPr>
-          <a:lstStyle/>
-          <a:p>
-            <a:pPr algn="ctr"/>
-            <a:r>
-              <a:rPr lang="en-US" sz="2400" b="1" u="sng" dirty="0"/>
-              <a:t>Ordinal</a:t>
-            </a:r>
-            <a:endParaRPr lang="en-US" sz="1200" b="1" dirty="0"/>
-          </a:p>
-        </p:txBody>
-      </p:sp>
-      <p:sp>
-        <p:nvSpPr>
-          <p:cNvPr id="43" name="TextBox 42">
-            <a:extLst>
-              <a:ext uri="{FF2B5EF4-FFF2-40B4-BE49-F238E27FC236}">
-                <a16:creationId xmlns:a16="http://schemas.microsoft.com/office/drawing/2014/main" id="{4AB6E28B-D3A7-7542-9E8B-AF0E31FBF618}"/>
-              </a:ext>
-            </a:extLst>
-          </p:cNvPr>
-          <p:cNvSpPr txBox="1"/>
-          <p:nvPr/>
-        </p:nvSpPr>
-        <p:spPr>
-          <a:xfrm>
-            <a:off x="1185371" y="4311118"/>
-            <a:ext cx="1355831" cy="461665"/>
-          </a:xfrm>
-          <a:prstGeom prst="rect">
-            <a:avLst/>
-          </a:prstGeom>
-          <a:noFill/>
-        </p:spPr>
-        <p:txBody>
-          <a:bodyPr wrap="square" rtlCol="0">
-            <a:spAutoFit/>
-          </a:bodyPr>
-          <a:lstStyle/>
-          <a:p>
-            <a:pPr algn="ctr"/>
-            <a:r>
-              <a:rPr lang="en-US" sz="2400" b="1" u="sng" dirty="0"/>
-              <a:t>Interval</a:t>
-            </a:r>
-          </a:p>
-        </p:txBody>
-      </p:sp>
-      <p:sp>
-        <p:nvSpPr>
-          <p:cNvPr id="45" name="TextBox 44">
-            <a:extLst>
-              <a:ext uri="{FF2B5EF4-FFF2-40B4-BE49-F238E27FC236}">
-                <a16:creationId xmlns:a16="http://schemas.microsoft.com/office/drawing/2014/main" id="{41B3FD7F-58A2-E74A-81B5-9DD863ADF178}"/>
-              </a:ext>
-            </a:extLst>
-          </p:cNvPr>
-          <p:cNvSpPr txBox="1"/>
-          <p:nvPr/>
-        </p:nvSpPr>
-        <p:spPr>
-          <a:xfrm>
-            <a:off x="2298774" y="4367245"/>
-            <a:ext cx="3291799" cy="369332"/>
-          </a:xfrm>
-          <a:prstGeom prst="rect">
-            <a:avLst/>
-          </a:prstGeom>
-          <a:noFill/>
-        </p:spPr>
-        <p:txBody>
-          <a:bodyPr wrap="none" rtlCol="0">
-            <a:spAutoFit/>
-          </a:bodyPr>
-          <a:lstStyle/>
-          <a:p>
-            <a:r>
-              <a:rPr lang="en-US" dirty="0"/>
-              <a:t> - Implies Choices Are Equidistant</a:t>
-            </a:r>
-          </a:p>
-        </p:txBody>
-      </p:sp>
-      <p:sp>
-        <p:nvSpPr>
-          <p:cNvPr id="47" name="TextBox 46">
-            <a:extLst>
-              <a:ext uri="{FF2B5EF4-FFF2-40B4-BE49-F238E27FC236}">
-                <a16:creationId xmlns:a16="http://schemas.microsoft.com/office/drawing/2014/main" id="{2D61D9E3-5E65-F44F-A721-5E7F42AE3697}"/>
-              </a:ext>
-            </a:extLst>
-          </p:cNvPr>
-          <p:cNvSpPr txBox="1"/>
-          <p:nvPr/>
-        </p:nvSpPr>
-        <p:spPr>
-          <a:xfrm>
-            <a:off x="718005" y="1834724"/>
-            <a:ext cx="10755989" cy="707886"/>
-          </a:xfrm>
-          <a:prstGeom prst="rect">
-            <a:avLst/>
-          </a:prstGeom>
-          <a:noFill/>
-        </p:spPr>
-        <p:txBody>
-          <a:bodyPr wrap="square" rtlCol="0">
-            <a:spAutoFit/>
-          </a:bodyPr>
-          <a:lstStyle/>
-          <a:p>
-            <a:pPr algn="ctr"/>
-            <a:r>
-              <a:rPr lang="en-US" sz="4000" dirty="0"/>
-              <a:t>How Do You Feel About Your Experience? </a:t>
-            </a:r>
-          </a:p>
-        </p:txBody>
-      </p:sp>
-      <p:sp>
-        <p:nvSpPr>
           <p:cNvPr id="4" name="Oval 3">
             <a:extLst>
               <a:ext uri="{FF2B5EF4-FFF2-40B4-BE49-F238E27FC236}">
@@ -5513,7 +12191,7 @@
         </p:nvSpPr>
         <p:spPr>
           <a:xfrm>
-            <a:off x="1408384" y="3299199"/>
+            <a:off x="1408385" y="1916407"/>
             <a:ext cx="136636" cy="137160"/>
           </a:xfrm>
           <a:prstGeom prst="ellipse">
@@ -5561,7 +12239,7 @@
         </p:nvSpPr>
         <p:spPr>
           <a:xfrm>
-            <a:off x="4256687" y="3299199"/>
+            <a:off x="4256688" y="1916407"/>
             <a:ext cx="136636" cy="137160"/>
           </a:xfrm>
           <a:prstGeom prst="ellipse">
@@ -5609,7 +12287,7 @@
         </p:nvSpPr>
         <p:spPr>
           <a:xfrm>
-            <a:off x="5739962" y="3299199"/>
+            <a:off x="5739963" y="1916407"/>
             <a:ext cx="136636" cy="137160"/>
           </a:xfrm>
           <a:prstGeom prst="ellipse">
@@ -5657,7 +12335,7 @@
         </p:nvSpPr>
         <p:spPr>
           <a:xfrm>
-            <a:off x="7227174" y="3299199"/>
+            <a:off x="7227175" y="1916407"/>
             <a:ext cx="136636" cy="137160"/>
           </a:xfrm>
           <a:prstGeom prst="ellipse">
@@ -5705,7 +12383,7 @@
         </p:nvSpPr>
         <p:spPr>
           <a:xfrm>
-            <a:off x="10074161" y="3299199"/>
+            <a:off x="10074162" y="1916407"/>
             <a:ext cx="136636" cy="137160"/>
           </a:xfrm>
           <a:prstGeom prst="ellipse">
@@ -5982,7 +12660,7 @@
     </p:spTree>
     <p:extLst>
       <p:ext uri="{BB962C8B-B14F-4D97-AF65-F5344CB8AC3E}">
-        <p14:creationId xmlns:p14="http://schemas.microsoft.com/office/powerpoint/2010/main" val="2200130152"/>
+        <p14:creationId xmlns:p14="http://schemas.microsoft.com/office/powerpoint/2010/main" val="3012186833"/>
       </p:ext>
     </p:extLst>
   </p:cSld>
@@ -6285,4 +12963,299 @@
     </a:ext>
   </a:extLst>
 </a:theme>
+</file>
+
+<file path=ppt/theme/theme2.xml><?xml version="1.0" encoding="utf-8"?>
+<a:theme xmlns:a="http://schemas.openxmlformats.org/drawingml/2006/main" name="Office Theme">
+  <a:themeElements>
+    <a:clrScheme name="Office">
+      <a:dk1>
+        <a:sysClr val="windowText" lastClr="000000"/>
+      </a:dk1>
+      <a:lt1>
+        <a:sysClr val="window" lastClr="FFFFFF"/>
+      </a:lt1>
+      <a:dk2>
+        <a:srgbClr val="44546A"/>
+      </a:dk2>
+      <a:lt2>
+        <a:srgbClr val="E7E6E6"/>
+      </a:lt2>
+      <a:accent1>
+        <a:srgbClr val="4472C4"/>
+      </a:accent1>
+      <a:accent2>
+        <a:srgbClr val="ED7D31"/>
+      </a:accent2>
+      <a:accent3>
+        <a:srgbClr val="A5A5A5"/>
+      </a:accent3>
+      <a:accent4>
+        <a:srgbClr val="FFC000"/>
+      </a:accent4>
+      <a:accent5>
+        <a:srgbClr val="5B9BD5"/>
+      </a:accent5>
+      <a:accent6>
+        <a:srgbClr val="70AD47"/>
+      </a:accent6>
+      <a:hlink>
+        <a:srgbClr val="0563C1"/>
+      </a:hlink>
+      <a:folHlink>
+        <a:srgbClr val="954F72"/>
+      </a:folHlink>
+    </a:clrScheme>
+    <a:fontScheme name="Office">
+      <a:majorFont>
+        <a:latin typeface="Calibri Light" panose="020F0302020204030204"/>
+        <a:ea typeface=""/>
+        <a:cs typeface=""/>
+        <a:font script="Jpan" typeface="游ゴシック Light"/>
+        <a:font script="Hang" typeface="맑은 고딕"/>
+        <a:font script="Hans" typeface="等线 Light"/>
+        <a:font script="Hant" typeface="新細明體"/>
+        <a:font script="Arab" typeface="Times New Roman"/>
+        <a:font script="Hebr" typeface="Times New Roman"/>
+        <a:font script="Thai" typeface="Angsana New"/>
+        <a:font script="Ethi" typeface="Nyala"/>
+        <a:font script="Beng" typeface="Vrinda"/>
+        <a:font script="Gujr" typeface="Shruti"/>
+        <a:font script="Khmr" typeface="MoolBoran"/>
+        <a:font script="Knda" typeface="Tunga"/>
+        <a:font script="Guru" typeface="Raavi"/>
+        <a:font script="Cans" typeface="Euphemia"/>
+        <a:font script="Cher" typeface="Plantagenet Cherokee"/>
+        <a:font script="Yiii" typeface="Microsoft Yi Baiti"/>
+        <a:font script="Tibt" typeface="Microsoft Himalaya"/>
+        <a:font script="Thaa" typeface="MV Boli"/>
+        <a:font script="Deva" typeface="Mangal"/>
+        <a:font script="Telu" typeface="Gautami"/>
+        <a:font script="Taml" typeface="Latha"/>
+        <a:font script="Syrc" typeface="Estrangelo Edessa"/>
+        <a:font script="Orya" typeface="Kalinga"/>
+        <a:font script="Mlym" typeface="Kartika"/>
+        <a:font script="Laoo" typeface="DokChampa"/>
+        <a:font script="Sinh" typeface="Iskoola Pota"/>
+        <a:font script="Mong" typeface="Mongolian Baiti"/>
+        <a:font script="Viet" typeface="Times New Roman"/>
+        <a:font script="Uigh" typeface="Microsoft Uighur"/>
+        <a:font script="Geor" typeface="Sylfaen"/>
+        <a:font script="Armn" typeface="Arial"/>
+        <a:font script="Bugi" typeface="Leelawadee UI"/>
+        <a:font script="Bopo" typeface="Microsoft JhengHei"/>
+        <a:font script="Java" typeface="Javanese Text"/>
+        <a:font script="Lisu" typeface="Segoe UI"/>
+        <a:font script="Mymr" typeface="Myanmar Text"/>
+        <a:font script="Nkoo" typeface="Ebrima"/>
+        <a:font script="Olck" typeface="Nirmala UI"/>
+        <a:font script="Osma" typeface="Ebrima"/>
+        <a:font script="Phag" typeface="Phagspa"/>
+        <a:font script="Syrn" typeface="Estrangelo Edessa"/>
+        <a:font script="Syrj" typeface="Estrangelo Edessa"/>
+        <a:font script="Syre" typeface="Estrangelo Edessa"/>
+        <a:font script="Sora" typeface="Nirmala UI"/>
+        <a:font script="Tale" typeface="Microsoft Tai Le"/>
+        <a:font script="Talu" typeface="Microsoft New Tai Lue"/>
+        <a:font script="Tfng" typeface="Ebrima"/>
+      </a:majorFont>
+      <a:minorFont>
+        <a:latin typeface="Calibri" panose="020F0502020204030204"/>
+        <a:ea typeface=""/>
+        <a:cs typeface=""/>
+        <a:font script="Jpan" typeface="游ゴシック"/>
+        <a:font script="Hang" typeface="맑은 고딕"/>
+        <a:font script="Hans" typeface="等线"/>
+        <a:font script="Hant" typeface="新細明體"/>
+        <a:font script="Arab" typeface="Arial"/>
+        <a:font script="Hebr" typeface="Arial"/>
+        <a:font script="Thai" typeface="Cordia New"/>
+        <a:font script="Ethi" typeface="Nyala"/>
+        <a:font script="Beng" typeface="Vrinda"/>
+        <a:font script="Gujr" typeface="Shruti"/>
+        <a:font script="Khmr" typeface="DaunPenh"/>
+        <a:font script="Knda" typeface="Tunga"/>
+        <a:font script="Guru" typeface="Raavi"/>
+        <a:font script="Cans" typeface="Euphemia"/>
+        <a:font script="Cher" typeface="Plantagenet Cherokee"/>
+        <a:font script="Yiii" typeface="Microsoft Yi Baiti"/>
+        <a:font script="Tibt" typeface="Microsoft Himalaya"/>
+        <a:font script="Thaa" typeface="MV Boli"/>
+        <a:font script="Deva" typeface="Mangal"/>
+        <a:font script="Telu" typeface="Gautami"/>
+        <a:font script="Taml" typeface="Latha"/>
+        <a:font script="Syrc" typeface="Estrangelo Edessa"/>
+        <a:font script="Orya" typeface="Kalinga"/>
+        <a:font script="Mlym" typeface="Kartika"/>
+        <a:font script="Laoo" typeface="DokChampa"/>
+        <a:font script="Sinh" typeface="Iskoola Pota"/>
+        <a:font script="Mong" typeface="Mongolian Baiti"/>
+        <a:font script="Viet" typeface="Arial"/>
+        <a:font script="Uigh" typeface="Microsoft Uighur"/>
+        <a:font script="Geor" typeface="Sylfaen"/>
+        <a:font script="Armn" typeface="Arial"/>
+        <a:font script="Bugi" typeface="Leelawadee UI"/>
+        <a:font script="Bopo" typeface="Microsoft JhengHei"/>
+        <a:font script="Java" typeface="Javanese Text"/>
+        <a:font script="Lisu" typeface="Segoe UI"/>
+        <a:font script="Mymr" typeface="Myanmar Text"/>
+        <a:font script="Nkoo" typeface="Ebrima"/>
+        <a:font script="Olck" typeface="Nirmala UI"/>
+        <a:font script="Osma" typeface="Ebrima"/>
+        <a:font script="Phag" typeface="Phagspa"/>
+        <a:font script="Syrn" typeface="Estrangelo Edessa"/>
+        <a:font script="Syrj" typeface="Estrangelo Edessa"/>
+        <a:font script="Syre" typeface="Estrangelo Edessa"/>
+        <a:font script="Sora" typeface="Nirmala UI"/>
+        <a:font script="Tale" typeface="Microsoft Tai Le"/>
+        <a:font script="Talu" typeface="Microsoft New Tai Lue"/>
+        <a:font script="Tfng" typeface="Ebrima"/>
+      </a:minorFont>
+    </a:fontScheme>
+    <a:fmtScheme name="Office">
+      <a:fillStyleLst>
+        <a:solidFill>
+          <a:schemeClr val="phClr"/>
+        </a:solidFill>
+        <a:gradFill rotWithShape="1">
+          <a:gsLst>
+            <a:gs pos="0">
+              <a:schemeClr val="phClr">
+                <a:lumMod val="110000"/>
+                <a:satMod val="105000"/>
+                <a:tint val="67000"/>
+              </a:schemeClr>
+            </a:gs>
+            <a:gs pos="50000">
+              <a:schemeClr val="phClr">
+                <a:lumMod val="105000"/>
+                <a:satMod val="103000"/>
+                <a:tint val="73000"/>
+              </a:schemeClr>
+            </a:gs>
+            <a:gs pos="100000">
+              <a:schemeClr val="phClr">
+                <a:lumMod val="105000"/>
+                <a:satMod val="109000"/>
+                <a:tint val="81000"/>
+              </a:schemeClr>
+            </a:gs>
+          </a:gsLst>
+          <a:lin ang="5400000" scaled="0"/>
+        </a:gradFill>
+        <a:gradFill rotWithShape="1">
+          <a:gsLst>
+            <a:gs pos="0">
+              <a:schemeClr val="phClr">
+                <a:satMod val="103000"/>
+                <a:lumMod val="102000"/>
+                <a:tint val="94000"/>
+              </a:schemeClr>
+            </a:gs>
+            <a:gs pos="50000">
+              <a:schemeClr val="phClr">
+                <a:satMod val="110000"/>
+                <a:lumMod val="100000"/>
+                <a:shade val="100000"/>
+              </a:schemeClr>
+            </a:gs>
+            <a:gs pos="100000">
+              <a:schemeClr val="phClr">
+                <a:lumMod val="99000"/>
+                <a:satMod val="120000"/>
+                <a:shade val="78000"/>
+              </a:schemeClr>
+            </a:gs>
+          </a:gsLst>
+          <a:lin ang="5400000" scaled="0"/>
+        </a:gradFill>
+      </a:fillStyleLst>
+      <a:lnStyleLst>
+        <a:ln w="6350" cap="flat" cmpd="sng" algn="ctr">
+          <a:solidFill>
+            <a:schemeClr val="phClr"/>
+          </a:solidFill>
+          <a:prstDash val="solid"/>
+          <a:miter lim="800000"/>
+        </a:ln>
+        <a:ln w="12700" cap="flat" cmpd="sng" algn="ctr">
+          <a:solidFill>
+            <a:schemeClr val="phClr"/>
+          </a:solidFill>
+          <a:prstDash val="solid"/>
+          <a:miter lim="800000"/>
+        </a:ln>
+        <a:ln w="19050" cap="flat" cmpd="sng" algn="ctr">
+          <a:solidFill>
+            <a:schemeClr val="phClr"/>
+          </a:solidFill>
+          <a:prstDash val="solid"/>
+          <a:miter lim="800000"/>
+        </a:ln>
+      </a:lnStyleLst>
+      <a:effectStyleLst>
+        <a:effectStyle>
+          <a:effectLst/>
+        </a:effectStyle>
+        <a:effectStyle>
+          <a:effectLst/>
+        </a:effectStyle>
+        <a:effectStyle>
+          <a:effectLst>
+            <a:outerShdw blurRad="57150" dist="19050" dir="5400000" algn="ctr" rotWithShape="0">
+              <a:srgbClr val="000000">
+                <a:alpha val="63000"/>
+              </a:srgbClr>
+            </a:outerShdw>
+          </a:effectLst>
+        </a:effectStyle>
+      </a:effectStyleLst>
+      <a:bgFillStyleLst>
+        <a:solidFill>
+          <a:schemeClr val="phClr"/>
+        </a:solidFill>
+        <a:solidFill>
+          <a:schemeClr val="phClr">
+            <a:tint val="95000"/>
+            <a:satMod val="170000"/>
+          </a:schemeClr>
+        </a:solidFill>
+        <a:gradFill rotWithShape="1">
+          <a:gsLst>
+            <a:gs pos="0">
+              <a:schemeClr val="phClr">
+                <a:tint val="93000"/>
+                <a:satMod val="150000"/>
+                <a:shade val="98000"/>
+                <a:lumMod val="102000"/>
+              </a:schemeClr>
+            </a:gs>
+            <a:gs pos="50000">
+              <a:schemeClr val="phClr">
+                <a:tint val="98000"/>
+                <a:satMod val="130000"/>
+                <a:shade val="90000"/>
+                <a:lumMod val="103000"/>
+              </a:schemeClr>
+            </a:gs>
+            <a:gs pos="100000">
+              <a:schemeClr val="phClr">
+                <a:shade val="63000"/>
+                <a:satMod val="120000"/>
+              </a:schemeClr>
+            </a:gs>
+          </a:gsLst>
+          <a:lin ang="5400000" scaled="0"/>
+        </a:gradFill>
+      </a:bgFillStyleLst>
+    </a:fmtScheme>
+  </a:themeElements>
+  <a:objectDefaults/>
+  <a:extraClrSchemeLst/>
+  <a:extLst>
+    <a:ext uri="{05A4C25C-085E-4340-85A3-A5531E510DB2}">
+      <thm15:themeFamily xmlns:thm15="http://schemas.microsoft.com/office/thememl/2012/main" name="Office Theme" id="{62F939B6-93AF-4DB8-9C6B-D6C7DFDC589F}" vid="{4A3C46E8-61CC-4603-A589-7422A47A8E4A}"/>
+    </a:ext>
+  </a:extLst>
+</a:theme>
 </file>
--- a/image/medium.pptx
+++ b/image/medium.pptx
@@ -5,7 +5,7 @@
     <p:sldMasterId id="2147483648" r:id="rId1"/>
   </p:sldMasterIdLst>
   <p:notesMasterIdLst>
-    <p:notesMasterId r:id="rId18"/>
+    <p:notesMasterId r:id="rId21"/>
   </p:notesMasterIdLst>
   <p:sldIdLst>
     <p:sldId id="256" r:id="rId2"/>
@@ -24,6 +24,9 @@
     <p:sldId id="268" r:id="rId15"/>
     <p:sldId id="269" r:id="rId16"/>
     <p:sldId id="270" r:id="rId17"/>
+    <p:sldId id="272" r:id="rId18"/>
+    <p:sldId id="274" r:id="rId19"/>
+    <p:sldId id="275" r:id="rId20"/>
   </p:sldIdLst>
   <p:sldSz cx="12192000" cy="6858000"/>
   <p:notesSz cx="6858000" cy="9144000"/>
@@ -212,7 +215,7 @@
           <a:p>
             <a:fld id="{C3F18181-8FF0-534D-9C07-4449A29BB427}" type="datetimeFigureOut">
               <a:rPr lang="en-US" smtClean="0"/>
-              <a:t>3/22/21</a:t>
+              <a:t>3/23/21</a:t>
             </a:fld>
             <a:endParaRPr lang="en-US"/>
           </a:p>
@@ -710,7 +713,7 @@
           <a:p>
             <a:fld id="{65821905-ECD0-F84B-AD8F-672D6B8FFCA7}" type="datetimeFigureOut">
               <a:rPr lang="en-US" smtClean="0"/>
-              <a:t>3/22/21</a:t>
+              <a:t>3/23/21</a:t>
             </a:fld>
             <a:endParaRPr lang="en-US"/>
           </a:p>
@@ -908,7 +911,7 @@
           <a:p>
             <a:fld id="{65821905-ECD0-F84B-AD8F-672D6B8FFCA7}" type="datetimeFigureOut">
               <a:rPr lang="en-US" smtClean="0"/>
-              <a:t>3/22/21</a:t>
+              <a:t>3/23/21</a:t>
             </a:fld>
             <a:endParaRPr lang="en-US"/>
           </a:p>
@@ -1116,7 +1119,7 @@
           <a:p>
             <a:fld id="{65821905-ECD0-F84B-AD8F-672D6B8FFCA7}" type="datetimeFigureOut">
               <a:rPr lang="en-US" smtClean="0"/>
-              <a:t>3/22/21</a:t>
+              <a:t>3/23/21</a:t>
             </a:fld>
             <a:endParaRPr lang="en-US"/>
           </a:p>
@@ -1314,7 +1317,7 @@
           <a:p>
             <a:fld id="{65821905-ECD0-F84B-AD8F-672D6B8FFCA7}" type="datetimeFigureOut">
               <a:rPr lang="en-US" smtClean="0"/>
-              <a:t>3/22/21</a:t>
+              <a:t>3/23/21</a:t>
             </a:fld>
             <a:endParaRPr lang="en-US"/>
           </a:p>
@@ -1589,7 +1592,7 @@
           <a:p>
             <a:fld id="{65821905-ECD0-F84B-AD8F-672D6B8FFCA7}" type="datetimeFigureOut">
               <a:rPr lang="en-US" smtClean="0"/>
-              <a:t>3/22/21</a:t>
+              <a:t>3/23/21</a:t>
             </a:fld>
             <a:endParaRPr lang="en-US"/>
           </a:p>
@@ -1854,7 +1857,7 @@
           <a:p>
             <a:fld id="{65821905-ECD0-F84B-AD8F-672D6B8FFCA7}" type="datetimeFigureOut">
               <a:rPr lang="en-US" smtClean="0"/>
-              <a:t>3/22/21</a:t>
+              <a:t>3/23/21</a:t>
             </a:fld>
             <a:endParaRPr lang="en-US"/>
           </a:p>
@@ -2266,7 +2269,7 @@
           <a:p>
             <a:fld id="{65821905-ECD0-F84B-AD8F-672D6B8FFCA7}" type="datetimeFigureOut">
               <a:rPr lang="en-US" smtClean="0"/>
-              <a:t>3/22/21</a:t>
+              <a:t>3/23/21</a:t>
             </a:fld>
             <a:endParaRPr lang="en-US"/>
           </a:p>
@@ -2407,7 +2410,7 @@
           <a:p>
             <a:fld id="{65821905-ECD0-F84B-AD8F-672D6B8FFCA7}" type="datetimeFigureOut">
               <a:rPr lang="en-US" smtClean="0"/>
-              <a:t>3/22/21</a:t>
+              <a:t>3/23/21</a:t>
             </a:fld>
             <a:endParaRPr lang="en-US"/>
           </a:p>
@@ -2520,7 +2523,7 @@
           <a:p>
             <a:fld id="{65821905-ECD0-F84B-AD8F-672D6B8FFCA7}" type="datetimeFigureOut">
               <a:rPr lang="en-US" smtClean="0"/>
-              <a:t>3/22/21</a:t>
+              <a:t>3/23/21</a:t>
             </a:fld>
             <a:endParaRPr lang="en-US"/>
           </a:p>
@@ -2831,7 +2834,7 @@
           <a:p>
             <a:fld id="{65821905-ECD0-F84B-AD8F-672D6B8FFCA7}" type="datetimeFigureOut">
               <a:rPr lang="en-US" smtClean="0"/>
-              <a:t>3/22/21</a:t>
+              <a:t>3/23/21</a:t>
             </a:fld>
             <a:endParaRPr lang="en-US"/>
           </a:p>
@@ -3119,7 +3122,7 @@
           <a:p>
             <a:fld id="{65821905-ECD0-F84B-AD8F-672D6B8FFCA7}" type="datetimeFigureOut">
               <a:rPr lang="en-US" smtClean="0"/>
-              <a:t>3/22/21</a:t>
+              <a:t>3/23/21</a:t>
             </a:fld>
             <a:endParaRPr lang="en-US"/>
           </a:p>
@@ -3360,7 +3363,7 @@
           <a:p>
             <a:fld id="{65821905-ECD0-F84B-AD8F-672D6B8FFCA7}" type="datetimeFigureOut">
               <a:rPr lang="en-US" smtClean="0"/>
-              <a:t>3/22/21</a:t>
+              <a:t>3/23/21</a:t>
             </a:fld>
             <a:endParaRPr lang="en-US"/>
           </a:p>
@@ -3879,7 +3882,7 @@
         </p:blipFill>
         <p:spPr>
           <a:xfrm>
-            <a:off x="5794172" y="2492035"/>
+            <a:off x="5946572" y="2498296"/>
             <a:ext cx="4978400" cy="3530600"/>
           </a:xfrm>
           <a:prstGeom prst="rect">
@@ -8167,6 +8170,770 @@
 </p:sld>
 </file>
 
+<file path=ppt/slides/slide17.xml><?xml version="1.0" encoding="utf-8"?>
+<p:sld xmlns:a="http://schemas.openxmlformats.org/drawingml/2006/main" xmlns:r="http://schemas.openxmlformats.org/officeDocument/2006/relationships" xmlns:p="http://schemas.openxmlformats.org/presentationml/2006/main">
+  <p:cSld>
+    <p:spTree>
+      <p:nvGrpSpPr>
+        <p:cNvPr id="1" name=""/>
+        <p:cNvGrpSpPr/>
+        <p:nvPr/>
+      </p:nvGrpSpPr>
+      <p:grpSpPr>
+        <a:xfrm>
+          <a:off x="0" y="0"/>
+          <a:ext cx="0" cy="0"/>
+          <a:chOff x="0" y="0"/>
+          <a:chExt cx="0" cy="0"/>
+        </a:xfrm>
+      </p:grpSpPr>
+      <p:sp>
+        <p:nvSpPr>
+          <p:cNvPr id="2" name="Title 1">
+            <a:extLst>
+              <a:ext uri="{FF2B5EF4-FFF2-40B4-BE49-F238E27FC236}">
+                <a16:creationId xmlns:a16="http://schemas.microsoft.com/office/drawing/2014/main" id="{8A5485C0-C2CC-F74B-AD9A-3793040943F1}"/>
+              </a:ext>
+            </a:extLst>
+          </p:cNvPr>
+          <p:cNvSpPr>
+            <a:spLocks noGrp="1"/>
+          </p:cNvSpPr>
+          <p:nvPr>
+            <p:ph type="title"/>
+          </p:nvPr>
+        </p:nvSpPr>
+        <p:spPr/>
+        <p:txBody>
+          <a:bodyPr/>
+          <a:lstStyle/>
+          <a:p>
+            <a:endParaRPr lang="en-US"/>
+          </a:p>
+        </p:txBody>
+      </p:sp>
+      <p:graphicFrame>
+        <p:nvGraphicFramePr>
+          <p:cNvPr id="4" name="Table 4">
+            <a:extLst>
+              <a:ext uri="{FF2B5EF4-FFF2-40B4-BE49-F238E27FC236}">
+                <a16:creationId xmlns:a16="http://schemas.microsoft.com/office/drawing/2014/main" id="{1BA669AC-9B0C-EF43-9E41-77CAB1B2CE0E}"/>
+              </a:ext>
+            </a:extLst>
+          </p:cNvPr>
+          <p:cNvGraphicFramePr>
+            <a:graphicFrameLocks noGrp="1"/>
+          </p:cNvGraphicFramePr>
+          <p:nvPr>
+            <p:ph idx="1"/>
+            <p:extLst>
+              <p:ext uri="{D42A27DB-BD31-4B8C-83A1-F6EECF244321}">
+                <p14:modId xmlns:p14="http://schemas.microsoft.com/office/powerpoint/2010/main" val="1971926275"/>
+              </p:ext>
+            </p:extLst>
+          </p:nvPr>
+        </p:nvGraphicFramePr>
+        <p:xfrm>
+          <a:off x="691054" y="2319612"/>
+          <a:ext cx="10058400" cy="3601720"/>
+        </p:xfrm>
+        <a:graphic>
+          <a:graphicData uri="http://schemas.openxmlformats.org/drawingml/2006/table">
+            <a:tbl>
+              <a:tblPr firstRow="1" bandRow="1">
+                <a:tableStyleId>{5C22544A-7EE6-4342-B048-85BDC9FD1C3A}</a:tableStyleId>
+              </a:tblPr>
+              <a:tblGrid>
+                <a:gridCol w="1711587">
+                  <a:extLst>
+                    <a:ext uri="{9D8B030D-6E8A-4147-A177-3AD203B41FA5}">
+                      <a16:colId xmlns:a16="http://schemas.microsoft.com/office/drawing/2014/main" val="3994028231"/>
+                    </a:ext>
+                  </a:extLst>
+                </a:gridCol>
+                <a:gridCol w="3762427">
+                  <a:extLst>
+                    <a:ext uri="{9D8B030D-6E8A-4147-A177-3AD203B41FA5}">
+                      <a16:colId xmlns:a16="http://schemas.microsoft.com/office/drawing/2014/main" val="3166027715"/>
+                    </a:ext>
+                  </a:extLst>
+                </a:gridCol>
+                <a:gridCol w="4584386">
+                  <a:extLst>
+                    <a:ext uri="{9D8B030D-6E8A-4147-A177-3AD203B41FA5}">
+                      <a16:colId xmlns:a16="http://schemas.microsoft.com/office/drawing/2014/main" val="2967148759"/>
+                    </a:ext>
+                  </a:extLst>
+                </a:gridCol>
+              </a:tblGrid>
+              <a:tr h="370840">
+                <a:tc>
+                  <a:txBody>
+                    <a:bodyPr/>
+                    <a:lstStyle/>
+                    <a:p>
+                      <a:r>
+                        <a:rPr lang="en-US" sz="1400" b="1" dirty="0"/>
+                        <a:t>Type</a:t>
+                      </a:r>
+                    </a:p>
+                  </a:txBody>
+                  <a:tcPr anchor="ctr"/>
+                </a:tc>
+                <a:tc>
+                  <a:txBody>
+                    <a:bodyPr/>
+                    <a:lstStyle/>
+                    <a:p>
+                      <a:r>
+                        <a:rPr lang="en-US" sz="1400" b="1" dirty="0"/>
+                        <a:t>Source</a:t>
+                      </a:r>
+                    </a:p>
+                  </a:txBody>
+                  <a:tcPr anchor="ctr"/>
+                </a:tc>
+                <a:tc>
+                  <a:txBody>
+                    <a:bodyPr/>
+                    <a:lstStyle/>
+                    <a:p>
+                      <a:r>
+                        <a:rPr lang="en-US" sz="1400" b="1" dirty="0"/>
+                        <a:t>Mitigation</a:t>
+                      </a:r>
+                    </a:p>
+                  </a:txBody>
+                  <a:tcPr anchor="ctr"/>
+                </a:tc>
+                <a:extLst>
+                  <a:ext uri="{0D108BD9-81ED-4DB2-BD59-A6C34878D82A}">
+                    <a16:rowId xmlns:a16="http://schemas.microsoft.com/office/drawing/2014/main" val="534659365"/>
+                  </a:ext>
+                </a:extLst>
+              </a:tr>
+              <a:tr h="370840">
+                <a:tc>
+                  <a:txBody>
+                    <a:bodyPr/>
+                    <a:lstStyle/>
+                    <a:p>
+                      <a:r>
+                        <a:rPr lang="en-US" sz="1400" b="1" dirty="0"/>
+                        <a:t>Social Bias</a:t>
+                      </a:r>
+                    </a:p>
+                  </a:txBody>
+                  <a:tcPr anchor="ctr"/>
+                </a:tc>
+                <a:tc>
+                  <a:txBody>
+                    <a:bodyPr/>
+                    <a:lstStyle/>
+                    <a:p>
+                      <a:pPr marL="0" marR="0" lvl="0" indent="0" algn="l" defTabSz="914400" rtl="0" eaLnBrk="1" fontAlgn="auto" latinLnBrk="0" hangingPunct="1">
+                        <a:lnSpc>
+                          <a:spcPct val="100000"/>
+                        </a:lnSpc>
+                        <a:spcBef>
+                          <a:spcPts val="0"/>
+                        </a:spcBef>
+                        <a:spcAft>
+                          <a:spcPts val="0"/>
+                        </a:spcAft>
+                        <a:buClrTx/>
+                        <a:buSzTx/>
+                        <a:buFontTx/>
+                        <a:buNone/>
+                        <a:tabLst/>
+                        <a:defRPr/>
+                      </a:pPr>
+                      <a:r>
+                        <a:rPr lang="en-US" sz="1400" dirty="0"/>
+                        <a:t>Occurs when respondents are inclined to portray themselves in a favorable light</a:t>
+                      </a:r>
+                    </a:p>
+                  </a:txBody>
+                  <a:tcPr anchor="ctr"/>
+                </a:tc>
+                <a:tc>
+                  <a:txBody>
+                    <a:bodyPr/>
+                    <a:lstStyle/>
+                    <a:p>
+                      <a:r>
+                        <a:rPr lang="en-US" sz="1400" dirty="0"/>
+                        <a:t>Make responses anonymous or avoid framing questions/choices in a socially desirable way</a:t>
+                      </a:r>
+                    </a:p>
+                  </a:txBody>
+                  <a:tcPr anchor="ctr"/>
+                </a:tc>
+                <a:extLst>
+                  <a:ext uri="{0D108BD9-81ED-4DB2-BD59-A6C34878D82A}">
+                    <a16:rowId xmlns:a16="http://schemas.microsoft.com/office/drawing/2014/main" val="3668794499"/>
+                  </a:ext>
+                </a:extLst>
+              </a:tr>
+              <a:tr h="370840">
+                <a:tc>
+                  <a:txBody>
+                    <a:bodyPr/>
+                    <a:lstStyle/>
+                    <a:p>
+                      <a:r>
+                        <a:rPr lang="en-US" sz="1400" b="1" dirty="0"/>
+                        <a:t>Acquiesce Bias</a:t>
+                      </a:r>
+                    </a:p>
+                  </a:txBody>
+                  <a:tcPr anchor="ctr"/>
+                </a:tc>
+                <a:tc>
+                  <a:txBody>
+                    <a:bodyPr/>
+                    <a:lstStyle/>
+                    <a:p>
+                      <a:pPr marL="0" marR="0" lvl="0" indent="0" algn="l" defTabSz="914400" rtl="0" eaLnBrk="1" fontAlgn="auto" latinLnBrk="0" hangingPunct="1">
+                        <a:lnSpc>
+                          <a:spcPct val="100000"/>
+                        </a:lnSpc>
+                        <a:spcBef>
+                          <a:spcPts val="0"/>
+                        </a:spcBef>
+                        <a:spcAft>
+                          <a:spcPts val="0"/>
+                        </a:spcAft>
+                        <a:buClrTx/>
+                        <a:buSzTx/>
+                        <a:buFontTx/>
+                        <a:buNone/>
+                        <a:tabLst/>
+                        <a:defRPr/>
+                      </a:pPr>
+                      <a:r>
+                        <a:rPr lang="en-US" sz="1400" dirty="0"/>
+                        <a:t>Occurs when questions stir respondents towards a direction or to agree with the statement as presented</a:t>
+                      </a:r>
+                    </a:p>
+                  </a:txBody>
+                  <a:tcPr anchor="ctr"/>
+                </a:tc>
+                <a:tc>
+                  <a:txBody>
+                    <a:bodyPr/>
+                    <a:lstStyle/>
+                    <a:p>
+                      <a:pPr marL="0" marR="0" lvl="0" indent="0" algn="l" defTabSz="914400" rtl="0" eaLnBrk="1" fontAlgn="auto" latinLnBrk="0" hangingPunct="1">
+                        <a:lnSpc>
+                          <a:spcPct val="100000"/>
+                        </a:lnSpc>
+                        <a:spcBef>
+                          <a:spcPts val="0"/>
+                        </a:spcBef>
+                        <a:spcAft>
+                          <a:spcPts val="0"/>
+                        </a:spcAft>
+                        <a:buClrTx/>
+                        <a:buSzTx/>
+                        <a:buFontTx/>
+                        <a:buNone/>
+                        <a:tabLst/>
+                        <a:defRPr/>
+                      </a:pPr>
+                      <a:r>
+                        <a:rPr lang="en-US" sz="1400" dirty="0"/>
+                        <a:t>Formulate instructions, questions, statements, and choice labels in a clear and objective way. Avoid having an even number of choices as it eliminates a neutral option</a:t>
+                      </a:r>
+                    </a:p>
+                  </a:txBody>
+                  <a:tcPr anchor="ctr"/>
+                </a:tc>
+                <a:extLst>
+                  <a:ext uri="{0D108BD9-81ED-4DB2-BD59-A6C34878D82A}">
+                    <a16:rowId xmlns:a16="http://schemas.microsoft.com/office/drawing/2014/main" val="3837803794"/>
+                  </a:ext>
+                </a:extLst>
+              </a:tr>
+              <a:tr h="370840">
+                <a:tc>
+                  <a:txBody>
+                    <a:bodyPr/>
+                    <a:lstStyle/>
+                    <a:p>
+                      <a:pPr marL="0" marR="0" lvl="0" indent="0" algn="l" defTabSz="914400" rtl="0" eaLnBrk="1" fontAlgn="auto" latinLnBrk="0" hangingPunct="1">
+                        <a:lnSpc>
+                          <a:spcPct val="100000"/>
+                        </a:lnSpc>
+                        <a:spcBef>
+                          <a:spcPts val="0"/>
+                        </a:spcBef>
+                        <a:spcAft>
+                          <a:spcPts val="0"/>
+                        </a:spcAft>
+                        <a:buClrTx/>
+                        <a:buSzTx/>
+                        <a:buFontTx/>
+                        <a:buNone/>
+                        <a:tabLst/>
+                        <a:defRPr/>
+                      </a:pPr>
+                      <a:r>
+                        <a:rPr lang="en-US" sz="1400" b="1" dirty="0"/>
+                        <a:t>Central tendency Bias</a:t>
+                      </a:r>
+                    </a:p>
+                  </a:txBody>
+                  <a:tcPr anchor="ctr"/>
+                </a:tc>
+                <a:tc>
+                  <a:txBody>
+                    <a:bodyPr/>
+                    <a:lstStyle/>
+                    <a:p>
+                      <a:pPr marL="0" marR="0" lvl="0" indent="0" algn="l" defTabSz="914400" rtl="0" eaLnBrk="1" fontAlgn="auto" latinLnBrk="0" hangingPunct="1">
+                        <a:lnSpc>
+                          <a:spcPct val="100000"/>
+                        </a:lnSpc>
+                        <a:spcBef>
+                          <a:spcPts val="0"/>
+                        </a:spcBef>
+                        <a:spcAft>
+                          <a:spcPts val="0"/>
+                        </a:spcAft>
+                        <a:buClrTx/>
+                        <a:buSzTx/>
+                        <a:buFontTx/>
+                        <a:buNone/>
+                        <a:tabLst/>
+                        <a:defRPr/>
+                      </a:pPr>
+                      <a:r>
+                        <a:rPr lang="en-US" sz="1400" dirty="0"/>
+                        <a:t>Occurs when respondents are likely to choose the middle of a Rating Scale if the stakes are too high</a:t>
+                      </a:r>
+                    </a:p>
+                  </a:txBody>
+                  <a:tcPr anchor="ctr"/>
+                </a:tc>
+                <a:tc>
+                  <a:txBody>
+                    <a:bodyPr/>
+                    <a:lstStyle/>
+                    <a:p>
+                      <a:r>
+                        <a:rPr lang="en-US" sz="1400" dirty="0"/>
+                        <a:t>Avoid using extreme response categories</a:t>
+                      </a:r>
+                    </a:p>
+                  </a:txBody>
+                  <a:tcPr anchor="ctr"/>
+                </a:tc>
+                <a:extLst>
+                  <a:ext uri="{0D108BD9-81ED-4DB2-BD59-A6C34878D82A}">
+                    <a16:rowId xmlns:a16="http://schemas.microsoft.com/office/drawing/2014/main" val="658460208"/>
+                  </a:ext>
+                </a:extLst>
+              </a:tr>
+              <a:tr h="370840">
+                <a:tc>
+                  <a:txBody>
+                    <a:bodyPr/>
+                    <a:lstStyle/>
+                    <a:p>
+                      <a:pPr marL="0" marR="0" lvl="0" indent="0" algn="l" defTabSz="914400" rtl="0" eaLnBrk="1" fontAlgn="auto" latinLnBrk="0" hangingPunct="1">
+                        <a:lnSpc>
+                          <a:spcPct val="100000"/>
+                        </a:lnSpc>
+                        <a:spcBef>
+                          <a:spcPts val="0"/>
+                        </a:spcBef>
+                        <a:spcAft>
+                          <a:spcPts val="0"/>
+                        </a:spcAft>
+                        <a:buClrTx/>
+                        <a:buSzTx/>
+                        <a:buFontTx/>
+                        <a:buNone/>
+                        <a:tabLst/>
+                        <a:defRPr/>
+                      </a:pPr>
+                      <a:r>
+                        <a:rPr lang="en-US" sz="1400" b="1" dirty="0"/>
+                        <a:t>Sampling Bias</a:t>
+                      </a:r>
+                    </a:p>
+                  </a:txBody>
+                  <a:tcPr anchor="ctr"/>
+                </a:tc>
+                <a:tc>
+                  <a:txBody>
+                    <a:bodyPr/>
+                    <a:lstStyle/>
+                    <a:p>
+                      <a:r>
+                        <a:rPr lang="en-US" sz="1400" dirty="0"/>
+                        <a:t>Occurs when results only represent the opinions of those inclined to submit responses</a:t>
+                      </a:r>
+                    </a:p>
+                  </a:txBody>
+                  <a:tcPr anchor="ctr"/>
+                </a:tc>
+                <a:tc>
+                  <a:txBody>
+                    <a:bodyPr/>
+                    <a:lstStyle/>
+                    <a:p>
+                      <a:r>
+                        <a:rPr lang="en-US" sz="1400" dirty="0"/>
+                        <a:t>Make responses easy but mandatory to complete</a:t>
+                      </a:r>
+                    </a:p>
+                  </a:txBody>
+                  <a:tcPr anchor="ctr"/>
+                </a:tc>
+                <a:extLst>
+                  <a:ext uri="{0D108BD9-81ED-4DB2-BD59-A6C34878D82A}">
+                    <a16:rowId xmlns:a16="http://schemas.microsoft.com/office/drawing/2014/main" val="845084666"/>
+                  </a:ext>
+                </a:extLst>
+              </a:tr>
+              <a:tr h="370840">
+                <a:tc>
+                  <a:txBody>
+                    <a:bodyPr/>
+                    <a:lstStyle/>
+                    <a:p>
+                      <a:pPr marL="0" marR="0" lvl="0" indent="0" algn="l" defTabSz="914400" rtl="0" eaLnBrk="1" fontAlgn="auto" latinLnBrk="0" hangingPunct="1">
+                        <a:lnSpc>
+                          <a:spcPct val="100000"/>
+                        </a:lnSpc>
+                        <a:spcBef>
+                          <a:spcPts val="0"/>
+                        </a:spcBef>
+                        <a:spcAft>
+                          <a:spcPts val="0"/>
+                        </a:spcAft>
+                        <a:buClrTx/>
+                        <a:buSzTx/>
+                        <a:buFontTx/>
+                        <a:buNone/>
+                        <a:tabLst/>
+                        <a:defRPr/>
+                      </a:pPr>
+                      <a:r>
+                        <a:rPr lang="en-US" sz="1400" b="1" dirty="0"/>
+                        <a:t>Question Order Bias (Order Effect Bias)</a:t>
+                      </a:r>
+                    </a:p>
+                  </a:txBody>
+                  <a:tcPr anchor="ctr"/>
+                </a:tc>
+                <a:tc>
+                  <a:txBody>
+                    <a:bodyPr/>
+                    <a:lstStyle/>
+                    <a:p>
+                      <a:r>
+                        <a:rPr lang="en-US" sz="1400" b="0" i="0" kern="1200" dirty="0">
+                          <a:solidFill>
+                            <a:schemeClr val="dk1"/>
+                          </a:solidFill>
+                          <a:effectLst/>
+                          <a:latin typeface="+mn-lt"/>
+                          <a:ea typeface="+mn-ea"/>
+                          <a:cs typeface="+mn-cs"/>
+                        </a:rPr>
+                        <a:t>Occurs when respondents react differently to questions based on the order in which questions appear in a survey </a:t>
+                      </a:r>
+                      <a:endParaRPr lang="en-US" sz="1400" dirty="0"/>
+                    </a:p>
+                  </a:txBody>
+                  <a:tcPr anchor="ctr"/>
+                </a:tc>
+                <a:tc>
+                  <a:txBody>
+                    <a:bodyPr/>
+                    <a:lstStyle/>
+                    <a:p>
+                      <a:pPr marL="0" marR="0" lvl="0" indent="0" algn="l" defTabSz="914400" rtl="0" eaLnBrk="1" fontAlgn="auto" latinLnBrk="0" hangingPunct="1">
+                        <a:lnSpc>
+                          <a:spcPct val="100000"/>
+                        </a:lnSpc>
+                        <a:spcBef>
+                          <a:spcPts val="0"/>
+                        </a:spcBef>
+                        <a:spcAft>
+                          <a:spcPts val="0"/>
+                        </a:spcAft>
+                        <a:buClrTx/>
+                        <a:buSzTx/>
+                        <a:buFontTx/>
+                        <a:buNone/>
+                        <a:tabLst/>
+                        <a:defRPr/>
+                      </a:pPr>
+                      <a:r>
+                        <a:rPr lang="en-US" sz="1400" dirty="0"/>
+                        <a:t>Mix the order in which questions are arranged in the survey</a:t>
+                      </a:r>
+                    </a:p>
+                  </a:txBody>
+                  <a:tcPr anchor="ctr"/>
+                </a:tc>
+                <a:extLst>
+                  <a:ext uri="{0D108BD9-81ED-4DB2-BD59-A6C34878D82A}">
+                    <a16:rowId xmlns:a16="http://schemas.microsoft.com/office/drawing/2014/main" val="2470244044"/>
+                  </a:ext>
+                </a:extLst>
+              </a:tr>
+            </a:tbl>
+          </a:graphicData>
+        </a:graphic>
+      </p:graphicFrame>
+    </p:spTree>
+    <p:extLst>
+      <p:ext uri="{BB962C8B-B14F-4D97-AF65-F5344CB8AC3E}">
+        <p14:creationId xmlns:p14="http://schemas.microsoft.com/office/powerpoint/2010/main" val="863372756"/>
+      </p:ext>
+    </p:extLst>
+  </p:cSld>
+  <p:clrMapOvr>
+    <a:masterClrMapping/>
+  </p:clrMapOvr>
+</p:sld>
+</file>
+
+<file path=ppt/slides/slide18.xml><?xml version="1.0" encoding="utf-8"?>
+<p:sld xmlns:a="http://schemas.openxmlformats.org/drawingml/2006/main" xmlns:r="http://schemas.openxmlformats.org/officeDocument/2006/relationships" xmlns:p="http://schemas.openxmlformats.org/presentationml/2006/main">
+  <p:cSld>
+    <p:spTree>
+      <p:nvGrpSpPr>
+        <p:cNvPr id="1" name=""/>
+        <p:cNvGrpSpPr/>
+        <p:nvPr/>
+      </p:nvGrpSpPr>
+      <p:grpSpPr>
+        <a:xfrm>
+          <a:off x="0" y="0"/>
+          <a:ext cx="0" cy="0"/>
+          <a:chOff x="0" y="0"/>
+          <a:chExt cx="0" cy="0"/>
+        </a:xfrm>
+      </p:grpSpPr>
+      <p:sp>
+        <p:nvSpPr>
+          <p:cNvPr id="2" name="Title 1">
+            <a:extLst>
+              <a:ext uri="{FF2B5EF4-FFF2-40B4-BE49-F238E27FC236}">
+                <a16:creationId xmlns:a16="http://schemas.microsoft.com/office/drawing/2014/main" id="{A714DDE2-C6A3-524E-9057-00B5784170C2}"/>
+              </a:ext>
+            </a:extLst>
+          </p:cNvPr>
+          <p:cNvSpPr>
+            <a:spLocks noGrp="1"/>
+          </p:cNvSpPr>
+          <p:nvPr>
+            <p:ph type="title"/>
+          </p:nvPr>
+        </p:nvSpPr>
+        <p:spPr/>
+        <p:txBody>
+          <a:bodyPr/>
+          <a:lstStyle/>
+          <a:p>
+            <a:endParaRPr lang="en-US"/>
+          </a:p>
+        </p:txBody>
+      </p:sp>
+      <p:pic>
+        <p:nvPicPr>
+          <p:cNvPr id="4" name="Picture 3" descr="Chart, scatter chart&#10;&#10;Description automatically generated">
+            <a:extLst>
+              <a:ext uri="{FF2B5EF4-FFF2-40B4-BE49-F238E27FC236}">
+                <a16:creationId xmlns:a16="http://schemas.microsoft.com/office/drawing/2014/main" id="{1639F955-5041-9840-A3C3-E05A2C77605A}"/>
+              </a:ext>
+            </a:extLst>
+          </p:cNvPr>
+          <p:cNvPicPr>
+            <a:picLocks noChangeAspect="1"/>
+          </p:cNvPicPr>
+          <p:nvPr/>
+        </p:nvPicPr>
+        <p:blipFill>
+          <a:blip r:embed="rId2"/>
+          <a:stretch>
+            <a:fillRect/>
+          </a:stretch>
+        </p:blipFill>
+        <p:spPr>
+          <a:xfrm>
+            <a:off x="6398054" y="2195041"/>
+            <a:ext cx="4978400" cy="3530600"/>
+          </a:xfrm>
+          <a:prstGeom prst="rect">
+            <a:avLst/>
+          </a:prstGeom>
+        </p:spPr>
+      </p:pic>
+      <p:pic>
+        <p:nvPicPr>
+          <p:cNvPr id="12" name="Picture 11" descr="Chart, scatter chart&#10;&#10;Description automatically generated">
+            <a:extLst>
+              <a:ext uri="{FF2B5EF4-FFF2-40B4-BE49-F238E27FC236}">
+                <a16:creationId xmlns:a16="http://schemas.microsoft.com/office/drawing/2014/main" id="{E193A746-CAAD-744C-B81B-B0600F33146F}"/>
+              </a:ext>
+            </a:extLst>
+          </p:cNvPr>
+          <p:cNvPicPr>
+            <a:picLocks noChangeAspect="1"/>
+          </p:cNvPicPr>
+          <p:nvPr/>
+        </p:nvPicPr>
+        <p:blipFill>
+          <a:blip r:embed="rId3"/>
+          <a:stretch>
+            <a:fillRect/>
+          </a:stretch>
+        </p:blipFill>
+        <p:spPr>
+          <a:xfrm>
+            <a:off x="1419654" y="2195041"/>
+            <a:ext cx="4978400" cy="3530600"/>
+          </a:xfrm>
+          <a:prstGeom prst="rect">
+            <a:avLst/>
+          </a:prstGeom>
+        </p:spPr>
+      </p:pic>
+    </p:spTree>
+    <p:extLst>
+      <p:ext uri="{BB962C8B-B14F-4D97-AF65-F5344CB8AC3E}">
+        <p14:creationId xmlns:p14="http://schemas.microsoft.com/office/powerpoint/2010/main" val="3434889837"/>
+      </p:ext>
+    </p:extLst>
+  </p:cSld>
+  <p:clrMapOvr>
+    <a:masterClrMapping/>
+  </p:clrMapOvr>
+</p:sld>
+</file>
+
+<file path=ppt/slides/slide19.xml><?xml version="1.0" encoding="utf-8"?>
+<p:sld xmlns:a="http://schemas.openxmlformats.org/drawingml/2006/main" xmlns:r="http://schemas.openxmlformats.org/officeDocument/2006/relationships" xmlns:p="http://schemas.openxmlformats.org/presentationml/2006/main">
+  <p:cSld>
+    <p:spTree>
+      <p:nvGrpSpPr>
+        <p:cNvPr id="1" name=""/>
+        <p:cNvGrpSpPr/>
+        <p:nvPr/>
+      </p:nvGrpSpPr>
+      <p:grpSpPr>
+        <a:xfrm>
+          <a:off x="0" y="0"/>
+          <a:ext cx="0" cy="0"/>
+          <a:chOff x="0" y="0"/>
+          <a:chExt cx="0" cy="0"/>
+        </a:xfrm>
+      </p:grpSpPr>
+      <p:sp>
+        <p:nvSpPr>
+          <p:cNvPr id="2" name="Title 1">
+            <a:extLst>
+              <a:ext uri="{FF2B5EF4-FFF2-40B4-BE49-F238E27FC236}">
+                <a16:creationId xmlns:a16="http://schemas.microsoft.com/office/drawing/2014/main" id="{100E0E40-1D1D-7B41-A872-F5F583C68F02}"/>
+              </a:ext>
+            </a:extLst>
+          </p:cNvPr>
+          <p:cNvSpPr>
+            <a:spLocks noGrp="1"/>
+          </p:cNvSpPr>
+          <p:nvPr>
+            <p:ph type="title"/>
+          </p:nvPr>
+        </p:nvSpPr>
+        <p:spPr/>
+        <p:txBody>
+          <a:bodyPr/>
+          <a:lstStyle/>
+          <a:p>
+            <a:endParaRPr lang="en-US"/>
+          </a:p>
+        </p:txBody>
+      </p:sp>
+      <p:pic>
+        <p:nvPicPr>
+          <p:cNvPr id="5" name="Picture 4" descr="Chart, scatter chart&#10;&#10;Description automatically generated">
+            <a:extLst>
+              <a:ext uri="{FF2B5EF4-FFF2-40B4-BE49-F238E27FC236}">
+                <a16:creationId xmlns:a16="http://schemas.microsoft.com/office/drawing/2014/main" id="{31C0AB12-368F-7B4A-83FB-9E14695AE5FD}"/>
+              </a:ext>
+            </a:extLst>
+          </p:cNvPr>
+          <p:cNvPicPr>
+            <a:picLocks noChangeAspect="1"/>
+          </p:cNvPicPr>
+          <p:nvPr/>
+        </p:nvPicPr>
+        <p:blipFill>
+          <a:blip r:embed="rId2"/>
+          <a:stretch>
+            <a:fillRect/>
+          </a:stretch>
+        </p:blipFill>
+        <p:spPr>
+          <a:xfrm>
+            <a:off x="697470" y="2281537"/>
+            <a:ext cx="4902200" cy="3530600"/>
+          </a:xfrm>
+          <a:prstGeom prst="rect">
+            <a:avLst/>
+          </a:prstGeom>
+        </p:spPr>
+      </p:pic>
+      <p:pic>
+        <p:nvPicPr>
+          <p:cNvPr id="7" name="Picture 6" descr="Chart, scatter chart&#10;&#10;Description automatically generated">
+            <a:extLst>
+              <a:ext uri="{FF2B5EF4-FFF2-40B4-BE49-F238E27FC236}">
+                <a16:creationId xmlns:a16="http://schemas.microsoft.com/office/drawing/2014/main" id="{5F194931-5AA3-5642-9ED7-D1CFC3D7EF45}"/>
+              </a:ext>
+            </a:extLst>
+          </p:cNvPr>
+          <p:cNvPicPr>
+            <a:picLocks noChangeAspect="1"/>
+          </p:cNvPicPr>
+          <p:nvPr/>
+        </p:nvPicPr>
+        <p:blipFill>
+          <a:blip r:embed="rId3"/>
+          <a:stretch>
+            <a:fillRect/>
+          </a:stretch>
+        </p:blipFill>
+        <p:spPr>
+          <a:xfrm>
+            <a:off x="5599670" y="2281537"/>
+            <a:ext cx="4826000" cy="3530600"/>
+          </a:xfrm>
+          <a:prstGeom prst="rect">
+            <a:avLst/>
+          </a:prstGeom>
+        </p:spPr>
+      </p:pic>
+    </p:spTree>
+    <p:extLst>
+      <p:ext uri="{BB962C8B-B14F-4D97-AF65-F5344CB8AC3E}">
+        <p14:creationId xmlns:p14="http://schemas.microsoft.com/office/powerpoint/2010/main" val="2980735122"/>
+      </p:ext>
+    </p:extLst>
+  </p:cSld>
+  <p:clrMapOvr>
+    <a:masterClrMapping/>
+  </p:clrMapOvr>
+</p:sld>
+</file>
+
 <file path=ppt/slides/slide2.xml><?xml version="1.0" encoding="utf-8"?>
 <p:sld xmlns:a="http://schemas.openxmlformats.org/drawingml/2006/main" xmlns:r="http://schemas.openxmlformats.org/officeDocument/2006/relationships" xmlns:p="http://schemas.openxmlformats.org/presentationml/2006/main">
   <p:cSld>
@@ -9161,8 +9928,8 @@
         </p:nvSpPr>
         <p:spPr>
           <a:xfrm>
-            <a:off x="3836829" y="2456820"/>
-            <a:ext cx="4916069" cy="3416320"/>
+            <a:off x="3507231" y="2872903"/>
+            <a:ext cx="6261057" cy="1754326"/>
           </a:xfrm>
           <a:prstGeom prst="rect">
             <a:avLst/>
@@ -9177,7 +9944,7 @@
           <a:p>
             <a:pPr algn="ctr"/>
             <a:r>
-              <a:rPr lang="en-US" sz="7200" b="1" cap="none" spc="0" dirty="0">
+              <a:rPr lang="en-US" sz="5400" b="1" cap="none" spc="0" dirty="0">
                 <a:ln w="22225">
                   <a:solidFill>
                     <a:schemeClr val="accent2"/>
@@ -9192,13 +9959,27 @@
                 </a:solidFill>
                 <a:effectLst/>
               </a:rPr>
-              <a:t>Improve </a:t>
+              <a:t>Taking a Closer Look </a:t>
             </a:r>
-          </a:p>
-          <a:p>
-            <a:pPr algn="ctr"/>
             <a:r>
-              <a:rPr lang="en-US" sz="7200" b="1" cap="none" spc="0" dirty="0">
+              <a:rPr lang="en-US" sz="5400" b="1" dirty="0">
+                <a:ln w="22225">
+                  <a:solidFill>
+                    <a:schemeClr val="accent2"/>
+                  </a:solidFill>
+                  <a:prstDash val="solid"/>
+                </a:ln>
+                <a:solidFill>
+                  <a:schemeClr val="accent2">
+                    <a:lumMod val="40000"/>
+                    <a:lumOff val="60000"/>
+                  </a:schemeClr>
+                </a:solidFill>
+              </a:rPr>
+              <a:t>at </a:t>
+            </a:r>
+            <a:r>
+              <a:rPr lang="en-US" sz="5400" b="1" cap="none" spc="0" dirty="0">
                 <a:ln w="22225">
                   <a:solidFill>
                     <a:schemeClr val="accent2"/>
@@ -9213,28 +9994,281 @@
                 </a:solidFill>
                 <a:effectLst/>
               </a:rPr>
-              <a:t>Customer </a:t>
+              <a:t>Rating Scales</a:t>
             </a:r>
           </a:p>
+        </p:txBody>
+      </p:sp>
+      <p:sp>
+        <p:nvSpPr>
+          <p:cNvPr id="15" name="Rectangle 14">
+            <a:extLst>
+              <a:ext uri="{FF2B5EF4-FFF2-40B4-BE49-F238E27FC236}">
+                <a16:creationId xmlns:a16="http://schemas.microsoft.com/office/drawing/2014/main" id="{D8D711B4-0AA9-FA4C-B442-FF0BD152D96D}"/>
+              </a:ext>
+            </a:extLst>
+          </p:cNvPr>
+          <p:cNvSpPr/>
+          <p:nvPr/>
+        </p:nvSpPr>
+        <p:spPr>
+          <a:xfrm>
+            <a:off x="3676891" y="4164980"/>
+            <a:ext cx="594360" cy="802436"/>
+          </a:xfrm>
+          <a:prstGeom prst="rect">
+            <a:avLst/>
+          </a:prstGeom>
+          <a:solidFill>
+            <a:srgbClr val="7E7FC4"/>
+          </a:solidFill>
+          <a:ln>
+            <a:noFill/>
+          </a:ln>
+        </p:spPr>
+        <p:style>
+          <a:lnRef idx="2">
+            <a:schemeClr val="accent1">
+              <a:shade val="50000"/>
+            </a:schemeClr>
+          </a:lnRef>
+          <a:fillRef idx="1">
+            <a:schemeClr val="accent1"/>
+          </a:fillRef>
+          <a:effectRef idx="0">
+            <a:schemeClr val="accent1"/>
+          </a:effectRef>
+          <a:fontRef idx="minor">
+            <a:schemeClr val="lt1"/>
+          </a:fontRef>
+        </p:style>
+        <p:txBody>
+          <a:bodyPr rtlCol="0" anchor="ctr"/>
+          <a:lstStyle/>
+          <a:p>
+            <a:pPr algn="ctr"/>
+            <a:endParaRPr lang="en-US"/>
+          </a:p>
+        </p:txBody>
+      </p:sp>
+      <p:sp>
+        <p:nvSpPr>
+          <p:cNvPr id="5" name="Oval 4">
+            <a:extLst>
+              <a:ext uri="{FF2B5EF4-FFF2-40B4-BE49-F238E27FC236}">
+                <a16:creationId xmlns:a16="http://schemas.microsoft.com/office/drawing/2014/main" id="{7B2D295B-061A-DA49-B8E3-05316D8CD8E5}"/>
+              </a:ext>
+            </a:extLst>
+          </p:cNvPr>
+          <p:cNvSpPr/>
+          <p:nvPr/>
+        </p:nvSpPr>
+        <p:spPr>
+          <a:xfrm>
+            <a:off x="3034957" y="3719385"/>
+            <a:ext cx="1234440" cy="1234440"/>
+          </a:xfrm>
+          <a:prstGeom prst="ellipse">
+            <a:avLst/>
+          </a:prstGeom>
+          <a:solidFill>
+            <a:srgbClr val="FFFFFF">
+              <a:alpha val="20000"/>
+            </a:srgbClr>
+          </a:solidFill>
+          <a:ln>
+            <a:noFill/>
+          </a:ln>
+        </p:spPr>
+        <p:style>
+          <a:lnRef idx="2">
+            <a:schemeClr val="accent1">
+              <a:shade val="50000"/>
+            </a:schemeClr>
+          </a:lnRef>
+          <a:fillRef idx="1">
+            <a:schemeClr val="accent1"/>
+          </a:fillRef>
+          <a:effectRef idx="0">
+            <a:schemeClr val="accent1"/>
+          </a:effectRef>
+          <a:fontRef idx="minor">
+            <a:schemeClr val="lt1"/>
+          </a:fontRef>
+        </p:style>
+        <p:txBody>
+          <a:bodyPr rtlCol="0" anchor="ctr"/>
+          <a:lstStyle/>
+          <a:p>
+            <a:pPr algn="ctr"/>
+            <a:endParaRPr lang="en-US"/>
+          </a:p>
+        </p:txBody>
+      </p:sp>
+      <p:pic>
+        <p:nvPicPr>
+          <p:cNvPr id="4" name="Graphic 3" descr="Magnifying glass">
+            <a:extLst>
+              <a:ext uri="{FF2B5EF4-FFF2-40B4-BE49-F238E27FC236}">
+                <a16:creationId xmlns:a16="http://schemas.microsoft.com/office/drawing/2014/main" id="{EFA4B985-7852-B544-B445-1768042BE37B}"/>
+              </a:ext>
+            </a:extLst>
+          </p:cNvPr>
+          <p:cNvPicPr>
+            <a:picLocks noChangeAspect="1"/>
+          </p:cNvPicPr>
+          <p:nvPr/>
+        </p:nvPicPr>
+        <p:blipFill>
+          <a:blip r:embed="rId3">
+            <a:extLst>
+              <a:ext uri="{96DAC541-7B7A-43D3-8B79-37D633B846F1}">
+                <asvg:svgBlip xmlns:asvg="http://schemas.microsoft.com/office/drawing/2016/SVG/main" r:embed="rId4"/>
+              </a:ext>
+            </a:extLst>
+          </a:blip>
+          <a:stretch>
+            <a:fillRect/>
+          </a:stretch>
+        </p:blipFill>
+        <p:spPr>
+          <a:xfrm>
+            <a:off x="2220487" y="3383399"/>
+            <a:ext cx="2403997" cy="2403997"/>
+          </a:xfrm>
+          <a:prstGeom prst="rect">
+            <a:avLst/>
+          </a:prstGeom>
+          <a:scene3d>
+            <a:camera prst="orthographicFront">
+              <a:rot lat="0" lon="10800000" rev="0"/>
+            </a:camera>
+            <a:lightRig rig="threePt" dir="t"/>
+          </a:scene3d>
+        </p:spPr>
+      </p:pic>
+      <p:sp>
+        <p:nvSpPr>
+          <p:cNvPr id="17" name="TextBox 16">
+            <a:extLst>
+              <a:ext uri="{FF2B5EF4-FFF2-40B4-BE49-F238E27FC236}">
+                <a16:creationId xmlns:a16="http://schemas.microsoft.com/office/drawing/2014/main" id="{A3D2C6B1-3343-C54D-9C17-19A80310D051}"/>
+              </a:ext>
+            </a:extLst>
+          </p:cNvPr>
+          <p:cNvSpPr txBox="1"/>
+          <p:nvPr/>
+        </p:nvSpPr>
+        <p:spPr>
+          <a:xfrm>
+            <a:off x="3022600" y="6104173"/>
+            <a:ext cx="2705556" cy="307777"/>
+          </a:xfrm>
+          <a:prstGeom prst="rect">
+            <a:avLst/>
+          </a:prstGeom>
+          <a:noFill/>
+        </p:spPr>
+        <p:txBody>
+          <a:bodyPr wrap="square" rtlCol="0">
+            <a:spAutoFit/>
+          </a:bodyPr>
+          <a:lstStyle/>
           <a:p>
             <a:pPr algn="ctr"/>
             <a:r>
-              <a:rPr lang="en-US" sz="7200" b="1" cap="none" spc="0" dirty="0">
-                <a:ln w="22225">
-                  <a:solidFill>
-                    <a:schemeClr val="accent2"/>
-                  </a:solidFill>
-                  <a:prstDash val="solid"/>
-                </a:ln>
+              <a:rPr lang="en-US" sz="1400" dirty="0">
                 <a:solidFill>
-                  <a:schemeClr val="accent2">
-                    <a:lumMod val="40000"/>
-                    <a:lumOff val="60000"/>
+                  <a:schemeClr val="bg1">
+                    <a:lumMod val="65000"/>
                   </a:schemeClr>
                 </a:solidFill>
-                <a:effectLst/>
               </a:rPr>
-              <a:t>Rating</a:t>
+              <a:t>Satisfaction Rating Before</a:t>
+            </a:r>
+          </a:p>
+        </p:txBody>
+      </p:sp>
+      <p:sp>
+        <p:nvSpPr>
+          <p:cNvPr id="18" name="TextBox 17">
+            <a:extLst>
+              <a:ext uri="{FF2B5EF4-FFF2-40B4-BE49-F238E27FC236}">
+                <a16:creationId xmlns:a16="http://schemas.microsoft.com/office/drawing/2014/main" id="{D72B419C-C47E-6941-BF8C-90614AB01D86}"/>
+              </a:ext>
+            </a:extLst>
+          </p:cNvPr>
+          <p:cNvSpPr txBox="1"/>
+          <p:nvPr/>
+        </p:nvSpPr>
+        <p:spPr>
+          <a:xfrm>
+            <a:off x="6818894" y="6104174"/>
+            <a:ext cx="2828692" cy="307777"/>
+          </a:xfrm>
+          <a:prstGeom prst="rect">
+            <a:avLst/>
+          </a:prstGeom>
+          <a:noFill/>
+        </p:spPr>
+        <p:txBody>
+          <a:bodyPr wrap="square" rtlCol="0">
+            <a:spAutoFit/>
+          </a:bodyPr>
+          <a:lstStyle/>
+          <a:p>
+            <a:pPr algn="ctr"/>
+            <a:r>
+              <a:rPr lang="en-US" sz="1400" dirty="0">
+                <a:solidFill>
+                  <a:schemeClr val="bg1">
+                    <a:lumMod val="65000"/>
+                  </a:schemeClr>
+                </a:solidFill>
+              </a:rPr>
+              <a:t>Satisfaction Rating After</a:t>
+            </a:r>
+          </a:p>
+        </p:txBody>
+      </p:sp>
+      <p:sp>
+        <p:nvSpPr>
+          <p:cNvPr id="19" name="TextBox 18">
+            <a:extLst>
+              <a:ext uri="{FF2B5EF4-FFF2-40B4-BE49-F238E27FC236}">
+                <a16:creationId xmlns:a16="http://schemas.microsoft.com/office/drawing/2014/main" id="{9871F569-AC03-FE45-8606-8BD41912DE09}"/>
+              </a:ext>
+            </a:extLst>
+          </p:cNvPr>
+          <p:cNvSpPr txBox="1"/>
+          <p:nvPr/>
+        </p:nvSpPr>
+        <p:spPr>
+          <a:xfrm rot="16200000">
+            <a:off x="1474941" y="4011091"/>
+            <a:ext cx="1867930" cy="307777"/>
+          </a:xfrm>
+          <a:prstGeom prst="rect">
+            <a:avLst/>
+          </a:prstGeom>
+          <a:noFill/>
+        </p:spPr>
+        <p:txBody>
+          <a:bodyPr wrap="square" rtlCol="0">
+            <a:spAutoFit/>
+          </a:bodyPr>
+          <a:lstStyle/>
+          <a:p>
+            <a:pPr algn="ctr"/>
+            <a:r>
+              <a:rPr lang="en-US" sz="1400" dirty="0">
+                <a:solidFill>
+                  <a:schemeClr val="bg1">
+                    <a:lumMod val="65000"/>
+                  </a:schemeClr>
+                </a:solidFill>
+              </a:rPr>
+              <a:t>Frequency</a:t>
             </a:r>
           </a:p>
         </p:txBody>

--- a/image/medium.pptx
+++ b/image/medium.pptx
@@ -5,7 +5,7 @@
     <p:sldMasterId id="2147483648" r:id="rId1"/>
   </p:sldMasterIdLst>
   <p:notesMasterIdLst>
-    <p:notesMasterId r:id="rId21"/>
+    <p:notesMasterId r:id="rId22"/>
   </p:notesMasterIdLst>
   <p:sldIdLst>
     <p:sldId id="256" r:id="rId2"/>
@@ -15,18 +15,19 @@
     <p:sldId id="259" r:id="rId6"/>
     <p:sldId id="261" r:id="rId7"/>
     <p:sldId id="260" r:id="rId8"/>
-    <p:sldId id="262" r:id="rId9"/>
-    <p:sldId id="267" r:id="rId10"/>
-    <p:sldId id="263" r:id="rId11"/>
-    <p:sldId id="271" r:id="rId12"/>
-    <p:sldId id="265" r:id="rId13"/>
-    <p:sldId id="266" r:id="rId14"/>
-    <p:sldId id="268" r:id="rId15"/>
-    <p:sldId id="269" r:id="rId16"/>
-    <p:sldId id="270" r:id="rId17"/>
-    <p:sldId id="272" r:id="rId18"/>
-    <p:sldId id="274" r:id="rId19"/>
-    <p:sldId id="275" r:id="rId20"/>
+    <p:sldId id="276" r:id="rId9"/>
+    <p:sldId id="262" r:id="rId10"/>
+    <p:sldId id="267" r:id="rId11"/>
+    <p:sldId id="263" r:id="rId12"/>
+    <p:sldId id="271" r:id="rId13"/>
+    <p:sldId id="265" r:id="rId14"/>
+    <p:sldId id="266" r:id="rId15"/>
+    <p:sldId id="268" r:id="rId16"/>
+    <p:sldId id="269" r:id="rId17"/>
+    <p:sldId id="270" r:id="rId18"/>
+    <p:sldId id="272" r:id="rId19"/>
+    <p:sldId id="274" r:id="rId20"/>
+    <p:sldId id="275" r:id="rId21"/>
   </p:sldIdLst>
   <p:sldSz cx="12192000" cy="6858000"/>
   <p:notesSz cx="6858000" cy="9144000"/>
@@ -547,7 +548,7 @@
           <a:p>
             <a:fld id="{138AD767-477E-734A-9270-25877E2893A8}" type="slidenum">
               <a:rPr lang="en-US" smtClean="0"/>
-              <a:t>13</a:t>
+              <a:t>14</a:t>
             </a:fld>
             <a:endParaRPr lang="en-US"/>
           </a:p>
@@ -3860,95 +3861,1612 @@
           <a:chExt cx="0" cy="0"/>
         </a:xfrm>
       </p:grpSpPr>
-      <p:pic>
-        <p:nvPicPr>
-          <p:cNvPr id="6" name="Picture 5" descr="Chart, scatter chart&#10;&#10;Description automatically generated">
-            <a:extLst>
-              <a:ext uri="{FF2B5EF4-FFF2-40B4-BE49-F238E27FC236}">
-                <a16:creationId xmlns:a16="http://schemas.microsoft.com/office/drawing/2014/main" id="{098BB027-8EB1-D644-BBEE-C36C47860F6C}"/>
-              </a:ext>
-            </a:extLst>
-          </p:cNvPr>
-          <p:cNvPicPr>
-            <a:picLocks noChangeAspect="1"/>
-          </p:cNvPicPr>
-          <p:nvPr/>
-        </p:nvPicPr>
-        <p:blipFill>
-          <a:blip r:embed="rId2"/>
-          <a:stretch>
-            <a:fillRect/>
-          </a:stretch>
-        </p:blipFill>
-        <p:spPr>
-          <a:xfrm>
-            <a:off x="5946572" y="2498296"/>
-            <a:ext cx="4978400" cy="3530600"/>
+      <p:cxnSp>
+        <p:nvCxnSpPr>
+          <p:cNvPr id="21" name="Straight Connector 20">
+            <a:extLst>
+              <a:ext uri="{FF2B5EF4-FFF2-40B4-BE49-F238E27FC236}">
+                <a16:creationId xmlns:a16="http://schemas.microsoft.com/office/drawing/2014/main" id="{2BFDE813-13EF-8C45-8CD7-66F49E226065}"/>
+              </a:ext>
+            </a:extLst>
+          </p:cNvPr>
+          <p:cNvCxnSpPr>
+            <a:cxnSpLocks/>
+          </p:cNvCxnSpPr>
+          <p:nvPr/>
+        </p:nvCxnSpPr>
+        <p:spPr>
+          <a:xfrm>
+            <a:off x="1471447" y="5504679"/>
+            <a:ext cx="8660524" cy="0"/>
+          </a:xfrm>
+          <a:prstGeom prst="line">
+            <a:avLst/>
+          </a:prstGeom>
+        </p:spPr>
+        <p:style>
+          <a:lnRef idx="1">
+            <a:schemeClr val="accent1"/>
+          </a:lnRef>
+          <a:fillRef idx="0">
+            <a:schemeClr val="accent1"/>
+          </a:fillRef>
+          <a:effectRef idx="0">
+            <a:schemeClr val="accent1"/>
+          </a:effectRef>
+          <a:fontRef idx="minor">
+            <a:schemeClr val="tx1"/>
+          </a:fontRef>
+        </p:style>
+      </p:cxnSp>
+      <p:cxnSp>
+        <p:nvCxnSpPr>
+          <p:cNvPr id="22" name="Straight Connector 21">
+            <a:extLst>
+              <a:ext uri="{FF2B5EF4-FFF2-40B4-BE49-F238E27FC236}">
+                <a16:creationId xmlns:a16="http://schemas.microsoft.com/office/drawing/2014/main" id="{64DD1843-06A1-5648-8045-1DAE5EC77740}"/>
+              </a:ext>
+            </a:extLst>
+          </p:cNvPr>
+          <p:cNvCxnSpPr>
+            <a:cxnSpLocks/>
+          </p:cNvCxnSpPr>
+          <p:nvPr/>
+        </p:nvCxnSpPr>
+        <p:spPr>
+          <a:xfrm>
+            <a:off x="1471447" y="5314179"/>
+            <a:ext cx="0" cy="182880"/>
+          </a:xfrm>
+          <a:prstGeom prst="line">
+            <a:avLst/>
+          </a:prstGeom>
+        </p:spPr>
+        <p:style>
+          <a:lnRef idx="1">
+            <a:schemeClr val="accent1"/>
+          </a:lnRef>
+          <a:fillRef idx="0">
+            <a:schemeClr val="accent1"/>
+          </a:fillRef>
+          <a:effectRef idx="0">
+            <a:schemeClr val="accent1"/>
+          </a:effectRef>
+          <a:fontRef idx="minor">
+            <a:schemeClr val="tx1"/>
+          </a:fontRef>
+        </p:style>
+      </p:cxnSp>
+      <p:cxnSp>
+        <p:nvCxnSpPr>
+          <p:cNvPr id="23" name="Straight Connector 22">
+            <a:extLst>
+              <a:ext uri="{FF2B5EF4-FFF2-40B4-BE49-F238E27FC236}">
+                <a16:creationId xmlns:a16="http://schemas.microsoft.com/office/drawing/2014/main" id="{3D12BC56-676C-0748-9CC0-2D90538DECBA}"/>
+              </a:ext>
+            </a:extLst>
+          </p:cNvPr>
+          <p:cNvCxnSpPr>
+            <a:cxnSpLocks/>
+          </p:cNvCxnSpPr>
+          <p:nvPr/>
+        </p:nvCxnSpPr>
+        <p:spPr>
+          <a:xfrm>
+            <a:off x="3636578" y="5314179"/>
+            <a:ext cx="0" cy="182880"/>
+          </a:xfrm>
+          <a:prstGeom prst="line">
+            <a:avLst/>
+          </a:prstGeom>
+        </p:spPr>
+        <p:style>
+          <a:lnRef idx="1">
+            <a:schemeClr val="accent1"/>
+          </a:lnRef>
+          <a:fillRef idx="0">
+            <a:schemeClr val="accent1"/>
+          </a:fillRef>
+          <a:effectRef idx="0">
+            <a:schemeClr val="accent1"/>
+          </a:effectRef>
+          <a:fontRef idx="minor">
+            <a:schemeClr val="tx1"/>
+          </a:fontRef>
+        </p:style>
+      </p:cxnSp>
+      <p:cxnSp>
+        <p:nvCxnSpPr>
+          <p:cNvPr id="24" name="Straight Connector 23">
+            <a:extLst>
+              <a:ext uri="{FF2B5EF4-FFF2-40B4-BE49-F238E27FC236}">
+                <a16:creationId xmlns:a16="http://schemas.microsoft.com/office/drawing/2014/main" id="{5D617DA8-B63B-E648-9EAC-E60327860FA8}"/>
+              </a:ext>
+            </a:extLst>
+          </p:cNvPr>
+          <p:cNvCxnSpPr>
+            <a:cxnSpLocks/>
+          </p:cNvCxnSpPr>
+          <p:nvPr/>
+        </p:nvCxnSpPr>
+        <p:spPr>
+          <a:xfrm>
+            <a:off x="5801709" y="5314179"/>
+            <a:ext cx="0" cy="182880"/>
+          </a:xfrm>
+          <a:prstGeom prst="line">
+            <a:avLst/>
+          </a:prstGeom>
+        </p:spPr>
+        <p:style>
+          <a:lnRef idx="1">
+            <a:schemeClr val="accent1"/>
+          </a:lnRef>
+          <a:fillRef idx="0">
+            <a:schemeClr val="accent1"/>
+          </a:fillRef>
+          <a:effectRef idx="0">
+            <a:schemeClr val="accent1"/>
+          </a:effectRef>
+          <a:fontRef idx="minor">
+            <a:schemeClr val="tx1"/>
+          </a:fontRef>
+        </p:style>
+      </p:cxnSp>
+      <p:cxnSp>
+        <p:nvCxnSpPr>
+          <p:cNvPr id="25" name="Straight Connector 24">
+            <a:extLst>
+              <a:ext uri="{FF2B5EF4-FFF2-40B4-BE49-F238E27FC236}">
+                <a16:creationId xmlns:a16="http://schemas.microsoft.com/office/drawing/2014/main" id="{F5E32603-DD25-3B4A-B160-FFD97828C5AB}"/>
+              </a:ext>
+            </a:extLst>
+          </p:cNvPr>
+          <p:cNvCxnSpPr>
+            <a:cxnSpLocks/>
+          </p:cNvCxnSpPr>
+          <p:nvPr/>
+        </p:nvCxnSpPr>
+        <p:spPr>
+          <a:xfrm>
+            <a:off x="7966840" y="5314179"/>
+            <a:ext cx="0" cy="182880"/>
+          </a:xfrm>
+          <a:prstGeom prst="line">
+            <a:avLst/>
+          </a:prstGeom>
+        </p:spPr>
+        <p:style>
+          <a:lnRef idx="1">
+            <a:schemeClr val="accent1"/>
+          </a:lnRef>
+          <a:fillRef idx="0">
+            <a:schemeClr val="accent1"/>
+          </a:fillRef>
+          <a:effectRef idx="0">
+            <a:schemeClr val="accent1"/>
+          </a:effectRef>
+          <a:fontRef idx="minor">
+            <a:schemeClr val="tx1"/>
+          </a:fontRef>
+        </p:style>
+      </p:cxnSp>
+      <p:cxnSp>
+        <p:nvCxnSpPr>
+          <p:cNvPr id="26" name="Straight Connector 25">
+            <a:extLst>
+              <a:ext uri="{FF2B5EF4-FFF2-40B4-BE49-F238E27FC236}">
+                <a16:creationId xmlns:a16="http://schemas.microsoft.com/office/drawing/2014/main" id="{55BFEABE-17D8-2445-B757-43ED2F77BC9B}"/>
+              </a:ext>
+            </a:extLst>
+          </p:cNvPr>
+          <p:cNvCxnSpPr>
+            <a:cxnSpLocks/>
+          </p:cNvCxnSpPr>
+          <p:nvPr/>
+        </p:nvCxnSpPr>
+        <p:spPr>
+          <a:xfrm>
+            <a:off x="10131971" y="5314179"/>
+            <a:ext cx="0" cy="182880"/>
+          </a:xfrm>
+          <a:prstGeom prst="line">
+            <a:avLst/>
+          </a:prstGeom>
+        </p:spPr>
+        <p:style>
+          <a:lnRef idx="1">
+            <a:schemeClr val="accent1"/>
+          </a:lnRef>
+          <a:fillRef idx="0">
+            <a:schemeClr val="accent1"/>
+          </a:fillRef>
+          <a:effectRef idx="0">
+            <a:schemeClr val="accent1"/>
+          </a:effectRef>
+          <a:fontRef idx="minor">
+            <a:schemeClr val="tx1"/>
+          </a:fontRef>
+        </p:style>
+      </p:cxnSp>
+      <p:sp>
+        <p:nvSpPr>
+          <p:cNvPr id="31" name="Left Brace 30">
+            <a:extLst>
+              <a:ext uri="{FF2B5EF4-FFF2-40B4-BE49-F238E27FC236}">
+                <a16:creationId xmlns:a16="http://schemas.microsoft.com/office/drawing/2014/main" id="{3A8FAF63-197C-C645-9C6A-15FE2FA8949F}"/>
+              </a:ext>
+            </a:extLst>
+          </p:cNvPr>
+          <p:cNvSpPr/>
+          <p:nvPr/>
+        </p:nvSpPr>
+        <p:spPr>
+          <a:xfrm rot="16200000">
+            <a:off x="4665214" y="4583412"/>
+            <a:ext cx="91440" cy="2055432"/>
+          </a:xfrm>
+          <a:prstGeom prst="leftBrace">
+            <a:avLst/>
+          </a:prstGeom>
+        </p:spPr>
+        <p:style>
+          <a:lnRef idx="1">
+            <a:schemeClr val="accent1"/>
+          </a:lnRef>
+          <a:fillRef idx="0">
+            <a:schemeClr val="accent1"/>
+          </a:fillRef>
+          <a:effectRef idx="0">
+            <a:schemeClr val="accent1"/>
+          </a:effectRef>
+          <a:fontRef idx="minor">
+            <a:schemeClr val="tx1"/>
+          </a:fontRef>
+        </p:style>
+        <p:txBody>
+          <a:bodyPr rtlCol="0" anchor="ctr"/>
+          <a:lstStyle/>
+          <a:p>
+            <a:pPr algn="ctr"/>
+            <a:endParaRPr lang="en-US"/>
+          </a:p>
+        </p:txBody>
+      </p:sp>
+      <p:sp>
+        <p:nvSpPr>
+          <p:cNvPr id="32" name="Left Brace 31">
+            <a:extLst>
+              <a:ext uri="{FF2B5EF4-FFF2-40B4-BE49-F238E27FC236}">
+                <a16:creationId xmlns:a16="http://schemas.microsoft.com/office/drawing/2014/main" id="{40DAB3E6-C3F9-964D-958C-BEB635AE72C9}"/>
+              </a:ext>
+            </a:extLst>
+          </p:cNvPr>
+          <p:cNvSpPr/>
+          <p:nvPr/>
+        </p:nvSpPr>
+        <p:spPr>
+          <a:xfrm rot="16200000">
+            <a:off x="2495483" y="4583412"/>
+            <a:ext cx="91440" cy="2055432"/>
+          </a:xfrm>
+          <a:prstGeom prst="leftBrace">
+            <a:avLst/>
+          </a:prstGeom>
+        </p:spPr>
+        <p:style>
+          <a:lnRef idx="1">
+            <a:schemeClr val="accent1"/>
+          </a:lnRef>
+          <a:fillRef idx="0">
+            <a:schemeClr val="accent1"/>
+          </a:fillRef>
+          <a:effectRef idx="0">
+            <a:schemeClr val="accent1"/>
+          </a:effectRef>
+          <a:fontRef idx="minor">
+            <a:schemeClr val="tx1"/>
+          </a:fontRef>
+        </p:style>
+        <p:txBody>
+          <a:bodyPr rtlCol="0" anchor="ctr"/>
+          <a:lstStyle/>
+          <a:p>
+            <a:pPr algn="ctr"/>
+            <a:endParaRPr lang="en-US"/>
+          </a:p>
+        </p:txBody>
+      </p:sp>
+      <p:sp>
+        <p:nvSpPr>
+          <p:cNvPr id="34" name="TextBox 33">
+            <a:extLst>
+              <a:ext uri="{FF2B5EF4-FFF2-40B4-BE49-F238E27FC236}">
+                <a16:creationId xmlns:a16="http://schemas.microsoft.com/office/drawing/2014/main" id="{54525AB4-ECE4-F946-9E24-FDC920BA4850}"/>
+              </a:ext>
+            </a:extLst>
+          </p:cNvPr>
+          <p:cNvSpPr txBox="1"/>
+          <p:nvPr/>
+        </p:nvSpPr>
+        <p:spPr>
+          <a:xfrm>
+            <a:off x="2293883" y="5688380"/>
+            <a:ext cx="2664373" cy="246221"/>
           </a:xfrm>
           <a:prstGeom prst="rect">
             <a:avLst/>
           </a:prstGeom>
-        </p:spPr>
-      </p:pic>
-      <p:pic>
-        <p:nvPicPr>
-          <p:cNvPr id="8" name="Picture 7" descr="Graphical user interface, text, application&#10;&#10;Description automatically generated">
-            <a:extLst>
-              <a:ext uri="{FF2B5EF4-FFF2-40B4-BE49-F238E27FC236}">
-                <a16:creationId xmlns:a16="http://schemas.microsoft.com/office/drawing/2014/main" id="{87DF4EC9-AD51-6D44-8C56-B27504F39960}"/>
-              </a:ext>
-            </a:extLst>
-          </p:cNvPr>
-          <p:cNvPicPr>
-            <a:picLocks noChangeAspect="1"/>
-          </p:cNvPicPr>
-          <p:nvPr/>
-        </p:nvPicPr>
-        <p:blipFill>
-          <a:blip r:embed="rId3"/>
-          <a:stretch>
-            <a:fillRect/>
-          </a:stretch>
-        </p:blipFill>
-        <p:spPr>
-          <a:xfrm>
-            <a:off x="968172" y="2498296"/>
-            <a:ext cx="4978400" cy="3530600"/>
+          <a:noFill/>
+        </p:spPr>
+        <p:txBody>
+          <a:bodyPr wrap="square" rtlCol="0">
+            <a:spAutoFit/>
+          </a:bodyPr>
+          <a:lstStyle/>
+          <a:p>
+            <a:pPr algn="ctr"/>
+            <a:r>
+              <a:rPr lang="en-US" sz="1000" dirty="0">
+                <a:solidFill>
+                  <a:schemeClr val="accent6"/>
+                </a:solidFill>
+              </a:rPr>
+              <a:t>same distance</a:t>
+            </a:r>
+          </a:p>
+        </p:txBody>
+      </p:sp>
+      <p:sp>
+        <p:nvSpPr>
+          <p:cNvPr id="35" name="TextBox 34">
+            <a:extLst>
+              <a:ext uri="{FF2B5EF4-FFF2-40B4-BE49-F238E27FC236}">
+                <a16:creationId xmlns:a16="http://schemas.microsoft.com/office/drawing/2014/main" id="{5DFBAE2D-1C9A-E14F-B4CE-2543897B4DC8}"/>
+              </a:ext>
+            </a:extLst>
+          </p:cNvPr>
+          <p:cNvSpPr txBox="1"/>
+          <p:nvPr/>
+        </p:nvSpPr>
+        <p:spPr>
+          <a:xfrm>
+            <a:off x="804041" y="4843082"/>
+            <a:ext cx="1355831" cy="400110"/>
           </a:xfrm>
           <a:prstGeom prst="rect">
             <a:avLst/>
           </a:prstGeom>
-        </p:spPr>
-      </p:pic>
-      <p:sp>
-        <p:nvSpPr>
-          <p:cNvPr id="2" name="Title 1">
-            <a:extLst>
-              <a:ext uri="{FF2B5EF4-FFF2-40B4-BE49-F238E27FC236}">
-                <a16:creationId xmlns:a16="http://schemas.microsoft.com/office/drawing/2014/main" id="{5BED5A8A-EA34-B242-BD02-9ADBCAEB7CF0}"/>
-              </a:ext>
-            </a:extLst>
-          </p:cNvPr>
-          <p:cNvSpPr>
-            <a:spLocks noGrp="1"/>
-          </p:cNvSpPr>
-          <p:nvPr>
-            <p:ph type="title"/>
-          </p:nvPr>
-        </p:nvSpPr>
-        <p:spPr/>
-        <p:txBody>
-          <a:bodyPr/>
-          <a:lstStyle/>
-          <a:p>
-            <a:endParaRPr lang="en-US" dirty="0"/>
+          <a:noFill/>
+        </p:spPr>
+        <p:txBody>
+          <a:bodyPr wrap="square" rtlCol="0">
+            <a:spAutoFit/>
+          </a:bodyPr>
+          <a:lstStyle/>
+          <a:p>
+            <a:pPr algn="ctr"/>
+            <a:r>
+              <a:rPr lang="en-US" sz="1000" dirty="0"/>
+              <a:t>Not Satisfied</a:t>
+            </a:r>
+          </a:p>
+          <a:p>
+            <a:pPr algn="ctr"/>
+            <a:r>
+              <a:rPr lang="en-US" sz="1000" dirty="0"/>
+              <a:t>1</a:t>
+            </a:r>
+          </a:p>
+        </p:txBody>
+      </p:sp>
+      <p:sp>
+        <p:nvSpPr>
+          <p:cNvPr id="36" name="TextBox 35">
+            <a:extLst>
+              <a:ext uri="{FF2B5EF4-FFF2-40B4-BE49-F238E27FC236}">
+                <a16:creationId xmlns:a16="http://schemas.microsoft.com/office/drawing/2014/main" id="{333CB4DB-FE24-C242-8EF2-EB4BB7F397D3}"/>
+              </a:ext>
+            </a:extLst>
+          </p:cNvPr>
+          <p:cNvSpPr txBox="1"/>
+          <p:nvPr/>
+        </p:nvSpPr>
+        <p:spPr>
+          <a:xfrm>
+            <a:off x="5134303" y="4966193"/>
+            <a:ext cx="1355831" cy="276999"/>
+          </a:xfrm>
+          <a:prstGeom prst="rect">
+            <a:avLst/>
+          </a:prstGeom>
+          <a:noFill/>
+        </p:spPr>
+        <p:txBody>
+          <a:bodyPr wrap="square" rtlCol="0">
+            <a:spAutoFit/>
+          </a:bodyPr>
+          <a:lstStyle/>
+          <a:p>
+            <a:pPr algn="ctr"/>
+            <a:r>
+              <a:rPr lang="en-US" sz="1200" dirty="0"/>
+              <a:t>3</a:t>
+            </a:r>
+          </a:p>
+        </p:txBody>
+      </p:sp>
+      <p:sp>
+        <p:nvSpPr>
+          <p:cNvPr id="37" name="TextBox 36">
+            <a:extLst>
+              <a:ext uri="{FF2B5EF4-FFF2-40B4-BE49-F238E27FC236}">
+                <a16:creationId xmlns:a16="http://schemas.microsoft.com/office/drawing/2014/main" id="{84C5E143-CE29-2943-8376-9FC3C010EE1D}"/>
+              </a:ext>
+            </a:extLst>
+          </p:cNvPr>
+          <p:cNvSpPr txBox="1"/>
+          <p:nvPr/>
+        </p:nvSpPr>
+        <p:spPr>
+          <a:xfrm>
+            <a:off x="7299434" y="4966193"/>
+            <a:ext cx="1355831" cy="276999"/>
+          </a:xfrm>
+          <a:prstGeom prst="rect">
+            <a:avLst/>
+          </a:prstGeom>
+          <a:noFill/>
+        </p:spPr>
+        <p:txBody>
+          <a:bodyPr wrap="square" rtlCol="0">
+            <a:spAutoFit/>
+          </a:bodyPr>
+          <a:lstStyle/>
+          <a:p>
+            <a:pPr algn="ctr"/>
+            <a:r>
+              <a:rPr lang="en-US" sz="1200" dirty="0"/>
+              <a:t>4</a:t>
+            </a:r>
+          </a:p>
+        </p:txBody>
+      </p:sp>
+      <p:sp>
+        <p:nvSpPr>
+          <p:cNvPr id="38" name="TextBox 37">
+            <a:extLst>
+              <a:ext uri="{FF2B5EF4-FFF2-40B4-BE49-F238E27FC236}">
+                <a16:creationId xmlns:a16="http://schemas.microsoft.com/office/drawing/2014/main" id="{0518877B-27C8-014B-9712-99CD7CC8F601}"/>
+              </a:ext>
+            </a:extLst>
+          </p:cNvPr>
+          <p:cNvSpPr txBox="1"/>
+          <p:nvPr/>
+        </p:nvSpPr>
+        <p:spPr>
+          <a:xfrm>
+            <a:off x="9464565" y="4843082"/>
+            <a:ext cx="1355831" cy="400110"/>
+          </a:xfrm>
+          <a:prstGeom prst="rect">
+            <a:avLst/>
+          </a:prstGeom>
+          <a:noFill/>
+        </p:spPr>
+        <p:txBody>
+          <a:bodyPr wrap="square" rtlCol="0">
+            <a:spAutoFit/>
+          </a:bodyPr>
+          <a:lstStyle/>
+          <a:p>
+            <a:pPr algn="ctr"/>
+            <a:r>
+              <a:rPr lang="en-US" sz="1000" dirty="0"/>
+              <a:t>Satisfied</a:t>
+            </a:r>
+          </a:p>
+          <a:p>
+            <a:pPr algn="ctr"/>
+            <a:r>
+              <a:rPr lang="en-US" sz="1000" dirty="0"/>
+              <a:t>5</a:t>
+            </a:r>
+          </a:p>
+        </p:txBody>
+      </p:sp>
+      <p:sp>
+        <p:nvSpPr>
+          <p:cNvPr id="39" name="TextBox 38">
+            <a:extLst>
+              <a:ext uri="{FF2B5EF4-FFF2-40B4-BE49-F238E27FC236}">
+                <a16:creationId xmlns:a16="http://schemas.microsoft.com/office/drawing/2014/main" id="{572794AD-4AFE-9247-8DBF-5DAF6A76A998}"/>
+              </a:ext>
+            </a:extLst>
+          </p:cNvPr>
+          <p:cNvSpPr txBox="1"/>
+          <p:nvPr/>
+        </p:nvSpPr>
+        <p:spPr>
+          <a:xfrm>
+            <a:off x="2969172" y="4966193"/>
+            <a:ext cx="1355831" cy="276999"/>
+          </a:xfrm>
+          <a:prstGeom prst="rect">
+            <a:avLst/>
+          </a:prstGeom>
+          <a:noFill/>
+        </p:spPr>
+        <p:txBody>
+          <a:bodyPr wrap="square" rtlCol="0">
+            <a:spAutoFit/>
+          </a:bodyPr>
+          <a:lstStyle/>
+          <a:p>
+            <a:pPr algn="ctr"/>
+            <a:r>
+              <a:rPr lang="en-US" sz="1200" dirty="0"/>
+              <a:t>2</a:t>
+            </a:r>
+          </a:p>
+        </p:txBody>
+      </p:sp>
+      <p:sp>
+        <p:nvSpPr>
+          <p:cNvPr id="47" name="TextBox 46">
+            <a:extLst>
+              <a:ext uri="{FF2B5EF4-FFF2-40B4-BE49-F238E27FC236}">
+                <a16:creationId xmlns:a16="http://schemas.microsoft.com/office/drawing/2014/main" id="{2D61D9E3-5E65-F44F-A721-5E7F42AE3697}"/>
+              </a:ext>
+            </a:extLst>
+          </p:cNvPr>
+          <p:cNvSpPr txBox="1"/>
+          <p:nvPr/>
+        </p:nvSpPr>
+        <p:spPr>
+          <a:xfrm>
+            <a:off x="733424" y="364383"/>
+            <a:ext cx="10755989" cy="707886"/>
+          </a:xfrm>
+          <a:prstGeom prst="rect">
+            <a:avLst/>
+          </a:prstGeom>
+          <a:noFill/>
+        </p:spPr>
+        <p:txBody>
+          <a:bodyPr wrap="square" rtlCol="0">
+            <a:spAutoFit/>
+          </a:bodyPr>
+          <a:lstStyle/>
+          <a:p>
+            <a:pPr algn="ctr"/>
+            <a:r>
+              <a:rPr lang="en-US" sz="4000" dirty="0"/>
+              <a:t>How Do You Feel About Your Experience? </a:t>
+            </a:r>
+          </a:p>
+        </p:txBody>
+      </p:sp>
+      <p:cxnSp>
+        <p:nvCxnSpPr>
+          <p:cNvPr id="5" name="Straight Connector 4">
+            <a:extLst>
+              <a:ext uri="{FF2B5EF4-FFF2-40B4-BE49-F238E27FC236}">
+                <a16:creationId xmlns:a16="http://schemas.microsoft.com/office/drawing/2014/main" id="{9B43F118-1A79-2A40-81D1-2BC2C9E2F659}"/>
+              </a:ext>
+            </a:extLst>
+          </p:cNvPr>
+          <p:cNvCxnSpPr>
+            <a:cxnSpLocks/>
+          </p:cNvCxnSpPr>
+          <p:nvPr/>
+        </p:nvCxnSpPr>
+        <p:spPr>
+          <a:xfrm>
+            <a:off x="1471449" y="2228817"/>
+            <a:ext cx="8660524" cy="0"/>
+          </a:xfrm>
+          <a:prstGeom prst="line">
+            <a:avLst/>
+          </a:prstGeom>
+        </p:spPr>
+        <p:style>
+          <a:lnRef idx="1">
+            <a:schemeClr val="accent1"/>
+          </a:lnRef>
+          <a:fillRef idx="0">
+            <a:schemeClr val="accent1"/>
+          </a:fillRef>
+          <a:effectRef idx="0">
+            <a:schemeClr val="accent1"/>
+          </a:effectRef>
+          <a:fontRef idx="minor">
+            <a:schemeClr val="tx1"/>
+          </a:fontRef>
+        </p:style>
+      </p:cxnSp>
+      <p:cxnSp>
+        <p:nvCxnSpPr>
+          <p:cNvPr id="8" name="Straight Connector 7">
+            <a:extLst>
+              <a:ext uri="{FF2B5EF4-FFF2-40B4-BE49-F238E27FC236}">
+                <a16:creationId xmlns:a16="http://schemas.microsoft.com/office/drawing/2014/main" id="{E5A2FEB1-01DF-B64C-AE36-689B31B3E5AC}"/>
+              </a:ext>
+            </a:extLst>
+          </p:cNvPr>
+          <p:cNvCxnSpPr>
+            <a:cxnSpLocks/>
+          </p:cNvCxnSpPr>
+          <p:nvPr/>
+        </p:nvCxnSpPr>
+        <p:spPr>
+          <a:xfrm>
+            <a:off x="1471449" y="2038317"/>
+            <a:ext cx="0" cy="182880"/>
+          </a:xfrm>
+          <a:prstGeom prst="line">
+            <a:avLst/>
+          </a:prstGeom>
+        </p:spPr>
+        <p:style>
+          <a:lnRef idx="1">
+            <a:schemeClr val="accent1"/>
+          </a:lnRef>
+          <a:fillRef idx="0">
+            <a:schemeClr val="accent1"/>
+          </a:fillRef>
+          <a:effectRef idx="0">
+            <a:schemeClr val="accent1"/>
+          </a:effectRef>
+          <a:fontRef idx="minor">
+            <a:schemeClr val="tx1"/>
+          </a:fontRef>
+        </p:style>
+      </p:cxnSp>
+      <p:cxnSp>
+        <p:nvCxnSpPr>
+          <p:cNvPr id="9" name="Straight Connector 8">
+            <a:extLst>
+              <a:ext uri="{FF2B5EF4-FFF2-40B4-BE49-F238E27FC236}">
+                <a16:creationId xmlns:a16="http://schemas.microsoft.com/office/drawing/2014/main" id="{40F8FD00-1AC9-9640-88C4-3E3F5FAC179F}"/>
+              </a:ext>
+            </a:extLst>
+          </p:cNvPr>
+          <p:cNvCxnSpPr>
+            <a:cxnSpLocks/>
+          </p:cNvCxnSpPr>
+          <p:nvPr/>
+        </p:nvCxnSpPr>
+        <p:spPr>
+          <a:xfrm>
+            <a:off x="4315811" y="2038317"/>
+            <a:ext cx="0" cy="182880"/>
+          </a:xfrm>
+          <a:prstGeom prst="line">
+            <a:avLst/>
+          </a:prstGeom>
+        </p:spPr>
+        <p:style>
+          <a:lnRef idx="1">
+            <a:schemeClr val="accent1"/>
+          </a:lnRef>
+          <a:fillRef idx="0">
+            <a:schemeClr val="accent1"/>
+          </a:fillRef>
+          <a:effectRef idx="0">
+            <a:schemeClr val="accent1"/>
+          </a:effectRef>
+          <a:fontRef idx="minor">
+            <a:schemeClr val="tx1"/>
+          </a:fontRef>
+        </p:style>
+      </p:cxnSp>
+      <p:cxnSp>
+        <p:nvCxnSpPr>
+          <p:cNvPr id="10" name="Straight Connector 9">
+            <a:extLst>
+              <a:ext uri="{FF2B5EF4-FFF2-40B4-BE49-F238E27FC236}">
+                <a16:creationId xmlns:a16="http://schemas.microsoft.com/office/drawing/2014/main" id="{BF5228C0-3978-2640-8BF9-E95C9D21D5F9}"/>
+              </a:ext>
+            </a:extLst>
+          </p:cNvPr>
+          <p:cNvCxnSpPr>
+            <a:cxnSpLocks/>
+          </p:cNvCxnSpPr>
+          <p:nvPr/>
+        </p:nvCxnSpPr>
+        <p:spPr>
+          <a:xfrm>
+            <a:off x="5801711" y="2038317"/>
+            <a:ext cx="0" cy="182880"/>
+          </a:xfrm>
+          <a:prstGeom prst="line">
+            <a:avLst/>
+          </a:prstGeom>
+        </p:spPr>
+        <p:style>
+          <a:lnRef idx="1">
+            <a:schemeClr val="accent1"/>
+          </a:lnRef>
+          <a:fillRef idx="0">
+            <a:schemeClr val="accent1"/>
+          </a:fillRef>
+          <a:effectRef idx="0">
+            <a:schemeClr val="accent1"/>
+          </a:effectRef>
+          <a:fontRef idx="minor">
+            <a:schemeClr val="tx1"/>
+          </a:fontRef>
+        </p:style>
+      </p:cxnSp>
+      <p:cxnSp>
+        <p:nvCxnSpPr>
+          <p:cNvPr id="11" name="Straight Connector 10">
+            <a:extLst>
+              <a:ext uri="{FF2B5EF4-FFF2-40B4-BE49-F238E27FC236}">
+                <a16:creationId xmlns:a16="http://schemas.microsoft.com/office/drawing/2014/main" id="{5F21B786-EA99-9944-9EEF-BF3098B40676}"/>
+              </a:ext>
+            </a:extLst>
+          </p:cNvPr>
+          <p:cNvCxnSpPr>
+            <a:cxnSpLocks/>
+          </p:cNvCxnSpPr>
+          <p:nvPr/>
+        </p:nvCxnSpPr>
+        <p:spPr>
+          <a:xfrm>
+            <a:off x="7291552" y="2038317"/>
+            <a:ext cx="0" cy="182880"/>
+          </a:xfrm>
+          <a:prstGeom prst="line">
+            <a:avLst/>
+          </a:prstGeom>
+        </p:spPr>
+        <p:style>
+          <a:lnRef idx="1">
+            <a:schemeClr val="accent1"/>
+          </a:lnRef>
+          <a:fillRef idx="0">
+            <a:schemeClr val="accent1"/>
+          </a:fillRef>
+          <a:effectRef idx="0">
+            <a:schemeClr val="accent1"/>
+          </a:effectRef>
+          <a:fontRef idx="minor">
+            <a:schemeClr val="tx1"/>
+          </a:fontRef>
+        </p:style>
+      </p:cxnSp>
+      <p:cxnSp>
+        <p:nvCxnSpPr>
+          <p:cNvPr id="12" name="Straight Connector 11">
+            <a:extLst>
+              <a:ext uri="{FF2B5EF4-FFF2-40B4-BE49-F238E27FC236}">
+                <a16:creationId xmlns:a16="http://schemas.microsoft.com/office/drawing/2014/main" id="{69BAB62A-477A-B242-B8A3-14F9823F5927}"/>
+              </a:ext>
+            </a:extLst>
+          </p:cNvPr>
+          <p:cNvCxnSpPr>
+            <a:cxnSpLocks/>
+          </p:cNvCxnSpPr>
+          <p:nvPr/>
+        </p:nvCxnSpPr>
+        <p:spPr>
+          <a:xfrm>
+            <a:off x="10131973" y="2038317"/>
+            <a:ext cx="0" cy="182880"/>
+          </a:xfrm>
+          <a:prstGeom prst="line">
+            <a:avLst/>
+          </a:prstGeom>
+        </p:spPr>
+        <p:style>
+          <a:lnRef idx="1">
+            <a:schemeClr val="accent1"/>
+          </a:lnRef>
+          <a:fillRef idx="0">
+            <a:schemeClr val="accent1"/>
+          </a:fillRef>
+          <a:effectRef idx="0">
+            <a:schemeClr val="accent1"/>
+          </a:effectRef>
+          <a:fontRef idx="minor">
+            <a:schemeClr val="tx1"/>
+          </a:fontRef>
+        </p:style>
+      </p:cxnSp>
+      <p:sp>
+        <p:nvSpPr>
+          <p:cNvPr id="13" name="TextBox 12">
+            <a:extLst>
+              <a:ext uri="{FF2B5EF4-FFF2-40B4-BE49-F238E27FC236}">
+                <a16:creationId xmlns:a16="http://schemas.microsoft.com/office/drawing/2014/main" id="{87EC3B8E-6CA7-FF4E-B28A-ADB9E32C32B5}"/>
+              </a:ext>
+            </a:extLst>
+          </p:cNvPr>
+          <p:cNvSpPr txBox="1"/>
+          <p:nvPr/>
+        </p:nvSpPr>
+        <p:spPr>
+          <a:xfrm>
+            <a:off x="798788" y="1708666"/>
+            <a:ext cx="1355831" cy="230832"/>
+          </a:xfrm>
+          <a:prstGeom prst="rect">
+            <a:avLst/>
+          </a:prstGeom>
+          <a:noFill/>
+        </p:spPr>
+        <p:txBody>
+          <a:bodyPr wrap="square" rtlCol="0">
+            <a:spAutoFit/>
+          </a:bodyPr>
+          <a:lstStyle/>
+          <a:p>
+            <a:pPr algn="ctr"/>
+            <a:r>
+              <a:rPr lang="en-US" sz="900" dirty="0"/>
+              <a:t>Not Satisfied</a:t>
+            </a:r>
+          </a:p>
+        </p:txBody>
+      </p:sp>
+      <p:sp>
+        <p:nvSpPr>
+          <p:cNvPr id="14" name="TextBox 13">
+            <a:extLst>
+              <a:ext uri="{FF2B5EF4-FFF2-40B4-BE49-F238E27FC236}">
+                <a16:creationId xmlns:a16="http://schemas.microsoft.com/office/drawing/2014/main" id="{E391855C-BC1B-F248-9C07-ABA273BD8E63}"/>
+              </a:ext>
+            </a:extLst>
+          </p:cNvPr>
+          <p:cNvSpPr txBox="1"/>
+          <p:nvPr/>
+        </p:nvSpPr>
+        <p:spPr>
+          <a:xfrm>
+            <a:off x="5131678" y="1708666"/>
+            <a:ext cx="1355831" cy="230832"/>
+          </a:xfrm>
+          <a:prstGeom prst="rect">
+            <a:avLst/>
+          </a:prstGeom>
+          <a:noFill/>
+        </p:spPr>
+        <p:txBody>
+          <a:bodyPr wrap="square" rtlCol="0">
+            <a:spAutoFit/>
+          </a:bodyPr>
+          <a:lstStyle/>
+          <a:p>
+            <a:pPr algn="ctr"/>
+            <a:r>
+              <a:rPr lang="en-US" sz="900" dirty="0"/>
+              <a:t>Neutral</a:t>
+            </a:r>
+          </a:p>
+        </p:txBody>
+      </p:sp>
+      <p:sp>
+        <p:nvSpPr>
+          <p:cNvPr id="15" name="TextBox 14">
+            <a:extLst>
+              <a:ext uri="{FF2B5EF4-FFF2-40B4-BE49-F238E27FC236}">
+                <a16:creationId xmlns:a16="http://schemas.microsoft.com/office/drawing/2014/main" id="{9ECDACB8-21AE-3D4D-8A13-05677060CE0C}"/>
+              </a:ext>
+            </a:extLst>
+          </p:cNvPr>
+          <p:cNvSpPr txBox="1"/>
+          <p:nvPr/>
+        </p:nvSpPr>
+        <p:spPr>
+          <a:xfrm>
+            <a:off x="6621519" y="1708666"/>
+            <a:ext cx="1355831" cy="230832"/>
+          </a:xfrm>
+          <a:prstGeom prst="rect">
+            <a:avLst/>
+          </a:prstGeom>
+          <a:noFill/>
+        </p:spPr>
+        <p:txBody>
+          <a:bodyPr wrap="square" rtlCol="0">
+            <a:spAutoFit/>
+          </a:bodyPr>
+          <a:lstStyle/>
+          <a:p>
+            <a:pPr algn="ctr"/>
+            <a:r>
+              <a:rPr lang="en-US" sz="900" dirty="0"/>
+              <a:t>Somewhat Satisfied</a:t>
+            </a:r>
+          </a:p>
+        </p:txBody>
+      </p:sp>
+      <p:sp>
+        <p:nvSpPr>
+          <p:cNvPr id="16" name="TextBox 15">
+            <a:extLst>
+              <a:ext uri="{FF2B5EF4-FFF2-40B4-BE49-F238E27FC236}">
+                <a16:creationId xmlns:a16="http://schemas.microsoft.com/office/drawing/2014/main" id="{443CC023-AD16-4942-B9ED-D6EC021A7E63}"/>
+              </a:ext>
+            </a:extLst>
+          </p:cNvPr>
+          <p:cNvSpPr txBox="1"/>
+          <p:nvPr/>
+        </p:nvSpPr>
+        <p:spPr>
+          <a:xfrm>
+            <a:off x="9464565" y="1708666"/>
+            <a:ext cx="1355831" cy="230832"/>
+          </a:xfrm>
+          <a:prstGeom prst="rect">
+            <a:avLst/>
+          </a:prstGeom>
+          <a:noFill/>
+        </p:spPr>
+        <p:txBody>
+          <a:bodyPr wrap="square" rtlCol="0">
+            <a:spAutoFit/>
+          </a:bodyPr>
+          <a:lstStyle/>
+          <a:p>
+            <a:pPr algn="ctr"/>
+            <a:r>
+              <a:rPr lang="en-US" sz="900" dirty="0"/>
+              <a:t>Satisfied</a:t>
+            </a:r>
+          </a:p>
+        </p:txBody>
+      </p:sp>
+      <p:sp>
+        <p:nvSpPr>
+          <p:cNvPr id="17" name="TextBox 16">
+            <a:extLst>
+              <a:ext uri="{FF2B5EF4-FFF2-40B4-BE49-F238E27FC236}">
+                <a16:creationId xmlns:a16="http://schemas.microsoft.com/office/drawing/2014/main" id="{0F2D1AF0-2181-AF45-AB45-1E065D3F2E84}"/>
+              </a:ext>
+            </a:extLst>
+          </p:cNvPr>
+          <p:cNvSpPr txBox="1"/>
+          <p:nvPr/>
+        </p:nvSpPr>
+        <p:spPr>
+          <a:xfrm>
+            <a:off x="3647095" y="1708666"/>
+            <a:ext cx="1355831" cy="230832"/>
+          </a:xfrm>
+          <a:prstGeom prst="rect">
+            <a:avLst/>
+          </a:prstGeom>
+          <a:noFill/>
+        </p:spPr>
+        <p:txBody>
+          <a:bodyPr wrap="square" rtlCol="0">
+            <a:spAutoFit/>
+          </a:bodyPr>
+          <a:lstStyle/>
+          <a:p>
+            <a:pPr algn="ctr"/>
+            <a:r>
+              <a:rPr lang="en-US" sz="900" dirty="0"/>
+              <a:t>Somewhat Not Satisfied</a:t>
+            </a:r>
+          </a:p>
+        </p:txBody>
+      </p:sp>
+      <p:sp>
+        <p:nvSpPr>
+          <p:cNvPr id="29" name="Left Brace 28">
+            <a:extLst>
+              <a:ext uri="{FF2B5EF4-FFF2-40B4-BE49-F238E27FC236}">
+                <a16:creationId xmlns:a16="http://schemas.microsoft.com/office/drawing/2014/main" id="{4FABBCB4-A37E-DE4B-9D9E-BAC796BE3647}"/>
+              </a:ext>
+            </a:extLst>
+          </p:cNvPr>
+          <p:cNvSpPr/>
+          <p:nvPr/>
+        </p:nvSpPr>
+        <p:spPr>
+          <a:xfrm rot="16200000">
+            <a:off x="2828859" y="953195"/>
+            <a:ext cx="91440" cy="2743200"/>
+          </a:xfrm>
+          <a:prstGeom prst="leftBrace">
+            <a:avLst/>
+          </a:prstGeom>
+        </p:spPr>
+        <p:style>
+          <a:lnRef idx="1">
+            <a:schemeClr val="accent1"/>
+          </a:lnRef>
+          <a:fillRef idx="0">
+            <a:schemeClr val="accent1"/>
+          </a:fillRef>
+          <a:effectRef idx="0">
+            <a:schemeClr val="accent1"/>
+          </a:effectRef>
+          <a:fontRef idx="minor">
+            <a:schemeClr val="tx1"/>
+          </a:fontRef>
+        </p:style>
+        <p:txBody>
+          <a:bodyPr rtlCol="0" anchor="ctr"/>
+          <a:lstStyle/>
+          <a:p>
+            <a:pPr algn="ctr"/>
+            <a:endParaRPr lang="en-US"/>
+          </a:p>
+        </p:txBody>
+      </p:sp>
+      <p:sp>
+        <p:nvSpPr>
+          <p:cNvPr id="30" name="Left Brace 29">
+            <a:extLst>
+              <a:ext uri="{FF2B5EF4-FFF2-40B4-BE49-F238E27FC236}">
+                <a16:creationId xmlns:a16="http://schemas.microsoft.com/office/drawing/2014/main" id="{992C5AF0-A7BA-5445-9EF1-9EA573A648B4}"/>
+              </a:ext>
+            </a:extLst>
+          </p:cNvPr>
+          <p:cNvSpPr/>
+          <p:nvPr/>
+        </p:nvSpPr>
+        <p:spPr>
+          <a:xfrm rot="16200000">
+            <a:off x="5018298" y="1639650"/>
+            <a:ext cx="91440" cy="1370288"/>
+          </a:xfrm>
+          <a:prstGeom prst="leftBrace">
+            <a:avLst/>
+          </a:prstGeom>
+        </p:spPr>
+        <p:style>
+          <a:lnRef idx="1">
+            <a:schemeClr val="accent1"/>
+          </a:lnRef>
+          <a:fillRef idx="0">
+            <a:schemeClr val="accent1"/>
+          </a:fillRef>
+          <a:effectRef idx="0">
+            <a:schemeClr val="accent1"/>
+          </a:effectRef>
+          <a:fontRef idx="minor">
+            <a:schemeClr val="tx1"/>
+          </a:fontRef>
+        </p:style>
+        <p:txBody>
+          <a:bodyPr rtlCol="0" anchor="ctr"/>
+          <a:lstStyle/>
+          <a:p>
+            <a:pPr algn="ctr"/>
+            <a:endParaRPr lang="en-US"/>
+          </a:p>
+        </p:txBody>
+      </p:sp>
+      <p:sp>
+        <p:nvSpPr>
+          <p:cNvPr id="33" name="TextBox 32">
+            <a:extLst>
+              <a:ext uri="{FF2B5EF4-FFF2-40B4-BE49-F238E27FC236}">
+                <a16:creationId xmlns:a16="http://schemas.microsoft.com/office/drawing/2014/main" id="{BDD37A57-D1CA-F34D-8442-A340696D95C4}"/>
+              </a:ext>
+            </a:extLst>
+          </p:cNvPr>
+          <p:cNvSpPr txBox="1"/>
+          <p:nvPr/>
+        </p:nvSpPr>
+        <p:spPr>
+          <a:xfrm>
+            <a:off x="2913992" y="2370514"/>
+            <a:ext cx="2664373" cy="246221"/>
+          </a:xfrm>
+          <a:prstGeom prst="rect">
+            <a:avLst/>
+          </a:prstGeom>
+          <a:noFill/>
+        </p:spPr>
+        <p:txBody>
+          <a:bodyPr wrap="square" rtlCol="0">
+            <a:spAutoFit/>
+          </a:bodyPr>
+          <a:lstStyle/>
+          <a:p>
+            <a:pPr algn="ctr"/>
+            <a:r>
+              <a:rPr lang="en-US" sz="1000" dirty="0">
+                <a:solidFill>
+                  <a:srgbClr val="FF0000"/>
+                </a:solidFill>
+              </a:rPr>
+              <a:t>not the same distance</a:t>
+            </a:r>
+          </a:p>
+        </p:txBody>
+      </p:sp>
+      <p:sp>
+        <p:nvSpPr>
+          <p:cNvPr id="4" name="Oval 3">
+            <a:extLst>
+              <a:ext uri="{FF2B5EF4-FFF2-40B4-BE49-F238E27FC236}">
+                <a16:creationId xmlns:a16="http://schemas.microsoft.com/office/drawing/2014/main" id="{9D143BB6-C706-4741-BBA6-8543C7ED8247}"/>
+              </a:ext>
+            </a:extLst>
+          </p:cNvPr>
+          <p:cNvSpPr/>
+          <p:nvPr/>
+        </p:nvSpPr>
+        <p:spPr>
+          <a:xfrm>
+            <a:off x="1408385" y="1916407"/>
+            <a:ext cx="136636" cy="137160"/>
+          </a:xfrm>
+          <a:prstGeom prst="ellipse">
+            <a:avLst/>
+          </a:prstGeom>
+          <a:noFill/>
+          <a:ln w="38100"/>
+        </p:spPr>
+        <p:style>
+          <a:lnRef idx="2">
+            <a:schemeClr val="accent1">
+              <a:shade val="50000"/>
+            </a:schemeClr>
+          </a:lnRef>
+          <a:fillRef idx="1">
+            <a:schemeClr val="accent1"/>
+          </a:fillRef>
+          <a:effectRef idx="0">
+            <a:schemeClr val="accent1"/>
+          </a:effectRef>
+          <a:fontRef idx="minor">
+            <a:schemeClr val="lt1"/>
+          </a:fontRef>
+        </p:style>
+        <p:txBody>
+          <a:bodyPr rtlCol="0" anchor="ctr"/>
+          <a:lstStyle/>
+          <a:p>
+            <a:pPr algn="ctr"/>
+            <a:endParaRPr lang="en-US"/>
+          </a:p>
+        </p:txBody>
+      </p:sp>
+      <p:sp>
+        <p:nvSpPr>
+          <p:cNvPr id="40" name="Oval 39">
+            <a:extLst>
+              <a:ext uri="{FF2B5EF4-FFF2-40B4-BE49-F238E27FC236}">
+                <a16:creationId xmlns:a16="http://schemas.microsoft.com/office/drawing/2014/main" id="{C2ACBB61-9BE1-3E48-B752-916F355AF77B}"/>
+              </a:ext>
+            </a:extLst>
+          </p:cNvPr>
+          <p:cNvSpPr/>
+          <p:nvPr/>
+        </p:nvSpPr>
+        <p:spPr>
+          <a:xfrm>
+            <a:off x="4256688" y="1916407"/>
+            <a:ext cx="136636" cy="137160"/>
+          </a:xfrm>
+          <a:prstGeom prst="ellipse">
+            <a:avLst/>
+          </a:prstGeom>
+          <a:noFill/>
+          <a:ln w="38100"/>
+        </p:spPr>
+        <p:style>
+          <a:lnRef idx="2">
+            <a:schemeClr val="accent1">
+              <a:shade val="50000"/>
+            </a:schemeClr>
+          </a:lnRef>
+          <a:fillRef idx="1">
+            <a:schemeClr val="accent1"/>
+          </a:fillRef>
+          <a:effectRef idx="0">
+            <a:schemeClr val="accent1"/>
+          </a:effectRef>
+          <a:fontRef idx="minor">
+            <a:schemeClr val="lt1"/>
+          </a:fontRef>
+        </p:style>
+        <p:txBody>
+          <a:bodyPr rtlCol="0" anchor="ctr"/>
+          <a:lstStyle/>
+          <a:p>
+            <a:pPr algn="ctr"/>
+            <a:endParaRPr lang="en-US"/>
+          </a:p>
+        </p:txBody>
+      </p:sp>
+      <p:sp>
+        <p:nvSpPr>
+          <p:cNvPr id="41" name="Oval 40">
+            <a:extLst>
+              <a:ext uri="{FF2B5EF4-FFF2-40B4-BE49-F238E27FC236}">
+                <a16:creationId xmlns:a16="http://schemas.microsoft.com/office/drawing/2014/main" id="{4A8FBDD8-1CD0-FD44-8DE7-470F011BDD31}"/>
+              </a:ext>
+            </a:extLst>
+          </p:cNvPr>
+          <p:cNvSpPr/>
+          <p:nvPr/>
+        </p:nvSpPr>
+        <p:spPr>
+          <a:xfrm>
+            <a:off x="5739963" y="1916407"/>
+            <a:ext cx="136636" cy="137160"/>
+          </a:xfrm>
+          <a:prstGeom prst="ellipse">
+            <a:avLst/>
+          </a:prstGeom>
+          <a:noFill/>
+          <a:ln w="38100"/>
+        </p:spPr>
+        <p:style>
+          <a:lnRef idx="2">
+            <a:schemeClr val="accent1">
+              <a:shade val="50000"/>
+            </a:schemeClr>
+          </a:lnRef>
+          <a:fillRef idx="1">
+            <a:schemeClr val="accent1"/>
+          </a:fillRef>
+          <a:effectRef idx="0">
+            <a:schemeClr val="accent1"/>
+          </a:effectRef>
+          <a:fontRef idx="minor">
+            <a:schemeClr val="lt1"/>
+          </a:fontRef>
+        </p:style>
+        <p:txBody>
+          <a:bodyPr rtlCol="0" anchor="ctr"/>
+          <a:lstStyle/>
+          <a:p>
+            <a:pPr algn="ctr"/>
+            <a:endParaRPr lang="en-US"/>
+          </a:p>
+        </p:txBody>
+      </p:sp>
+      <p:sp>
+        <p:nvSpPr>
+          <p:cNvPr id="44" name="Oval 43">
+            <a:extLst>
+              <a:ext uri="{FF2B5EF4-FFF2-40B4-BE49-F238E27FC236}">
+                <a16:creationId xmlns:a16="http://schemas.microsoft.com/office/drawing/2014/main" id="{B6F17ED3-BF0E-1A40-BC17-C4816D9F1BEA}"/>
+              </a:ext>
+            </a:extLst>
+          </p:cNvPr>
+          <p:cNvSpPr/>
+          <p:nvPr/>
+        </p:nvSpPr>
+        <p:spPr>
+          <a:xfrm>
+            <a:off x="7227175" y="1916407"/>
+            <a:ext cx="136636" cy="137160"/>
+          </a:xfrm>
+          <a:prstGeom prst="ellipse">
+            <a:avLst/>
+          </a:prstGeom>
+          <a:noFill/>
+          <a:ln w="38100"/>
+        </p:spPr>
+        <p:style>
+          <a:lnRef idx="2">
+            <a:schemeClr val="accent1">
+              <a:shade val="50000"/>
+            </a:schemeClr>
+          </a:lnRef>
+          <a:fillRef idx="1">
+            <a:schemeClr val="accent1"/>
+          </a:fillRef>
+          <a:effectRef idx="0">
+            <a:schemeClr val="accent1"/>
+          </a:effectRef>
+          <a:fontRef idx="minor">
+            <a:schemeClr val="lt1"/>
+          </a:fontRef>
+        </p:style>
+        <p:txBody>
+          <a:bodyPr rtlCol="0" anchor="ctr"/>
+          <a:lstStyle/>
+          <a:p>
+            <a:pPr algn="ctr"/>
+            <a:endParaRPr lang="en-US"/>
+          </a:p>
+        </p:txBody>
+      </p:sp>
+      <p:sp>
+        <p:nvSpPr>
+          <p:cNvPr id="46" name="Oval 45">
+            <a:extLst>
+              <a:ext uri="{FF2B5EF4-FFF2-40B4-BE49-F238E27FC236}">
+                <a16:creationId xmlns:a16="http://schemas.microsoft.com/office/drawing/2014/main" id="{6154C7D8-B3C2-794E-B9AB-2C41A90C6B55}"/>
+              </a:ext>
+            </a:extLst>
+          </p:cNvPr>
+          <p:cNvSpPr/>
+          <p:nvPr/>
+        </p:nvSpPr>
+        <p:spPr>
+          <a:xfrm>
+            <a:off x="10074162" y="1916407"/>
+            <a:ext cx="136636" cy="137160"/>
+          </a:xfrm>
+          <a:prstGeom prst="ellipse">
+            <a:avLst/>
+          </a:prstGeom>
+          <a:noFill/>
+          <a:ln w="38100"/>
+        </p:spPr>
+        <p:style>
+          <a:lnRef idx="2">
+            <a:schemeClr val="accent1">
+              <a:shade val="50000"/>
+            </a:schemeClr>
+          </a:lnRef>
+          <a:fillRef idx="1">
+            <a:schemeClr val="accent1"/>
+          </a:fillRef>
+          <a:effectRef idx="0">
+            <a:schemeClr val="accent1"/>
+          </a:effectRef>
+          <a:fontRef idx="minor">
+            <a:schemeClr val="lt1"/>
+          </a:fontRef>
+        </p:style>
+        <p:txBody>
+          <a:bodyPr rtlCol="0" anchor="ctr"/>
+          <a:lstStyle/>
+          <a:p>
+            <a:pPr algn="ctr"/>
+            <a:endParaRPr lang="en-US"/>
+          </a:p>
+        </p:txBody>
+      </p:sp>
+      <p:sp>
+        <p:nvSpPr>
+          <p:cNvPr id="48" name="Oval 47">
+            <a:extLst>
+              <a:ext uri="{FF2B5EF4-FFF2-40B4-BE49-F238E27FC236}">
+                <a16:creationId xmlns:a16="http://schemas.microsoft.com/office/drawing/2014/main" id="{7EA28760-62B7-B848-A728-E15C2AAC6E01}"/>
+              </a:ext>
+            </a:extLst>
+          </p:cNvPr>
+          <p:cNvSpPr/>
+          <p:nvPr/>
+        </p:nvSpPr>
+        <p:spPr>
+          <a:xfrm>
+            <a:off x="1408384" y="5194791"/>
+            <a:ext cx="136636" cy="137160"/>
+          </a:xfrm>
+          <a:prstGeom prst="ellipse">
+            <a:avLst/>
+          </a:prstGeom>
+          <a:noFill/>
+          <a:ln w="38100"/>
+        </p:spPr>
+        <p:style>
+          <a:lnRef idx="2">
+            <a:schemeClr val="accent1">
+              <a:shade val="50000"/>
+            </a:schemeClr>
+          </a:lnRef>
+          <a:fillRef idx="1">
+            <a:schemeClr val="accent1"/>
+          </a:fillRef>
+          <a:effectRef idx="0">
+            <a:schemeClr val="accent1"/>
+          </a:effectRef>
+          <a:fontRef idx="minor">
+            <a:schemeClr val="lt1"/>
+          </a:fontRef>
+        </p:style>
+        <p:txBody>
+          <a:bodyPr rtlCol="0" anchor="ctr"/>
+          <a:lstStyle/>
+          <a:p>
+            <a:pPr algn="ctr"/>
+            <a:endParaRPr lang="en-US"/>
+          </a:p>
+        </p:txBody>
+      </p:sp>
+      <p:sp>
+        <p:nvSpPr>
+          <p:cNvPr id="49" name="Oval 48">
+            <a:extLst>
+              <a:ext uri="{FF2B5EF4-FFF2-40B4-BE49-F238E27FC236}">
+                <a16:creationId xmlns:a16="http://schemas.microsoft.com/office/drawing/2014/main" id="{F08DA1C3-3C73-4143-A334-B9533B96BEA1}"/>
+              </a:ext>
+            </a:extLst>
+          </p:cNvPr>
+          <p:cNvSpPr/>
+          <p:nvPr/>
+        </p:nvSpPr>
+        <p:spPr>
+          <a:xfrm>
+            <a:off x="3573516" y="5194791"/>
+            <a:ext cx="136636" cy="137160"/>
+          </a:xfrm>
+          <a:prstGeom prst="ellipse">
+            <a:avLst/>
+          </a:prstGeom>
+          <a:noFill/>
+          <a:ln w="38100"/>
+        </p:spPr>
+        <p:style>
+          <a:lnRef idx="2">
+            <a:schemeClr val="accent1">
+              <a:shade val="50000"/>
+            </a:schemeClr>
+          </a:lnRef>
+          <a:fillRef idx="1">
+            <a:schemeClr val="accent1"/>
+          </a:fillRef>
+          <a:effectRef idx="0">
+            <a:schemeClr val="accent1"/>
+          </a:effectRef>
+          <a:fontRef idx="minor">
+            <a:schemeClr val="lt1"/>
+          </a:fontRef>
+        </p:style>
+        <p:txBody>
+          <a:bodyPr rtlCol="0" anchor="ctr"/>
+          <a:lstStyle/>
+          <a:p>
+            <a:pPr algn="ctr"/>
+            <a:endParaRPr lang="en-US"/>
+          </a:p>
+        </p:txBody>
+      </p:sp>
+      <p:sp>
+        <p:nvSpPr>
+          <p:cNvPr id="50" name="Oval 49">
+            <a:extLst>
+              <a:ext uri="{FF2B5EF4-FFF2-40B4-BE49-F238E27FC236}">
+                <a16:creationId xmlns:a16="http://schemas.microsoft.com/office/drawing/2014/main" id="{311BC7CF-64B7-344A-9E81-242131149B11}"/>
+              </a:ext>
+            </a:extLst>
+          </p:cNvPr>
+          <p:cNvSpPr/>
+          <p:nvPr/>
+        </p:nvSpPr>
+        <p:spPr>
+          <a:xfrm>
+            <a:off x="5739962" y="5194791"/>
+            <a:ext cx="136636" cy="137160"/>
+          </a:xfrm>
+          <a:prstGeom prst="ellipse">
+            <a:avLst/>
+          </a:prstGeom>
+          <a:noFill/>
+          <a:ln w="38100"/>
+        </p:spPr>
+        <p:style>
+          <a:lnRef idx="2">
+            <a:schemeClr val="accent1">
+              <a:shade val="50000"/>
+            </a:schemeClr>
+          </a:lnRef>
+          <a:fillRef idx="1">
+            <a:schemeClr val="accent1"/>
+          </a:fillRef>
+          <a:effectRef idx="0">
+            <a:schemeClr val="accent1"/>
+          </a:effectRef>
+          <a:fontRef idx="minor">
+            <a:schemeClr val="lt1"/>
+          </a:fontRef>
+        </p:style>
+        <p:txBody>
+          <a:bodyPr rtlCol="0" anchor="ctr"/>
+          <a:lstStyle/>
+          <a:p>
+            <a:pPr algn="ctr"/>
+            <a:endParaRPr lang="en-US"/>
+          </a:p>
+        </p:txBody>
+      </p:sp>
+      <p:sp>
+        <p:nvSpPr>
+          <p:cNvPr id="51" name="Oval 50">
+            <a:extLst>
+              <a:ext uri="{FF2B5EF4-FFF2-40B4-BE49-F238E27FC236}">
+                <a16:creationId xmlns:a16="http://schemas.microsoft.com/office/drawing/2014/main" id="{19B4AAC7-B371-7A44-83D5-3156D7D9B26A}"/>
+              </a:ext>
+            </a:extLst>
+          </p:cNvPr>
+          <p:cNvSpPr/>
+          <p:nvPr/>
+        </p:nvSpPr>
+        <p:spPr>
+          <a:xfrm>
+            <a:off x="7899837" y="5194791"/>
+            <a:ext cx="136636" cy="137160"/>
+          </a:xfrm>
+          <a:prstGeom prst="ellipse">
+            <a:avLst/>
+          </a:prstGeom>
+          <a:noFill/>
+          <a:ln w="38100"/>
+        </p:spPr>
+        <p:style>
+          <a:lnRef idx="2">
+            <a:schemeClr val="accent1">
+              <a:shade val="50000"/>
+            </a:schemeClr>
+          </a:lnRef>
+          <a:fillRef idx="1">
+            <a:schemeClr val="accent1"/>
+          </a:fillRef>
+          <a:effectRef idx="0">
+            <a:schemeClr val="accent1"/>
+          </a:effectRef>
+          <a:fontRef idx="minor">
+            <a:schemeClr val="lt1"/>
+          </a:fontRef>
+        </p:style>
+        <p:txBody>
+          <a:bodyPr rtlCol="0" anchor="ctr"/>
+          <a:lstStyle/>
+          <a:p>
+            <a:pPr algn="ctr"/>
+            <a:endParaRPr lang="en-US"/>
+          </a:p>
+        </p:txBody>
+      </p:sp>
+      <p:sp>
+        <p:nvSpPr>
+          <p:cNvPr id="52" name="Oval 51">
+            <a:extLst>
+              <a:ext uri="{FF2B5EF4-FFF2-40B4-BE49-F238E27FC236}">
+                <a16:creationId xmlns:a16="http://schemas.microsoft.com/office/drawing/2014/main" id="{3A8D0C61-017E-634F-B768-780174DBE986}"/>
+              </a:ext>
+            </a:extLst>
+          </p:cNvPr>
+          <p:cNvSpPr/>
+          <p:nvPr/>
+        </p:nvSpPr>
+        <p:spPr>
+          <a:xfrm>
+            <a:off x="10074161" y="5194791"/>
+            <a:ext cx="136636" cy="137160"/>
+          </a:xfrm>
+          <a:prstGeom prst="ellipse">
+            <a:avLst/>
+          </a:prstGeom>
+          <a:noFill/>
+          <a:ln w="38100"/>
+        </p:spPr>
+        <p:style>
+          <a:lnRef idx="2">
+            <a:schemeClr val="accent1">
+              <a:shade val="50000"/>
+            </a:schemeClr>
+          </a:lnRef>
+          <a:fillRef idx="1">
+            <a:schemeClr val="accent1"/>
+          </a:fillRef>
+          <a:effectRef idx="0">
+            <a:schemeClr val="accent1"/>
+          </a:effectRef>
+          <a:fontRef idx="minor">
+            <a:schemeClr val="lt1"/>
+          </a:fontRef>
+        </p:style>
+        <p:txBody>
+          <a:bodyPr rtlCol="0" anchor="ctr"/>
+          <a:lstStyle/>
+          <a:p>
+            <a:pPr algn="ctr"/>
+            <a:endParaRPr lang="en-US"/>
           </a:p>
         </p:txBody>
       </p:sp>
     </p:spTree>
     <p:extLst>
       <p:ext uri="{BB962C8B-B14F-4D97-AF65-F5344CB8AC3E}">
-        <p14:creationId xmlns:p14="http://schemas.microsoft.com/office/powerpoint/2010/main" val="3335245361"/>
+        <p14:creationId xmlns:p14="http://schemas.microsoft.com/office/powerpoint/2010/main" val="3012186833"/>
       </p:ext>
     </p:extLst>
   </p:cSld>
@@ -3975,37 +5493,12 @@
           <a:chExt cx="0" cy="0"/>
         </a:xfrm>
       </p:grpSpPr>
-      <p:sp>
-        <p:nvSpPr>
-          <p:cNvPr id="2" name="Title 1">
-            <a:extLst>
-              <a:ext uri="{FF2B5EF4-FFF2-40B4-BE49-F238E27FC236}">
-                <a16:creationId xmlns:a16="http://schemas.microsoft.com/office/drawing/2014/main" id="{5BED5A8A-EA34-B242-BD02-9ADBCAEB7CF0}"/>
-              </a:ext>
-            </a:extLst>
-          </p:cNvPr>
-          <p:cNvSpPr>
-            <a:spLocks noGrp="1"/>
-          </p:cNvSpPr>
-          <p:nvPr>
-            <p:ph type="title"/>
-          </p:nvPr>
-        </p:nvSpPr>
-        <p:spPr/>
-        <p:txBody>
-          <a:bodyPr/>
-          <a:lstStyle/>
-          <a:p>
-            <a:endParaRPr lang="en-US" dirty="0"/>
-          </a:p>
-        </p:txBody>
-      </p:sp>
       <p:pic>
         <p:nvPicPr>
-          <p:cNvPr id="4" name="Picture 3" descr="Graphical user interface, application&#10;&#10;Description automatically generated">
-            <a:extLst>
-              <a:ext uri="{FF2B5EF4-FFF2-40B4-BE49-F238E27FC236}">
-                <a16:creationId xmlns:a16="http://schemas.microsoft.com/office/drawing/2014/main" id="{868C3406-313F-7B4F-AB4A-7F9C7341D2B6}"/>
+          <p:cNvPr id="6" name="Picture 5" descr="Chart, scatter chart&#10;&#10;Description automatically generated">
+            <a:extLst>
+              <a:ext uri="{FF2B5EF4-FFF2-40B4-BE49-F238E27FC236}">
+                <a16:creationId xmlns:a16="http://schemas.microsoft.com/office/drawing/2014/main" id="{098BB027-8EB1-D644-BBEE-C36C47860F6C}"/>
               </a:ext>
             </a:extLst>
           </p:cNvPr>
@@ -4022,18 +5515,73 @@
         </p:blipFill>
         <p:spPr>
           <a:xfrm>
-            <a:off x="1356497" y="2038865"/>
-            <a:ext cx="9652000" cy="3530600"/>
+            <a:off x="5946572" y="2498296"/>
+            <a:ext cx="4978400" cy="3530600"/>
           </a:xfrm>
           <a:prstGeom prst="rect">
             <a:avLst/>
           </a:prstGeom>
         </p:spPr>
       </p:pic>
+      <p:pic>
+        <p:nvPicPr>
+          <p:cNvPr id="8" name="Picture 7" descr="Graphical user interface, text, application&#10;&#10;Description automatically generated">
+            <a:extLst>
+              <a:ext uri="{FF2B5EF4-FFF2-40B4-BE49-F238E27FC236}">
+                <a16:creationId xmlns:a16="http://schemas.microsoft.com/office/drawing/2014/main" id="{87DF4EC9-AD51-6D44-8C56-B27504F39960}"/>
+              </a:ext>
+            </a:extLst>
+          </p:cNvPr>
+          <p:cNvPicPr>
+            <a:picLocks noChangeAspect="1"/>
+          </p:cNvPicPr>
+          <p:nvPr/>
+        </p:nvPicPr>
+        <p:blipFill>
+          <a:blip r:embed="rId3"/>
+          <a:stretch>
+            <a:fillRect/>
+          </a:stretch>
+        </p:blipFill>
+        <p:spPr>
+          <a:xfrm>
+            <a:off x="968172" y="2498296"/>
+            <a:ext cx="4978400" cy="3530600"/>
+          </a:xfrm>
+          <a:prstGeom prst="rect">
+            <a:avLst/>
+          </a:prstGeom>
+        </p:spPr>
+      </p:pic>
+      <p:sp>
+        <p:nvSpPr>
+          <p:cNvPr id="2" name="Title 1">
+            <a:extLst>
+              <a:ext uri="{FF2B5EF4-FFF2-40B4-BE49-F238E27FC236}">
+                <a16:creationId xmlns:a16="http://schemas.microsoft.com/office/drawing/2014/main" id="{5BED5A8A-EA34-B242-BD02-9ADBCAEB7CF0}"/>
+              </a:ext>
+            </a:extLst>
+          </p:cNvPr>
+          <p:cNvSpPr>
+            <a:spLocks noGrp="1"/>
+          </p:cNvSpPr>
+          <p:nvPr>
+            <p:ph type="title"/>
+          </p:nvPr>
+        </p:nvSpPr>
+        <p:spPr/>
+        <p:txBody>
+          <a:bodyPr/>
+          <a:lstStyle/>
+          <a:p>
+            <a:endParaRPr lang="en-US" dirty="0"/>
+          </a:p>
+        </p:txBody>
+      </p:sp>
     </p:spTree>
     <p:extLst>
       <p:ext uri="{BB962C8B-B14F-4D97-AF65-F5344CB8AC3E}">
-        <p14:creationId xmlns:p14="http://schemas.microsoft.com/office/powerpoint/2010/main" val="1815838242"/>
+        <p14:creationId xmlns:p14="http://schemas.microsoft.com/office/powerpoint/2010/main" val="3335245361"/>
       </p:ext>
     </p:extLst>
   </p:cSld>
@@ -4065,6 +5613,91 @@
           <p:cNvPr id="2" name="Title 1">
             <a:extLst>
               <a:ext uri="{FF2B5EF4-FFF2-40B4-BE49-F238E27FC236}">
+                <a16:creationId xmlns:a16="http://schemas.microsoft.com/office/drawing/2014/main" id="{5BED5A8A-EA34-B242-BD02-9ADBCAEB7CF0}"/>
+              </a:ext>
+            </a:extLst>
+          </p:cNvPr>
+          <p:cNvSpPr>
+            <a:spLocks noGrp="1"/>
+          </p:cNvSpPr>
+          <p:nvPr>
+            <p:ph type="title"/>
+          </p:nvPr>
+        </p:nvSpPr>
+        <p:spPr/>
+        <p:txBody>
+          <a:bodyPr/>
+          <a:lstStyle/>
+          <a:p>
+            <a:endParaRPr lang="en-US" dirty="0"/>
+          </a:p>
+        </p:txBody>
+      </p:sp>
+      <p:pic>
+        <p:nvPicPr>
+          <p:cNvPr id="4" name="Picture 3" descr="Graphical user interface, application&#10;&#10;Description automatically generated">
+            <a:extLst>
+              <a:ext uri="{FF2B5EF4-FFF2-40B4-BE49-F238E27FC236}">
+                <a16:creationId xmlns:a16="http://schemas.microsoft.com/office/drawing/2014/main" id="{868C3406-313F-7B4F-AB4A-7F9C7341D2B6}"/>
+              </a:ext>
+            </a:extLst>
+          </p:cNvPr>
+          <p:cNvPicPr>
+            <a:picLocks noChangeAspect="1"/>
+          </p:cNvPicPr>
+          <p:nvPr/>
+        </p:nvPicPr>
+        <p:blipFill>
+          <a:blip r:embed="rId2"/>
+          <a:stretch>
+            <a:fillRect/>
+          </a:stretch>
+        </p:blipFill>
+        <p:spPr>
+          <a:xfrm>
+            <a:off x="1356497" y="2038865"/>
+            <a:ext cx="9652000" cy="3530600"/>
+          </a:xfrm>
+          <a:prstGeom prst="rect">
+            <a:avLst/>
+          </a:prstGeom>
+        </p:spPr>
+      </p:pic>
+    </p:spTree>
+    <p:extLst>
+      <p:ext uri="{BB962C8B-B14F-4D97-AF65-F5344CB8AC3E}">
+        <p14:creationId xmlns:p14="http://schemas.microsoft.com/office/powerpoint/2010/main" val="1815838242"/>
+      </p:ext>
+    </p:extLst>
+  </p:cSld>
+  <p:clrMapOvr>
+    <a:masterClrMapping/>
+  </p:clrMapOvr>
+</p:sld>
+</file>
+
+<file path=ppt/slides/slide13.xml><?xml version="1.0" encoding="utf-8"?>
+<p:sld xmlns:a="http://schemas.openxmlformats.org/drawingml/2006/main" xmlns:r="http://schemas.openxmlformats.org/officeDocument/2006/relationships" xmlns:p="http://schemas.openxmlformats.org/presentationml/2006/main">
+  <p:cSld>
+    <p:spTree>
+      <p:nvGrpSpPr>
+        <p:cNvPr id="1" name=""/>
+        <p:cNvGrpSpPr/>
+        <p:nvPr/>
+      </p:nvGrpSpPr>
+      <p:grpSpPr>
+        <a:xfrm>
+          <a:off x="0" y="0"/>
+          <a:ext cx="0" cy="0"/>
+          <a:chOff x="0" y="0"/>
+          <a:chExt cx="0" cy="0"/>
+        </a:xfrm>
+      </p:grpSpPr>
+      <p:sp>
+        <p:nvSpPr>
+          <p:cNvPr id="2" name="Title 1">
+            <a:extLst>
+              <a:ext uri="{FF2B5EF4-FFF2-40B4-BE49-F238E27FC236}">
                 <a16:creationId xmlns:a16="http://schemas.microsoft.com/office/drawing/2014/main" id="{341EA24B-B19E-034D-A894-221244F6A383}"/>
               </a:ext>
             </a:extLst>
@@ -4264,7 +5897,7 @@
 </p:sld>
 </file>
 
-<file path=ppt/slides/slide13.xml><?xml version="1.0" encoding="utf-8"?>
+<file path=ppt/slides/slide14.xml><?xml version="1.0" encoding="utf-8"?>
 <p:sld xmlns:a="http://schemas.openxmlformats.org/drawingml/2006/main" xmlns:r="http://schemas.openxmlformats.org/officeDocument/2006/relationships" xmlns:p="http://schemas.openxmlformats.org/presentationml/2006/main">
   <p:cSld>
     <p:spTree>
@@ -7568,7 +9201,7 @@
 </p:sld>
 </file>
 
-<file path=ppt/slides/slide14.xml><?xml version="1.0" encoding="utf-8"?>
+<file path=ppt/slides/slide15.xml><?xml version="1.0" encoding="utf-8"?>
 <p:sld xmlns:a="http://schemas.openxmlformats.org/drawingml/2006/main" xmlns:r="http://schemas.openxmlformats.org/officeDocument/2006/relationships" xmlns:p="http://schemas.openxmlformats.org/presentationml/2006/main">
   <p:cSld>
     <p:spTree>
@@ -7787,193 +9420,6 @@
     <p:extLst>
       <p:ext uri="{BB962C8B-B14F-4D97-AF65-F5344CB8AC3E}">
         <p14:creationId xmlns:p14="http://schemas.microsoft.com/office/powerpoint/2010/main" val="2135232034"/>
-      </p:ext>
-    </p:extLst>
-  </p:cSld>
-  <p:clrMapOvr>
-    <a:masterClrMapping/>
-  </p:clrMapOvr>
-</p:sld>
-</file>
-
-<file path=ppt/slides/slide15.xml><?xml version="1.0" encoding="utf-8"?>
-<p:sld xmlns:a="http://schemas.openxmlformats.org/drawingml/2006/main" xmlns:r="http://schemas.openxmlformats.org/officeDocument/2006/relationships" xmlns:p="http://schemas.openxmlformats.org/presentationml/2006/main">
-  <p:cSld>
-    <p:spTree>
-      <p:nvGrpSpPr>
-        <p:cNvPr id="1" name=""/>
-        <p:cNvGrpSpPr/>
-        <p:nvPr/>
-      </p:nvGrpSpPr>
-      <p:grpSpPr>
-        <a:xfrm>
-          <a:off x="0" y="0"/>
-          <a:ext cx="0" cy="0"/>
-          <a:chOff x="0" y="0"/>
-          <a:chExt cx="0" cy="0"/>
-        </a:xfrm>
-      </p:grpSpPr>
-      <p:pic>
-        <p:nvPicPr>
-          <p:cNvPr id="15" name="Picture 14">
-            <a:extLst>
-              <a:ext uri="{FF2B5EF4-FFF2-40B4-BE49-F238E27FC236}">
-                <a16:creationId xmlns:a16="http://schemas.microsoft.com/office/drawing/2014/main" id="{71C7101F-764B-2A43-8209-09FC008F30BE}"/>
-              </a:ext>
-            </a:extLst>
-          </p:cNvPr>
-          <p:cNvPicPr>
-            <a:picLocks noChangeAspect="1"/>
-          </p:cNvPicPr>
-          <p:nvPr/>
-        </p:nvPicPr>
-        <p:blipFill>
-          <a:blip r:embed="rId2"/>
-          <a:stretch>
-            <a:fillRect/>
-          </a:stretch>
-        </p:blipFill>
-        <p:spPr>
-          <a:xfrm>
-            <a:off x="2758150" y="3154933"/>
-            <a:ext cx="5042915" cy="2240390"/>
-          </a:xfrm>
-          <a:prstGeom prst="rect">
-            <a:avLst/>
-          </a:prstGeom>
-        </p:spPr>
-      </p:pic>
-      <p:pic>
-        <p:nvPicPr>
-          <p:cNvPr id="11" name="Picture 10">
-            <a:extLst>
-              <a:ext uri="{FF2B5EF4-FFF2-40B4-BE49-F238E27FC236}">
-                <a16:creationId xmlns:a16="http://schemas.microsoft.com/office/drawing/2014/main" id="{50ECE5B3-2ECB-2649-8285-6D329DCDDED0}"/>
-              </a:ext>
-            </a:extLst>
-          </p:cNvPr>
-          <p:cNvPicPr>
-            <a:picLocks noChangeAspect="1"/>
-          </p:cNvPicPr>
-          <p:nvPr/>
-        </p:nvPicPr>
-        <p:blipFill>
-          <a:blip r:embed="rId3"/>
-          <a:stretch>
-            <a:fillRect/>
-          </a:stretch>
-        </p:blipFill>
-        <p:spPr>
-          <a:xfrm>
-            <a:off x="7792519" y="3154933"/>
-            <a:ext cx="3534414" cy="2163490"/>
-          </a:xfrm>
-          <a:prstGeom prst="rect">
-            <a:avLst/>
-          </a:prstGeom>
-        </p:spPr>
-      </p:pic>
-      <p:sp>
-        <p:nvSpPr>
-          <p:cNvPr id="2" name="Title 1">
-            <a:extLst>
-              <a:ext uri="{FF2B5EF4-FFF2-40B4-BE49-F238E27FC236}">
-                <a16:creationId xmlns:a16="http://schemas.microsoft.com/office/drawing/2014/main" id="{CCB82B9A-BBCF-AA48-9A0F-01CCEB20C8C8}"/>
-              </a:ext>
-            </a:extLst>
-          </p:cNvPr>
-          <p:cNvSpPr>
-            <a:spLocks noGrp="1"/>
-          </p:cNvSpPr>
-          <p:nvPr>
-            <p:ph type="title"/>
-          </p:nvPr>
-        </p:nvSpPr>
-        <p:spPr/>
-        <p:txBody>
-          <a:bodyPr/>
-          <a:lstStyle/>
-          <a:p>
-            <a:endParaRPr lang="en-US"/>
-          </a:p>
-        </p:txBody>
-      </p:sp>
-      <p:sp>
-        <p:nvSpPr>
-          <p:cNvPr id="8" name="TextBox 7">
-            <a:extLst>
-              <a:ext uri="{FF2B5EF4-FFF2-40B4-BE49-F238E27FC236}">
-                <a16:creationId xmlns:a16="http://schemas.microsoft.com/office/drawing/2014/main" id="{BE4A2C7D-A1D2-9C43-9DAC-96D60B812A7E}"/>
-              </a:ext>
-            </a:extLst>
-          </p:cNvPr>
-          <p:cNvSpPr txBox="1"/>
-          <p:nvPr/>
-        </p:nvSpPr>
-        <p:spPr>
-          <a:xfrm>
-            <a:off x="4112404" y="2847156"/>
-            <a:ext cx="2334409" cy="307777"/>
-          </a:xfrm>
-          <a:prstGeom prst="rect">
-            <a:avLst/>
-          </a:prstGeom>
-          <a:noFill/>
-        </p:spPr>
-        <p:txBody>
-          <a:bodyPr wrap="square" rtlCol="0">
-            <a:spAutoFit/>
-          </a:bodyPr>
-          <a:lstStyle/>
-          <a:p>
-            <a:pPr algn="ctr"/>
-            <a:r>
-              <a:rPr lang="en-US" sz="1400" dirty="0"/>
-              <a:t>A) Data Transformation</a:t>
-            </a:r>
-          </a:p>
-        </p:txBody>
-      </p:sp>
-      <p:sp>
-        <p:nvSpPr>
-          <p:cNvPr id="9" name="TextBox 8">
-            <a:extLst>
-              <a:ext uri="{FF2B5EF4-FFF2-40B4-BE49-F238E27FC236}">
-                <a16:creationId xmlns:a16="http://schemas.microsoft.com/office/drawing/2014/main" id="{CD8F7270-070B-E142-8B7F-DCCAC6C7DDFA}"/>
-              </a:ext>
-            </a:extLst>
-          </p:cNvPr>
-          <p:cNvSpPr txBox="1"/>
-          <p:nvPr/>
-        </p:nvSpPr>
-        <p:spPr>
-          <a:xfrm>
-            <a:off x="8517672" y="2847156"/>
-            <a:ext cx="2334409" cy="307777"/>
-          </a:xfrm>
-          <a:prstGeom prst="rect">
-            <a:avLst/>
-          </a:prstGeom>
-          <a:noFill/>
-        </p:spPr>
-        <p:txBody>
-          <a:bodyPr wrap="square" rtlCol="0">
-            <a:spAutoFit/>
-          </a:bodyPr>
-          <a:lstStyle/>
-          <a:p>
-            <a:pPr algn="ctr"/>
-            <a:r>
-              <a:rPr lang="en-US" sz="1400" dirty="0"/>
-              <a:t>B) Correlation Heatmap</a:t>
-            </a:r>
-          </a:p>
-        </p:txBody>
-      </p:sp>
-    </p:spTree>
-    <p:extLst>
-      <p:ext uri="{BB962C8B-B14F-4D97-AF65-F5344CB8AC3E}">
-        <p14:creationId xmlns:p14="http://schemas.microsoft.com/office/powerpoint/2010/main" val="500849719"/>
       </p:ext>
     </p:extLst>
   </p:cSld>
@@ -8002,6 +9448,193 @@
       </p:grpSpPr>
       <p:pic>
         <p:nvPicPr>
+          <p:cNvPr id="15" name="Picture 14">
+            <a:extLst>
+              <a:ext uri="{FF2B5EF4-FFF2-40B4-BE49-F238E27FC236}">
+                <a16:creationId xmlns:a16="http://schemas.microsoft.com/office/drawing/2014/main" id="{71C7101F-764B-2A43-8209-09FC008F30BE}"/>
+              </a:ext>
+            </a:extLst>
+          </p:cNvPr>
+          <p:cNvPicPr>
+            <a:picLocks noChangeAspect="1"/>
+          </p:cNvPicPr>
+          <p:nvPr/>
+        </p:nvPicPr>
+        <p:blipFill>
+          <a:blip r:embed="rId2"/>
+          <a:stretch>
+            <a:fillRect/>
+          </a:stretch>
+        </p:blipFill>
+        <p:spPr>
+          <a:xfrm>
+            <a:off x="2758150" y="3154933"/>
+            <a:ext cx="5042915" cy="2240390"/>
+          </a:xfrm>
+          <a:prstGeom prst="rect">
+            <a:avLst/>
+          </a:prstGeom>
+        </p:spPr>
+      </p:pic>
+      <p:pic>
+        <p:nvPicPr>
+          <p:cNvPr id="11" name="Picture 10">
+            <a:extLst>
+              <a:ext uri="{FF2B5EF4-FFF2-40B4-BE49-F238E27FC236}">
+                <a16:creationId xmlns:a16="http://schemas.microsoft.com/office/drawing/2014/main" id="{50ECE5B3-2ECB-2649-8285-6D329DCDDED0}"/>
+              </a:ext>
+            </a:extLst>
+          </p:cNvPr>
+          <p:cNvPicPr>
+            <a:picLocks noChangeAspect="1"/>
+          </p:cNvPicPr>
+          <p:nvPr/>
+        </p:nvPicPr>
+        <p:blipFill>
+          <a:blip r:embed="rId3"/>
+          <a:stretch>
+            <a:fillRect/>
+          </a:stretch>
+        </p:blipFill>
+        <p:spPr>
+          <a:xfrm>
+            <a:off x="7792519" y="3154933"/>
+            <a:ext cx="3534414" cy="2163490"/>
+          </a:xfrm>
+          <a:prstGeom prst="rect">
+            <a:avLst/>
+          </a:prstGeom>
+        </p:spPr>
+      </p:pic>
+      <p:sp>
+        <p:nvSpPr>
+          <p:cNvPr id="2" name="Title 1">
+            <a:extLst>
+              <a:ext uri="{FF2B5EF4-FFF2-40B4-BE49-F238E27FC236}">
+                <a16:creationId xmlns:a16="http://schemas.microsoft.com/office/drawing/2014/main" id="{CCB82B9A-BBCF-AA48-9A0F-01CCEB20C8C8}"/>
+              </a:ext>
+            </a:extLst>
+          </p:cNvPr>
+          <p:cNvSpPr>
+            <a:spLocks noGrp="1"/>
+          </p:cNvSpPr>
+          <p:nvPr>
+            <p:ph type="title"/>
+          </p:nvPr>
+        </p:nvSpPr>
+        <p:spPr/>
+        <p:txBody>
+          <a:bodyPr/>
+          <a:lstStyle/>
+          <a:p>
+            <a:endParaRPr lang="en-US"/>
+          </a:p>
+        </p:txBody>
+      </p:sp>
+      <p:sp>
+        <p:nvSpPr>
+          <p:cNvPr id="8" name="TextBox 7">
+            <a:extLst>
+              <a:ext uri="{FF2B5EF4-FFF2-40B4-BE49-F238E27FC236}">
+                <a16:creationId xmlns:a16="http://schemas.microsoft.com/office/drawing/2014/main" id="{BE4A2C7D-A1D2-9C43-9DAC-96D60B812A7E}"/>
+              </a:ext>
+            </a:extLst>
+          </p:cNvPr>
+          <p:cNvSpPr txBox="1"/>
+          <p:nvPr/>
+        </p:nvSpPr>
+        <p:spPr>
+          <a:xfrm>
+            <a:off x="4112404" y="2847156"/>
+            <a:ext cx="2334409" cy="307777"/>
+          </a:xfrm>
+          <a:prstGeom prst="rect">
+            <a:avLst/>
+          </a:prstGeom>
+          <a:noFill/>
+        </p:spPr>
+        <p:txBody>
+          <a:bodyPr wrap="square" rtlCol="0">
+            <a:spAutoFit/>
+          </a:bodyPr>
+          <a:lstStyle/>
+          <a:p>
+            <a:pPr algn="ctr"/>
+            <a:r>
+              <a:rPr lang="en-US" sz="1400" dirty="0"/>
+              <a:t>A) Data Transformation</a:t>
+            </a:r>
+          </a:p>
+        </p:txBody>
+      </p:sp>
+      <p:sp>
+        <p:nvSpPr>
+          <p:cNvPr id="9" name="TextBox 8">
+            <a:extLst>
+              <a:ext uri="{FF2B5EF4-FFF2-40B4-BE49-F238E27FC236}">
+                <a16:creationId xmlns:a16="http://schemas.microsoft.com/office/drawing/2014/main" id="{CD8F7270-070B-E142-8B7F-DCCAC6C7DDFA}"/>
+              </a:ext>
+            </a:extLst>
+          </p:cNvPr>
+          <p:cNvSpPr txBox="1"/>
+          <p:nvPr/>
+        </p:nvSpPr>
+        <p:spPr>
+          <a:xfrm>
+            <a:off x="8517672" y="2847156"/>
+            <a:ext cx="2334409" cy="307777"/>
+          </a:xfrm>
+          <a:prstGeom prst="rect">
+            <a:avLst/>
+          </a:prstGeom>
+          <a:noFill/>
+        </p:spPr>
+        <p:txBody>
+          <a:bodyPr wrap="square" rtlCol="0">
+            <a:spAutoFit/>
+          </a:bodyPr>
+          <a:lstStyle/>
+          <a:p>
+            <a:pPr algn="ctr"/>
+            <a:r>
+              <a:rPr lang="en-US" sz="1400" dirty="0"/>
+              <a:t>B) Correlation Heatmap</a:t>
+            </a:r>
+          </a:p>
+        </p:txBody>
+      </p:sp>
+    </p:spTree>
+    <p:extLst>
+      <p:ext uri="{BB962C8B-B14F-4D97-AF65-F5344CB8AC3E}">
+        <p14:creationId xmlns:p14="http://schemas.microsoft.com/office/powerpoint/2010/main" val="500849719"/>
+      </p:ext>
+    </p:extLst>
+  </p:cSld>
+  <p:clrMapOvr>
+    <a:masterClrMapping/>
+  </p:clrMapOvr>
+</p:sld>
+</file>
+
+<file path=ppt/slides/slide17.xml><?xml version="1.0" encoding="utf-8"?>
+<p:sld xmlns:a="http://schemas.openxmlformats.org/drawingml/2006/main" xmlns:r="http://schemas.openxmlformats.org/officeDocument/2006/relationships" xmlns:p="http://schemas.openxmlformats.org/presentationml/2006/main">
+  <p:cSld>
+    <p:spTree>
+      <p:nvGrpSpPr>
+        <p:cNvPr id="1" name=""/>
+        <p:cNvGrpSpPr/>
+        <p:nvPr/>
+      </p:nvGrpSpPr>
+      <p:grpSpPr>
+        <a:xfrm>
+          <a:off x="0" y="0"/>
+          <a:ext cx="0" cy="0"/>
+          <a:chOff x="0" y="0"/>
+          <a:chExt cx="0" cy="0"/>
+        </a:xfrm>
+      </p:grpSpPr>
+      <p:pic>
+        <p:nvPicPr>
           <p:cNvPr id="6" name="Picture 5">
             <a:extLst>
               <a:ext uri="{FF2B5EF4-FFF2-40B4-BE49-F238E27FC236}">
@@ -8170,7 +9803,7 @@
 </p:sld>
 </file>
 
-<file path=ppt/slides/slide17.xml><?xml version="1.0" encoding="utf-8"?>
+<file path=ppt/slides/slide18.xml><?xml version="1.0" encoding="utf-8"?>
 <p:sld xmlns:a="http://schemas.openxmlformats.org/drawingml/2006/main" xmlns:r="http://schemas.openxmlformats.org/officeDocument/2006/relationships" xmlns:p="http://schemas.openxmlformats.org/presentationml/2006/main">
   <p:cSld>
     <p:spTree>
@@ -8704,121 +10337,6 @@
 </p:sld>
 </file>
 
-<file path=ppt/slides/slide18.xml><?xml version="1.0" encoding="utf-8"?>
-<p:sld xmlns:a="http://schemas.openxmlformats.org/drawingml/2006/main" xmlns:r="http://schemas.openxmlformats.org/officeDocument/2006/relationships" xmlns:p="http://schemas.openxmlformats.org/presentationml/2006/main">
-  <p:cSld>
-    <p:spTree>
-      <p:nvGrpSpPr>
-        <p:cNvPr id="1" name=""/>
-        <p:cNvGrpSpPr/>
-        <p:nvPr/>
-      </p:nvGrpSpPr>
-      <p:grpSpPr>
-        <a:xfrm>
-          <a:off x="0" y="0"/>
-          <a:ext cx="0" cy="0"/>
-          <a:chOff x="0" y="0"/>
-          <a:chExt cx="0" cy="0"/>
-        </a:xfrm>
-      </p:grpSpPr>
-      <p:sp>
-        <p:nvSpPr>
-          <p:cNvPr id="2" name="Title 1">
-            <a:extLst>
-              <a:ext uri="{FF2B5EF4-FFF2-40B4-BE49-F238E27FC236}">
-                <a16:creationId xmlns:a16="http://schemas.microsoft.com/office/drawing/2014/main" id="{A714DDE2-C6A3-524E-9057-00B5784170C2}"/>
-              </a:ext>
-            </a:extLst>
-          </p:cNvPr>
-          <p:cNvSpPr>
-            <a:spLocks noGrp="1"/>
-          </p:cNvSpPr>
-          <p:nvPr>
-            <p:ph type="title"/>
-          </p:nvPr>
-        </p:nvSpPr>
-        <p:spPr/>
-        <p:txBody>
-          <a:bodyPr/>
-          <a:lstStyle/>
-          <a:p>
-            <a:endParaRPr lang="en-US"/>
-          </a:p>
-        </p:txBody>
-      </p:sp>
-      <p:pic>
-        <p:nvPicPr>
-          <p:cNvPr id="4" name="Picture 3" descr="Chart, scatter chart&#10;&#10;Description automatically generated">
-            <a:extLst>
-              <a:ext uri="{FF2B5EF4-FFF2-40B4-BE49-F238E27FC236}">
-                <a16:creationId xmlns:a16="http://schemas.microsoft.com/office/drawing/2014/main" id="{1639F955-5041-9840-A3C3-E05A2C77605A}"/>
-              </a:ext>
-            </a:extLst>
-          </p:cNvPr>
-          <p:cNvPicPr>
-            <a:picLocks noChangeAspect="1"/>
-          </p:cNvPicPr>
-          <p:nvPr/>
-        </p:nvPicPr>
-        <p:blipFill>
-          <a:blip r:embed="rId2"/>
-          <a:stretch>
-            <a:fillRect/>
-          </a:stretch>
-        </p:blipFill>
-        <p:spPr>
-          <a:xfrm>
-            <a:off x="6398054" y="2195041"/>
-            <a:ext cx="4978400" cy="3530600"/>
-          </a:xfrm>
-          <a:prstGeom prst="rect">
-            <a:avLst/>
-          </a:prstGeom>
-        </p:spPr>
-      </p:pic>
-      <p:pic>
-        <p:nvPicPr>
-          <p:cNvPr id="12" name="Picture 11" descr="Chart, scatter chart&#10;&#10;Description automatically generated">
-            <a:extLst>
-              <a:ext uri="{FF2B5EF4-FFF2-40B4-BE49-F238E27FC236}">
-                <a16:creationId xmlns:a16="http://schemas.microsoft.com/office/drawing/2014/main" id="{E193A746-CAAD-744C-B81B-B0600F33146F}"/>
-              </a:ext>
-            </a:extLst>
-          </p:cNvPr>
-          <p:cNvPicPr>
-            <a:picLocks noChangeAspect="1"/>
-          </p:cNvPicPr>
-          <p:nvPr/>
-        </p:nvPicPr>
-        <p:blipFill>
-          <a:blip r:embed="rId3"/>
-          <a:stretch>
-            <a:fillRect/>
-          </a:stretch>
-        </p:blipFill>
-        <p:spPr>
-          <a:xfrm>
-            <a:off x="1419654" y="2195041"/>
-            <a:ext cx="4978400" cy="3530600"/>
-          </a:xfrm>
-          <a:prstGeom prst="rect">
-            <a:avLst/>
-          </a:prstGeom>
-        </p:spPr>
-      </p:pic>
-    </p:spTree>
-    <p:extLst>
-      <p:ext uri="{BB962C8B-B14F-4D97-AF65-F5344CB8AC3E}">
-        <p14:creationId xmlns:p14="http://schemas.microsoft.com/office/powerpoint/2010/main" val="3434889837"/>
-      </p:ext>
-    </p:extLst>
-  </p:cSld>
-  <p:clrMapOvr>
-    <a:masterClrMapping/>
-  </p:clrMapOvr>
-</p:sld>
-</file>
-
 <file path=ppt/slides/slide19.xml><?xml version="1.0" encoding="utf-8"?>
 <p:sld xmlns:a="http://schemas.openxmlformats.org/drawingml/2006/main" xmlns:r="http://schemas.openxmlformats.org/officeDocument/2006/relationships" xmlns:p="http://schemas.openxmlformats.org/presentationml/2006/main">
   <p:cSld>
@@ -8841,7 +10359,7 @@
           <p:cNvPr id="2" name="Title 1">
             <a:extLst>
               <a:ext uri="{FF2B5EF4-FFF2-40B4-BE49-F238E27FC236}">
-                <a16:creationId xmlns:a16="http://schemas.microsoft.com/office/drawing/2014/main" id="{100E0E40-1D1D-7B41-A872-F5F583C68F02}"/>
+                <a16:creationId xmlns:a16="http://schemas.microsoft.com/office/drawing/2014/main" id="{A714DDE2-C6A3-524E-9057-00B5784170C2}"/>
               </a:ext>
             </a:extLst>
           </p:cNvPr>
@@ -8863,10 +10381,10 @@
       </p:sp>
       <p:pic>
         <p:nvPicPr>
-          <p:cNvPr id="5" name="Picture 4" descr="Chart, scatter chart&#10;&#10;Description automatically generated">
-            <a:extLst>
-              <a:ext uri="{FF2B5EF4-FFF2-40B4-BE49-F238E27FC236}">
-                <a16:creationId xmlns:a16="http://schemas.microsoft.com/office/drawing/2014/main" id="{31C0AB12-368F-7B4A-83FB-9E14695AE5FD}"/>
+          <p:cNvPr id="4" name="Picture 3" descr="Chart, scatter chart&#10;&#10;Description automatically generated">
+            <a:extLst>
+              <a:ext uri="{FF2B5EF4-FFF2-40B4-BE49-F238E27FC236}">
+                <a16:creationId xmlns:a16="http://schemas.microsoft.com/office/drawing/2014/main" id="{1639F955-5041-9840-A3C3-E05A2C77605A}"/>
               </a:ext>
             </a:extLst>
           </p:cNvPr>
@@ -8883,8 +10401,8 @@
         </p:blipFill>
         <p:spPr>
           <a:xfrm>
-            <a:off x="697470" y="2281537"/>
-            <a:ext cx="4902200" cy="3530600"/>
+            <a:off x="6398054" y="2195041"/>
+            <a:ext cx="4978400" cy="3530600"/>
           </a:xfrm>
           <a:prstGeom prst="rect">
             <a:avLst/>
@@ -8893,10 +10411,10 @@
       </p:pic>
       <p:pic>
         <p:nvPicPr>
-          <p:cNvPr id="7" name="Picture 6" descr="Chart, scatter chart&#10;&#10;Description automatically generated">
-            <a:extLst>
-              <a:ext uri="{FF2B5EF4-FFF2-40B4-BE49-F238E27FC236}">
-                <a16:creationId xmlns:a16="http://schemas.microsoft.com/office/drawing/2014/main" id="{5F194931-5AA3-5642-9ED7-D1CFC3D7EF45}"/>
+          <p:cNvPr id="12" name="Picture 11" descr="Chart, scatter chart&#10;&#10;Description automatically generated">
+            <a:extLst>
+              <a:ext uri="{FF2B5EF4-FFF2-40B4-BE49-F238E27FC236}">
+                <a16:creationId xmlns:a16="http://schemas.microsoft.com/office/drawing/2014/main" id="{E193A746-CAAD-744C-B81B-B0600F33146F}"/>
               </a:ext>
             </a:extLst>
           </p:cNvPr>
@@ -8913,8 +10431,8 @@
         </p:blipFill>
         <p:spPr>
           <a:xfrm>
-            <a:off x="5599670" y="2281537"/>
-            <a:ext cx="4826000" cy="3530600"/>
+            <a:off x="1419654" y="2195041"/>
+            <a:ext cx="4978400" cy="3530600"/>
           </a:xfrm>
           <a:prstGeom prst="rect">
             <a:avLst/>
@@ -8924,7 +10442,7 @@
     </p:spTree>
     <p:extLst>
       <p:ext uri="{BB962C8B-B14F-4D97-AF65-F5344CB8AC3E}">
-        <p14:creationId xmlns:p14="http://schemas.microsoft.com/office/powerpoint/2010/main" val="2980735122"/>
+        <p14:creationId xmlns:p14="http://schemas.microsoft.com/office/powerpoint/2010/main" val="3434889837"/>
       </p:ext>
     </p:extLst>
   </p:cSld>
@@ -9187,6 +10705,121 @@
     <p:extLst>
       <p:ext uri="{BB962C8B-B14F-4D97-AF65-F5344CB8AC3E}">
         <p14:creationId xmlns:p14="http://schemas.microsoft.com/office/powerpoint/2010/main" val="500544518"/>
+      </p:ext>
+    </p:extLst>
+  </p:cSld>
+  <p:clrMapOvr>
+    <a:masterClrMapping/>
+  </p:clrMapOvr>
+</p:sld>
+</file>
+
+<file path=ppt/slides/slide20.xml><?xml version="1.0" encoding="utf-8"?>
+<p:sld xmlns:a="http://schemas.openxmlformats.org/drawingml/2006/main" xmlns:r="http://schemas.openxmlformats.org/officeDocument/2006/relationships" xmlns:p="http://schemas.openxmlformats.org/presentationml/2006/main">
+  <p:cSld>
+    <p:spTree>
+      <p:nvGrpSpPr>
+        <p:cNvPr id="1" name=""/>
+        <p:cNvGrpSpPr/>
+        <p:nvPr/>
+      </p:nvGrpSpPr>
+      <p:grpSpPr>
+        <a:xfrm>
+          <a:off x="0" y="0"/>
+          <a:ext cx="0" cy="0"/>
+          <a:chOff x="0" y="0"/>
+          <a:chExt cx="0" cy="0"/>
+        </a:xfrm>
+      </p:grpSpPr>
+      <p:sp>
+        <p:nvSpPr>
+          <p:cNvPr id="2" name="Title 1">
+            <a:extLst>
+              <a:ext uri="{FF2B5EF4-FFF2-40B4-BE49-F238E27FC236}">
+                <a16:creationId xmlns:a16="http://schemas.microsoft.com/office/drawing/2014/main" id="{100E0E40-1D1D-7B41-A872-F5F583C68F02}"/>
+              </a:ext>
+            </a:extLst>
+          </p:cNvPr>
+          <p:cNvSpPr>
+            <a:spLocks noGrp="1"/>
+          </p:cNvSpPr>
+          <p:nvPr>
+            <p:ph type="title"/>
+          </p:nvPr>
+        </p:nvSpPr>
+        <p:spPr/>
+        <p:txBody>
+          <a:bodyPr/>
+          <a:lstStyle/>
+          <a:p>
+            <a:endParaRPr lang="en-US"/>
+          </a:p>
+        </p:txBody>
+      </p:sp>
+      <p:pic>
+        <p:nvPicPr>
+          <p:cNvPr id="5" name="Picture 4" descr="Chart, scatter chart&#10;&#10;Description automatically generated">
+            <a:extLst>
+              <a:ext uri="{FF2B5EF4-FFF2-40B4-BE49-F238E27FC236}">
+                <a16:creationId xmlns:a16="http://schemas.microsoft.com/office/drawing/2014/main" id="{31C0AB12-368F-7B4A-83FB-9E14695AE5FD}"/>
+              </a:ext>
+            </a:extLst>
+          </p:cNvPr>
+          <p:cNvPicPr>
+            <a:picLocks noChangeAspect="1"/>
+          </p:cNvPicPr>
+          <p:nvPr/>
+        </p:nvPicPr>
+        <p:blipFill>
+          <a:blip r:embed="rId2"/>
+          <a:stretch>
+            <a:fillRect/>
+          </a:stretch>
+        </p:blipFill>
+        <p:spPr>
+          <a:xfrm>
+            <a:off x="697470" y="2281537"/>
+            <a:ext cx="4902200" cy="3530600"/>
+          </a:xfrm>
+          <a:prstGeom prst="rect">
+            <a:avLst/>
+          </a:prstGeom>
+        </p:spPr>
+      </p:pic>
+      <p:pic>
+        <p:nvPicPr>
+          <p:cNvPr id="7" name="Picture 6" descr="Chart, scatter chart&#10;&#10;Description automatically generated">
+            <a:extLst>
+              <a:ext uri="{FF2B5EF4-FFF2-40B4-BE49-F238E27FC236}">
+                <a16:creationId xmlns:a16="http://schemas.microsoft.com/office/drawing/2014/main" id="{5F194931-5AA3-5642-9ED7-D1CFC3D7EF45}"/>
+              </a:ext>
+            </a:extLst>
+          </p:cNvPr>
+          <p:cNvPicPr>
+            <a:picLocks noChangeAspect="1"/>
+          </p:cNvPicPr>
+          <p:nvPr/>
+        </p:nvPicPr>
+        <p:blipFill>
+          <a:blip r:embed="rId3"/>
+          <a:stretch>
+            <a:fillRect/>
+          </a:stretch>
+        </p:blipFill>
+        <p:spPr>
+          <a:xfrm>
+            <a:off x="5599670" y="2281537"/>
+            <a:ext cx="4826000" cy="3530600"/>
+          </a:xfrm>
+          <a:prstGeom prst="rect">
+            <a:avLst/>
+          </a:prstGeom>
+        </p:spPr>
+      </p:pic>
+    </p:spTree>
+    <p:extLst>
+      <p:ext uri="{BB962C8B-B14F-4D97-AF65-F5344CB8AC3E}">
+        <p14:creationId xmlns:p14="http://schemas.microsoft.com/office/powerpoint/2010/main" val="2980735122"/>
       </p:ext>
     </p:extLst>
   </p:cSld>
@@ -9928,8 +11561,8 @@
         </p:nvSpPr>
         <p:spPr>
           <a:xfrm>
-            <a:off x="3507231" y="2872903"/>
-            <a:ext cx="6261057" cy="1754326"/>
+            <a:off x="3218393" y="2885983"/>
+            <a:ext cx="6753120" cy="1569660"/>
           </a:xfrm>
           <a:prstGeom prst="rect">
             <a:avLst/>
@@ -9944,7 +11577,7 @@
           <a:p>
             <a:pPr algn="ctr"/>
             <a:r>
-              <a:rPr lang="en-US" sz="5400" b="1" cap="none" spc="0" dirty="0">
+              <a:rPr lang="en-US" sz="4800" b="1" cap="none" spc="0" dirty="0">
                 <a:ln w="22225">
                   <a:solidFill>
                     <a:schemeClr val="accent2"/>
@@ -9962,7 +11595,7 @@
               <a:t>Taking a Closer Look </a:t>
             </a:r>
             <a:r>
-              <a:rPr lang="en-US" sz="5400" b="1" dirty="0">
+              <a:rPr lang="en-US" sz="4800" b="1" dirty="0">
                 <a:ln w="22225">
                   <a:solidFill>
                     <a:schemeClr val="accent2"/>
@@ -9979,7 +11612,7 @@
               <a:t>at </a:t>
             </a:r>
             <a:r>
-              <a:rPr lang="en-US" sz="5400" b="1" cap="none" spc="0" dirty="0">
+              <a:rPr lang="en-US" sz="4800" b="1" cap="none" spc="0" dirty="0">
                 <a:ln w="22225">
                   <a:solidFill>
                     <a:schemeClr val="accent2"/>
@@ -10287,6 +11920,1172 @@
 </file>
 
 <file path=ppt/slides/slide8.xml><?xml version="1.0" encoding="utf-8"?>
+<p:sld xmlns:a="http://schemas.openxmlformats.org/drawingml/2006/main" xmlns:r="http://schemas.openxmlformats.org/officeDocument/2006/relationships" xmlns:p="http://schemas.openxmlformats.org/presentationml/2006/main">
+  <p:cSld>
+    <p:spTree>
+      <p:nvGrpSpPr>
+        <p:cNvPr id="1" name=""/>
+        <p:cNvGrpSpPr/>
+        <p:nvPr/>
+      </p:nvGrpSpPr>
+      <p:grpSpPr>
+        <a:xfrm>
+          <a:off x="0" y="0"/>
+          <a:ext cx="0" cy="0"/>
+          <a:chOff x="0" y="0"/>
+          <a:chExt cx="0" cy="0"/>
+        </a:xfrm>
+      </p:grpSpPr>
+      <p:sp>
+        <p:nvSpPr>
+          <p:cNvPr id="2" name="Title 1">
+            <a:extLst>
+              <a:ext uri="{FF2B5EF4-FFF2-40B4-BE49-F238E27FC236}">
+                <a16:creationId xmlns:a16="http://schemas.microsoft.com/office/drawing/2014/main" id="{8584D01B-FFFC-7640-88C4-8FEC7FF10F5C}"/>
+              </a:ext>
+            </a:extLst>
+          </p:cNvPr>
+          <p:cNvSpPr>
+            <a:spLocks noGrp="1"/>
+          </p:cNvSpPr>
+          <p:nvPr>
+            <p:ph type="title"/>
+          </p:nvPr>
+        </p:nvSpPr>
+        <p:spPr/>
+        <p:txBody>
+          <a:bodyPr/>
+          <a:lstStyle/>
+          <a:p>
+            <a:endParaRPr lang="en-US"/>
+          </a:p>
+        </p:txBody>
+      </p:sp>
+      <p:cxnSp>
+        <p:nvCxnSpPr>
+          <p:cNvPr id="14" name="Straight Connector 13">
+            <a:extLst>
+              <a:ext uri="{FF2B5EF4-FFF2-40B4-BE49-F238E27FC236}">
+                <a16:creationId xmlns:a16="http://schemas.microsoft.com/office/drawing/2014/main" id="{DC6C3580-D778-124B-9DD8-867FDDA9E957}"/>
+              </a:ext>
+            </a:extLst>
+          </p:cNvPr>
+          <p:cNvCxnSpPr>
+            <a:cxnSpLocks/>
+          </p:cNvCxnSpPr>
+          <p:nvPr/>
+        </p:nvCxnSpPr>
+        <p:spPr>
+          <a:xfrm>
+            <a:off x="2200924" y="4735208"/>
+            <a:ext cx="8005612" cy="0"/>
+          </a:xfrm>
+          <a:prstGeom prst="line">
+            <a:avLst/>
+          </a:prstGeom>
+          <a:ln w="28575"/>
+        </p:spPr>
+        <p:style>
+          <a:lnRef idx="1">
+            <a:schemeClr val="accent1"/>
+          </a:lnRef>
+          <a:fillRef idx="0">
+            <a:schemeClr val="accent1"/>
+          </a:fillRef>
+          <a:effectRef idx="0">
+            <a:schemeClr val="accent1"/>
+          </a:effectRef>
+          <a:fontRef idx="minor">
+            <a:schemeClr val="tx1"/>
+          </a:fontRef>
+        </p:style>
+      </p:cxnSp>
+      <p:cxnSp>
+        <p:nvCxnSpPr>
+          <p:cNvPr id="16" name="Straight Connector 15">
+            <a:extLst>
+              <a:ext uri="{FF2B5EF4-FFF2-40B4-BE49-F238E27FC236}">
+                <a16:creationId xmlns:a16="http://schemas.microsoft.com/office/drawing/2014/main" id="{F1D1C2E4-C93A-254A-AD32-FC95C89E6E4A}"/>
+              </a:ext>
+            </a:extLst>
+          </p:cNvPr>
+          <p:cNvCxnSpPr>
+            <a:cxnSpLocks/>
+          </p:cNvCxnSpPr>
+          <p:nvPr/>
+        </p:nvCxnSpPr>
+        <p:spPr>
+          <a:xfrm>
+            <a:off x="2200927" y="4283366"/>
+            <a:ext cx="0" cy="457200"/>
+          </a:xfrm>
+          <a:prstGeom prst="line">
+            <a:avLst/>
+          </a:prstGeom>
+          <a:ln w="28575"/>
+        </p:spPr>
+        <p:style>
+          <a:lnRef idx="1">
+            <a:schemeClr val="accent1"/>
+          </a:lnRef>
+          <a:fillRef idx="0">
+            <a:schemeClr val="accent1"/>
+          </a:fillRef>
+          <a:effectRef idx="0">
+            <a:schemeClr val="accent1"/>
+          </a:effectRef>
+          <a:fontRef idx="minor">
+            <a:schemeClr val="tx1"/>
+          </a:fontRef>
+        </p:style>
+      </p:cxnSp>
+      <p:cxnSp>
+        <p:nvCxnSpPr>
+          <p:cNvPr id="20" name="Straight Connector 19">
+            <a:extLst>
+              <a:ext uri="{FF2B5EF4-FFF2-40B4-BE49-F238E27FC236}">
+                <a16:creationId xmlns:a16="http://schemas.microsoft.com/office/drawing/2014/main" id="{6BEBA8A3-A1E9-5D40-B16B-5411298D159C}"/>
+              </a:ext>
+            </a:extLst>
+          </p:cNvPr>
+          <p:cNvCxnSpPr>
+            <a:cxnSpLocks/>
+          </p:cNvCxnSpPr>
+          <p:nvPr/>
+        </p:nvCxnSpPr>
+        <p:spPr>
+          <a:xfrm>
+            <a:off x="4202329" y="4283366"/>
+            <a:ext cx="0" cy="457200"/>
+          </a:xfrm>
+          <a:prstGeom prst="line">
+            <a:avLst/>
+          </a:prstGeom>
+          <a:ln w="28575"/>
+        </p:spPr>
+        <p:style>
+          <a:lnRef idx="1">
+            <a:schemeClr val="accent1"/>
+          </a:lnRef>
+          <a:fillRef idx="0">
+            <a:schemeClr val="accent1"/>
+          </a:fillRef>
+          <a:effectRef idx="0">
+            <a:schemeClr val="accent1"/>
+          </a:effectRef>
+          <a:fontRef idx="minor">
+            <a:schemeClr val="tx1"/>
+          </a:fontRef>
+        </p:style>
+      </p:cxnSp>
+      <p:cxnSp>
+        <p:nvCxnSpPr>
+          <p:cNvPr id="21" name="Straight Connector 20">
+            <a:extLst>
+              <a:ext uri="{FF2B5EF4-FFF2-40B4-BE49-F238E27FC236}">
+                <a16:creationId xmlns:a16="http://schemas.microsoft.com/office/drawing/2014/main" id="{7B087792-439A-7B4D-BE47-F172DC673B3D}"/>
+              </a:ext>
+            </a:extLst>
+          </p:cNvPr>
+          <p:cNvCxnSpPr>
+            <a:cxnSpLocks/>
+          </p:cNvCxnSpPr>
+          <p:nvPr/>
+        </p:nvCxnSpPr>
+        <p:spPr>
+          <a:xfrm>
+            <a:off x="6203731" y="4283366"/>
+            <a:ext cx="0" cy="457200"/>
+          </a:xfrm>
+          <a:prstGeom prst="line">
+            <a:avLst/>
+          </a:prstGeom>
+          <a:ln w="28575"/>
+        </p:spPr>
+        <p:style>
+          <a:lnRef idx="1">
+            <a:schemeClr val="accent1"/>
+          </a:lnRef>
+          <a:fillRef idx="0">
+            <a:schemeClr val="accent1"/>
+          </a:fillRef>
+          <a:effectRef idx="0">
+            <a:schemeClr val="accent1"/>
+          </a:effectRef>
+          <a:fontRef idx="minor">
+            <a:schemeClr val="tx1"/>
+          </a:fontRef>
+        </p:style>
+      </p:cxnSp>
+      <p:cxnSp>
+        <p:nvCxnSpPr>
+          <p:cNvPr id="22" name="Straight Connector 21">
+            <a:extLst>
+              <a:ext uri="{FF2B5EF4-FFF2-40B4-BE49-F238E27FC236}">
+                <a16:creationId xmlns:a16="http://schemas.microsoft.com/office/drawing/2014/main" id="{445B1B6A-D7B9-774A-9790-C0222FE739EC}"/>
+              </a:ext>
+            </a:extLst>
+          </p:cNvPr>
+          <p:cNvCxnSpPr>
+            <a:cxnSpLocks/>
+          </p:cNvCxnSpPr>
+          <p:nvPr/>
+        </p:nvCxnSpPr>
+        <p:spPr>
+          <a:xfrm>
+            <a:off x="8205133" y="4283366"/>
+            <a:ext cx="0" cy="457200"/>
+          </a:xfrm>
+          <a:prstGeom prst="line">
+            <a:avLst/>
+          </a:prstGeom>
+          <a:ln w="28575"/>
+        </p:spPr>
+        <p:style>
+          <a:lnRef idx="1">
+            <a:schemeClr val="accent1"/>
+          </a:lnRef>
+          <a:fillRef idx="0">
+            <a:schemeClr val="accent1"/>
+          </a:fillRef>
+          <a:effectRef idx="0">
+            <a:schemeClr val="accent1"/>
+          </a:effectRef>
+          <a:fontRef idx="minor">
+            <a:schemeClr val="tx1"/>
+          </a:fontRef>
+        </p:style>
+      </p:cxnSp>
+      <p:cxnSp>
+        <p:nvCxnSpPr>
+          <p:cNvPr id="23" name="Straight Connector 22">
+            <a:extLst>
+              <a:ext uri="{FF2B5EF4-FFF2-40B4-BE49-F238E27FC236}">
+                <a16:creationId xmlns:a16="http://schemas.microsoft.com/office/drawing/2014/main" id="{31A5A140-DE04-5249-84B4-1640ACDD6AC9}"/>
+              </a:ext>
+            </a:extLst>
+          </p:cNvPr>
+          <p:cNvCxnSpPr>
+            <a:cxnSpLocks/>
+          </p:cNvCxnSpPr>
+          <p:nvPr/>
+        </p:nvCxnSpPr>
+        <p:spPr>
+          <a:xfrm>
+            <a:off x="10206536" y="4283366"/>
+            <a:ext cx="0" cy="457200"/>
+          </a:xfrm>
+          <a:prstGeom prst="line">
+            <a:avLst/>
+          </a:prstGeom>
+          <a:ln w="28575"/>
+        </p:spPr>
+        <p:style>
+          <a:lnRef idx="1">
+            <a:schemeClr val="accent1"/>
+          </a:lnRef>
+          <a:fillRef idx="0">
+            <a:schemeClr val="accent1"/>
+          </a:fillRef>
+          <a:effectRef idx="0">
+            <a:schemeClr val="accent1"/>
+          </a:effectRef>
+          <a:fontRef idx="minor">
+            <a:schemeClr val="tx1"/>
+          </a:fontRef>
+        </p:style>
+      </p:cxnSp>
+      <p:sp>
+        <p:nvSpPr>
+          <p:cNvPr id="24" name="TextBox 23">
+            <a:extLst>
+              <a:ext uri="{FF2B5EF4-FFF2-40B4-BE49-F238E27FC236}">
+                <a16:creationId xmlns:a16="http://schemas.microsoft.com/office/drawing/2014/main" id="{605E0F37-B308-DC46-A69E-0EC034507368}"/>
+              </a:ext>
+            </a:extLst>
+          </p:cNvPr>
+          <p:cNvSpPr txBox="1"/>
+          <p:nvPr/>
+        </p:nvSpPr>
+        <p:spPr>
+          <a:xfrm>
+            <a:off x="1297753" y="3542429"/>
+            <a:ext cx="1806342" cy="646331"/>
+          </a:xfrm>
+          <a:prstGeom prst="rect">
+            <a:avLst/>
+          </a:prstGeom>
+          <a:noFill/>
+        </p:spPr>
+        <p:txBody>
+          <a:bodyPr wrap="square" rtlCol="0" anchor="b">
+            <a:spAutoFit/>
+          </a:bodyPr>
+          <a:lstStyle/>
+          <a:p>
+            <a:pPr algn="ctr"/>
+            <a:r>
+              <a:rPr lang="en-US" dirty="0">
+                <a:solidFill>
+                  <a:schemeClr val="accent1"/>
+                </a:solidFill>
+              </a:rPr>
+              <a:t>Not Satisfied</a:t>
+            </a:r>
+          </a:p>
+          <a:p>
+            <a:pPr algn="ctr"/>
+            <a:r>
+              <a:rPr lang="en-US" dirty="0">
+                <a:solidFill>
+                  <a:schemeClr val="accent1"/>
+                </a:solidFill>
+              </a:rPr>
+              <a:t>1</a:t>
+            </a:r>
+          </a:p>
+        </p:txBody>
+      </p:sp>
+      <p:sp>
+        <p:nvSpPr>
+          <p:cNvPr id="25" name="TextBox 24">
+            <a:extLst>
+              <a:ext uri="{FF2B5EF4-FFF2-40B4-BE49-F238E27FC236}">
+                <a16:creationId xmlns:a16="http://schemas.microsoft.com/office/drawing/2014/main" id="{F397A13C-2BDB-D040-B5FD-4347DCAA170B}"/>
+              </a:ext>
+            </a:extLst>
+          </p:cNvPr>
+          <p:cNvSpPr txBox="1"/>
+          <p:nvPr/>
+        </p:nvSpPr>
+        <p:spPr>
+          <a:xfrm>
+            <a:off x="5531994" y="3819428"/>
+            <a:ext cx="1355831" cy="369332"/>
+          </a:xfrm>
+          <a:prstGeom prst="rect">
+            <a:avLst/>
+          </a:prstGeom>
+          <a:noFill/>
+        </p:spPr>
+        <p:txBody>
+          <a:bodyPr wrap="square" rtlCol="0" anchor="b">
+            <a:spAutoFit/>
+          </a:bodyPr>
+          <a:lstStyle/>
+          <a:p>
+            <a:pPr algn="ctr"/>
+            <a:r>
+              <a:rPr lang="en-US" dirty="0">
+                <a:solidFill>
+                  <a:schemeClr val="accent1"/>
+                </a:solidFill>
+              </a:rPr>
+              <a:t>3</a:t>
+            </a:r>
+          </a:p>
+        </p:txBody>
+      </p:sp>
+      <p:sp>
+        <p:nvSpPr>
+          <p:cNvPr id="26" name="TextBox 25">
+            <a:extLst>
+              <a:ext uri="{FF2B5EF4-FFF2-40B4-BE49-F238E27FC236}">
+                <a16:creationId xmlns:a16="http://schemas.microsoft.com/office/drawing/2014/main" id="{60C6436B-65D5-D544-861A-29FF10133C31}"/>
+              </a:ext>
+            </a:extLst>
+          </p:cNvPr>
+          <p:cNvSpPr txBox="1"/>
+          <p:nvPr/>
+        </p:nvSpPr>
+        <p:spPr>
+          <a:xfrm>
+            <a:off x="7536486" y="3819428"/>
+            <a:ext cx="1355831" cy="369332"/>
+          </a:xfrm>
+          <a:prstGeom prst="rect">
+            <a:avLst/>
+          </a:prstGeom>
+          <a:noFill/>
+        </p:spPr>
+        <p:txBody>
+          <a:bodyPr wrap="square" rtlCol="0" anchor="b">
+            <a:spAutoFit/>
+          </a:bodyPr>
+          <a:lstStyle/>
+          <a:p>
+            <a:pPr algn="ctr"/>
+            <a:r>
+              <a:rPr lang="en-US" dirty="0">
+                <a:solidFill>
+                  <a:schemeClr val="accent1"/>
+                </a:solidFill>
+              </a:rPr>
+              <a:t>4</a:t>
+            </a:r>
+          </a:p>
+        </p:txBody>
+      </p:sp>
+      <p:sp>
+        <p:nvSpPr>
+          <p:cNvPr id="27" name="TextBox 26">
+            <a:extLst>
+              <a:ext uri="{FF2B5EF4-FFF2-40B4-BE49-F238E27FC236}">
+                <a16:creationId xmlns:a16="http://schemas.microsoft.com/office/drawing/2014/main" id="{73641A08-7DA0-694A-BD06-A623F8EE5D17}"/>
+              </a:ext>
+            </a:extLst>
+          </p:cNvPr>
+          <p:cNvSpPr txBox="1"/>
+          <p:nvPr/>
+        </p:nvSpPr>
+        <p:spPr>
+          <a:xfrm>
+            <a:off x="9539130" y="3542429"/>
+            <a:ext cx="1355831" cy="646331"/>
+          </a:xfrm>
+          <a:prstGeom prst="rect">
+            <a:avLst/>
+          </a:prstGeom>
+          <a:noFill/>
+        </p:spPr>
+        <p:txBody>
+          <a:bodyPr wrap="square" rtlCol="0" anchor="b">
+            <a:spAutoFit/>
+          </a:bodyPr>
+          <a:lstStyle/>
+          <a:p>
+            <a:pPr algn="ctr"/>
+            <a:r>
+              <a:rPr lang="en-US" dirty="0">
+                <a:solidFill>
+                  <a:schemeClr val="accent1"/>
+                </a:solidFill>
+              </a:rPr>
+              <a:t>Satisfied</a:t>
+            </a:r>
+          </a:p>
+          <a:p>
+            <a:pPr algn="ctr"/>
+            <a:r>
+              <a:rPr lang="en-US" dirty="0">
+                <a:solidFill>
+                  <a:schemeClr val="accent1"/>
+                </a:solidFill>
+              </a:rPr>
+              <a:t>5</a:t>
+            </a:r>
+          </a:p>
+        </p:txBody>
+      </p:sp>
+      <p:sp>
+        <p:nvSpPr>
+          <p:cNvPr id="28" name="TextBox 27">
+            <a:extLst>
+              <a:ext uri="{FF2B5EF4-FFF2-40B4-BE49-F238E27FC236}">
+                <a16:creationId xmlns:a16="http://schemas.microsoft.com/office/drawing/2014/main" id="{A5F66422-44CB-2B43-9C11-0732C9909C38}"/>
+              </a:ext>
+            </a:extLst>
+          </p:cNvPr>
+          <p:cNvSpPr txBox="1"/>
+          <p:nvPr/>
+        </p:nvSpPr>
+        <p:spPr>
+          <a:xfrm>
+            <a:off x="3515147" y="3819428"/>
+            <a:ext cx="1355831" cy="369332"/>
+          </a:xfrm>
+          <a:prstGeom prst="rect">
+            <a:avLst/>
+          </a:prstGeom>
+          <a:noFill/>
+        </p:spPr>
+        <p:txBody>
+          <a:bodyPr wrap="square" rtlCol="0" anchor="b">
+            <a:spAutoFit/>
+          </a:bodyPr>
+          <a:lstStyle/>
+          <a:p>
+            <a:pPr algn="ctr"/>
+            <a:r>
+              <a:rPr lang="en-US" dirty="0">
+                <a:solidFill>
+                  <a:schemeClr val="accent1"/>
+                </a:solidFill>
+              </a:rPr>
+              <a:t>2</a:t>
+            </a:r>
+          </a:p>
+        </p:txBody>
+      </p:sp>
+      <p:sp>
+        <p:nvSpPr>
+          <p:cNvPr id="29" name="Oval 28">
+            <a:extLst>
+              <a:ext uri="{FF2B5EF4-FFF2-40B4-BE49-F238E27FC236}">
+                <a16:creationId xmlns:a16="http://schemas.microsoft.com/office/drawing/2014/main" id="{D0CB6E97-7202-E04A-8240-352838B0B4E9}"/>
+              </a:ext>
+            </a:extLst>
+          </p:cNvPr>
+          <p:cNvSpPr/>
+          <p:nvPr/>
+        </p:nvSpPr>
+        <p:spPr>
+          <a:xfrm>
+            <a:off x="2137864" y="4151622"/>
+            <a:ext cx="136636" cy="137160"/>
+          </a:xfrm>
+          <a:prstGeom prst="ellipse">
+            <a:avLst/>
+          </a:prstGeom>
+          <a:noFill/>
+          <a:ln w="38100"/>
+        </p:spPr>
+        <p:style>
+          <a:lnRef idx="2">
+            <a:schemeClr val="accent1">
+              <a:shade val="50000"/>
+            </a:schemeClr>
+          </a:lnRef>
+          <a:fillRef idx="1">
+            <a:schemeClr val="accent1"/>
+          </a:fillRef>
+          <a:effectRef idx="0">
+            <a:schemeClr val="accent1"/>
+          </a:effectRef>
+          <a:fontRef idx="minor">
+            <a:schemeClr val="lt1"/>
+          </a:fontRef>
+        </p:style>
+        <p:txBody>
+          <a:bodyPr rtlCol="0" anchor="ctr"/>
+          <a:lstStyle/>
+          <a:p>
+            <a:pPr algn="ctr"/>
+            <a:endParaRPr lang="en-US" sz="3200">
+              <a:solidFill>
+                <a:schemeClr val="accent1"/>
+              </a:solidFill>
+            </a:endParaRPr>
+          </a:p>
+        </p:txBody>
+      </p:sp>
+      <p:sp>
+        <p:nvSpPr>
+          <p:cNvPr id="30" name="Oval 29">
+            <a:extLst>
+              <a:ext uri="{FF2B5EF4-FFF2-40B4-BE49-F238E27FC236}">
+                <a16:creationId xmlns:a16="http://schemas.microsoft.com/office/drawing/2014/main" id="{3B9B9C46-0F88-CE48-8D31-2C4C799B1067}"/>
+              </a:ext>
+            </a:extLst>
+          </p:cNvPr>
+          <p:cNvSpPr/>
+          <p:nvPr/>
+        </p:nvSpPr>
+        <p:spPr>
+          <a:xfrm>
+            <a:off x="4130001" y="4151622"/>
+            <a:ext cx="136636" cy="137160"/>
+          </a:xfrm>
+          <a:prstGeom prst="ellipse">
+            <a:avLst/>
+          </a:prstGeom>
+          <a:noFill/>
+          <a:ln w="38100"/>
+        </p:spPr>
+        <p:style>
+          <a:lnRef idx="2">
+            <a:schemeClr val="accent1">
+              <a:shade val="50000"/>
+            </a:schemeClr>
+          </a:lnRef>
+          <a:fillRef idx="1">
+            <a:schemeClr val="accent1"/>
+          </a:fillRef>
+          <a:effectRef idx="0">
+            <a:schemeClr val="accent1"/>
+          </a:effectRef>
+          <a:fontRef idx="minor">
+            <a:schemeClr val="lt1"/>
+          </a:fontRef>
+        </p:style>
+        <p:txBody>
+          <a:bodyPr rtlCol="0" anchor="ctr"/>
+          <a:lstStyle/>
+          <a:p>
+            <a:pPr algn="ctr"/>
+            <a:endParaRPr lang="en-US" sz="3200">
+              <a:solidFill>
+                <a:schemeClr val="accent1"/>
+              </a:solidFill>
+            </a:endParaRPr>
+          </a:p>
+        </p:txBody>
+      </p:sp>
+      <p:sp>
+        <p:nvSpPr>
+          <p:cNvPr id="31" name="Oval 30">
+            <a:extLst>
+              <a:ext uri="{FF2B5EF4-FFF2-40B4-BE49-F238E27FC236}">
+                <a16:creationId xmlns:a16="http://schemas.microsoft.com/office/drawing/2014/main" id="{0CD03016-29C7-044D-A751-EFEABE06B704}"/>
+              </a:ext>
+            </a:extLst>
+          </p:cNvPr>
+          <p:cNvSpPr/>
+          <p:nvPr/>
+        </p:nvSpPr>
+        <p:spPr>
+          <a:xfrm>
+            <a:off x="6123451" y="4151622"/>
+            <a:ext cx="136636" cy="137160"/>
+          </a:xfrm>
+          <a:prstGeom prst="ellipse">
+            <a:avLst/>
+          </a:prstGeom>
+          <a:noFill/>
+          <a:ln w="38100"/>
+        </p:spPr>
+        <p:style>
+          <a:lnRef idx="2">
+            <a:schemeClr val="accent1">
+              <a:shade val="50000"/>
+            </a:schemeClr>
+          </a:lnRef>
+          <a:fillRef idx="1">
+            <a:schemeClr val="accent1"/>
+          </a:fillRef>
+          <a:effectRef idx="0">
+            <a:schemeClr val="accent1"/>
+          </a:effectRef>
+          <a:fontRef idx="minor">
+            <a:schemeClr val="lt1"/>
+          </a:fontRef>
+        </p:style>
+        <p:txBody>
+          <a:bodyPr rtlCol="0" anchor="ctr"/>
+          <a:lstStyle/>
+          <a:p>
+            <a:pPr algn="ctr"/>
+            <a:endParaRPr lang="en-US" sz="3200">
+              <a:solidFill>
+                <a:schemeClr val="accent1"/>
+              </a:solidFill>
+            </a:endParaRPr>
+          </a:p>
+        </p:txBody>
+      </p:sp>
+      <p:sp>
+        <p:nvSpPr>
+          <p:cNvPr id="32" name="Oval 31">
+            <a:extLst>
+              <a:ext uri="{FF2B5EF4-FFF2-40B4-BE49-F238E27FC236}">
+                <a16:creationId xmlns:a16="http://schemas.microsoft.com/office/drawing/2014/main" id="{46A2F2AF-1F85-3C4E-A7D5-8ECA20336ABA}"/>
+              </a:ext>
+            </a:extLst>
+          </p:cNvPr>
+          <p:cNvSpPr/>
+          <p:nvPr/>
+        </p:nvSpPr>
+        <p:spPr>
+          <a:xfrm>
+            <a:off x="8135043" y="4151622"/>
+            <a:ext cx="136636" cy="137160"/>
+          </a:xfrm>
+          <a:prstGeom prst="ellipse">
+            <a:avLst/>
+          </a:prstGeom>
+          <a:noFill/>
+          <a:ln w="38100"/>
+        </p:spPr>
+        <p:style>
+          <a:lnRef idx="2">
+            <a:schemeClr val="accent1">
+              <a:shade val="50000"/>
+            </a:schemeClr>
+          </a:lnRef>
+          <a:fillRef idx="1">
+            <a:schemeClr val="accent1"/>
+          </a:fillRef>
+          <a:effectRef idx="0">
+            <a:schemeClr val="accent1"/>
+          </a:effectRef>
+          <a:fontRef idx="minor">
+            <a:schemeClr val="lt1"/>
+          </a:fontRef>
+        </p:style>
+        <p:txBody>
+          <a:bodyPr rtlCol="0" anchor="ctr"/>
+          <a:lstStyle/>
+          <a:p>
+            <a:pPr algn="ctr"/>
+            <a:endParaRPr lang="en-US" sz="3200">
+              <a:solidFill>
+                <a:schemeClr val="accent1"/>
+              </a:solidFill>
+            </a:endParaRPr>
+          </a:p>
+        </p:txBody>
+      </p:sp>
+      <p:sp>
+        <p:nvSpPr>
+          <p:cNvPr id="33" name="Oval 32">
+            <a:extLst>
+              <a:ext uri="{FF2B5EF4-FFF2-40B4-BE49-F238E27FC236}">
+                <a16:creationId xmlns:a16="http://schemas.microsoft.com/office/drawing/2014/main" id="{1469A094-DD37-3A49-A1E7-AAB321341AA6}"/>
+              </a:ext>
+            </a:extLst>
+          </p:cNvPr>
+          <p:cNvSpPr/>
+          <p:nvPr/>
+        </p:nvSpPr>
+        <p:spPr>
+          <a:xfrm>
+            <a:off x="10148726" y="4151622"/>
+            <a:ext cx="136636" cy="137160"/>
+          </a:xfrm>
+          <a:prstGeom prst="ellipse">
+            <a:avLst/>
+          </a:prstGeom>
+          <a:noFill/>
+          <a:ln w="38100"/>
+        </p:spPr>
+        <p:style>
+          <a:lnRef idx="2">
+            <a:schemeClr val="accent1">
+              <a:shade val="50000"/>
+            </a:schemeClr>
+          </a:lnRef>
+          <a:fillRef idx="1">
+            <a:schemeClr val="accent1"/>
+          </a:fillRef>
+          <a:effectRef idx="0">
+            <a:schemeClr val="accent1"/>
+          </a:effectRef>
+          <a:fontRef idx="minor">
+            <a:schemeClr val="lt1"/>
+          </a:fontRef>
+        </p:style>
+        <p:txBody>
+          <a:bodyPr rtlCol="0" anchor="ctr"/>
+          <a:lstStyle/>
+          <a:p>
+            <a:pPr algn="ctr"/>
+            <a:endParaRPr lang="en-US" sz="3200">
+              <a:solidFill>
+                <a:schemeClr val="accent1"/>
+              </a:solidFill>
+            </a:endParaRPr>
+          </a:p>
+        </p:txBody>
+      </p:sp>
+      <p:sp>
+        <p:nvSpPr>
+          <p:cNvPr id="38" name="Freeform 37">
+            <a:extLst>
+              <a:ext uri="{FF2B5EF4-FFF2-40B4-BE49-F238E27FC236}">
+                <a16:creationId xmlns:a16="http://schemas.microsoft.com/office/drawing/2014/main" id="{77F55E32-4678-034D-8783-CD5343F4E65C}"/>
+              </a:ext>
+            </a:extLst>
+          </p:cNvPr>
+          <p:cNvSpPr/>
+          <p:nvPr/>
+        </p:nvSpPr>
+        <p:spPr>
+          <a:xfrm>
+            <a:off x="10107489" y="4140413"/>
+            <a:ext cx="210412" cy="191300"/>
+          </a:xfrm>
+          <a:custGeom>
+            <a:avLst/>
+            <a:gdLst>
+              <a:gd name="connsiteX0" fmla="*/ 148628 w 210412"/>
+              <a:gd name="connsiteY0" fmla="*/ 0 h 191300"/>
+              <a:gd name="connsiteX1" fmla="*/ 347 w 210412"/>
+              <a:gd name="connsiteY1" fmla="*/ 111211 h 191300"/>
+              <a:gd name="connsiteX2" fmla="*/ 185699 w 210412"/>
+              <a:gd name="connsiteY2" fmla="*/ 86497 h 191300"/>
+              <a:gd name="connsiteX3" fmla="*/ 49774 w 210412"/>
+              <a:gd name="connsiteY3" fmla="*/ 172995 h 191300"/>
+              <a:gd name="connsiteX4" fmla="*/ 210412 w 210412"/>
+              <a:gd name="connsiteY4" fmla="*/ 185351 h 191300"/>
+            </a:gdLst>
+            <a:ahLst/>
+            <a:cxnLst>
+              <a:cxn ang="0">
+                <a:pos x="connsiteX0" y="connsiteY0"/>
+              </a:cxn>
+              <a:cxn ang="0">
+                <a:pos x="connsiteX1" y="connsiteY1"/>
+              </a:cxn>
+              <a:cxn ang="0">
+                <a:pos x="connsiteX2" y="connsiteY2"/>
+              </a:cxn>
+              <a:cxn ang="0">
+                <a:pos x="connsiteX3" y="connsiteY3"/>
+              </a:cxn>
+              <a:cxn ang="0">
+                <a:pos x="connsiteX4" y="connsiteY4"/>
+              </a:cxn>
+            </a:cxnLst>
+            <a:rect l="l" t="t" r="r" b="b"/>
+            <a:pathLst>
+              <a:path w="210412" h="191300">
+                <a:moveTo>
+                  <a:pt x="148628" y="0"/>
+                </a:moveTo>
+                <a:cubicBezTo>
+                  <a:pt x="71398" y="48397"/>
+                  <a:pt x="-5832" y="96795"/>
+                  <a:pt x="347" y="111211"/>
+                </a:cubicBezTo>
+                <a:cubicBezTo>
+                  <a:pt x="6526" y="125627"/>
+                  <a:pt x="177461" y="76200"/>
+                  <a:pt x="185699" y="86497"/>
+                </a:cubicBezTo>
+                <a:cubicBezTo>
+                  <a:pt x="193937" y="96794"/>
+                  <a:pt x="45655" y="156519"/>
+                  <a:pt x="49774" y="172995"/>
+                </a:cubicBezTo>
+                <a:cubicBezTo>
+                  <a:pt x="53893" y="189471"/>
+                  <a:pt x="181580" y="197708"/>
+                  <a:pt x="210412" y="185351"/>
+                </a:cubicBezTo>
+              </a:path>
+            </a:pathLst>
+          </a:custGeom>
+          <a:noFill/>
+          <a:ln w="76200"/>
+        </p:spPr>
+        <p:style>
+          <a:lnRef idx="2">
+            <a:schemeClr val="accent1">
+              <a:shade val="50000"/>
+            </a:schemeClr>
+          </a:lnRef>
+          <a:fillRef idx="1">
+            <a:schemeClr val="accent1"/>
+          </a:fillRef>
+          <a:effectRef idx="0">
+            <a:schemeClr val="accent1"/>
+          </a:effectRef>
+          <a:fontRef idx="minor">
+            <a:schemeClr val="lt1"/>
+          </a:fontRef>
+        </p:style>
+        <p:txBody>
+          <a:bodyPr rtlCol="0" anchor="ctr"/>
+          <a:lstStyle/>
+          <a:p>
+            <a:pPr algn="ctr"/>
+            <a:endParaRPr lang="en-US"/>
+          </a:p>
+        </p:txBody>
+      </p:sp>
+      <p:sp>
+        <p:nvSpPr>
+          <p:cNvPr id="39" name="TextBox 38">
+            <a:extLst>
+              <a:ext uri="{FF2B5EF4-FFF2-40B4-BE49-F238E27FC236}">
+                <a16:creationId xmlns:a16="http://schemas.microsoft.com/office/drawing/2014/main" id="{0F66557A-679B-924C-A11C-41101825706B}"/>
+              </a:ext>
+            </a:extLst>
+          </p:cNvPr>
+          <p:cNvSpPr txBox="1"/>
+          <p:nvPr/>
+        </p:nvSpPr>
+        <p:spPr>
+          <a:xfrm>
+            <a:off x="1690819" y="2607700"/>
+            <a:ext cx="10755989" cy="461665"/>
+          </a:xfrm>
+          <a:prstGeom prst="rect">
+            <a:avLst/>
+          </a:prstGeom>
+          <a:noFill/>
+        </p:spPr>
+        <p:txBody>
+          <a:bodyPr wrap="square" rtlCol="0">
+            <a:spAutoFit/>
+          </a:bodyPr>
+          <a:lstStyle/>
+          <a:p>
+            <a:r>
+              <a:rPr lang="en-US" sz="2400" dirty="0">
+                <a:solidFill>
+                  <a:schemeClr val="bg1">
+                    <a:lumMod val="65000"/>
+                  </a:schemeClr>
+                </a:solidFill>
+              </a:rPr>
+              <a:t>How Do You Feel About Your Experience? </a:t>
+            </a:r>
+          </a:p>
+        </p:txBody>
+      </p:sp>
+      <p:sp>
+        <p:nvSpPr>
+          <p:cNvPr id="40" name="Rectangle 39">
+            <a:extLst>
+              <a:ext uri="{FF2B5EF4-FFF2-40B4-BE49-F238E27FC236}">
+                <a16:creationId xmlns:a16="http://schemas.microsoft.com/office/drawing/2014/main" id="{D5078C6D-48ED-1444-B14D-A74F30437577}"/>
+              </a:ext>
+            </a:extLst>
+          </p:cNvPr>
+          <p:cNvSpPr/>
+          <p:nvPr/>
+        </p:nvSpPr>
+        <p:spPr>
+          <a:xfrm>
+            <a:off x="3732698" y="2020997"/>
+            <a:ext cx="6753120" cy="1569660"/>
+          </a:xfrm>
+          <a:prstGeom prst="rect">
+            <a:avLst/>
+          </a:prstGeom>
+          <a:noFill/>
+        </p:spPr>
+        <p:txBody>
+          <a:bodyPr wrap="square" lIns="91440" tIns="45720" rIns="91440" bIns="45720">
+            <a:spAutoFit/>
+          </a:bodyPr>
+          <a:lstStyle/>
+          <a:p>
+            <a:pPr algn="ctr"/>
+            <a:r>
+              <a:rPr lang="en-US" sz="4800" b="1" cap="none" spc="0" dirty="0">
+                <a:ln w="22225">
+                  <a:solidFill>
+                    <a:schemeClr val="accent2"/>
+                  </a:solidFill>
+                  <a:prstDash val="solid"/>
+                </a:ln>
+                <a:solidFill>
+                  <a:schemeClr val="accent2">
+                    <a:lumMod val="40000"/>
+                    <a:lumOff val="60000"/>
+                  </a:schemeClr>
+                </a:solidFill>
+                <a:effectLst/>
+              </a:rPr>
+              <a:t>Taking a Closer Look </a:t>
+            </a:r>
+            <a:r>
+              <a:rPr lang="en-US" sz="4800" b="1" dirty="0">
+                <a:ln w="22225">
+                  <a:solidFill>
+                    <a:schemeClr val="accent2"/>
+                  </a:solidFill>
+                  <a:prstDash val="solid"/>
+                </a:ln>
+                <a:solidFill>
+                  <a:schemeClr val="accent2">
+                    <a:lumMod val="40000"/>
+                    <a:lumOff val="60000"/>
+                  </a:schemeClr>
+                </a:solidFill>
+              </a:rPr>
+              <a:t>at </a:t>
+            </a:r>
+            <a:r>
+              <a:rPr lang="en-US" sz="4800" b="1" cap="none" spc="0" dirty="0">
+                <a:ln w="22225">
+                  <a:solidFill>
+                    <a:schemeClr val="accent2"/>
+                  </a:solidFill>
+                  <a:prstDash val="solid"/>
+                </a:ln>
+                <a:solidFill>
+                  <a:schemeClr val="accent2">
+                    <a:lumMod val="40000"/>
+                    <a:lumOff val="60000"/>
+                  </a:schemeClr>
+                </a:solidFill>
+                <a:effectLst/>
+              </a:rPr>
+              <a:t>Rating Scales</a:t>
+            </a:r>
+          </a:p>
+        </p:txBody>
+      </p:sp>
+      <p:sp>
+        <p:nvSpPr>
+          <p:cNvPr id="41" name="Oval 40">
+            <a:extLst>
+              <a:ext uri="{FF2B5EF4-FFF2-40B4-BE49-F238E27FC236}">
+                <a16:creationId xmlns:a16="http://schemas.microsoft.com/office/drawing/2014/main" id="{9D761B23-E0A0-F244-BF03-4780C25DCD5E}"/>
+              </a:ext>
+            </a:extLst>
+          </p:cNvPr>
+          <p:cNvSpPr/>
+          <p:nvPr/>
+        </p:nvSpPr>
+        <p:spPr>
+          <a:xfrm>
+            <a:off x="8502479" y="3677154"/>
+            <a:ext cx="1188720" cy="1188720"/>
+          </a:xfrm>
+          <a:prstGeom prst="ellipse">
+            <a:avLst/>
+          </a:prstGeom>
+          <a:solidFill>
+            <a:schemeClr val="bg1"/>
+          </a:solidFill>
+          <a:ln>
+            <a:noFill/>
+          </a:ln>
+        </p:spPr>
+        <p:style>
+          <a:lnRef idx="2">
+            <a:schemeClr val="accent1">
+              <a:shade val="50000"/>
+            </a:schemeClr>
+          </a:lnRef>
+          <a:fillRef idx="1">
+            <a:schemeClr val="accent1"/>
+          </a:fillRef>
+          <a:effectRef idx="0">
+            <a:schemeClr val="accent1"/>
+          </a:effectRef>
+          <a:fontRef idx="minor">
+            <a:schemeClr val="lt1"/>
+          </a:fontRef>
+        </p:style>
+        <p:txBody>
+          <a:bodyPr rtlCol="0" anchor="ctr"/>
+          <a:lstStyle/>
+          <a:p>
+            <a:pPr algn="ctr"/>
+            <a:endParaRPr lang="en-US"/>
+          </a:p>
+        </p:txBody>
+      </p:sp>
+      <p:cxnSp>
+        <p:nvCxnSpPr>
+          <p:cNvPr id="43" name="Straight Connector 42">
+            <a:extLst>
+              <a:ext uri="{FF2B5EF4-FFF2-40B4-BE49-F238E27FC236}">
+                <a16:creationId xmlns:a16="http://schemas.microsoft.com/office/drawing/2014/main" id="{8D136D5D-E363-E049-AF9A-2BECBE2B67BB}"/>
+              </a:ext>
+            </a:extLst>
+          </p:cNvPr>
+          <p:cNvCxnSpPr>
+            <a:cxnSpLocks/>
+          </p:cNvCxnSpPr>
+          <p:nvPr/>
+        </p:nvCxnSpPr>
+        <p:spPr>
+          <a:xfrm>
+            <a:off x="8460977" y="4503876"/>
+            <a:ext cx="1280160" cy="0"/>
+          </a:xfrm>
+          <a:prstGeom prst="line">
+            <a:avLst/>
+          </a:prstGeom>
+          <a:ln w="254000"/>
+        </p:spPr>
+        <p:style>
+          <a:lnRef idx="1">
+            <a:schemeClr val="accent1"/>
+          </a:lnRef>
+          <a:fillRef idx="0">
+            <a:schemeClr val="accent1"/>
+          </a:fillRef>
+          <a:effectRef idx="0">
+            <a:schemeClr val="accent1"/>
+          </a:effectRef>
+          <a:fontRef idx="minor">
+            <a:schemeClr val="tx1"/>
+          </a:fontRef>
+        </p:style>
+      </p:cxnSp>
+      <p:pic>
+        <p:nvPicPr>
+          <p:cNvPr id="4" name="Graphic 3" descr="Magnifying glass">
+            <a:extLst>
+              <a:ext uri="{FF2B5EF4-FFF2-40B4-BE49-F238E27FC236}">
+                <a16:creationId xmlns:a16="http://schemas.microsoft.com/office/drawing/2014/main" id="{EFA4B985-7852-B544-B445-1768042BE37B}"/>
+              </a:ext>
+            </a:extLst>
+          </p:cNvPr>
+          <p:cNvPicPr>
+            <a:picLocks noChangeAspect="1"/>
+          </p:cNvPicPr>
+          <p:nvPr/>
+        </p:nvPicPr>
+        <p:blipFill>
+          <a:blip r:embed="rId2">
+            <a:extLst>
+              <a:ext uri="{96DAC541-7B7A-43D3-8B79-37D633B846F1}">
+                <asvg:svgBlip xmlns:asvg="http://schemas.microsoft.com/office/drawing/2016/SVG/main" r:embed="rId3"/>
+              </a:ext>
+            </a:extLst>
+          </a:blip>
+          <a:stretch>
+            <a:fillRect/>
+          </a:stretch>
+        </p:blipFill>
+        <p:spPr>
+          <a:xfrm>
+            <a:off x="7670923" y="3305802"/>
+            <a:ext cx="2403997" cy="2403997"/>
+          </a:xfrm>
+          <a:prstGeom prst="rect">
+            <a:avLst/>
+          </a:prstGeom>
+          <a:scene3d>
+            <a:camera prst="orthographicFront">
+              <a:rot lat="0" lon="10800000" rev="0"/>
+            </a:camera>
+            <a:lightRig rig="threePt" dir="t"/>
+          </a:scene3d>
+        </p:spPr>
+      </p:pic>
+      <p:pic>
+        <p:nvPicPr>
+          <p:cNvPr id="46" name="Picture 45" descr="A picture containing text&#10;&#10;Description automatically generated">
+            <a:extLst>
+              <a:ext uri="{FF2B5EF4-FFF2-40B4-BE49-F238E27FC236}">
+                <a16:creationId xmlns:a16="http://schemas.microsoft.com/office/drawing/2014/main" id="{FDD9ED80-3757-684C-AE75-EF0B1121F611}"/>
+              </a:ext>
+            </a:extLst>
+          </p:cNvPr>
+          <p:cNvPicPr>
+            <a:picLocks noChangeAspect="1"/>
+          </p:cNvPicPr>
+          <p:nvPr/>
+        </p:nvPicPr>
+        <p:blipFill>
+          <a:blip r:embed="rId4"/>
+          <a:stretch>
+            <a:fillRect/>
+          </a:stretch>
+        </p:blipFill>
+        <p:spPr>
+          <a:xfrm>
+            <a:off x="10345510" y="3437641"/>
+            <a:ext cx="845725" cy="845725"/>
+          </a:xfrm>
+          <a:prstGeom prst="rect">
+            <a:avLst/>
+          </a:prstGeom>
+        </p:spPr>
+      </p:pic>
+    </p:spTree>
+    <p:extLst>
+      <p:ext uri="{BB962C8B-B14F-4D97-AF65-F5344CB8AC3E}">
+        <p14:creationId xmlns:p14="http://schemas.microsoft.com/office/powerpoint/2010/main" val="493225772"/>
+      </p:ext>
+    </p:extLst>
+  </p:cSld>
+  <p:clrMapOvr>
+    <a:masterClrMapping/>
+  </p:clrMapOvr>
+</p:sld>
+</file>
+
+<file path=ppt/slides/slide9.xml><?xml version="1.0" encoding="utf-8"?>
 <p:sld xmlns:a="http://schemas.openxmlformats.org/drawingml/2006/main" xmlns:r="http://schemas.openxmlformats.org/officeDocument/2006/relationships" xmlns:p="http://schemas.openxmlformats.org/presentationml/2006/main">
   <p:cSld>
     <p:spTree>
@@ -12072,1638 +14871,6 @@
 </p:sld>
 </file>
 
-<file path=ppt/slides/slide9.xml><?xml version="1.0" encoding="utf-8"?>
-<p:sld xmlns:a="http://schemas.openxmlformats.org/drawingml/2006/main" xmlns:r="http://schemas.openxmlformats.org/officeDocument/2006/relationships" xmlns:p="http://schemas.openxmlformats.org/presentationml/2006/main">
-  <p:cSld>
-    <p:spTree>
-      <p:nvGrpSpPr>
-        <p:cNvPr id="1" name=""/>
-        <p:cNvGrpSpPr/>
-        <p:nvPr/>
-      </p:nvGrpSpPr>
-      <p:grpSpPr>
-        <a:xfrm>
-          <a:off x="0" y="0"/>
-          <a:ext cx="0" cy="0"/>
-          <a:chOff x="0" y="0"/>
-          <a:chExt cx="0" cy="0"/>
-        </a:xfrm>
-      </p:grpSpPr>
-      <p:cxnSp>
-        <p:nvCxnSpPr>
-          <p:cNvPr id="21" name="Straight Connector 20">
-            <a:extLst>
-              <a:ext uri="{FF2B5EF4-FFF2-40B4-BE49-F238E27FC236}">
-                <a16:creationId xmlns:a16="http://schemas.microsoft.com/office/drawing/2014/main" id="{2BFDE813-13EF-8C45-8CD7-66F49E226065}"/>
-              </a:ext>
-            </a:extLst>
-          </p:cNvPr>
-          <p:cNvCxnSpPr>
-            <a:cxnSpLocks/>
-          </p:cNvCxnSpPr>
-          <p:nvPr/>
-        </p:nvCxnSpPr>
-        <p:spPr>
-          <a:xfrm>
-            <a:off x="1471447" y="5504679"/>
-            <a:ext cx="8660524" cy="0"/>
-          </a:xfrm>
-          <a:prstGeom prst="line">
-            <a:avLst/>
-          </a:prstGeom>
-        </p:spPr>
-        <p:style>
-          <a:lnRef idx="1">
-            <a:schemeClr val="accent1"/>
-          </a:lnRef>
-          <a:fillRef idx="0">
-            <a:schemeClr val="accent1"/>
-          </a:fillRef>
-          <a:effectRef idx="0">
-            <a:schemeClr val="accent1"/>
-          </a:effectRef>
-          <a:fontRef idx="minor">
-            <a:schemeClr val="tx1"/>
-          </a:fontRef>
-        </p:style>
-      </p:cxnSp>
-      <p:cxnSp>
-        <p:nvCxnSpPr>
-          <p:cNvPr id="22" name="Straight Connector 21">
-            <a:extLst>
-              <a:ext uri="{FF2B5EF4-FFF2-40B4-BE49-F238E27FC236}">
-                <a16:creationId xmlns:a16="http://schemas.microsoft.com/office/drawing/2014/main" id="{64DD1843-06A1-5648-8045-1DAE5EC77740}"/>
-              </a:ext>
-            </a:extLst>
-          </p:cNvPr>
-          <p:cNvCxnSpPr>
-            <a:cxnSpLocks/>
-          </p:cNvCxnSpPr>
-          <p:nvPr/>
-        </p:nvCxnSpPr>
-        <p:spPr>
-          <a:xfrm>
-            <a:off x="1471447" y="5314179"/>
-            <a:ext cx="0" cy="182880"/>
-          </a:xfrm>
-          <a:prstGeom prst="line">
-            <a:avLst/>
-          </a:prstGeom>
-        </p:spPr>
-        <p:style>
-          <a:lnRef idx="1">
-            <a:schemeClr val="accent1"/>
-          </a:lnRef>
-          <a:fillRef idx="0">
-            <a:schemeClr val="accent1"/>
-          </a:fillRef>
-          <a:effectRef idx="0">
-            <a:schemeClr val="accent1"/>
-          </a:effectRef>
-          <a:fontRef idx="minor">
-            <a:schemeClr val="tx1"/>
-          </a:fontRef>
-        </p:style>
-      </p:cxnSp>
-      <p:cxnSp>
-        <p:nvCxnSpPr>
-          <p:cNvPr id="23" name="Straight Connector 22">
-            <a:extLst>
-              <a:ext uri="{FF2B5EF4-FFF2-40B4-BE49-F238E27FC236}">
-                <a16:creationId xmlns:a16="http://schemas.microsoft.com/office/drawing/2014/main" id="{3D12BC56-676C-0748-9CC0-2D90538DECBA}"/>
-              </a:ext>
-            </a:extLst>
-          </p:cNvPr>
-          <p:cNvCxnSpPr>
-            <a:cxnSpLocks/>
-          </p:cNvCxnSpPr>
-          <p:nvPr/>
-        </p:nvCxnSpPr>
-        <p:spPr>
-          <a:xfrm>
-            <a:off x="3636578" y="5314179"/>
-            <a:ext cx="0" cy="182880"/>
-          </a:xfrm>
-          <a:prstGeom prst="line">
-            <a:avLst/>
-          </a:prstGeom>
-        </p:spPr>
-        <p:style>
-          <a:lnRef idx="1">
-            <a:schemeClr val="accent1"/>
-          </a:lnRef>
-          <a:fillRef idx="0">
-            <a:schemeClr val="accent1"/>
-          </a:fillRef>
-          <a:effectRef idx="0">
-            <a:schemeClr val="accent1"/>
-          </a:effectRef>
-          <a:fontRef idx="minor">
-            <a:schemeClr val="tx1"/>
-          </a:fontRef>
-        </p:style>
-      </p:cxnSp>
-      <p:cxnSp>
-        <p:nvCxnSpPr>
-          <p:cNvPr id="24" name="Straight Connector 23">
-            <a:extLst>
-              <a:ext uri="{FF2B5EF4-FFF2-40B4-BE49-F238E27FC236}">
-                <a16:creationId xmlns:a16="http://schemas.microsoft.com/office/drawing/2014/main" id="{5D617DA8-B63B-E648-9EAC-E60327860FA8}"/>
-              </a:ext>
-            </a:extLst>
-          </p:cNvPr>
-          <p:cNvCxnSpPr>
-            <a:cxnSpLocks/>
-          </p:cNvCxnSpPr>
-          <p:nvPr/>
-        </p:nvCxnSpPr>
-        <p:spPr>
-          <a:xfrm>
-            <a:off x="5801709" y="5314179"/>
-            <a:ext cx="0" cy="182880"/>
-          </a:xfrm>
-          <a:prstGeom prst="line">
-            <a:avLst/>
-          </a:prstGeom>
-        </p:spPr>
-        <p:style>
-          <a:lnRef idx="1">
-            <a:schemeClr val="accent1"/>
-          </a:lnRef>
-          <a:fillRef idx="0">
-            <a:schemeClr val="accent1"/>
-          </a:fillRef>
-          <a:effectRef idx="0">
-            <a:schemeClr val="accent1"/>
-          </a:effectRef>
-          <a:fontRef idx="minor">
-            <a:schemeClr val="tx1"/>
-          </a:fontRef>
-        </p:style>
-      </p:cxnSp>
-      <p:cxnSp>
-        <p:nvCxnSpPr>
-          <p:cNvPr id="25" name="Straight Connector 24">
-            <a:extLst>
-              <a:ext uri="{FF2B5EF4-FFF2-40B4-BE49-F238E27FC236}">
-                <a16:creationId xmlns:a16="http://schemas.microsoft.com/office/drawing/2014/main" id="{F5E32603-DD25-3B4A-B160-FFD97828C5AB}"/>
-              </a:ext>
-            </a:extLst>
-          </p:cNvPr>
-          <p:cNvCxnSpPr>
-            <a:cxnSpLocks/>
-          </p:cNvCxnSpPr>
-          <p:nvPr/>
-        </p:nvCxnSpPr>
-        <p:spPr>
-          <a:xfrm>
-            <a:off x="7966840" y="5314179"/>
-            <a:ext cx="0" cy="182880"/>
-          </a:xfrm>
-          <a:prstGeom prst="line">
-            <a:avLst/>
-          </a:prstGeom>
-        </p:spPr>
-        <p:style>
-          <a:lnRef idx="1">
-            <a:schemeClr val="accent1"/>
-          </a:lnRef>
-          <a:fillRef idx="0">
-            <a:schemeClr val="accent1"/>
-          </a:fillRef>
-          <a:effectRef idx="0">
-            <a:schemeClr val="accent1"/>
-          </a:effectRef>
-          <a:fontRef idx="minor">
-            <a:schemeClr val="tx1"/>
-          </a:fontRef>
-        </p:style>
-      </p:cxnSp>
-      <p:cxnSp>
-        <p:nvCxnSpPr>
-          <p:cNvPr id="26" name="Straight Connector 25">
-            <a:extLst>
-              <a:ext uri="{FF2B5EF4-FFF2-40B4-BE49-F238E27FC236}">
-                <a16:creationId xmlns:a16="http://schemas.microsoft.com/office/drawing/2014/main" id="{55BFEABE-17D8-2445-B757-43ED2F77BC9B}"/>
-              </a:ext>
-            </a:extLst>
-          </p:cNvPr>
-          <p:cNvCxnSpPr>
-            <a:cxnSpLocks/>
-          </p:cNvCxnSpPr>
-          <p:nvPr/>
-        </p:nvCxnSpPr>
-        <p:spPr>
-          <a:xfrm>
-            <a:off x="10131971" y="5314179"/>
-            <a:ext cx="0" cy="182880"/>
-          </a:xfrm>
-          <a:prstGeom prst="line">
-            <a:avLst/>
-          </a:prstGeom>
-        </p:spPr>
-        <p:style>
-          <a:lnRef idx="1">
-            <a:schemeClr val="accent1"/>
-          </a:lnRef>
-          <a:fillRef idx="0">
-            <a:schemeClr val="accent1"/>
-          </a:fillRef>
-          <a:effectRef idx="0">
-            <a:schemeClr val="accent1"/>
-          </a:effectRef>
-          <a:fontRef idx="minor">
-            <a:schemeClr val="tx1"/>
-          </a:fontRef>
-        </p:style>
-      </p:cxnSp>
-      <p:sp>
-        <p:nvSpPr>
-          <p:cNvPr id="31" name="Left Brace 30">
-            <a:extLst>
-              <a:ext uri="{FF2B5EF4-FFF2-40B4-BE49-F238E27FC236}">
-                <a16:creationId xmlns:a16="http://schemas.microsoft.com/office/drawing/2014/main" id="{3A8FAF63-197C-C645-9C6A-15FE2FA8949F}"/>
-              </a:ext>
-            </a:extLst>
-          </p:cNvPr>
-          <p:cNvSpPr/>
-          <p:nvPr/>
-        </p:nvSpPr>
-        <p:spPr>
-          <a:xfrm rot="16200000">
-            <a:off x="4665214" y="4583412"/>
-            <a:ext cx="91440" cy="2055432"/>
-          </a:xfrm>
-          <a:prstGeom prst="leftBrace">
-            <a:avLst/>
-          </a:prstGeom>
-        </p:spPr>
-        <p:style>
-          <a:lnRef idx="1">
-            <a:schemeClr val="accent1"/>
-          </a:lnRef>
-          <a:fillRef idx="0">
-            <a:schemeClr val="accent1"/>
-          </a:fillRef>
-          <a:effectRef idx="0">
-            <a:schemeClr val="accent1"/>
-          </a:effectRef>
-          <a:fontRef idx="minor">
-            <a:schemeClr val="tx1"/>
-          </a:fontRef>
-        </p:style>
-        <p:txBody>
-          <a:bodyPr rtlCol="0" anchor="ctr"/>
-          <a:lstStyle/>
-          <a:p>
-            <a:pPr algn="ctr"/>
-            <a:endParaRPr lang="en-US"/>
-          </a:p>
-        </p:txBody>
-      </p:sp>
-      <p:sp>
-        <p:nvSpPr>
-          <p:cNvPr id="32" name="Left Brace 31">
-            <a:extLst>
-              <a:ext uri="{FF2B5EF4-FFF2-40B4-BE49-F238E27FC236}">
-                <a16:creationId xmlns:a16="http://schemas.microsoft.com/office/drawing/2014/main" id="{40DAB3E6-C3F9-964D-958C-BEB635AE72C9}"/>
-              </a:ext>
-            </a:extLst>
-          </p:cNvPr>
-          <p:cNvSpPr/>
-          <p:nvPr/>
-        </p:nvSpPr>
-        <p:spPr>
-          <a:xfrm rot="16200000">
-            <a:off x="2495483" y="4583412"/>
-            <a:ext cx="91440" cy="2055432"/>
-          </a:xfrm>
-          <a:prstGeom prst="leftBrace">
-            <a:avLst/>
-          </a:prstGeom>
-        </p:spPr>
-        <p:style>
-          <a:lnRef idx="1">
-            <a:schemeClr val="accent1"/>
-          </a:lnRef>
-          <a:fillRef idx="0">
-            <a:schemeClr val="accent1"/>
-          </a:fillRef>
-          <a:effectRef idx="0">
-            <a:schemeClr val="accent1"/>
-          </a:effectRef>
-          <a:fontRef idx="minor">
-            <a:schemeClr val="tx1"/>
-          </a:fontRef>
-        </p:style>
-        <p:txBody>
-          <a:bodyPr rtlCol="0" anchor="ctr"/>
-          <a:lstStyle/>
-          <a:p>
-            <a:pPr algn="ctr"/>
-            <a:endParaRPr lang="en-US"/>
-          </a:p>
-        </p:txBody>
-      </p:sp>
-      <p:sp>
-        <p:nvSpPr>
-          <p:cNvPr id="34" name="TextBox 33">
-            <a:extLst>
-              <a:ext uri="{FF2B5EF4-FFF2-40B4-BE49-F238E27FC236}">
-                <a16:creationId xmlns:a16="http://schemas.microsoft.com/office/drawing/2014/main" id="{54525AB4-ECE4-F946-9E24-FDC920BA4850}"/>
-              </a:ext>
-            </a:extLst>
-          </p:cNvPr>
-          <p:cNvSpPr txBox="1"/>
-          <p:nvPr/>
-        </p:nvSpPr>
-        <p:spPr>
-          <a:xfrm>
-            <a:off x="2293883" y="5688380"/>
-            <a:ext cx="2664373" cy="246221"/>
-          </a:xfrm>
-          <a:prstGeom prst="rect">
-            <a:avLst/>
-          </a:prstGeom>
-          <a:noFill/>
-        </p:spPr>
-        <p:txBody>
-          <a:bodyPr wrap="square" rtlCol="0">
-            <a:spAutoFit/>
-          </a:bodyPr>
-          <a:lstStyle/>
-          <a:p>
-            <a:pPr algn="ctr"/>
-            <a:r>
-              <a:rPr lang="en-US" sz="1000" dirty="0">
-                <a:solidFill>
-                  <a:schemeClr val="accent6"/>
-                </a:solidFill>
-              </a:rPr>
-              <a:t>same distance</a:t>
-            </a:r>
-          </a:p>
-        </p:txBody>
-      </p:sp>
-      <p:sp>
-        <p:nvSpPr>
-          <p:cNvPr id="35" name="TextBox 34">
-            <a:extLst>
-              <a:ext uri="{FF2B5EF4-FFF2-40B4-BE49-F238E27FC236}">
-                <a16:creationId xmlns:a16="http://schemas.microsoft.com/office/drawing/2014/main" id="{5DFBAE2D-1C9A-E14F-B4CE-2543897B4DC8}"/>
-              </a:ext>
-            </a:extLst>
-          </p:cNvPr>
-          <p:cNvSpPr txBox="1"/>
-          <p:nvPr/>
-        </p:nvSpPr>
-        <p:spPr>
-          <a:xfrm>
-            <a:off x="804041" y="4843082"/>
-            <a:ext cx="1355831" cy="400110"/>
-          </a:xfrm>
-          <a:prstGeom prst="rect">
-            <a:avLst/>
-          </a:prstGeom>
-          <a:noFill/>
-        </p:spPr>
-        <p:txBody>
-          <a:bodyPr wrap="square" rtlCol="0">
-            <a:spAutoFit/>
-          </a:bodyPr>
-          <a:lstStyle/>
-          <a:p>
-            <a:pPr algn="ctr"/>
-            <a:r>
-              <a:rPr lang="en-US" sz="1000" dirty="0"/>
-              <a:t>Not Satisfied</a:t>
-            </a:r>
-          </a:p>
-          <a:p>
-            <a:pPr algn="ctr"/>
-            <a:r>
-              <a:rPr lang="en-US" sz="1000" dirty="0"/>
-              <a:t>1</a:t>
-            </a:r>
-          </a:p>
-        </p:txBody>
-      </p:sp>
-      <p:sp>
-        <p:nvSpPr>
-          <p:cNvPr id="36" name="TextBox 35">
-            <a:extLst>
-              <a:ext uri="{FF2B5EF4-FFF2-40B4-BE49-F238E27FC236}">
-                <a16:creationId xmlns:a16="http://schemas.microsoft.com/office/drawing/2014/main" id="{333CB4DB-FE24-C242-8EF2-EB4BB7F397D3}"/>
-              </a:ext>
-            </a:extLst>
-          </p:cNvPr>
-          <p:cNvSpPr txBox="1"/>
-          <p:nvPr/>
-        </p:nvSpPr>
-        <p:spPr>
-          <a:xfrm>
-            <a:off x="5134303" y="4966193"/>
-            <a:ext cx="1355831" cy="276999"/>
-          </a:xfrm>
-          <a:prstGeom prst="rect">
-            <a:avLst/>
-          </a:prstGeom>
-          <a:noFill/>
-        </p:spPr>
-        <p:txBody>
-          <a:bodyPr wrap="square" rtlCol="0">
-            <a:spAutoFit/>
-          </a:bodyPr>
-          <a:lstStyle/>
-          <a:p>
-            <a:pPr algn="ctr"/>
-            <a:r>
-              <a:rPr lang="en-US" sz="1200" dirty="0"/>
-              <a:t>3</a:t>
-            </a:r>
-          </a:p>
-        </p:txBody>
-      </p:sp>
-      <p:sp>
-        <p:nvSpPr>
-          <p:cNvPr id="37" name="TextBox 36">
-            <a:extLst>
-              <a:ext uri="{FF2B5EF4-FFF2-40B4-BE49-F238E27FC236}">
-                <a16:creationId xmlns:a16="http://schemas.microsoft.com/office/drawing/2014/main" id="{84C5E143-CE29-2943-8376-9FC3C010EE1D}"/>
-              </a:ext>
-            </a:extLst>
-          </p:cNvPr>
-          <p:cNvSpPr txBox="1"/>
-          <p:nvPr/>
-        </p:nvSpPr>
-        <p:spPr>
-          <a:xfrm>
-            <a:off x="7299434" y="4966193"/>
-            <a:ext cx="1355831" cy="276999"/>
-          </a:xfrm>
-          <a:prstGeom prst="rect">
-            <a:avLst/>
-          </a:prstGeom>
-          <a:noFill/>
-        </p:spPr>
-        <p:txBody>
-          <a:bodyPr wrap="square" rtlCol="0">
-            <a:spAutoFit/>
-          </a:bodyPr>
-          <a:lstStyle/>
-          <a:p>
-            <a:pPr algn="ctr"/>
-            <a:r>
-              <a:rPr lang="en-US" sz="1200" dirty="0"/>
-              <a:t>4</a:t>
-            </a:r>
-          </a:p>
-        </p:txBody>
-      </p:sp>
-      <p:sp>
-        <p:nvSpPr>
-          <p:cNvPr id="38" name="TextBox 37">
-            <a:extLst>
-              <a:ext uri="{FF2B5EF4-FFF2-40B4-BE49-F238E27FC236}">
-                <a16:creationId xmlns:a16="http://schemas.microsoft.com/office/drawing/2014/main" id="{0518877B-27C8-014B-9712-99CD7CC8F601}"/>
-              </a:ext>
-            </a:extLst>
-          </p:cNvPr>
-          <p:cNvSpPr txBox="1"/>
-          <p:nvPr/>
-        </p:nvSpPr>
-        <p:spPr>
-          <a:xfrm>
-            <a:off x="9464565" y="4843082"/>
-            <a:ext cx="1355831" cy="400110"/>
-          </a:xfrm>
-          <a:prstGeom prst="rect">
-            <a:avLst/>
-          </a:prstGeom>
-          <a:noFill/>
-        </p:spPr>
-        <p:txBody>
-          <a:bodyPr wrap="square" rtlCol="0">
-            <a:spAutoFit/>
-          </a:bodyPr>
-          <a:lstStyle/>
-          <a:p>
-            <a:pPr algn="ctr"/>
-            <a:r>
-              <a:rPr lang="en-US" sz="1000" dirty="0"/>
-              <a:t>Satisfied</a:t>
-            </a:r>
-          </a:p>
-          <a:p>
-            <a:pPr algn="ctr"/>
-            <a:r>
-              <a:rPr lang="en-US" sz="1000" dirty="0"/>
-              <a:t>5</a:t>
-            </a:r>
-          </a:p>
-        </p:txBody>
-      </p:sp>
-      <p:sp>
-        <p:nvSpPr>
-          <p:cNvPr id="39" name="TextBox 38">
-            <a:extLst>
-              <a:ext uri="{FF2B5EF4-FFF2-40B4-BE49-F238E27FC236}">
-                <a16:creationId xmlns:a16="http://schemas.microsoft.com/office/drawing/2014/main" id="{572794AD-4AFE-9247-8DBF-5DAF6A76A998}"/>
-              </a:ext>
-            </a:extLst>
-          </p:cNvPr>
-          <p:cNvSpPr txBox="1"/>
-          <p:nvPr/>
-        </p:nvSpPr>
-        <p:spPr>
-          <a:xfrm>
-            <a:off x="2969172" y="4966193"/>
-            <a:ext cx="1355831" cy="276999"/>
-          </a:xfrm>
-          <a:prstGeom prst="rect">
-            <a:avLst/>
-          </a:prstGeom>
-          <a:noFill/>
-        </p:spPr>
-        <p:txBody>
-          <a:bodyPr wrap="square" rtlCol="0">
-            <a:spAutoFit/>
-          </a:bodyPr>
-          <a:lstStyle/>
-          <a:p>
-            <a:pPr algn="ctr"/>
-            <a:r>
-              <a:rPr lang="en-US" sz="1200" dirty="0"/>
-              <a:t>2</a:t>
-            </a:r>
-          </a:p>
-        </p:txBody>
-      </p:sp>
-      <p:sp>
-        <p:nvSpPr>
-          <p:cNvPr id="47" name="TextBox 46">
-            <a:extLst>
-              <a:ext uri="{FF2B5EF4-FFF2-40B4-BE49-F238E27FC236}">
-                <a16:creationId xmlns:a16="http://schemas.microsoft.com/office/drawing/2014/main" id="{2D61D9E3-5E65-F44F-A721-5E7F42AE3697}"/>
-              </a:ext>
-            </a:extLst>
-          </p:cNvPr>
-          <p:cNvSpPr txBox="1"/>
-          <p:nvPr/>
-        </p:nvSpPr>
-        <p:spPr>
-          <a:xfrm>
-            <a:off x="733424" y="364383"/>
-            <a:ext cx="10755989" cy="707886"/>
-          </a:xfrm>
-          <a:prstGeom prst="rect">
-            <a:avLst/>
-          </a:prstGeom>
-          <a:noFill/>
-        </p:spPr>
-        <p:txBody>
-          <a:bodyPr wrap="square" rtlCol="0">
-            <a:spAutoFit/>
-          </a:bodyPr>
-          <a:lstStyle/>
-          <a:p>
-            <a:pPr algn="ctr"/>
-            <a:r>
-              <a:rPr lang="en-US" sz="4000" dirty="0"/>
-              <a:t>How Do You Feel About Your Experience? </a:t>
-            </a:r>
-          </a:p>
-        </p:txBody>
-      </p:sp>
-      <p:cxnSp>
-        <p:nvCxnSpPr>
-          <p:cNvPr id="5" name="Straight Connector 4">
-            <a:extLst>
-              <a:ext uri="{FF2B5EF4-FFF2-40B4-BE49-F238E27FC236}">
-                <a16:creationId xmlns:a16="http://schemas.microsoft.com/office/drawing/2014/main" id="{9B43F118-1A79-2A40-81D1-2BC2C9E2F659}"/>
-              </a:ext>
-            </a:extLst>
-          </p:cNvPr>
-          <p:cNvCxnSpPr>
-            <a:cxnSpLocks/>
-          </p:cNvCxnSpPr>
-          <p:nvPr/>
-        </p:nvCxnSpPr>
-        <p:spPr>
-          <a:xfrm>
-            <a:off x="1471449" y="2228817"/>
-            <a:ext cx="8660524" cy="0"/>
-          </a:xfrm>
-          <a:prstGeom prst="line">
-            <a:avLst/>
-          </a:prstGeom>
-        </p:spPr>
-        <p:style>
-          <a:lnRef idx="1">
-            <a:schemeClr val="accent1"/>
-          </a:lnRef>
-          <a:fillRef idx="0">
-            <a:schemeClr val="accent1"/>
-          </a:fillRef>
-          <a:effectRef idx="0">
-            <a:schemeClr val="accent1"/>
-          </a:effectRef>
-          <a:fontRef idx="minor">
-            <a:schemeClr val="tx1"/>
-          </a:fontRef>
-        </p:style>
-      </p:cxnSp>
-      <p:cxnSp>
-        <p:nvCxnSpPr>
-          <p:cNvPr id="8" name="Straight Connector 7">
-            <a:extLst>
-              <a:ext uri="{FF2B5EF4-FFF2-40B4-BE49-F238E27FC236}">
-                <a16:creationId xmlns:a16="http://schemas.microsoft.com/office/drawing/2014/main" id="{E5A2FEB1-01DF-B64C-AE36-689B31B3E5AC}"/>
-              </a:ext>
-            </a:extLst>
-          </p:cNvPr>
-          <p:cNvCxnSpPr>
-            <a:cxnSpLocks/>
-          </p:cNvCxnSpPr>
-          <p:nvPr/>
-        </p:nvCxnSpPr>
-        <p:spPr>
-          <a:xfrm>
-            <a:off x="1471449" y="2038317"/>
-            <a:ext cx="0" cy="182880"/>
-          </a:xfrm>
-          <a:prstGeom prst="line">
-            <a:avLst/>
-          </a:prstGeom>
-        </p:spPr>
-        <p:style>
-          <a:lnRef idx="1">
-            <a:schemeClr val="accent1"/>
-          </a:lnRef>
-          <a:fillRef idx="0">
-            <a:schemeClr val="accent1"/>
-          </a:fillRef>
-          <a:effectRef idx="0">
-            <a:schemeClr val="accent1"/>
-          </a:effectRef>
-          <a:fontRef idx="minor">
-            <a:schemeClr val="tx1"/>
-          </a:fontRef>
-        </p:style>
-      </p:cxnSp>
-      <p:cxnSp>
-        <p:nvCxnSpPr>
-          <p:cNvPr id="9" name="Straight Connector 8">
-            <a:extLst>
-              <a:ext uri="{FF2B5EF4-FFF2-40B4-BE49-F238E27FC236}">
-                <a16:creationId xmlns:a16="http://schemas.microsoft.com/office/drawing/2014/main" id="{40F8FD00-1AC9-9640-88C4-3E3F5FAC179F}"/>
-              </a:ext>
-            </a:extLst>
-          </p:cNvPr>
-          <p:cNvCxnSpPr>
-            <a:cxnSpLocks/>
-          </p:cNvCxnSpPr>
-          <p:nvPr/>
-        </p:nvCxnSpPr>
-        <p:spPr>
-          <a:xfrm>
-            <a:off x="4315811" y="2038317"/>
-            <a:ext cx="0" cy="182880"/>
-          </a:xfrm>
-          <a:prstGeom prst="line">
-            <a:avLst/>
-          </a:prstGeom>
-        </p:spPr>
-        <p:style>
-          <a:lnRef idx="1">
-            <a:schemeClr val="accent1"/>
-          </a:lnRef>
-          <a:fillRef idx="0">
-            <a:schemeClr val="accent1"/>
-          </a:fillRef>
-          <a:effectRef idx="0">
-            <a:schemeClr val="accent1"/>
-          </a:effectRef>
-          <a:fontRef idx="minor">
-            <a:schemeClr val="tx1"/>
-          </a:fontRef>
-        </p:style>
-      </p:cxnSp>
-      <p:cxnSp>
-        <p:nvCxnSpPr>
-          <p:cNvPr id="10" name="Straight Connector 9">
-            <a:extLst>
-              <a:ext uri="{FF2B5EF4-FFF2-40B4-BE49-F238E27FC236}">
-                <a16:creationId xmlns:a16="http://schemas.microsoft.com/office/drawing/2014/main" id="{BF5228C0-3978-2640-8BF9-E95C9D21D5F9}"/>
-              </a:ext>
-            </a:extLst>
-          </p:cNvPr>
-          <p:cNvCxnSpPr>
-            <a:cxnSpLocks/>
-          </p:cNvCxnSpPr>
-          <p:nvPr/>
-        </p:nvCxnSpPr>
-        <p:spPr>
-          <a:xfrm>
-            <a:off x="5801711" y="2038317"/>
-            <a:ext cx="0" cy="182880"/>
-          </a:xfrm>
-          <a:prstGeom prst="line">
-            <a:avLst/>
-          </a:prstGeom>
-        </p:spPr>
-        <p:style>
-          <a:lnRef idx="1">
-            <a:schemeClr val="accent1"/>
-          </a:lnRef>
-          <a:fillRef idx="0">
-            <a:schemeClr val="accent1"/>
-          </a:fillRef>
-          <a:effectRef idx="0">
-            <a:schemeClr val="accent1"/>
-          </a:effectRef>
-          <a:fontRef idx="minor">
-            <a:schemeClr val="tx1"/>
-          </a:fontRef>
-        </p:style>
-      </p:cxnSp>
-      <p:cxnSp>
-        <p:nvCxnSpPr>
-          <p:cNvPr id="11" name="Straight Connector 10">
-            <a:extLst>
-              <a:ext uri="{FF2B5EF4-FFF2-40B4-BE49-F238E27FC236}">
-                <a16:creationId xmlns:a16="http://schemas.microsoft.com/office/drawing/2014/main" id="{5F21B786-EA99-9944-9EEF-BF3098B40676}"/>
-              </a:ext>
-            </a:extLst>
-          </p:cNvPr>
-          <p:cNvCxnSpPr>
-            <a:cxnSpLocks/>
-          </p:cNvCxnSpPr>
-          <p:nvPr/>
-        </p:nvCxnSpPr>
-        <p:spPr>
-          <a:xfrm>
-            <a:off x="7291552" y="2038317"/>
-            <a:ext cx="0" cy="182880"/>
-          </a:xfrm>
-          <a:prstGeom prst="line">
-            <a:avLst/>
-          </a:prstGeom>
-        </p:spPr>
-        <p:style>
-          <a:lnRef idx="1">
-            <a:schemeClr val="accent1"/>
-          </a:lnRef>
-          <a:fillRef idx="0">
-            <a:schemeClr val="accent1"/>
-          </a:fillRef>
-          <a:effectRef idx="0">
-            <a:schemeClr val="accent1"/>
-          </a:effectRef>
-          <a:fontRef idx="minor">
-            <a:schemeClr val="tx1"/>
-          </a:fontRef>
-        </p:style>
-      </p:cxnSp>
-      <p:cxnSp>
-        <p:nvCxnSpPr>
-          <p:cNvPr id="12" name="Straight Connector 11">
-            <a:extLst>
-              <a:ext uri="{FF2B5EF4-FFF2-40B4-BE49-F238E27FC236}">
-                <a16:creationId xmlns:a16="http://schemas.microsoft.com/office/drawing/2014/main" id="{69BAB62A-477A-B242-B8A3-14F9823F5927}"/>
-              </a:ext>
-            </a:extLst>
-          </p:cNvPr>
-          <p:cNvCxnSpPr>
-            <a:cxnSpLocks/>
-          </p:cNvCxnSpPr>
-          <p:nvPr/>
-        </p:nvCxnSpPr>
-        <p:spPr>
-          <a:xfrm>
-            <a:off x="10131973" y="2038317"/>
-            <a:ext cx="0" cy="182880"/>
-          </a:xfrm>
-          <a:prstGeom prst="line">
-            <a:avLst/>
-          </a:prstGeom>
-        </p:spPr>
-        <p:style>
-          <a:lnRef idx="1">
-            <a:schemeClr val="accent1"/>
-          </a:lnRef>
-          <a:fillRef idx="0">
-            <a:schemeClr val="accent1"/>
-          </a:fillRef>
-          <a:effectRef idx="0">
-            <a:schemeClr val="accent1"/>
-          </a:effectRef>
-          <a:fontRef idx="minor">
-            <a:schemeClr val="tx1"/>
-          </a:fontRef>
-        </p:style>
-      </p:cxnSp>
-      <p:sp>
-        <p:nvSpPr>
-          <p:cNvPr id="13" name="TextBox 12">
-            <a:extLst>
-              <a:ext uri="{FF2B5EF4-FFF2-40B4-BE49-F238E27FC236}">
-                <a16:creationId xmlns:a16="http://schemas.microsoft.com/office/drawing/2014/main" id="{87EC3B8E-6CA7-FF4E-B28A-ADB9E32C32B5}"/>
-              </a:ext>
-            </a:extLst>
-          </p:cNvPr>
-          <p:cNvSpPr txBox="1"/>
-          <p:nvPr/>
-        </p:nvSpPr>
-        <p:spPr>
-          <a:xfrm>
-            <a:off x="798788" y="1708666"/>
-            <a:ext cx="1355831" cy="230832"/>
-          </a:xfrm>
-          <a:prstGeom prst="rect">
-            <a:avLst/>
-          </a:prstGeom>
-          <a:noFill/>
-        </p:spPr>
-        <p:txBody>
-          <a:bodyPr wrap="square" rtlCol="0">
-            <a:spAutoFit/>
-          </a:bodyPr>
-          <a:lstStyle/>
-          <a:p>
-            <a:pPr algn="ctr"/>
-            <a:r>
-              <a:rPr lang="en-US" sz="900" dirty="0"/>
-              <a:t>Not Satisfied</a:t>
-            </a:r>
-          </a:p>
-        </p:txBody>
-      </p:sp>
-      <p:sp>
-        <p:nvSpPr>
-          <p:cNvPr id="14" name="TextBox 13">
-            <a:extLst>
-              <a:ext uri="{FF2B5EF4-FFF2-40B4-BE49-F238E27FC236}">
-                <a16:creationId xmlns:a16="http://schemas.microsoft.com/office/drawing/2014/main" id="{E391855C-BC1B-F248-9C07-ABA273BD8E63}"/>
-              </a:ext>
-            </a:extLst>
-          </p:cNvPr>
-          <p:cNvSpPr txBox="1"/>
-          <p:nvPr/>
-        </p:nvSpPr>
-        <p:spPr>
-          <a:xfrm>
-            <a:off x="5131678" y="1708666"/>
-            <a:ext cx="1355831" cy="230832"/>
-          </a:xfrm>
-          <a:prstGeom prst="rect">
-            <a:avLst/>
-          </a:prstGeom>
-          <a:noFill/>
-        </p:spPr>
-        <p:txBody>
-          <a:bodyPr wrap="square" rtlCol="0">
-            <a:spAutoFit/>
-          </a:bodyPr>
-          <a:lstStyle/>
-          <a:p>
-            <a:pPr algn="ctr"/>
-            <a:r>
-              <a:rPr lang="en-US" sz="900" dirty="0"/>
-              <a:t>Neutral</a:t>
-            </a:r>
-          </a:p>
-        </p:txBody>
-      </p:sp>
-      <p:sp>
-        <p:nvSpPr>
-          <p:cNvPr id="15" name="TextBox 14">
-            <a:extLst>
-              <a:ext uri="{FF2B5EF4-FFF2-40B4-BE49-F238E27FC236}">
-                <a16:creationId xmlns:a16="http://schemas.microsoft.com/office/drawing/2014/main" id="{9ECDACB8-21AE-3D4D-8A13-05677060CE0C}"/>
-              </a:ext>
-            </a:extLst>
-          </p:cNvPr>
-          <p:cNvSpPr txBox="1"/>
-          <p:nvPr/>
-        </p:nvSpPr>
-        <p:spPr>
-          <a:xfrm>
-            <a:off x="6621519" y="1708666"/>
-            <a:ext cx="1355831" cy="230832"/>
-          </a:xfrm>
-          <a:prstGeom prst="rect">
-            <a:avLst/>
-          </a:prstGeom>
-          <a:noFill/>
-        </p:spPr>
-        <p:txBody>
-          <a:bodyPr wrap="square" rtlCol="0">
-            <a:spAutoFit/>
-          </a:bodyPr>
-          <a:lstStyle/>
-          <a:p>
-            <a:pPr algn="ctr"/>
-            <a:r>
-              <a:rPr lang="en-US" sz="900" dirty="0"/>
-              <a:t>Somewhat Satisfied</a:t>
-            </a:r>
-          </a:p>
-        </p:txBody>
-      </p:sp>
-      <p:sp>
-        <p:nvSpPr>
-          <p:cNvPr id="16" name="TextBox 15">
-            <a:extLst>
-              <a:ext uri="{FF2B5EF4-FFF2-40B4-BE49-F238E27FC236}">
-                <a16:creationId xmlns:a16="http://schemas.microsoft.com/office/drawing/2014/main" id="{443CC023-AD16-4942-B9ED-D6EC021A7E63}"/>
-              </a:ext>
-            </a:extLst>
-          </p:cNvPr>
-          <p:cNvSpPr txBox="1"/>
-          <p:nvPr/>
-        </p:nvSpPr>
-        <p:spPr>
-          <a:xfrm>
-            <a:off x="9464565" y="1708666"/>
-            <a:ext cx="1355831" cy="230832"/>
-          </a:xfrm>
-          <a:prstGeom prst="rect">
-            <a:avLst/>
-          </a:prstGeom>
-          <a:noFill/>
-        </p:spPr>
-        <p:txBody>
-          <a:bodyPr wrap="square" rtlCol="0">
-            <a:spAutoFit/>
-          </a:bodyPr>
-          <a:lstStyle/>
-          <a:p>
-            <a:pPr algn="ctr"/>
-            <a:r>
-              <a:rPr lang="en-US" sz="900" dirty="0"/>
-              <a:t>Satisfied</a:t>
-            </a:r>
-          </a:p>
-        </p:txBody>
-      </p:sp>
-      <p:sp>
-        <p:nvSpPr>
-          <p:cNvPr id="17" name="TextBox 16">
-            <a:extLst>
-              <a:ext uri="{FF2B5EF4-FFF2-40B4-BE49-F238E27FC236}">
-                <a16:creationId xmlns:a16="http://schemas.microsoft.com/office/drawing/2014/main" id="{0F2D1AF0-2181-AF45-AB45-1E065D3F2E84}"/>
-              </a:ext>
-            </a:extLst>
-          </p:cNvPr>
-          <p:cNvSpPr txBox="1"/>
-          <p:nvPr/>
-        </p:nvSpPr>
-        <p:spPr>
-          <a:xfrm>
-            <a:off x="3647095" y="1708666"/>
-            <a:ext cx="1355831" cy="230832"/>
-          </a:xfrm>
-          <a:prstGeom prst="rect">
-            <a:avLst/>
-          </a:prstGeom>
-          <a:noFill/>
-        </p:spPr>
-        <p:txBody>
-          <a:bodyPr wrap="square" rtlCol="0">
-            <a:spAutoFit/>
-          </a:bodyPr>
-          <a:lstStyle/>
-          <a:p>
-            <a:pPr algn="ctr"/>
-            <a:r>
-              <a:rPr lang="en-US" sz="900" dirty="0"/>
-              <a:t>Somewhat Not Satisfied</a:t>
-            </a:r>
-          </a:p>
-        </p:txBody>
-      </p:sp>
-      <p:sp>
-        <p:nvSpPr>
-          <p:cNvPr id="29" name="Left Brace 28">
-            <a:extLst>
-              <a:ext uri="{FF2B5EF4-FFF2-40B4-BE49-F238E27FC236}">
-                <a16:creationId xmlns:a16="http://schemas.microsoft.com/office/drawing/2014/main" id="{4FABBCB4-A37E-DE4B-9D9E-BAC796BE3647}"/>
-              </a:ext>
-            </a:extLst>
-          </p:cNvPr>
-          <p:cNvSpPr/>
-          <p:nvPr/>
-        </p:nvSpPr>
-        <p:spPr>
-          <a:xfrm rot="16200000">
-            <a:off x="2828859" y="953195"/>
-            <a:ext cx="91440" cy="2743200"/>
-          </a:xfrm>
-          <a:prstGeom prst="leftBrace">
-            <a:avLst/>
-          </a:prstGeom>
-        </p:spPr>
-        <p:style>
-          <a:lnRef idx="1">
-            <a:schemeClr val="accent1"/>
-          </a:lnRef>
-          <a:fillRef idx="0">
-            <a:schemeClr val="accent1"/>
-          </a:fillRef>
-          <a:effectRef idx="0">
-            <a:schemeClr val="accent1"/>
-          </a:effectRef>
-          <a:fontRef idx="minor">
-            <a:schemeClr val="tx1"/>
-          </a:fontRef>
-        </p:style>
-        <p:txBody>
-          <a:bodyPr rtlCol="0" anchor="ctr"/>
-          <a:lstStyle/>
-          <a:p>
-            <a:pPr algn="ctr"/>
-            <a:endParaRPr lang="en-US"/>
-          </a:p>
-        </p:txBody>
-      </p:sp>
-      <p:sp>
-        <p:nvSpPr>
-          <p:cNvPr id="30" name="Left Brace 29">
-            <a:extLst>
-              <a:ext uri="{FF2B5EF4-FFF2-40B4-BE49-F238E27FC236}">
-                <a16:creationId xmlns:a16="http://schemas.microsoft.com/office/drawing/2014/main" id="{992C5AF0-A7BA-5445-9EF1-9EA573A648B4}"/>
-              </a:ext>
-            </a:extLst>
-          </p:cNvPr>
-          <p:cNvSpPr/>
-          <p:nvPr/>
-        </p:nvSpPr>
-        <p:spPr>
-          <a:xfrm rot="16200000">
-            <a:off x="5018298" y="1639650"/>
-            <a:ext cx="91440" cy="1370288"/>
-          </a:xfrm>
-          <a:prstGeom prst="leftBrace">
-            <a:avLst/>
-          </a:prstGeom>
-        </p:spPr>
-        <p:style>
-          <a:lnRef idx="1">
-            <a:schemeClr val="accent1"/>
-          </a:lnRef>
-          <a:fillRef idx="0">
-            <a:schemeClr val="accent1"/>
-          </a:fillRef>
-          <a:effectRef idx="0">
-            <a:schemeClr val="accent1"/>
-          </a:effectRef>
-          <a:fontRef idx="minor">
-            <a:schemeClr val="tx1"/>
-          </a:fontRef>
-        </p:style>
-        <p:txBody>
-          <a:bodyPr rtlCol="0" anchor="ctr"/>
-          <a:lstStyle/>
-          <a:p>
-            <a:pPr algn="ctr"/>
-            <a:endParaRPr lang="en-US"/>
-          </a:p>
-        </p:txBody>
-      </p:sp>
-      <p:sp>
-        <p:nvSpPr>
-          <p:cNvPr id="33" name="TextBox 32">
-            <a:extLst>
-              <a:ext uri="{FF2B5EF4-FFF2-40B4-BE49-F238E27FC236}">
-                <a16:creationId xmlns:a16="http://schemas.microsoft.com/office/drawing/2014/main" id="{BDD37A57-D1CA-F34D-8442-A340696D95C4}"/>
-              </a:ext>
-            </a:extLst>
-          </p:cNvPr>
-          <p:cNvSpPr txBox="1"/>
-          <p:nvPr/>
-        </p:nvSpPr>
-        <p:spPr>
-          <a:xfrm>
-            <a:off x="2913992" y="2370514"/>
-            <a:ext cx="2664373" cy="246221"/>
-          </a:xfrm>
-          <a:prstGeom prst="rect">
-            <a:avLst/>
-          </a:prstGeom>
-          <a:noFill/>
-        </p:spPr>
-        <p:txBody>
-          <a:bodyPr wrap="square" rtlCol="0">
-            <a:spAutoFit/>
-          </a:bodyPr>
-          <a:lstStyle/>
-          <a:p>
-            <a:pPr algn="ctr"/>
-            <a:r>
-              <a:rPr lang="en-US" sz="1000" dirty="0">
-                <a:solidFill>
-                  <a:srgbClr val="FF0000"/>
-                </a:solidFill>
-              </a:rPr>
-              <a:t>not the same distance</a:t>
-            </a:r>
-          </a:p>
-        </p:txBody>
-      </p:sp>
-      <p:sp>
-        <p:nvSpPr>
-          <p:cNvPr id="4" name="Oval 3">
-            <a:extLst>
-              <a:ext uri="{FF2B5EF4-FFF2-40B4-BE49-F238E27FC236}">
-                <a16:creationId xmlns:a16="http://schemas.microsoft.com/office/drawing/2014/main" id="{9D143BB6-C706-4741-BBA6-8543C7ED8247}"/>
-              </a:ext>
-            </a:extLst>
-          </p:cNvPr>
-          <p:cNvSpPr/>
-          <p:nvPr/>
-        </p:nvSpPr>
-        <p:spPr>
-          <a:xfrm>
-            <a:off x="1408385" y="1916407"/>
-            <a:ext cx="136636" cy="137160"/>
-          </a:xfrm>
-          <a:prstGeom prst="ellipse">
-            <a:avLst/>
-          </a:prstGeom>
-          <a:noFill/>
-          <a:ln w="38100"/>
-        </p:spPr>
-        <p:style>
-          <a:lnRef idx="2">
-            <a:schemeClr val="accent1">
-              <a:shade val="50000"/>
-            </a:schemeClr>
-          </a:lnRef>
-          <a:fillRef idx="1">
-            <a:schemeClr val="accent1"/>
-          </a:fillRef>
-          <a:effectRef idx="0">
-            <a:schemeClr val="accent1"/>
-          </a:effectRef>
-          <a:fontRef idx="minor">
-            <a:schemeClr val="lt1"/>
-          </a:fontRef>
-        </p:style>
-        <p:txBody>
-          <a:bodyPr rtlCol="0" anchor="ctr"/>
-          <a:lstStyle/>
-          <a:p>
-            <a:pPr algn="ctr"/>
-            <a:endParaRPr lang="en-US"/>
-          </a:p>
-        </p:txBody>
-      </p:sp>
-      <p:sp>
-        <p:nvSpPr>
-          <p:cNvPr id="40" name="Oval 39">
-            <a:extLst>
-              <a:ext uri="{FF2B5EF4-FFF2-40B4-BE49-F238E27FC236}">
-                <a16:creationId xmlns:a16="http://schemas.microsoft.com/office/drawing/2014/main" id="{C2ACBB61-9BE1-3E48-B752-916F355AF77B}"/>
-              </a:ext>
-            </a:extLst>
-          </p:cNvPr>
-          <p:cNvSpPr/>
-          <p:nvPr/>
-        </p:nvSpPr>
-        <p:spPr>
-          <a:xfrm>
-            <a:off x="4256688" y="1916407"/>
-            <a:ext cx="136636" cy="137160"/>
-          </a:xfrm>
-          <a:prstGeom prst="ellipse">
-            <a:avLst/>
-          </a:prstGeom>
-          <a:noFill/>
-          <a:ln w="38100"/>
-        </p:spPr>
-        <p:style>
-          <a:lnRef idx="2">
-            <a:schemeClr val="accent1">
-              <a:shade val="50000"/>
-            </a:schemeClr>
-          </a:lnRef>
-          <a:fillRef idx="1">
-            <a:schemeClr val="accent1"/>
-          </a:fillRef>
-          <a:effectRef idx="0">
-            <a:schemeClr val="accent1"/>
-          </a:effectRef>
-          <a:fontRef idx="minor">
-            <a:schemeClr val="lt1"/>
-          </a:fontRef>
-        </p:style>
-        <p:txBody>
-          <a:bodyPr rtlCol="0" anchor="ctr"/>
-          <a:lstStyle/>
-          <a:p>
-            <a:pPr algn="ctr"/>
-            <a:endParaRPr lang="en-US"/>
-          </a:p>
-        </p:txBody>
-      </p:sp>
-      <p:sp>
-        <p:nvSpPr>
-          <p:cNvPr id="41" name="Oval 40">
-            <a:extLst>
-              <a:ext uri="{FF2B5EF4-FFF2-40B4-BE49-F238E27FC236}">
-                <a16:creationId xmlns:a16="http://schemas.microsoft.com/office/drawing/2014/main" id="{4A8FBDD8-1CD0-FD44-8DE7-470F011BDD31}"/>
-              </a:ext>
-            </a:extLst>
-          </p:cNvPr>
-          <p:cNvSpPr/>
-          <p:nvPr/>
-        </p:nvSpPr>
-        <p:spPr>
-          <a:xfrm>
-            <a:off x="5739963" y="1916407"/>
-            <a:ext cx="136636" cy="137160"/>
-          </a:xfrm>
-          <a:prstGeom prst="ellipse">
-            <a:avLst/>
-          </a:prstGeom>
-          <a:noFill/>
-          <a:ln w="38100"/>
-        </p:spPr>
-        <p:style>
-          <a:lnRef idx="2">
-            <a:schemeClr val="accent1">
-              <a:shade val="50000"/>
-            </a:schemeClr>
-          </a:lnRef>
-          <a:fillRef idx="1">
-            <a:schemeClr val="accent1"/>
-          </a:fillRef>
-          <a:effectRef idx="0">
-            <a:schemeClr val="accent1"/>
-          </a:effectRef>
-          <a:fontRef idx="minor">
-            <a:schemeClr val="lt1"/>
-          </a:fontRef>
-        </p:style>
-        <p:txBody>
-          <a:bodyPr rtlCol="0" anchor="ctr"/>
-          <a:lstStyle/>
-          <a:p>
-            <a:pPr algn="ctr"/>
-            <a:endParaRPr lang="en-US"/>
-          </a:p>
-        </p:txBody>
-      </p:sp>
-      <p:sp>
-        <p:nvSpPr>
-          <p:cNvPr id="44" name="Oval 43">
-            <a:extLst>
-              <a:ext uri="{FF2B5EF4-FFF2-40B4-BE49-F238E27FC236}">
-                <a16:creationId xmlns:a16="http://schemas.microsoft.com/office/drawing/2014/main" id="{B6F17ED3-BF0E-1A40-BC17-C4816D9F1BEA}"/>
-              </a:ext>
-            </a:extLst>
-          </p:cNvPr>
-          <p:cNvSpPr/>
-          <p:nvPr/>
-        </p:nvSpPr>
-        <p:spPr>
-          <a:xfrm>
-            <a:off x="7227175" y="1916407"/>
-            <a:ext cx="136636" cy="137160"/>
-          </a:xfrm>
-          <a:prstGeom prst="ellipse">
-            <a:avLst/>
-          </a:prstGeom>
-          <a:noFill/>
-          <a:ln w="38100"/>
-        </p:spPr>
-        <p:style>
-          <a:lnRef idx="2">
-            <a:schemeClr val="accent1">
-              <a:shade val="50000"/>
-            </a:schemeClr>
-          </a:lnRef>
-          <a:fillRef idx="1">
-            <a:schemeClr val="accent1"/>
-          </a:fillRef>
-          <a:effectRef idx="0">
-            <a:schemeClr val="accent1"/>
-          </a:effectRef>
-          <a:fontRef idx="minor">
-            <a:schemeClr val="lt1"/>
-          </a:fontRef>
-        </p:style>
-        <p:txBody>
-          <a:bodyPr rtlCol="0" anchor="ctr"/>
-          <a:lstStyle/>
-          <a:p>
-            <a:pPr algn="ctr"/>
-            <a:endParaRPr lang="en-US"/>
-          </a:p>
-        </p:txBody>
-      </p:sp>
-      <p:sp>
-        <p:nvSpPr>
-          <p:cNvPr id="46" name="Oval 45">
-            <a:extLst>
-              <a:ext uri="{FF2B5EF4-FFF2-40B4-BE49-F238E27FC236}">
-                <a16:creationId xmlns:a16="http://schemas.microsoft.com/office/drawing/2014/main" id="{6154C7D8-B3C2-794E-B9AB-2C41A90C6B55}"/>
-              </a:ext>
-            </a:extLst>
-          </p:cNvPr>
-          <p:cNvSpPr/>
-          <p:nvPr/>
-        </p:nvSpPr>
-        <p:spPr>
-          <a:xfrm>
-            <a:off x="10074162" y="1916407"/>
-            <a:ext cx="136636" cy="137160"/>
-          </a:xfrm>
-          <a:prstGeom prst="ellipse">
-            <a:avLst/>
-          </a:prstGeom>
-          <a:noFill/>
-          <a:ln w="38100"/>
-        </p:spPr>
-        <p:style>
-          <a:lnRef idx="2">
-            <a:schemeClr val="accent1">
-              <a:shade val="50000"/>
-            </a:schemeClr>
-          </a:lnRef>
-          <a:fillRef idx="1">
-            <a:schemeClr val="accent1"/>
-          </a:fillRef>
-          <a:effectRef idx="0">
-            <a:schemeClr val="accent1"/>
-          </a:effectRef>
-          <a:fontRef idx="minor">
-            <a:schemeClr val="lt1"/>
-          </a:fontRef>
-        </p:style>
-        <p:txBody>
-          <a:bodyPr rtlCol="0" anchor="ctr"/>
-          <a:lstStyle/>
-          <a:p>
-            <a:pPr algn="ctr"/>
-            <a:endParaRPr lang="en-US"/>
-          </a:p>
-        </p:txBody>
-      </p:sp>
-      <p:sp>
-        <p:nvSpPr>
-          <p:cNvPr id="48" name="Oval 47">
-            <a:extLst>
-              <a:ext uri="{FF2B5EF4-FFF2-40B4-BE49-F238E27FC236}">
-                <a16:creationId xmlns:a16="http://schemas.microsoft.com/office/drawing/2014/main" id="{7EA28760-62B7-B848-A728-E15C2AAC6E01}"/>
-              </a:ext>
-            </a:extLst>
-          </p:cNvPr>
-          <p:cNvSpPr/>
-          <p:nvPr/>
-        </p:nvSpPr>
-        <p:spPr>
-          <a:xfrm>
-            <a:off x="1408384" y="5194791"/>
-            <a:ext cx="136636" cy="137160"/>
-          </a:xfrm>
-          <a:prstGeom prst="ellipse">
-            <a:avLst/>
-          </a:prstGeom>
-          <a:noFill/>
-          <a:ln w="38100"/>
-        </p:spPr>
-        <p:style>
-          <a:lnRef idx="2">
-            <a:schemeClr val="accent1">
-              <a:shade val="50000"/>
-            </a:schemeClr>
-          </a:lnRef>
-          <a:fillRef idx="1">
-            <a:schemeClr val="accent1"/>
-          </a:fillRef>
-          <a:effectRef idx="0">
-            <a:schemeClr val="accent1"/>
-          </a:effectRef>
-          <a:fontRef idx="minor">
-            <a:schemeClr val="lt1"/>
-          </a:fontRef>
-        </p:style>
-        <p:txBody>
-          <a:bodyPr rtlCol="0" anchor="ctr"/>
-          <a:lstStyle/>
-          <a:p>
-            <a:pPr algn="ctr"/>
-            <a:endParaRPr lang="en-US"/>
-          </a:p>
-        </p:txBody>
-      </p:sp>
-      <p:sp>
-        <p:nvSpPr>
-          <p:cNvPr id="49" name="Oval 48">
-            <a:extLst>
-              <a:ext uri="{FF2B5EF4-FFF2-40B4-BE49-F238E27FC236}">
-                <a16:creationId xmlns:a16="http://schemas.microsoft.com/office/drawing/2014/main" id="{F08DA1C3-3C73-4143-A334-B9533B96BEA1}"/>
-              </a:ext>
-            </a:extLst>
-          </p:cNvPr>
-          <p:cNvSpPr/>
-          <p:nvPr/>
-        </p:nvSpPr>
-        <p:spPr>
-          <a:xfrm>
-            <a:off x="3573516" y="5194791"/>
-            <a:ext cx="136636" cy="137160"/>
-          </a:xfrm>
-          <a:prstGeom prst="ellipse">
-            <a:avLst/>
-          </a:prstGeom>
-          <a:noFill/>
-          <a:ln w="38100"/>
-        </p:spPr>
-        <p:style>
-          <a:lnRef idx="2">
-            <a:schemeClr val="accent1">
-              <a:shade val="50000"/>
-            </a:schemeClr>
-          </a:lnRef>
-          <a:fillRef idx="1">
-            <a:schemeClr val="accent1"/>
-          </a:fillRef>
-          <a:effectRef idx="0">
-            <a:schemeClr val="accent1"/>
-          </a:effectRef>
-          <a:fontRef idx="minor">
-            <a:schemeClr val="lt1"/>
-          </a:fontRef>
-        </p:style>
-        <p:txBody>
-          <a:bodyPr rtlCol="0" anchor="ctr"/>
-          <a:lstStyle/>
-          <a:p>
-            <a:pPr algn="ctr"/>
-            <a:endParaRPr lang="en-US"/>
-          </a:p>
-        </p:txBody>
-      </p:sp>
-      <p:sp>
-        <p:nvSpPr>
-          <p:cNvPr id="50" name="Oval 49">
-            <a:extLst>
-              <a:ext uri="{FF2B5EF4-FFF2-40B4-BE49-F238E27FC236}">
-                <a16:creationId xmlns:a16="http://schemas.microsoft.com/office/drawing/2014/main" id="{311BC7CF-64B7-344A-9E81-242131149B11}"/>
-              </a:ext>
-            </a:extLst>
-          </p:cNvPr>
-          <p:cNvSpPr/>
-          <p:nvPr/>
-        </p:nvSpPr>
-        <p:spPr>
-          <a:xfrm>
-            <a:off x="5739962" y="5194791"/>
-            <a:ext cx="136636" cy="137160"/>
-          </a:xfrm>
-          <a:prstGeom prst="ellipse">
-            <a:avLst/>
-          </a:prstGeom>
-          <a:noFill/>
-          <a:ln w="38100"/>
-        </p:spPr>
-        <p:style>
-          <a:lnRef idx="2">
-            <a:schemeClr val="accent1">
-              <a:shade val="50000"/>
-            </a:schemeClr>
-          </a:lnRef>
-          <a:fillRef idx="1">
-            <a:schemeClr val="accent1"/>
-          </a:fillRef>
-          <a:effectRef idx="0">
-            <a:schemeClr val="accent1"/>
-          </a:effectRef>
-          <a:fontRef idx="minor">
-            <a:schemeClr val="lt1"/>
-          </a:fontRef>
-        </p:style>
-        <p:txBody>
-          <a:bodyPr rtlCol="0" anchor="ctr"/>
-          <a:lstStyle/>
-          <a:p>
-            <a:pPr algn="ctr"/>
-            <a:endParaRPr lang="en-US"/>
-          </a:p>
-        </p:txBody>
-      </p:sp>
-      <p:sp>
-        <p:nvSpPr>
-          <p:cNvPr id="51" name="Oval 50">
-            <a:extLst>
-              <a:ext uri="{FF2B5EF4-FFF2-40B4-BE49-F238E27FC236}">
-                <a16:creationId xmlns:a16="http://schemas.microsoft.com/office/drawing/2014/main" id="{19B4AAC7-B371-7A44-83D5-3156D7D9B26A}"/>
-              </a:ext>
-            </a:extLst>
-          </p:cNvPr>
-          <p:cNvSpPr/>
-          <p:nvPr/>
-        </p:nvSpPr>
-        <p:spPr>
-          <a:xfrm>
-            <a:off x="7899837" y="5194791"/>
-            <a:ext cx="136636" cy="137160"/>
-          </a:xfrm>
-          <a:prstGeom prst="ellipse">
-            <a:avLst/>
-          </a:prstGeom>
-          <a:noFill/>
-          <a:ln w="38100"/>
-        </p:spPr>
-        <p:style>
-          <a:lnRef idx="2">
-            <a:schemeClr val="accent1">
-              <a:shade val="50000"/>
-            </a:schemeClr>
-          </a:lnRef>
-          <a:fillRef idx="1">
-            <a:schemeClr val="accent1"/>
-          </a:fillRef>
-          <a:effectRef idx="0">
-            <a:schemeClr val="accent1"/>
-          </a:effectRef>
-          <a:fontRef idx="minor">
-            <a:schemeClr val="lt1"/>
-          </a:fontRef>
-        </p:style>
-        <p:txBody>
-          <a:bodyPr rtlCol="0" anchor="ctr"/>
-          <a:lstStyle/>
-          <a:p>
-            <a:pPr algn="ctr"/>
-            <a:endParaRPr lang="en-US"/>
-          </a:p>
-        </p:txBody>
-      </p:sp>
-      <p:sp>
-        <p:nvSpPr>
-          <p:cNvPr id="52" name="Oval 51">
-            <a:extLst>
-              <a:ext uri="{FF2B5EF4-FFF2-40B4-BE49-F238E27FC236}">
-                <a16:creationId xmlns:a16="http://schemas.microsoft.com/office/drawing/2014/main" id="{3A8D0C61-017E-634F-B768-780174DBE986}"/>
-              </a:ext>
-            </a:extLst>
-          </p:cNvPr>
-          <p:cNvSpPr/>
-          <p:nvPr/>
-        </p:nvSpPr>
-        <p:spPr>
-          <a:xfrm>
-            <a:off x="10074161" y="5194791"/>
-            <a:ext cx="136636" cy="137160"/>
-          </a:xfrm>
-          <a:prstGeom prst="ellipse">
-            <a:avLst/>
-          </a:prstGeom>
-          <a:noFill/>
-          <a:ln w="38100"/>
-        </p:spPr>
-        <p:style>
-          <a:lnRef idx="2">
-            <a:schemeClr val="accent1">
-              <a:shade val="50000"/>
-            </a:schemeClr>
-          </a:lnRef>
-          <a:fillRef idx="1">
-            <a:schemeClr val="accent1"/>
-          </a:fillRef>
-          <a:effectRef idx="0">
-            <a:schemeClr val="accent1"/>
-          </a:effectRef>
-          <a:fontRef idx="minor">
-            <a:schemeClr val="lt1"/>
-          </a:fontRef>
-        </p:style>
-        <p:txBody>
-          <a:bodyPr rtlCol="0" anchor="ctr"/>
-          <a:lstStyle/>
-          <a:p>
-            <a:pPr algn="ctr"/>
-            <a:endParaRPr lang="en-US"/>
-          </a:p>
-        </p:txBody>
-      </p:sp>
-    </p:spTree>
-    <p:extLst>
-      <p:ext uri="{BB962C8B-B14F-4D97-AF65-F5344CB8AC3E}">
-        <p14:creationId xmlns:p14="http://schemas.microsoft.com/office/powerpoint/2010/main" val="3012186833"/>
-      </p:ext>
-    </p:extLst>
-  </p:cSld>
-  <p:clrMapOvr>
-    <a:masterClrMapping/>
-  </p:clrMapOvr>
-</p:sld>
-</file>
-
 <file path=ppt/theme/theme1.xml><?xml version="1.0" encoding="utf-8"?>
 <a:theme xmlns:a="http://schemas.openxmlformats.org/drawingml/2006/main" name="Office Theme">
   <a:themeElements>

--- a/image/medium.pptx
+++ b/image/medium.pptx
@@ -216,7 +216,7 @@
           <a:p>
             <a:fld id="{C3F18181-8FF0-534D-9C07-4449A29BB427}" type="datetimeFigureOut">
               <a:rPr lang="en-US" smtClean="0"/>
-              <a:t>3/23/21</a:t>
+              <a:t>3/25/21</a:t>
             </a:fld>
             <a:endParaRPr lang="en-US"/>
           </a:p>
@@ -714,7 +714,7 @@
           <a:p>
             <a:fld id="{65821905-ECD0-F84B-AD8F-672D6B8FFCA7}" type="datetimeFigureOut">
               <a:rPr lang="en-US" smtClean="0"/>
-              <a:t>3/23/21</a:t>
+              <a:t>3/25/21</a:t>
             </a:fld>
             <a:endParaRPr lang="en-US"/>
           </a:p>
@@ -912,7 +912,7 @@
           <a:p>
             <a:fld id="{65821905-ECD0-F84B-AD8F-672D6B8FFCA7}" type="datetimeFigureOut">
               <a:rPr lang="en-US" smtClean="0"/>
-              <a:t>3/23/21</a:t>
+              <a:t>3/25/21</a:t>
             </a:fld>
             <a:endParaRPr lang="en-US"/>
           </a:p>
@@ -1120,7 +1120,7 @@
           <a:p>
             <a:fld id="{65821905-ECD0-F84B-AD8F-672D6B8FFCA7}" type="datetimeFigureOut">
               <a:rPr lang="en-US" smtClean="0"/>
-              <a:t>3/23/21</a:t>
+              <a:t>3/25/21</a:t>
             </a:fld>
             <a:endParaRPr lang="en-US"/>
           </a:p>
@@ -1318,7 +1318,7 @@
           <a:p>
             <a:fld id="{65821905-ECD0-F84B-AD8F-672D6B8FFCA7}" type="datetimeFigureOut">
               <a:rPr lang="en-US" smtClean="0"/>
-              <a:t>3/23/21</a:t>
+              <a:t>3/25/21</a:t>
             </a:fld>
             <a:endParaRPr lang="en-US"/>
           </a:p>
@@ -1593,7 +1593,7 @@
           <a:p>
             <a:fld id="{65821905-ECD0-F84B-AD8F-672D6B8FFCA7}" type="datetimeFigureOut">
               <a:rPr lang="en-US" smtClean="0"/>
-              <a:t>3/23/21</a:t>
+              <a:t>3/25/21</a:t>
             </a:fld>
             <a:endParaRPr lang="en-US"/>
           </a:p>
@@ -1858,7 +1858,7 @@
           <a:p>
             <a:fld id="{65821905-ECD0-F84B-AD8F-672D6B8FFCA7}" type="datetimeFigureOut">
               <a:rPr lang="en-US" smtClean="0"/>
-              <a:t>3/23/21</a:t>
+              <a:t>3/25/21</a:t>
             </a:fld>
             <a:endParaRPr lang="en-US"/>
           </a:p>
@@ -2270,7 +2270,7 @@
           <a:p>
             <a:fld id="{65821905-ECD0-F84B-AD8F-672D6B8FFCA7}" type="datetimeFigureOut">
               <a:rPr lang="en-US" smtClean="0"/>
-              <a:t>3/23/21</a:t>
+              <a:t>3/25/21</a:t>
             </a:fld>
             <a:endParaRPr lang="en-US"/>
           </a:p>
@@ -2411,7 +2411,7 @@
           <a:p>
             <a:fld id="{65821905-ECD0-F84B-AD8F-672D6B8FFCA7}" type="datetimeFigureOut">
               <a:rPr lang="en-US" smtClean="0"/>
-              <a:t>3/23/21</a:t>
+              <a:t>3/25/21</a:t>
             </a:fld>
             <a:endParaRPr lang="en-US"/>
           </a:p>
@@ -2524,7 +2524,7 @@
           <a:p>
             <a:fld id="{65821905-ECD0-F84B-AD8F-672D6B8FFCA7}" type="datetimeFigureOut">
               <a:rPr lang="en-US" smtClean="0"/>
-              <a:t>3/23/21</a:t>
+              <a:t>3/25/21</a:t>
             </a:fld>
             <a:endParaRPr lang="en-US"/>
           </a:p>
@@ -2835,7 +2835,7 @@
           <a:p>
             <a:fld id="{65821905-ECD0-F84B-AD8F-672D6B8FFCA7}" type="datetimeFigureOut">
               <a:rPr lang="en-US" smtClean="0"/>
-              <a:t>3/23/21</a:t>
+              <a:t>3/25/21</a:t>
             </a:fld>
             <a:endParaRPr lang="en-US"/>
           </a:p>
@@ -3123,7 +3123,7 @@
           <a:p>
             <a:fld id="{65821905-ECD0-F84B-AD8F-672D6B8FFCA7}" type="datetimeFigureOut">
               <a:rPr lang="en-US" smtClean="0"/>
-              <a:t>3/23/21</a:t>
+              <a:t>3/25/21</a:t>
             </a:fld>
             <a:endParaRPr lang="en-US"/>
           </a:p>
@@ -3364,7 +3364,7 @@
           <a:p>
             <a:fld id="{65821905-ECD0-F84B-AD8F-672D6B8FFCA7}" type="datetimeFigureOut">
               <a:rPr lang="en-US" smtClean="0"/>
-              <a:t>3/23/21</a:t>
+              <a:t>3/25/21</a:t>
             </a:fld>
             <a:endParaRPr lang="en-US"/>
           </a:p>
@@ -12797,7 +12797,7 @@
         </p:nvSpPr>
         <p:spPr>
           <a:xfrm>
-            <a:off x="1690819" y="2607700"/>
+            <a:off x="1501634" y="3059641"/>
             <a:ext cx="10755989" cy="461665"/>
           </a:xfrm>
           <a:prstGeom prst="rect">
@@ -12838,8 +12838,8 @@
         </p:nvSpPr>
         <p:spPr>
           <a:xfrm>
-            <a:off x="3732698" y="2020997"/>
-            <a:ext cx="6753120" cy="1569660"/>
+            <a:off x="3962400" y="1597950"/>
+            <a:ext cx="6932561" cy="1569660"/>
           </a:xfrm>
           <a:prstGeom prst="rect">
             <a:avLst/>
@@ -12852,7 +12852,7 @@
           </a:bodyPr>
           <a:lstStyle/>
           <a:p>
-            <a:pPr algn="ctr"/>
+            <a:pPr algn="r"/>
             <a:r>
               <a:rPr lang="en-US" sz="4800" b="1" cap="none" spc="0" dirty="0">
                 <a:ln w="22225">
